--- a/notes/csc402-ln017.pptx
+++ b/notes/csc402-ln017.pptx
@@ -222,17 +222,17 @@
           </a:ln>
           <a:extLst>
             <a:ext uri="{FAA26D3D-D897-4be2-8F04-BA451C77F1D7}">
-              <ma14:placeholderFlag xmlns:ma14="http://schemas.microsoft.com/office/mac/drawingml/2011/main" val="1"/>
+              <ma14:placeholderFlag xmlns:ma14="http://schemas.microsoft.com/office/mac/drawingml/2011/main" xmlns="" val="1"/>
             </a:ext>
             <a:ext uri="{909E8E84-426E-40dd-AFC4-6F175D3DCCD1}">
-              <a14:hiddenFill xmlns="" xmlns:a14="http://schemas.microsoft.com/office/drawing/2010/main">
+              <a14:hiddenFill xmlns:a14="http://schemas.microsoft.com/office/drawing/2010/main" xmlns="">
                 <a:solidFill>
                   <a:schemeClr val="accent1"/>
                 </a:solidFill>
               </a14:hiddenFill>
             </a:ext>
             <a:ext uri="{91240B29-F687-4f45-9708-019B960494DF}">
-              <a14:hiddenLine xmlns="" xmlns:a14="http://schemas.microsoft.com/office/drawing/2010/main" w="9525">
+              <a14:hiddenLine xmlns:a14="http://schemas.microsoft.com/office/drawing/2010/main" xmlns="" w="9525">
                 <a:solidFill>
                   <a:schemeClr val="tx1"/>
                 </a:solidFill>
@@ -283,17 +283,17 @@
           </a:ln>
           <a:extLst>
             <a:ext uri="{FAA26D3D-D897-4be2-8F04-BA451C77F1D7}">
-              <ma14:placeholderFlag xmlns:ma14="http://schemas.microsoft.com/office/mac/drawingml/2011/main" val="1"/>
+              <ma14:placeholderFlag xmlns:ma14="http://schemas.microsoft.com/office/mac/drawingml/2011/main" xmlns="" val="1"/>
             </a:ext>
             <a:ext uri="{909E8E84-426E-40dd-AFC4-6F175D3DCCD1}">
-              <a14:hiddenFill xmlns="" xmlns:a14="http://schemas.microsoft.com/office/drawing/2010/main">
+              <a14:hiddenFill xmlns:a14="http://schemas.microsoft.com/office/drawing/2010/main" xmlns="">
                 <a:solidFill>
                   <a:schemeClr val="accent1"/>
                 </a:solidFill>
               </a14:hiddenFill>
             </a:ext>
             <a:ext uri="{91240B29-F687-4f45-9708-019B960494DF}">
-              <a14:hiddenLine xmlns="" xmlns:a14="http://schemas.microsoft.com/office/drawing/2010/main" w="9525">
+              <a14:hiddenLine xmlns:a14="http://schemas.microsoft.com/office/drawing/2010/main" xmlns="" w="9525">
                 <a:solidFill>
                   <a:schemeClr val="tx1"/>
                 </a:solidFill>
@@ -350,7 +350,7 @@
           <a:effectLst/>
           <a:extLst>
             <a:ext uri="{AF507438-7753-43e0-B8FC-AC1667EBCBE1}">
-              <a14:hiddenEffects xmlns="" xmlns:a14="http://schemas.microsoft.com/office/drawing/2010/main">
+              <a14:hiddenEffects xmlns:a14="http://schemas.microsoft.com/office/drawing/2010/main" xmlns="">
                 <a:effectLst>
                   <a:outerShdw blurRad="63500" dist="38099" dir="2700000" algn="ctr" rotWithShape="0">
                     <a:srgbClr val="000000">
@@ -361,7 +361,7 @@
               </a14:hiddenEffects>
             </a:ext>
             <a:ext uri="{53640926-AAD7-44d8-BBD7-CCE9431645EC}">
-              <a14:shadowObscured xmlns="" xmlns:a14="http://schemas.microsoft.com/office/drawing/2010/main" val="1"/>
+              <a14:shadowObscured xmlns:a14="http://schemas.microsoft.com/office/drawing/2010/main" xmlns="" val="1"/>
             </a:ext>
           </a:extLst>
         </p:spPr>
@@ -390,17 +390,17 @@
           </a:ln>
           <a:extLst>
             <a:ext uri="{FAA26D3D-D897-4be2-8F04-BA451C77F1D7}">
-              <ma14:placeholderFlag xmlns:ma14="http://schemas.microsoft.com/office/mac/drawingml/2011/main" val="1"/>
+              <ma14:placeholderFlag xmlns:ma14="http://schemas.microsoft.com/office/mac/drawingml/2011/main" xmlns="" val="1"/>
             </a:ext>
             <a:ext uri="{909E8E84-426E-40dd-AFC4-6F175D3DCCD1}">
-              <a14:hiddenFill xmlns="" xmlns:a14="http://schemas.microsoft.com/office/drawing/2010/main">
+              <a14:hiddenFill xmlns:a14="http://schemas.microsoft.com/office/drawing/2010/main" xmlns="">
                 <a:solidFill>
                   <a:schemeClr val="accent1"/>
                 </a:solidFill>
               </a14:hiddenFill>
             </a:ext>
             <a:ext uri="{91240B29-F687-4f45-9708-019B960494DF}">
-              <a14:hiddenLine xmlns="" xmlns:a14="http://schemas.microsoft.com/office/drawing/2010/main" w="9525">
+              <a14:hiddenLine xmlns:a14="http://schemas.microsoft.com/office/drawing/2010/main" xmlns="" w="9525">
                 <a:solidFill>
                   <a:schemeClr val="tx1"/>
                 </a:solidFill>
@@ -479,17 +479,17 @@
           </a:ln>
           <a:extLst>
             <a:ext uri="{FAA26D3D-D897-4be2-8F04-BA451C77F1D7}">
-              <ma14:placeholderFlag xmlns:ma14="http://schemas.microsoft.com/office/mac/drawingml/2011/main" val="1"/>
+              <ma14:placeholderFlag xmlns:ma14="http://schemas.microsoft.com/office/mac/drawingml/2011/main" xmlns="" val="1"/>
             </a:ext>
             <a:ext uri="{909E8E84-426E-40dd-AFC4-6F175D3DCCD1}">
-              <a14:hiddenFill xmlns="" xmlns:a14="http://schemas.microsoft.com/office/drawing/2010/main">
+              <a14:hiddenFill xmlns:a14="http://schemas.microsoft.com/office/drawing/2010/main" xmlns="">
                 <a:solidFill>
                   <a:schemeClr val="accent1"/>
                 </a:solidFill>
               </a14:hiddenFill>
             </a:ext>
             <a:ext uri="{91240B29-F687-4f45-9708-019B960494DF}">
-              <a14:hiddenLine xmlns="" xmlns:a14="http://schemas.microsoft.com/office/drawing/2010/main" w="9525">
+              <a14:hiddenLine xmlns:a14="http://schemas.microsoft.com/office/drawing/2010/main" xmlns="" w="9525">
                 <a:solidFill>
                   <a:schemeClr val="tx1"/>
                 </a:solidFill>
@@ -540,17 +540,17 @@
           </a:ln>
           <a:extLst>
             <a:ext uri="{FAA26D3D-D897-4be2-8F04-BA451C77F1D7}">
-              <ma14:placeholderFlag xmlns:ma14="http://schemas.microsoft.com/office/mac/drawingml/2011/main" val="1"/>
+              <ma14:placeholderFlag xmlns:ma14="http://schemas.microsoft.com/office/mac/drawingml/2011/main" xmlns="" val="1"/>
             </a:ext>
             <a:ext uri="{909E8E84-426E-40dd-AFC4-6F175D3DCCD1}">
-              <a14:hiddenFill xmlns="" xmlns:a14="http://schemas.microsoft.com/office/drawing/2010/main">
+              <a14:hiddenFill xmlns:a14="http://schemas.microsoft.com/office/drawing/2010/main" xmlns="">
                 <a:solidFill>
                   <a:schemeClr val="accent1"/>
                 </a:solidFill>
               </a14:hiddenFill>
             </a:ext>
             <a:ext uri="{91240B29-F687-4f45-9708-019B960494DF}">
-              <a14:hiddenLine xmlns="" xmlns:a14="http://schemas.microsoft.com/office/drawing/2010/main" w="9525">
+              <a14:hiddenLine xmlns:a14="http://schemas.microsoft.com/office/drawing/2010/main" xmlns="" w="9525">
                 <a:solidFill>
                   <a:schemeClr val="tx1"/>
                 </a:solidFill>
@@ -772,7 +772,7 @@
           <a:ln/>
           <a:extLst>
             <a:ext uri="{FAA26D3D-D897-4be2-8F04-BA451C77F1D7}">
-              <ma14:placeholderFlag xmlns:ma14="http://schemas.microsoft.com/office/mac/drawingml/2011/main" val="1"/>
+              <ma14:placeholderFlag xmlns:ma14="http://schemas.microsoft.com/office/mac/drawingml/2011/main" xmlns="" val="1"/>
             </a:ext>
           </a:extLst>
         </p:spPr>
@@ -861,7 +861,7 @@
           <a:ln/>
           <a:extLst>
             <a:ext uri="{FAA26D3D-D897-4be2-8F04-BA451C77F1D7}">
-              <ma14:placeholderFlag xmlns:ma14="http://schemas.microsoft.com/office/mac/drawingml/2011/main" val="1"/>
+              <ma14:placeholderFlag xmlns:ma14="http://schemas.microsoft.com/office/mac/drawingml/2011/main" xmlns="" val="1"/>
             </a:ext>
           </a:extLst>
         </p:spPr>
@@ -950,7 +950,7 @@
           <a:ln/>
           <a:extLst>
             <a:ext uri="{FAA26D3D-D897-4be2-8F04-BA451C77F1D7}">
-              <ma14:placeholderFlag xmlns:ma14="http://schemas.microsoft.com/office/mac/drawingml/2011/main" val="1"/>
+              <ma14:placeholderFlag xmlns:ma14="http://schemas.microsoft.com/office/mac/drawingml/2011/main" xmlns="" val="1"/>
             </a:ext>
           </a:extLst>
         </p:spPr>
@@ -1061,7 +1061,7 @@
           </a:ln>
           <a:extLst>
             <a:ext uri="{FAA26D3D-D897-4be2-8F04-BA451C77F1D7}">
-              <ma14:placeholderFlag xmlns:ma14="http://schemas.microsoft.com/office/mac/drawingml/2011/main" val="1"/>
+              <ma14:placeholderFlag xmlns:ma14="http://schemas.microsoft.com/office/mac/drawingml/2011/main" xmlns="" val="1"/>
             </a:ext>
           </a:extLst>
         </p:spPr>
@@ -1097,7 +1097,7 @@
           </a:ln>
           <a:extLst>
             <a:ext uri="{FAA26D3D-D897-4be2-8F04-BA451C77F1D7}">
-              <ma14:placeholderFlag xmlns:ma14="http://schemas.microsoft.com/office/mac/drawingml/2011/main" val="1"/>
+              <ma14:placeholderFlag xmlns:ma14="http://schemas.microsoft.com/office/mac/drawingml/2011/main" xmlns="" val="1"/>
             </a:ext>
           </a:extLst>
         </p:spPr>
@@ -1191,7 +1191,7 @@
           </a:ln>
           <a:extLst>
             <a:ext uri="{FAA26D3D-D897-4be2-8F04-BA451C77F1D7}">
-              <ma14:placeholderFlag xmlns:ma14="http://schemas.microsoft.com/office/mac/drawingml/2011/main" val="1"/>
+              <ma14:placeholderFlag xmlns:ma14="http://schemas.microsoft.com/office/mac/drawingml/2011/main" xmlns="" val="1"/>
             </a:ext>
           </a:extLst>
         </p:spPr>
@@ -1227,7 +1227,7 @@
           </a:ln>
           <a:extLst>
             <a:ext uri="{FAA26D3D-D897-4be2-8F04-BA451C77F1D7}">
-              <ma14:placeholderFlag xmlns:ma14="http://schemas.microsoft.com/office/mac/drawingml/2011/main" val="1"/>
+              <ma14:placeholderFlag xmlns:ma14="http://schemas.microsoft.com/office/mac/drawingml/2011/main" xmlns="" val="1"/>
             </a:ext>
           </a:extLst>
         </p:spPr>
@@ -1304,7 +1304,7 @@
           <a:ln/>
           <a:extLst>
             <a:ext uri="{FAA26D3D-D897-4be2-8F04-BA451C77F1D7}">
-              <ma14:placeholderFlag xmlns:ma14="http://schemas.microsoft.com/office/mac/drawingml/2011/main" val="1"/>
+              <ma14:placeholderFlag xmlns:ma14="http://schemas.microsoft.com/office/mac/drawingml/2011/main" xmlns="" val="1"/>
             </a:ext>
           </a:extLst>
         </p:spPr>
@@ -1393,7 +1393,7 @@
           <a:ln/>
           <a:extLst>
             <a:ext uri="{FAA26D3D-D897-4be2-8F04-BA451C77F1D7}">
-              <ma14:placeholderFlag xmlns:ma14="http://schemas.microsoft.com/office/mac/drawingml/2011/main" val="1"/>
+              <ma14:placeholderFlag xmlns:ma14="http://schemas.microsoft.com/office/mac/drawingml/2011/main" xmlns="" val="1"/>
             </a:ext>
           </a:extLst>
         </p:spPr>
@@ -1482,7 +1482,7 @@
           <a:ln/>
           <a:extLst>
             <a:ext uri="{FAA26D3D-D897-4be2-8F04-BA451C77F1D7}">
-              <ma14:placeholderFlag xmlns:ma14="http://schemas.microsoft.com/office/mac/drawingml/2011/main" val="1"/>
+              <ma14:placeholderFlag xmlns:ma14="http://schemas.microsoft.com/office/mac/drawingml/2011/main" xmlns="" val="1"/>
             </a:ext>
           </a:extLst>
         </p:spPr>
@@ -1571,7 +1571,7 @@
           <a:ln/>
           <a:extLst>
             <a:ext uri="{FAA26D3D-D897-4be2-8F04-BA451C77F1D7}">
-              <ma14:placeholderFlag xmlns:ma14="http://schemas.microsoft.com/office/mac/drawingml/2011/main" val="1"/>
+              <ma14:placeholderFlag xmlns:ma14="http://schemas.microsoft.com/office/mac/drawingml/2011/main" xmlns="" val="1"/>
             </a:ext>
           </a:extLst>
         </p:spPr>
@@ -1660,7 +1660,7 @@
           <a:ln/>
           <a:extLst>
             <a:ext uri="{FAA26D3D-D897-4be2-8F04-BA451C77F1D7}">
-              <ma14:placeholderFlag xmlns:ma14="http://schemas.microsoft.com/office/mac/drawingml/2011/main" val="1"/>
+              <ma14:placeholderFlag xmlns:ma14="http://schemas.microsoft.com/office/mac/drawingml/2011/main" xmlns="" val="1"/>
             </a:ext>
           </a:extLst>
         </p:spPr>
@@ -1749,7 +1749,7 @@
           <a:ln/>
           <a:extLst>
             <a:ext uri="{FAA26D3D-D897-4be2-8F04-BA451C77F1D7}">
-              <ma14:placeholderFlag xmlns:ma14="http://schemas.microsoft.com/office/mac/drawingml/2011/main" val="1"/>
+              <ma14:placeholderFlag xmlns:ma14="http://schemas.microsoft.com/office/mac/drawingml/2011/main" xmlns="" val="1"/>
             </a:ext>
           </a:extLst>
         </p:spPr>
@@ -1855,7 +1855,7 @@
           </a:ln>
           <a:extLst>
             <a:ext uri="{FAA26D3D-D897-4be2-8F04-BA451C77F1D7}">
-              <ma14:placeholderFlag xmlns:ma14="http://schemas.microsoft.com/office/mac/drawingml/2011/main" val="1"/>
+              <ma14:placeholderFlag xmlns:ma14="http://schemas.microsoft.com/office/mac/drawingml/2011/main" xmlns="" val="1"/>
             </a:ext>
           </a:extLst>
         </p:spPr>
@@ -1891,7 +1891,7 @@
           </a:ln>
           <a:extLst>
             <a:ext uri="{FAA26D3D-D897-4be2-8F04-BA451C77F1D7}">
-              <ma14:placeholderFlag xmlns:ma14="http://schemas.microsoft.com/office/mac/drawingml/2011/main" val="1"/>
+              <ma14:placeholderFlag xmlns:ma14="http://schemas.microsoft.com/office/mac/drawingml/2011/main" xmlns="" val="1"/>
             </a:ext>
           </a:extLst>
         </p:spPr>
@@ -1985,7 +1985,7 @@
           </a:ln>
           <a:extLst>
             <a:ext uri="{FAA26D3D-D897-4be2-8F04-BA451C77F1D7}">
-              <ma14:placeholderFlag xmlns:ma14="http://schemas.microsoft.com/office/mac/drawingml/2011/main" val="1"/>
+              <ma14:placeholderFlag xmlns:ma14="http://schemas.microsoft.com/office/mac/drawingml/2011/main" xmlns="" val="1"/>
             </a:ext>
           </a:extLst>
         </p:spPr>
@@ -2021,7 +2021,7 @@
           </a:ln>
           <a:extLst>
             <a:ext uri="{FAA26D3D-D897-4be2-8F04-BA451C77F1D7}">
-              <ma14:placeholderFlag xmlns:ma14="http://schemas.microsoft.com/office/mac/drawingml/2011/main" val="1"/>
+              <ma14:placeholderFlag xmlns:ma14="http://schemas.microsoft.com/office/mac/drawingml/2011/main" xmlns="" val="1"/>
             </a:ext>
           </a:extLst>
         </p:spPr>
@@ -2115,7 +2115,7 @@
           </a:ln>
           <a:extLst>
             <a:ext uri="{FAA26D3D-D897-4be2-8F04-BA451C77F1D7}">
-              <ma14:placeholderFlag xmlns:ma14="http://schemas.microsoft.com/office/mac/drawingml/2011/main" val="1"/>
+              <ma14:placeholderFlag xmlns:ma14="http://schemas.microsoft.com/office/mac/drawingml/2011/main" xmlns="" val="1"/>
             </a:ext>
           </a:extLst>
         </p:spPr>
@@ -2151,7 +2151,7 @@
           </a:ln>
           <a:extLst>
             <a:ext uri="{FAA26D3D-D897-4be2-8F04-BA451C77F1D7}">
-              <ma14:placeholderFlag xmlns:ma14="http://schemas.microsoft.com/office/mac/drawingml/2011/main" val="1"/>
+              <ma14:placeholderFlag xmlns:ma14="http://schemas.microsoft.com/office/mac/drawingml/2011/main" xmlns="" val="1"/>
             </a:ext>
           </a:extLst>
         </p:spPr>
@@ -2245,7 +2245,7 @@
           </a:ln>
           <a:extLst>
             <a:ext uri="{FAA26D3D-D897-4be2-8F04-BA451C77F1D7}">
-              <ma14:placeholderFlag xmlns:ma14="http://schemas.microsoft.com/office/mac/drawingml/2011/main" val="1"/>
+              <ma14:placeholderFlag xmlns:ma14="http://schemas.microsoft.com/office/mac/drawingml/2011/main" xmlns="" val="1"/>
             </a:ext>
           </a:extLst>
         </p:spPr>
@@ -2281,7 +2281,7 @@
           </a:ln>
           <a:extLst>
             <a:ext uri="{FAA26D3D-D897-4be2-8F04-BA451C77F1D7}">
-              <ma14:placeholderFlag xmlns:ma14="http://schemas.microsoft.com/office/mac/drawingml/2011/main" val="1"/>
+              <ma14:placeholderFlag xmlns:ma14="http://schemas.microsoft.com/office/mac/drawingml/2011/main" xmlns="" val="1"/>
             </a:ext>
           </a:extLst>
         </p:spPr>
@@ -2375,7 +2375,7 @@
           </a:ln>
           <a:extLst>
             <a:ext uri="{FAA26D3D-D897-4be2-8F04-BA451C77F1D7}">
-              <ma14:placeholderFlag xmlns:ma14="http://schemas.microsoft.com/office/mac/drawingml/2011/main" val="1"/>
+              <ma14:placeholderFlag xmlns:ma14="http://schemas.microsoft.com/office/mac/drawingml/2011/main" xmlns="" val="1"/>
             </a:ext>
           </a:extLst>
         </p:spPr>
@@ -2411,7 +2411,7 @@
           </a:ln>
           <a:extLst>
             <a:ext uri="{FAA26D3D-D897-4be2-8F04-BA451C77F1D7}">
-              <ma14:placeholderFlag xmlns:ma14="http://schemas.microsoft.com/office/mac/drawingml/2011/main" val="1"/>
+              <ma14:placeholderFlag xmlns:ma14="http://schemas.microsoft.com/office/mac/drawingml/2011/main" xmlns="" val="1"/>
             </a:ext>
           </a:extLst>
         </p:spPr>
@@ -2488,7 +2488,7 @@
           <a:ln/>
           <a:extLst>
             <a:ext uri="{FAA26D3D-D897-4be2-8F04-BA451C77F1D7}">
-              <ma14:placeholderFlag xmlns:ma14="http://schemas.microsoft.com/office/mac/drawingml/2011/main" val="1"/>
+              <ma14:placeholderFlag xmlns:ma14="http://schemas.microsoft.com/office/mac/drawingml/2011/main" xmlns="" val="1"/>
             </a:ext>
           </a:extLst>
         </p:spPr>
@@ -2594,7 +2594,7 @@
           </a:ln>
           <a:extLst>
             <a:ext uri="{FAA26D3D-D897-4be2-8F04-BA451C77F1D7}">
-              <ma14:placeholderFlag xmlns:ma14="http://schemas.microsoft.com/office/mac/drawingml/2011/main" val="1"/>
+              <ma14:placeholderFlag xmlns:ma14="http://schemas.microsoft.com/office/mac/drawingml/2011/main" xmlns="" val="1"/>
             </a:ext>
           </a:extLst>
         </p:spPr>
@@ -2630,7 +2630,7 @@
           </a:ln>
           <a:extLst>
             <a:ext uri="{FAA26D3D-D897-4be2-8F04-BA451C77F1D7}">
-              <ma14:placeholderFlag xmlns:ma14="http://schemas.microsoft.com/office/mac/drawingml/2011/main" val="1"/>
+              <ma14:placeholderFlag xmlns:ma14="http://schemas.microsoft.com/office/mac/drawingml/2011/main" xmlns="" val="1"/>
             </a:ext>
           </a:extLst>
         </p:spPr>
@@ -2695,12 +2695,12 @@
           <a:effectLst/>
           <a:extLst>
             <a:ext uri="{909E8E84-426E-40dd-AFC4-6F175D3DCCD1}">
-              <a14:hiddenFill xmlns="" xmlns:a14="http://schemas.microsoft.com/office/drawing/2010/main">
+              <a14:hiddenFill xmlns:a14="http://schemas.microsoft.com/office/drawing/2010/main" xmlns="">
                 <a:noFill/>
               </a14:hiddenFill>
             </a:ext>
             <a:ext uri="{AF507438-7753-43e0-B8FC-AC1667EBCBE1}">
-              <a14:hiddenEffects xmlns="" xmlns:a14="http://schemas.microsoft.com/office/drawing/2010/main">
+              <a14:hiddenEffects xmlns:a14="http://schemas.microsoft.com/office/drawing/2010/main" xmlns="">
                 <a:effectLst>
                   <a:outerShdw blurRad="63500" dist="38099" dir="2700000" algn="ctr" rotWithShape="0">
                     <a:schemeClr val="bg2">
@@ -2746,7 +2746,7 @@
           <a:p>
             <a:pPr lvl="0"/>
             <a:r>
-              <a:rPr lang="en-US" noProof="0" smtClean="0"/>
+              <a:rPr lang="en-US" noProof="0"/>
               <a:t>Click to edit Master title style</a:t>
             </a:r>
           </a:p>
@@ -2780,7 +2780,7 @@
           <a:p>
             <a:pPr lvl="0"/>
             <a:r>
-              <a:rPr lang="en-US" noProof="0" smtClean="0"/>
+              <a:rPr lang="en-US" noProof="0"/>
               <a:t>Click to edit Master subtitle style</a:t>
             </a:r>
           </a:p>
@@ -2901,7 +2901,7 @@
             <a:effectLst/>
             <a:extLst>
               <a:ext uri="{91240B29-F687-4f45-9708-019B960494DF}">
-                <a14:hiddenLine xmlns="" xmlns:a14="http://schemas.microsoft.com/office/drawing/2010/main" w="9525">
+                <a14:hiddenLine xmlns:a14="http://schemas.microsoft.com/office/drawing/2010/main" xmlns="" w="9525">
                   <a:solidFill>
                     <a:schemeClr val="tx1"/>
                   </a:solidFill>
@@ -2911,7 +2911,7 @@
                 </a14:hiddenLine>
               </a:ext>
               <a:ext uri="{AF507438-7753-43e0-B8FC-AC1667EBCBE1}">
-                <a14:hiddenEffects xmlns="" xmlns:a14="http://schemas.microsoft.com/office/drawing/2010/main">
+                <a14:hiddenEffects xmlns:a14="http://schemas.microsoft.com/office/drawing/2010/main" xmlns="">
                   <a:effectLst>
                     <a:outerShdw blurRad="63500" dist="38099" dir="2700000" algn="ctr" rotWithShape="0">
                       <a:schemeClr val="bg2">
@@ -2956,7 +2956,7 @@
             <a:effectLst/>
             <a:extLst>
               <a:ext uri="{91240B29-F687-4f45-9708-019B960494DF}">
-                <a14:hiddenLine xmlns="" xmlns:a14="http://schemas.microsoft.com/office/drawing/2010/main" w="9525">
+                <a14:hiddenLine xmlns:a14="http://schemas.microsoft.com/office/drawing/2010/main" xmlns="" w="9525">
                   <a:solidFill>
                     <a:schemeClr val="tx1"/>
                   </a:solidFill>
@@ -2966,7 +2966,7 @@
                 </a14:hiddenLine>
               </a:ext>
               <a:ext uri="{AF507438-7753-43e0-B8FC-AC1667EBCBE1}">
-                <a14:hiddenEffects xmlns="" xmlns:a14="http://schemas.microsoft.com/office/drawing/2010/main">
+                <a14:hiddenEffects xmlns:a14="http://schemas.microsoft.com/office/drawing/2010/main" xmlns="">
                   <a:effectLst>
                     <a:outerShdw blurRad="63500" dist="38099" dir="2700000" algn="ctr" rotWithShape="0">
                       <a:schemeClr val="bg2">
@@ -3011,7 +3011,7 @@
             <a:effectLst/>
             <a:extLst>
               <a:ext uri="{91240B29-F687-4f45-9708-019B960494DF}">
-                <a14:hiddenLine xmlns="" xmlns:a14="http://schemas.microsoft.com/office/drawing/2010/main" w="9525">
+                <a14:hiddenLine xmlns:a14="http://schemas.microsoft.com/office/drawing/2010/main" xmlns="" w="9525">
                   <a:solidFill>
                     <a:schemeClr val="tx1"/>
                   </a:solidFill>
@@ -3021,7 +3021,7 @@
                 </a14:hiddenLine>
               </a:ext>
               <a:ext uri="{AF507438-7753-43e0-B8FC-AC1667EBCBE1}">
-                <a14:hiddenEffects xmlns="" xmlns:a14="http://schemas.microsoft.com/office/drawing/2010/main">
+                <a14:hiddenEffects xmlns:a14="http://schemas.microsoft.com/office/drawing/2010/main" xmlns="">
                   <a:effectLst>
                     <a:outerShdw blurRad="63500" dist="38099" dir="2700000" algn="ctr" rotWithShape="0">
                       <a:schemeClr val="bg2">
@@ -3066,7 +3066,7 @@
             <a:effectLst/>
             <a:extLst>
               <a:ext uri="{91240B29-F687-4f45-9708-019B960494DF}">
-                <a14:hiddenLine xmlns="" xmlns:a14="http://schemas.microsoft.com/office/drawing/2010/main" w="9525">
+                <a14:hiddenLine xmlns:a14="http://schemas.microsoft.com/office/drawing/2010/main" xmlns="" w="9525">
                   <a:solidFill>
                     <a:schemeClr val="tx1"/>
                   </a:solidFill>
@@ -3076,7 +3076,7 @@
                 </a14:hiddenLine>
               </a:ext>
               <a:ext uri="{AF507438-7753-43e0-B8FC-AC1667EBCBE1}">
-                <a14:hiddenEffects xmlns="" xmlns:a14="http://schemas.microsoft.com/office/drawing/2010/main">
+                <a14:hiddenEffects xmlns:a14="http://schemas.microsoft.com/office/drawing/2010/main" xmlns="">
                   <a:effectLst>
                     <a:outerShdw blurRad="63500" dist="38099" dir="2700000" algn="ctr" rotWithShape="0">
                       <a:schemeClr val="bg2">
@@ -3121,7 +3121,7 @@
             <a:effectLst/>
             <a:extLst>
               <a:ext uri="{91240B29-F687-4f45-9708-019B960494DF}">
-                <a14:hiddenLine xmlns="" xmlns:a14="http://schemas.microsoft.com/office/drawing/2010/main" w="9525">
+                <a14:hiddenLine xmlns:a14="http://schemas.microsoft.com/office/drawing/2010/main" xmlns="" w="9525">
                   <a:solidFill>
                     <a:schemeClr val="tx1"/>
                   </a:solidFill>
@@ -3131,7 +3131,7 @@
                 </a14:hiddenLine>
               </a:ext>
               <a:ext uri="{AF507438-7753-43e0-B8FC-AC1667EBCBE1}">
-                <a14:hiddenEffects xmlns="" xmlns:a14="http://schemas.microsoft.com/office/drawing/2010/main">
+                <a14:hiddenEffects xmlns:a14="http://schemas.microsoft.com/office/drawing/2010/main" xmlns="">
                   <a:effectLst>
                     <a:outerShdw blurRad="63500" dist="38099" dir="2700000" algn="ctr" rotWithShape="0">
                       <a:schemeClr val="bg2">
@@ -3176,7 +3176,7 @@
             <a:effectLst/>
             <a:extLst>
               <a:ext uri="{91240B29-F687-4f45-9708-019B960494DF}">
-                <a14:hiddenLine xmlns="" xmlns:a14="http://schemas.microsoft.com/office/drawing/2010/main" w="9525">
+                <a14:hiddenLine xmlns:a14="http://schemas.microsoft.com/office/drawing/2010/main" xmlns="" w="9525">
                   <a:solidFill>
                     <a:schemeClr val="tx1"/>
                   </a:solidFill>
@@ -3186,7 +3186,7 @@
                 </a14:hiddenLine>
               </a:ext>
               <a:ext uri="{AF507438-7753-43e0-B8FC-AC1667EBCBE1}">
-                <a14:hiddenEffects xmlns="" xmlns:a14="http://schemas.microsoft.com/office/drawing/2010/main">
+                <a14:hiddenEffects xmlns:a14="http://schemas.microsoft.com/office/drawing/2010/main" xmlns="">
                   <a:effectLst>
                     <a:outerShdw blurRad="63500" dist="38099" dir="2700000" algn="ctr" rotWithShape="0">
                       <a:schemeClr val="bg2">
@@ -3231,7 +3231,7 @@
             <a:effectLst/>
             <a:extLst>
               <a:ext uri="{91240B29-F687-4f45-9708-019B960494DF}">
-                <a14:hiddenLine xmlns="" xmlns:a14="http://schemas.microsoft.com/office/drawing/2010/main" w="9525">
+                <a14:hiddenLine xmlns:a14="http://schemas.microsoft.com/office/drawing/2010/main" xmlns="" w="9525">
                   <a:solidFill>
                     <a:schemeClr val="tx1"/>
                   </a:solidFill>
@@ -3241,7 +3241,7 @@
                 </a14:hiddenLine>
               </a:ext>
               <a:ext uri="{AF507438-7753-43e0-B8FC-AC1667EBCBE1}">
-                <a14:hiddenEffects xmlns="" xmlns:a14="http://schemas.microsoft.com/office/drawing/2010/main">
+                <a14:hiddenEffects xmlns:a14="http://schemas.microsoft.com/office/drawing/2010/main" xmlns="">
                   <a:effectLst>
                     <a:outerShdw blurRad="63500" dist="38099" dir="2700000" algn="ctr" rotWithShape="0">
                       <a:schemeClr val="bg2">
@@ -3286,7 +3286,7 @@
             <a:effectLst/>
             <a:extLst>
               <a:ext uri="{91240B29-F687-4f45-9708-019B960494DF}">
-                <a14:hiddenLine xmlns="" xmlns:a14="http://schemas.microsoft.com/office/drawing/2010/main" w="9525">
+                <a14:hiddenLine xmlns:a14="http://schemas.microsoft.com/office/drawing/2010/main" xmlns="" w="9525">
                   <a:solidFill>
                     <a:schemeClr val="tx1"/>
                   </a:solidFill>
@@ -3296,7 +3296,7 @@
                 </a14:hiddenLine>
               </a:ext>
               <a:ext uri="{AF507438-7753-43e0-B8FC-AC1667EBCBE1}">
-                <a14:hiddenEffects xmlns="" xmlns:a14="http://schemas.microsoft.com/office/drawing/2010/main">
+                <a14:hiddenEffects xmlns:a14="http://schemas.microsoft.com/office/drawing/2010/main" xmlns="">
                   <a:effectLst>
                     <a:outerShdw blurRad="63500" dist="38099" dir="2700000" algn="ctr" rotWithShape="0">
                       <a:schemeClr val="bg2">
@@ -3341,7 +3341,7 @@
             <a:effectLst/>
             <a:extLst>
               <a:ext uri="{91240B29-F687-4f45-9708-019B960494DF}">
-                <a14:hiddenLine xmlns="" xmlns:a14="http://schemas.microsoft.com/office/drawing/2010/main" w="9525">
+                <a14:hiddenLine xmlns:a14="http://schemas.microsoft.com/office/drawing/2010/main" xmlns="" w="9525">
                   <a:solidFill>
                     <a:schemeClr val="tx1"/>
                   </a:solidFill>
@@ -3351,7 +3351,7 @@
                 </a14:hiddenLine>
               </a:ext>
               <a:ext uri="{AF507438-7753-43e0-B8FC-AC1667EBCBE1}">
-                <a14:hiddenEffects xmlns="" xmlns:a14="http://schemas.microsoft.com/office/drawing/2010/main">
+                <a14:hiddenEffects xmlns:a14="http://schemas.microsoft.com/office/drawing/2010/main" xmlns="">
                   <a:effectLst>
                     <a:outerShdw blurRad="63500" dist="38099" dir="2700000" algn="ctr" rotWithShape="0">
                       <a:schemeClr val="bg2">
@@ -3396,7 +3396,7 @@
             <a:effectLst/>
             <a:extLst>
               <a:ext uri="{91240B29-F687-4f45-9708-019B960494DF}">
-                <a14:hiddenLine xmlns="" xmlns:a14="http://schemas.microsoft.com/office/drawing/2010/main" w="9525">
+                <a14:hiddenLine xmlns:a14="http://schemas.microsoft.com/office/drawing/2010/main" xmlns="" w="9525">
                   <a:solidFill>
                     <a:schemeClr val="tx1"/>
                   </a:solidFill>
@@ -3406,7 +3406,7 @@
                 </a14:hiddenLine>
               </a:ext>
               <a:ext uri="{AF507438-7753-43e0-B8FC-AC1667EBCBE1}">
-                <a14:hiddenEffects xmlns="" xmlns:a14="http://schemas.microsoft.com/office/drawing/2010/main">
+                <a14:hiddenEffects xmlns:a14="http://schemas.microsoft.com/office/drawing/2010/main" xmlns="">
                   <a:effectLst>
                     <a:outerShdw blurRad="63500" dist="38099" dir="2700000" algn="ctr" rotWithShape="0">
                       <a:schemeClr val="bg2">
@@ -3451,7 +3451,7 @@
             <a:effectLst/>
             <a:extLst>
               <a:ext uri="{91240B29-F687-4f45-9708-019B960494DF}">
-                <a14:hiddenLine xmlns="" xmlns:a14="http://schemas.microsoft.com/office/drawing/2010/main" w="9525">
+                <a14:hiddenLine xmlns:a14="http://schemas.microsoft.com/office/drawing/2010/main" xmlns="" w="9525">
                   <a:solidFill>
                     <a:schemeClr val="tx1"/>
                   </a:solidFill>
@@ -3461,7 +3461,7 @@
                 </a14:hiddenLine>
               </a:ext>
               <a:ext uri="{AF507438-7753-43e0-B8FC-AC1667EBCBE1}">
-                <a14:hiddenEffects xmlns="" xmlns:a14="http://schemas.microsoft.com/office/drawing/2010/main">
+                <a14:hiddenEffects xmlns:a14="http://schemas.microsoft.com/office/drawing/2010/main" xmlns="">
                   <a:effectLst>
                     <a:outerShdw blurRad="63500" dist="38099" dir="2700000" algn="ctr" rotWithShape="0">
                       <a:schemeClr val="bg2">
@@ -3506,7 +3506,7 @@
             <a:effectLst/>
             <a:extLst>
               <a:ext uri="{91240B29-F687-4f45-9708-019B960494DF}">
-                <a14:hiddenLine xmlns="" xmlns:a14="http://schemas.microsoft.com/office/drawing/2010/main" w="9525">
+                <a14:hiddenLine xmlns:a14="http://schemas.microsoft.com/office/drawing/2010/main" xmlns="" w="9525">
                   <a:solidFill>
                     <a:schemeClr val="tx1"/>
                   </a:solidFill>
@@ -3516,7 +3516,7 @@
                 </a14:hiddenLine>
               </a:ext>
               <a:ext uri="{AF507438-7753-43e0-B8FC-AC1667EBCBE1}">
-                <a14:hiddenEffects xmlns="" xmlns:a14="http://schemas.microsoft.com/office/drawing/2010/main">
+                <a14:hiddenEffects xmlns:a14="http://schemas.microsoft.com/office/drawing/2010/main" xmlns="">
                   <a:effectLst>
                     <a:outerShdw blurRad="63500" dist="38099" dir="2700000" algn="ctr" rotWithShape="0">
                       <a:schemeClr val="bg2">
@@ -3561,7 +3561,7 @@
             <a:effectLst/>
             <a:extLst>
               <a:ext uri="{91240B29-F687-4f45-9708-019B960494DF}">
-                <a14:hiddenLine xmlns="" xmlns:a14="http://schemas.microsoft.com/office/drawing/2010/main" w="9525">
+                <a14:hiddenLine xmlns:a14="http://schemas.microsoft.com/office/drawing/2010/main" xmlns="" w="9525">
                   <a:solidFill>
                     <a:schemeClr val="tx1"/>
                   </a:solidFill>
@@ -3571,7 +3571,7 @@
                 </a14:hiddenLine>
               </a:ext>
               <a:ext uri="{AF507438-7753-43e0-B8FC-AC1667EBCBE1}">
-                <a14:hiddenEffects xmlns="" xmlns:a14="http://schemas.microsoft.com/office/drawing/2010/main">
+                <a14:hiddenEffects xmlns:a14="http://schemas.microsoft.com/office/drawing/2010/main" xmlns="">
                   <a:effectLst>
                     <a:outerShdw blurRad="63500" dist="38099" dir="2700000" algn="ctr" rotWithShape="0">
                       <a:schemeClr val="bg2">
@@ -3616,7 +3616,7 @@
             <a:effectLst/>
             <a:extLst>
               <a:ext uri="{91240B29-F687-4f45-9708-019B960494DF}">
-                <a14:hiddenLine xmlns="" xmlns:a14="http://schemas.microsoft.com/office/drawing/2010/main" w="9525">
+                <a14:hiddenLine xmlns:a14="http://schemas.microsoft.com/office/drawing/2010/main" xmlns="" w="9525">
                   <a:solidFill>
                     <a:schemeClr val="tx1"/>
                   </a:solidFill>
@@ -3626,7 +3626,7 @@
                 </a14:hiddenLine>
               </a:ext>
               <a:ext uri="{AF507438-7753-43e0-B8FC-AC1667EBCBE1}">
-                <a14:hiddenEffects xmlns="" xmlns:a14="http://schemas.microsoft.com/office/drawing/2010/main">
+                <a14:hiddenEffects xmlns:a14="http://schemas.microsoft.com/office/drawing/2010/main" xmlns="">
                   <a:effectLst>
                     <a:outerShdw blurRad="63500" dist="38099" dir="2700000" algn="ctr" rotWithShape="0">
                       <a:schemeClr val="bg2">
@@ -3671,7 +3671,7 @@
             <a:effectLst/>
             <a:extLst>
               <a:ext uri="{91240B29-F687-4f45-9708-019B960494DF}">
-                <a14:hiddenLine xmlns="" xmlns:a14="http://schemas.microsoft.com/office/drawing/2010/main" w="9525">
+                <a14:hiddenLine xmlns:a14="http://schemas.microsoft.com/office/drawing/2010/main" xmlns="" w="9525">
                   <a:solidFill>
                     <a:schemeClr val="tx1"/>
                   </a:solidFill>
@@ -3681,7 +3681,7 @@
                 </a14:hiddenLine>
               </a:ext>
               <a:ext uri="{AF507438-7753-43e0-B8FC-AC1667EBCBE1}">
-                <a14:hiddenEffects xmlns="" xmlns:a14="http://schemas.microsoft.com/office/drawing/2010/main">
+                <a14:hiddenEffects xmlns:a14="http://schemas.microsoft.com/office/drawing/2010/main" xmlns="">
                   <a:effectLst>
                     <a:outerShdw blurRad="63500" dist="38099" dir="2700000" algn="ctr" rotWithShape="0">
                       <a:schemeClr val="bg2">
@@ -3726,7 +3726,7 @@
             <a:effectLst/>
             <a:extLst>
               <a:ext uri="{91240B29-F687-4f45-9708-019B960494DF}">
-                <a14:hiddenLine xmlns="" xmlns:a14="http://schemas.microsoft.com/office/drawing/2010/main" w="9525">
+                <a14:hiddenLine xmlns:a14="http://schemas.microsoft.com/office/drawing/2010/main" xmlns="" w="9525">
                   <a:solidFill>
                     <a:schemeClr val="tx1"/>
                   </a:solidFill>
@@ -3736,7 +3736,7 @@
                 </a14:hiddenLine>
               </a:ext>
               <a:ext uri="{AF507438-7753-43e0-B8FC-AC1667EBCBE1}">
-                <a14:hiddenEffects xmlns="" xmlns:a14="http://schemas.microsoft.com/office/drawing/2010/main">
+                <a14:hiddenEffects xmlns:a14="http://schemas.microsoft.com/office/drawing/2010/main" xmlns="">
                   <a:effectLst>
                     <a:outerShdw blurRad="63500" dist="38099" dir="2700000" algn="ctr" rotWithShape="0">
                       <a:schemeClr val="bg2">
@@ -3781,7 +3781,7 @@
             <a:effectLst/>
             <a:extLst>
               <a:ext uri="{91240B29-F687-4f45-9708-019B960494DF}">
-                <a14:hiddenLine xmlns="" xmlns:a14="http://schemas.microsoft.com/office/drawing/2010/main" w="9525">
+                <a14:hiddenLine xmlns:a14="http://schemas.microsoft.com/office/drawing/2010/main" xmlns="" w="9525">
                   <a:solidFill>
                     <a:schemeClr val="tx1"/>
                   </a:solidFill>
@@ -3791,7 +3791,7 @@
                 </a14:hiddenLine>
               </a:ext>
               <a:ext uri="{AF507438-7753-43e0-B8FC-AC1667EBCBE1}">
-                <a14:hiddenEffects xmlns="" xmlns:a14="http://schemas.microsoft.com/office/drawing/2010/main">
+                <a14:hiddenEffects xmlns:a14="http://schemas.microsoft.com/office/drawing/2010/main" xmlns="">
                   <a:effectLst>
                     <a:outerShdw blurRad="63500" dist="38099" dir="2700000" algn="ctr" rotWithShape="0">
                       <a:schemeClr val="bg2">
@@ -3836,7 +3836,7 @@
             <a:effectLst/>
             <a:extLst>
               <a:ext uri="{91240B29-F687-4f45-9708-019B960494DF}">
-                <a14:hiddenLine xmlns="" xmlns:a14="http://schemas.microsoft.com/office/drawing/2010/main" w="9525">
+                <a14:hiddenLine xmlns:a14="http://schemas.microsoft.com/office/drawing/2010/main" xmlns="" w="9525">
                   <a:solidFill>
                     <a:schemeClr val="tx1"/>
                   </a:solidFill>
@@ -3846,7 +3846,7 @@
                 </a14:hiddenLine>
               </a:ext>
               <a:ext uri="{AF507438-7753-43e0-B8FC-AC1667EBCBE1}">
-                <a14:hiddenEffects xmlns="" xmlns:a14="http://schemas.microsoft.com/office/drawing/2010/main">
+                <a14:hiddenEffects xmlns:a14="http://schemas.microsoft.com/office/drawing/2010/main" xmlns="">
                   <a:effectLst>
                     <a:outerShdw blurRad="63500" dist="38099" dir="2700000" algn="ctr" rotWithShape="0">
                       <a:schemeClr val="bg2">
@@ -3891,7 +3891,7 @@
             <a:effectLst/>
             <a:extLst>
               <a:ext uri="{91240B29-F687-4f45-9708-019B960494DF}">
-                <a14:hiddenLine xmlns="" xmlns:a14="http://schemas.microsoft.com/office/drawing/2010/main" w="9525">
+                <a14:hiddenLine xmlns:a14="http://schemas.microsoft.com/office/drawing/2010/main" xmlns="" w="9525">
                   <a:solidFill>
                     <a:schemeClr val="tx1"/>
                   </a:solidFill>
@@ -3901,7 +3901,7 @@
                 </a14:hiddenLine>
               </a:ext>
               <a:ext uri="{AF507438-7753-43e0-B8FC-AC1667EBCBE1}">
-                <a14:hiddenEffects xmlns="" xmlns:a14="http://schemas.microsoft.com/office/drawing/2010/main">
+                <a14:hiddenEffects xmlns:a14="http://schemas.microsoft.com/office/drawing/2010/main" xmlns="">
                   <a:effectLst>
                     <a:outerShdw blurRad="63500" dist="38099" dir="2700000" algn="ctr" rotWithShape="0">
                       <a:schemeClr val="bg2">
@@ -3946,7 +3946,7 @@
             <a:effectLst/>
             <a:extLst>
               <a:ext uri="{91240B29-F687-4f45-9708-019B960494DF}">
-                <a14:hiddenLine xmlns="" xmlns:a14="http://schemas.microsoft.com/office/drawing/2010/main" w="9525">
+                <a14:hiddenLine xmlns:a14="http://schemas.microsoft.com/office/drawing/2010/main" xmlns="" w="9525">
                   <a:solidFill>
                     <a:schemeClr val="tx1"/>
                   </a:solidFill>
@@ -3956,7 +3956,7 @@
                 </a14:hiddenLine>
               </a:ext>
               <a:ext uri="{AF507438-7753-43e0-B8FC-AC1667EBCBE1}">
-                <a14:hiddenEffects xmlns="" xmlns:a14="http://schemas.microsoft.com/office/drawing/2010/main">
+                <a14:hiddenEffects xmlns:a14="http://schemas.microsoft.com/office/drawing/2010/main" xmlns="">
                   <a:effectLst>
                     <a:outerShdw blurRad="63500" dist="38099" dir="2700000" algn="ctr" rotWithShape="0">
                       <a:schemeClr val="bg2">
@@ -4001,7 +4001,7 @@
             <a:effectLst/>
             <a:extLst>
               <a:ext uri="{91240B29-F687-4f45-9708-019B960494DF}">
-                <a14:hiddenLine xmlns="" xmlns:a14="http://schemas.microsoft.com/office/drawing/2010/main" w="9525">
+                <a14:hiddenLine xmlns:a14="http://schemas.microsoft.com/office/drawing/2010/main" xmlns="" w="9525">
                   <a:solidFill>
                     <a:schemeClr val="tx1"/>
                   </a:solidFill>
@@ -4011,7 +4011,7 @@
                 </a14:hiddenLine>
               </a:ext>
               <a:ext uri="{AF507438-7753-43e0-B8FC-AC1667EBCBE1}">
-                <a14:hiddenEffects xmlns="" xmlns:a14="http://schemas.microsoft.com/office/drawing/2010/main">
+                <a14:hiddenEffects xmlns:a14="http://schemas.microsoft.com/office/drawing/2010/main" xmlns="">
                   <a:effectLst>
                     <a:outerShdw blurRad="63500" dist="38099" dir="2700000" algn="ctr" rotWithShape="0">
                       <a:schemeClr val="bg2">
@@ -4056,7 +4056,7 @@
             <a:effectLst/>
             <a:extLst>
               <a:ext uri="{91240B29-F687-4f45-9708-019B960494DF}">
-                <a14:hiddenLine xmlns="" xmlns:a14="http://schemas.microsoft.com/office/drawing/2010/main" w="9525">
+                <a14:hiddenLine xmlns:a14="http://schemas.microsoft.com/office/drawing/2010/main" xmlns="" w="9525">
                   <a:solidFill>
                     <a:schemeClr val="tx1"/>
                   </a:solidFill>
@@ -4066,7 +4066,7 @@
                 </a14:hiddenLine>
               </a:ext>
               <a:ext uri="{AF507438-7753-43e0-B8FC-AC1667EBCBE1}">
-                <a14:hiddenEffects xmlns="" xmlns:a14="http://schemas.microsoft.com/office/drawing/2010/main">
+                <a14:hiddenEffects xmlns:a14="http://schemas.microsoft.com/office/drawing/2010/main" xmlns="">
                   <a:effectLst>
                     <a:outerShdw blurRad="63500" dist="38099" dir="2700000" algn="ctr" rotWithShape="0">
                       <a:schemeClr val="bg2">
@@ -4111,7 +4111,7 @@
             <a:effectLst/>
             <a:extLst>
               <a:ext uri="{91240B29-F687-4f45-9708-019B960494DF}">
-                <a14:hiddenLine xmlns="" xmlns:a14="http://schemas.microsoft.com/office/drawing/2010/main" w="9525">
+                <a14:hiddenLine xmlns:a14="http://schemas.microsoft.com/office/drawing/2010/main" xmlns="" w="9525">
                   <a:solidFill>
                     <a:schemeClr val="tx1"/>
                   </a:solidFill>
@@ -4121,7 +4121,7 @@
                 </a14:hiddenLine>
               </a:ext>
               <a:ext uri="{AF507438-7753-43e0-B8FC-AC1667EBCBE1}">
-                <a14:hiddenEffects xmlns="" xmlns:a14="http://schemas.microsoft.com/office/drawing/2010/main">
+                <a14:hiddenEffects xmlns:a14="http://schemas.microsoft.com/office/drawing/2010/main" xmlns="">
                   <a:effectLst>
                     <a:outerShdw blurRad="63500" dist="38099" dir="2700000" algn="ctr" rotWithShape="0">
                       <a:schemeClr val="bg2">
@@ -4166,7 +4166,7 @@
             <a:effectLst/>
             <a:extLst>
               <a:ext uri="{91240B29-F687-4f45-9708-019B960494DF}">
-                <a14:hiddenLine xmlns="" xmlns:a14="http://schemas.microsoft.com/office/drawing/2010/main" w="9525">
+                <a14:hiddenLine xmlns:a14="http://schemas.microsoft.com/office/drawing/2010/main" xmlns="" w="9525">
                   <a:solidFill>
                     <a:schemeClr val="tx1"/>
                   </a:solidFill>
@@ -4176,7 +4176,7 @@
                 </a14:hiddenLine>
               </a:ext>
               <a:ext uri="{AF507438-7753-43e0-B8FC-AC1667EBCBE1}">
-                <a14:hiddenEffects xmlns="" xmlns:a14="http://schemas.microsoft.com/office/drawing/2010/main">
+                <a14:hiddenEffects xmlns:a14="http://schemas.microsoft.com/office/drawing/2010/main" xmlns="">
                   <a:effectLst>
                     <a:outerShdw blurRad="63500" dist="38099" dir="2700000" algn="ctr" rotWithShape="0">
                       <a:schemeClr val="bg2">
@@ -4221,7 +4221,7 @@
             <a:effectLst/>
             <a:extLst>
               <a:ext uri="{91240B29-F687-4f45-9708-019B960494DF}">
-                <a14:hiddenLine xmlns="" xmlns:a14="http://schemas.microsoft.com/office/drawing/2010/main" w="9525">
+                <a14:hiddenLine xmlns:a14="http://schemas.microsoft.com/office/drawing/2010/main" xmlns="" w="9525">
                   <a:solidFill>
                     <a:schemeClr val="tx1"/>
                   </a:solidFill>
@@ -4231,7 +4231,7 @@
                 </a14:hiddenLine>
               </a:ext>
               <a:ext uri="{AF507438-7753-43e0-B8FC-AC1667EBCBE1}">
-                <a14:hiddenEffects xmlns="" xmlns:a14="http://schemas.microsoft.com/office/drawing/2010/main">
+                <a14:hiddenEffects xmlns:a14="http://schemas.microsoft.com/office/drawing/2010/main" xmlns="">
                   <a:effectLst>
                     <a:outerShdw blurRad="63500" dist="38099" dir="2700000" algn="ctr" rotWithShape="0">
                       <a:schemeClr val="bg2">
@@ -4276,7 +4276,7 @@
             <a:effectLst/>
             <a:extLst>
               <a:ext uri="{91240B29-F687-4f45-9708-019B960494DF}">
-                <a14:hiddenLine xmlns="" xmlns:a14="http://schemas.microsoft.com/office/drawing/2010/main" w="9525">
+                <a14:hiddenLine xmlns:a14="http://schemas.microsoft.com/office/drawing/2010/main" xmlns="" w="9525">
                   <a:solidFill>
                     <a:schemeClr val="tx1"/>
                   </a:solidFill>
@@ -4286,7 +4286,7 @@
                 </a14:hiddenLine>
               </a:ext>
               <a:ext uri="{AF507438-7753-43e0-B8FC-AC1667EBCBE1}">
-                <a14:hiddenEffects xmlns="" xmlns:a14="http://schemas.microsoft.com/office/drawing/2010/main">
+                <a14:hiddenEffects xmlns:a14="http://schemas.microsoft.com/office/drawing/2010/main" xmlns="">
                   <a:effectLst>
                     <a:outerShdw blurRad="63500" dist="38099" dir="2700000" algn="ctr" rotWithShape="0">
                       <a:schemeClr val="bg2">
@@ -4331,7 +4331,7 @@
             <a:effectLst/>
             <a:extLst>
               <a:ext uri="{91240B29-F687-4f45-9708-019B960494DF}">
-                <a14:hiddenLine xmlns="" xmlns:a14="http://schemas.microsoft.com/office/drawing/2010/main" w="9525">
+                <a14:hiddenLine xmlns:a14="http://schemas.microsoft.com/office/drawing/2010/main" xmlns="" w="9525">
                   <a:solidFill>
                     <a:schemeClr val="tx1"/>
                   </a:solidFill>
@@ -4341,7 +4341,7 @@
                 </a14:hiddenLine>
               </a:ext>
               <a:ext uri="{AF507438-7753-43e0-B8FC-AC1667EBCBE1}">
-                <a14:hiddenEffects xmlns="" xmlns:a14="http://schemas.microsoft.com/office/drawing/2010/main">
+                <a14:hiddenEffects xmlns:a14="http://schemas.microsoft.com/office/drawing/2010/main" xmlns="">
                   <a:effectLst>
                     <a:outerShdw blurRad="63500" dist="38099" dir="2700000" algn="ctr" rotWithShape="0">
                       <a:schemeClr val="bg2">
@@ -4386,7 +4386,7 @@
             <a:effectLst/>
             <a:extLst>
               <a:ext uri="{91240B29-F687-4f45-9708-019B960494DF}">
-                <a14:hiddenLine xmlns="" xmlns:a14="http://schemas.microsoft.com/office/drawing/2010/main" w="9525">
+                <a14:hiddenLine xmlns:a14="http://schemas.microsoft.com/office/drawing/2010/main" xmlns="" w="9525">
                   <a:solidFill>
                     <a:schemeClr val="tx1"/>
                   </a:solidFill>
@@ -4396,7 +4396,7 @@
                 </a14:hiddenLine>
               </a:ext>
               <a:ext uri="{AF507438-7753-43e0-B8FC-AC1667EBCBE1}">
-                <a14:hiddenEffects xmlns="" xmlns:a14="http://schemas.microsoft.com/office/drawing/2010/main">
+                <a14:hiddenEffects xmlns:a14="http://schemas.microsoft.com/office/drawing/2010/main" xmlns="">
                   <a:effectLst>
                     <a:outerShdw blurRad="63500" dist="38099" dir="2700000" algn="ctr" rotWithShape="0">
                       <a:schemeClr val="bg2">
@@ -4441,7 +4441,7 @@
             <a:effectLst/>
             <a:extLst>
               <a:ext uri="{91240B29-F687-4f45-9708-019B960494DF}">
-                <a14:hiddenLine xmlns="" xmlns:a14="http://schemas.microsoft.com/office/drawing/2010/main" w="9525">
+                <a14:hiddenLine xmlns:a14="http://schemas.microsoft.com/office/drawing/2010/main" xmlns="" w="9525">
                   <a:solidFill>
                     <a:schemeClr val="tx1"/>
                   </a:solidFill>
@@ -4451,7 +4451,7 @@
                 </a14:hiddenLine>
               </a:ext>
               <a:ext uri="{AF507438-7753-43e0-B8FC-AC1667EBCBE1}">
-                <a14:hiddenEffects xmlns="" xmlns:a14="http://schemas.microsoft.com/office/drawing/2010/main">
+                <a14:hiddenEffects xmlns:a14="http://schemas.microsoft.com/office/drawing/2010/main" xmlns="">
                   <a:effectLst>
                     <a:outerShdw blurRad="63500" dist="38099" dir="2700000" algn="ctr" rotWithShape="0">
                       <a:schemeClr val="bg2">
@@ -4496,7 +4496,7 @@
             <a:effectLst/>
             <a:extLst>
               <a:ext uri="{91240B29-F687-4f45-9708-019B960494DF}">
-                <a14:hiddenLine xmlns="" xmlns:a14="http://schemas.microsoft.com/office/drawing/2010/main" w="9525">
+                <a14:hiddenLine xmlns:a14="http://schemas.microsoft.com/office/drawing/2010/main" xmlns="" w="9525">
                   <a:solidFill>
                     <a:schemeClr val="tx1"/>
                   </a:solidFill>
@@ -4506,7 +4506,7 @@
                 </a14:hiddenLine>
               </a:ext>
               <a:ext uri="{AF507438-7753-43e0-B8FC-AC1667EBCBE1}">
-                <a14:hiddenEffects xmlns="" xmlns:a14="http://schemas.microsoft.com/office/drawing/2010/main">
+                <a14:hiddenEffects xmlns:a14="http://schemas.microsoft.com/office/drawing/2010/main" xmlns="">
                   <a:effectLst>
                     <a:outerShdw blurRad="63500" dist="38099" dir="2700000" algn="ctr" rotWithShape="0">
                       <a:schemeClr val="bg2">
@@ -4551,7 +4551,7 @@
             <a:effectLst/>
             <a:extLst>
               <a:ext uri="{91240B29-F687-4f45-9708-019B960494DF}">
-                <a14:hiddenLine xmlns="" xmlns:a14="http://schemas.microsoft.com/office/drawing/2010/main" w="9525">
+                <a14:hiddenLine xmlns:a14="http://schemas.microsoft.com/office/drawing/2010/main" xmlns="" w="9525">
                   <a:solidFill>
                     <a:schemeClr val="tx1"/>
                   </a:solidFill>
@@ -4561,7 +4561,7 @@
                 </a14:hiddenLine>
               </a:ext>
               <a:ext uri="{AF507438-7753-43e0-B8FC-AC1667EBCBE1}">
-                <a14:hiddenEffects xmlns="" xmlns:a14="http://schemas.microsoft.com/office/drawing/2010/main">
+                <a14:hiddenEffects xmlns:a14="http://schemas.microsoft.com/office/drawing/2010/main" xmlns="">
                   <a:effectLst>
                     <a:outerShdw blurRad="63500" dist="38099" dir="2700000" algn="ctr" rotWithShape="0">
                       <a:schemeClr val="bg2">
@@ -4610,12 +4610,12 @@
           <a:effectLst/>
           <a:extLst>
             <a:ext uri="{909E8E84-426E-40dd-AFC4-6F175D3DCCD1}">
-              <a14:hiddenFill xmlns="" xmlns:a14="http://schemas.microsoft.com/office/drawing/2010/main">
+              <a14:hiddenFill xmlns:a14="http://schemas.microsoft.com/office/drawing/2010/main" xmlns="">
                 <a:noFill/>
               </a14:hiddenFill>
             </a:ext>
             <a:ext uri="{AF507438-7753-43e0-B8FC-AC1667EBCBE1}">
-              <a14:hiddenEffects xmlns="" xmlns:a14="http://schemas.microsoft.com/office/drawing/2010/main">
+              <a14:hiddenEffects xmlns:a14="http://schemas.microsoft.com/office/drawing/2010/main" xmlns="">
                 <a:effectLst>
                   <a:outerShdw blurRad="63500" dist="38099" dir="2700000" algn="ctr" rotWithShape="0">
                     <a:schemeClr val="bg2">
@@ -4640,13 +4640,6 @@
   <p:clrMapOvr>
     <a:masterClrMapping/>
   </p:clrMapOvr>
-  <p:timing>
-    <p:tnLst>
-      <p:par>
-        <p:cTn id="1" dur="indefinite" restart="never" nodeType="tmRoot"/>
-      </p:par>
-    </p:tnLst>
-  </p:timing>
 </p:sldLayout>
 </file>
 
@@ -4683,10 +4676,9 @@
           <a:lstStyle/>
           <a:p>
             <a:r>
-              <a:rPr lang="en-US" smtClean="0"/>
+              <a:rPr lang="en-US"/>
               <a:t>Click to edit Master title style</a:t>
             </a:r>
-            <a:endParaRPr lang="en-US"/>
           </a:p>
         </p:txBody>
       </p:sp>
@@ -4707,38 +4699,37 @@
           <a:p>
             <a:pPr lvl="0"/>
             <a:r>
-              <a:rPr lang="en-US" smtClean="0"/>
+              <a:rPr lang="en-US"/>
               <a:t>Click to edit Master text styles</a:t>
             </a:r>
           </a:p>
           <a:p>
             <a:pPr lvl="1"/>
             <a:r>
-              <a:rPr lang="en-US" smtClean="0"/>
+              <a:rPr lang="en-US"/>
               <a:t>Second level</a:t>
             </a:r>
           </a:p>
           <a:p>
             <a:pPr lvl="2"/>
             <a:r>
-              <a:rPr lang="en-US" smtClean="0"/>
+              <a:rPr lang="en-US"/>
               <a:t>Third level</a:t>
             </a:r>
           </a:p>
           <a:p>
             <a:pPr lvl="3"/>
             <a:r>
-              <a:rPr lang="en-US" smtClean="0"/>
+              <a:rPr lang="en-US"/>
               <a:t>Fourth level</a:t>
             </a:r>
           </a:p>
           <a:p>
             <a:pPr lvl="4"/>
             <a:r>
-              <a:rPr lang="en-US" smtClean="0"/>
+              <a:rPr lang="en-US"/>
               <a:t>Fifth level</a:t>
             </a:r>
-            <a:endParaRPr lang="en-US"/>
           </a:p>
         </p:txBody>
       </p:sp>
@@ -4867,10 +4858,9 @@
           <a:lstStyle/>
           <a:p>
             <a:r>
-              <a:rPr lang="en-US" smtClean="0"/>
+              <a:rPr lang="en-US"/>
               <a:t>Click to edit Master title style</a:t>
             </a:r>
-            <a:endParaRPr lang="en-US"/>
           </a:p>
         </p:txBody>
       </p:sp>
@@ -4896,38 +4886,37 @@
           <a:p>
             <a:pPr lvl="0"/>
             <a:r>
-              <a:rPr lang="en-US" smtClean="0"/>
+              <a:rPr lang="en-US"/>
               <a:t>Click to edit Master text styles</a:t>
             </a:r>
           </a:p>
           <a:p>
             <a:pPr lvl="1"/>
             <a:r>
-              <a:rPr lang="en-US" smtClean="0"/>
+              <a:rPr lang="en-US"/>
               <a:t>Second level</a:t>
             </a:r>
           </a:p>
           <a:p>
             <a:pPr lvl="2"/>
             <a:r>
-              <a:rPr lang="en-US" smtClean="0"/>
+              <a:rPr lang="en-US"/>
               <a:t>Third level</a:t>
             </a:r>
           </a:p>
           <a:p>
             <a:pPr lvl="3"/>
             <a:r>
-              <a:rPr lang="en-US" smtClean="0"/>
+              <a:rPr lang="en-US"/>
               <a:t>Fourth level</a:t>
             </a:r>
           </a:p>
           <a:p>
             <a:pPr lvl="4"/>
             <a:r>
-              <a:rPr lang="en-US" smtClean="0"/>
+              <a:rPr lang="en-US"/>
               <a:t>Fifth level</a:t>
             </a:r>
-            <a:endParaRPr lang="en-US"/>
           </a:p>
         </p:txBody>
       </p:sp>
@@ -5051,10 +5040,9 @@
           <a:lstStyle/>
           <a:p>
             <a:r>
-              <a:rPr lang="en-US" smtClean="0"/>
+              <a:rPr lang="en-US"/>
               <a:t>Click to edit Master title style</a:t>
             </a:r>
-            <a:endParaRPr lang="en-US"/>
           </a:p>
         </p:txBody>
       </p:sp>
@@ -5075,38 +5063,37 @@
           <a:p>
             <a:pPr lvl="0"/>
             <a:r>
-              <a:rPr lang="en-US" smtClean="0"/>
+              <a:rPr lang="en-US"/>
               <a:t>Click to edit Master text styles</a:t>
             </a:r>
           </a:p>
           <a:p>
             <a:pPr lvl="1"/>
             <a:r>
-              <a:rPr lang="en-US" smtClean="0"/>
+              <a:rPr lang="en-US"/>
               <a:t>Second level</a:t>
             </a:r>
           </a:p>
           <a:p>
             <a:pPr lvl="2"/>
             <a:r>
-              <a:rPr lang="en-US" smtClean="0"/>
+              <a:rPr lang="en-US"/>
               <a:t>Third level</a:t>
             </a:r>
           </a:p>
           <a:p>
             <a:pPr lvl="3"/>
             <a:r>
-              <a:rPr lang="en-US" smtClean="0"/>
+              <a:rPr lang="en-US"/>
               <a:t>Fourth level</a:t>
             </a:r>
           </a:p>
           <a:p>
             <a:pPr lvl="4"/>
             <a:r>
-              <a:rPr lang="en-US" smtClean="0"/>
+              <a:rPr lang="en-US"/>
               <a:t>Fifth level</a:t>
             </a:r>
-            <a:endParaRPr lang="en-US"/>
           </a:p>
         </p:txBody>
       </p:sp>
@@ -5239,10 +5226,9 @@
           </a:lstStyle>
           <a:p>
             <a:r>
-              <a:rPr lang="en-US" smtClean="0"/>
+              <a:rPr lang="en-US"/>
               <a:t>Click to edit Master title style</a:t>
             </a:r>
-            <a:endParaRPr lang="en-US"/>
           </a:p>
         </p:txBody>
       </p:sp>
@@ -5305,7 +5291,7 @@
           <a:p>
             <a:pPr lvl="0"/>
             <a:r>
-              <a:rPr lang="en-US" smtClean="0"/>
+              <a:rPr lang="en-US"/>
               <a:t>Click to edit Master text styles</a:t>
             </a:r>
           </a:p>
@@ -5431,10 +5417,9 @@
           <a:lstStyle/>
           <a:p>
             <a:r>
-              <a:rPr lang="en-US" smtClean="0"/>
+              <a:rPr lang="en-US"/>
               <a:t>Click to edit Master title style</a:t>
             </a:r>
-            <a:endParaRPr lang="en-US"/>
           </a:p>
         </p:txBody>
       </p:sp>
@@ -5488,38 +5473,37 @@
           <a:p>
             <a:pPr lvl="0"/>
             <a:r>
-              <a:rPr lang="en-US" smtClean="0"/>
+              <a:rPr lang="en-US"/>
               <a:t>Click to edit Master text styles</a:t>
             </a:r>
           </a:p>
           <a:p>
             <a:pPr lvl="1"/>
             <a:r>
-              <a:rPr lang="en-US" smtClean="0"/>
+              <a:rPr lang="en-US"/>
               <a:t>Second level</a:t>
             </a:r>
           </a:p>
           <a:p>
             <a:pPr lvl="2"/>
             <a:r>
-              <a:rPr lang="en-US" smtClean="0"/>
+              <a:rPr lang="en-US"/>
               <a:t>Third level</a:t>
             </a:r>
           </a:p>
           <a:p>
             <a:pPr lvl="3"/>
             <a:r>
-              <a:rPr lang="en-US" smtClean="0"/>
+              <a:rPr lang="en-US"/>
               <a:t>Fourth level</a:t>
             </a:r>
           </a:p>
           <a:p>
             <a:pPr lvl="4"/>
             <a:r>
-              <a:rPr lang="en-US" smtClean="0"/>
+              <a:rPr lang="en-US"/>
               <a:t>Fifth level</a:t>
             </a:r>
-            <a:endParaRPr lang="en-US"/>
           </a:p>
         </p:txBody>
       </p:sp>
@@ -5573,38 +5557,37 @@
           <a:p>
             <a:pPr lvl="0"/>
             <a:r>
-              <a:rPr lang="en-US" smtClean="0"/>
+              <a:rPr lang="en-US"/>
               <a:t>Click to edit Master text styles</a:t>
             </a:r>
           </a:p>
           <a:p>
             <a:pPr lvl="1"/>
             <a:r>
-              <a:rPr lang="en-US" smtClean="0"/>
+              <a:rPr lang="en-US"/>
               <a:t>Second level</a:t>
             </a:r>
           </a:p>
           <a:p>
             <a:pPr lvl="2"/>
             <a:r>
-              <a:rPr lang="en-US" smtClean="0"/>
+              <a:rPr lang="en-US"/>
               <a:t>Third level</a:t>
             </a:r>
           </a:p>
           <a:p>
             <a:pPr lvl="3"/>
             <a:r>
-              <a:rPr lang="en-US" smtClean="0"/>
+              <a:rPr lang="en-US"/>
               <a:t>Fourth level</a:t>
             </a:r>
           </a:p>
           <a:p>
             <a:pPr lvl="4"/>
             <a:r>
-              <a:rPr lang="en-US" smtClean="0"/>
+              <a:rPr lang="en-US"/>
               <a:t>Fifth level</a:t>
             </a:r>
-            <a:endParaRPr lang="en-US"/>
           </a:p>
         </p:txBody>
       </p:sp>
@@ -5737,10 +5720,9 @@
           </a:lstStyle>
           <a:p>
             <a:r>
-              <a:rPr lang="en-US" smtClean="0"/>
+              <a:rPr lang="en-US"/>
               <a:t>Click to edit Master title style</a:t>
             </a:r>
-            <a:endParaRPr lang="en-US"/>
           </a:p>
         </p:txBody>
       </p:sp>
@@ -5803,7 +5785,7 @@
           <a:p>
             <a:pPr lvl="0"/>
             <a:r>
-              <a:rPr lang="en-US" smtClean="0"/>
+              <a:rPr lang="en-US"/>
               <a:t>Click to edit Master text styles</a:t>
             </a:r>
           </a:p>
@@ -5859,38 +5841,37 @@
           <a:p>
             <a:pPr lvl="0"/>
             <a:r>
-              <a:rPr lang="en-US" smtClean="0"/>
+              <a:rPr lang="en-US"/>
               <a:t>Click to edit Master text styles</a:t>
             </a:r>
           </a:p>
           <a:p>
             <a:pPr lvl="1"/>
             <a:r>
-              <a:rPr lang="en-US" smtClean="0"/>
+              <a:rPr lang="en-US"/>
               <a:t>Second level</a:t>
             </a:r>
           </a:p>
           <a:p>
             <a:pPr lvl="2"/>
             <a:r>
-              <a:rPr lang="en-US" smtClean="0"/>
+              <a:rPr lang="en-US"/>
               <a:t>Third level</a:t>
             </a:r>
           </a:p>
           <a:p>
             <a:pPr lvl="3"/>
             <a:r>
-              <a:rPr lang="en-US" smtClean="0"/>
+              <a:rPr lang="en-US"/>
               <a:t>Fourth level</a:t>
             </a:r>
           </a:p>
           <a:p>
             <a:pPr lvl="4"/>
             <a:r>
-              <a:rPr lang="en-US" smtClean="0"/>
+              <a:rPr lang="en-US"/>
               <a:t>Fifth level</a:t>
             </a:r>
-            <a:endParaRPr lang="en-US"/>
           </a:p>
         </p:txBody>
       </p:sp>
@@ -5953,7 +5934,7 @@
           <a:p>
             <a:pPr lvl="0"/>
             <a:r>
-              <a:rPr lang="en-US" smtClean="0"/>
+              <a:rPr lang="en-US"/>
               <a:t>Click to edit Master text styles</a:t>
             </a:r>
           </a:p>
@@ -6009,38 +5990,37 @@
           <a:p>
             <a:pPr lvl="0"/>
             <a:r>
-              <a:rPr lang="en-US" smtClean="0"/>
+              <a:rPr lang="en-US"/>
               <a:t>Click to edit Master text styles</a:t>
             </a:r>
           </a:p>
           <a:p>
             <a:pPr lvl="1"/>
             <a:r>
-              <a:rPr lang="en-US" smtClean="0"/>
+              <a:rPr lang="en-US"/>
               <a:t>Second level</a:t>
             </a:r>
           </a:p>
           <a:p>
             <a:pPr lvl="2"/>
             <a:r>
-              <a:rPr lang="en-US" smtClean="0"/>
+              <a:rPr lang="en-US"/>
               <a:t>Third level</a:t>
             </a:r>
           </a:p>
           <a:p>
             <a:pPr lvl="3"/>
             <a:r>
-              <a:rPr lang="en-US" smtClean="0"/>
+              <a:rPr lang="en-US"/>
               <a:t>Fourth level</a:t>
             </a:r>
           </a:p>
           <a:p>
             <a:pPr lvl="4"/>
             <a:r>
-              <a:rPr lang="en-US" smtClean="0"/>
+              <a:rPr lang="en-US"/>
               <a:t>Fifth level</a:t>
             </a:r>
-            <a:endParaRPr lang="en-US"/>
           </a:p>
         </p:txBody>
       </p:sp>
@@ -6164,10 +6144,9 @@
           <a:lstStyle/>
           <a:p>
             <a:r>
-              <a:rPr lang="en-US" smtClean="0"/>
+              <a:rPr lang="en-US"/>
               <a:t>Click to edit Master title style</a:t>
             </a:r>
-            <a:endParaRPr lang="en-US"/>
           </a:p>
         </p:txBody>
       </p:sp>
@@ -6404,10 +6383,9 @@
           </a:lstStyle>
           <a:p>
             <a:r>
-              <a:rPr lang="en-US" smtClean="0"/>
+              <a:rPr lang="en-US"/>
               <a:t>Click to edit Master title style</a:t>
             </a:r>
-            <a:endParaRPr lang="en-US"/>
           </a:p>
         </p:txBody>
       </p:sp>
@@ -6461,38 +6439,37 @@
           <a:p>
             <a:pPr lvl="0"/>
             <a:r>
-              <a:rPr lang="en-US" smtClean="0"/>
+              <a:rPr lang="en-US"/>
               <a:t>Click to edit Master text styles</a:t>
             </a:r>
           </a:p>
           <a:p>
             <a:pPr lvl="1"/>
             <a:r>
-              <a:rPr lang="en-US" smtClean="0"/>
+              <a:rPr lang="en-US"/>
               <a:t>Second level</a:t>
             </a:r>
           </a:p>
           <a:p>
             <a:pPr lvl="2"/>
             <a:r>
-              <a:rPr lang="en-US" smtClean="0"/>
+              <a:rPr lang="en-US"/>
               <a:t>Third level</a:t>
             </a:r>
           </a:p>
           <a:p>
             <a:pPr lvl="3"/>
             <a:r>
-              <a:rPr lang="en-US" smtClean="0"/>
+              <a:rPr lang="en-US"/>
               <a:t>Fourth level</a:t>
             </a:r>
           </a:p>
           <a:p>
             <a:pPr lvl="4"/>
             <a:r>
-              <a:rPr lang="en-US" smtClean="0"/>
+              <a:rPr lang="en-US"/>
               <a:t>Fifth level</a:t>
             </a:r>
-            <a:endParaRPr lang="en-US"/>
           </a:p>
         </p:txBody>
       </p:sp>
@@ -6555,7 +6532,7 @@
           <a:p>
             <a:pPr lvl="0"/>
             <a:r>
-              <a:rPr lang="en-US" smtClean="0"/>
+              <a:rPr lang="en-US"/>
               <a:t>Click to edit Master text styles</a:t>
             </a:r>
           </a:p>
@@ -6690,10 +6667,9 @@
           </a:lstStyle>
           <a:p>
             <a:r>
-              <a:rPr lang="en-US" smtClean="0"/>
+              <a:rPr lang="en-US"/>
               <a:t>Click to edit Master title style</a:t>
             </a:r>
-            <a:endParaRPr lang="en-US"/>
           </a:p>
         </p:txBody>
       </p:sp>
@@ -6817,7 +6793,7 @@
           <a:p>
             <a:pPr lvl="0"/>
             <a:r>
-              <a:rPr lang="en-US" smtClean="0"/>
+              <a:rPr lang="en-US"/>
               <a:t>Click to edit Master text styles</a:t>
             </a:r>
           </a:p>
@@ -6963,12 +6939,12 @@
           <a:effectLst/>
           <a:extLst>
             <a:ext uri="{909E8E84-426E-40dd-AFC4-6F175D3DCCD1}">
-              <a14:hiddenFill xmlns="" xmlns:a14="http://schemas.microsoft.com/office/drawing/2010/main">
+              <a14:hiddenFill xmlns:a14="http://schemas.microsoft.com/office/drawing/2010/main" xmlns="">
                 <a:noFill/>
               </a14:hiddenFill>
             </a:ext>
             <a:ext uri="{AF507438-7753-43e0-B8FC-AC1667EBCBE1}">
-              <a14:hiddenEffects xmlns="" xmlns:a14="http://schemas.microsoft.com/office/drawing/2010/main">
+              <a14:hiddenEffects xmlns:a14="http://schemas.microsoft.com/office/drawing/2010/main" xmlns="">
                 <a:effectLst>
                   <a:outerShdw blurRad="63500" dist="38099" dir="2700000" algn="ctr" rotWithShape="0">
                     <a:schemeClr val="bg2">
@@ -7013,17 +6989,17 @@
           <a:effectLst/>
           <a:extLst>
             <a:ext uri="{FAA26D3D-D897-4be2-8F04-BA451C77F1D7}">
-              <ma14:placeholderFlag xmlns:ma14="http://schemas.microsoft.com/office/mac/drawingml/2011/main" val="1"/>
+              <ma14:placeholderFlag xmlns:ma14="http://schemas.microsoft.com/office/mac/drawingml/2011/main" xmlns="" val="1"/>
             </a:ext>
             <a:ext uri="{909E8E84-426E-40dd-AFC4-6F175D3DCCD1}">
-              <a14:hiddenFill xmlns="" xmlns:a14="http://schemas.microsoft.com/office/drawing/2010/main">
+              <a14:hiddenFill xmlns:a14="http://schemas.microsoft.com/office/drawing/2010/main" xmlns="">
                 <a:solidFill>
                   <a:schemeClr val="accent1"/>
                 </a:solidFill>
               </a14:hiddenFill>
             </a:ext>
             <a:ext uri="{91240B29-F687-4f45-9708-019B960494DF}">
-              <a14:hiddenLine xmlns="" xmlns:a14="http://schemas.microsoft.com/office/drawing/2010/main" w="9525">
+              <a14:hiddenLine xmlns:a14="http://schemas.microsoft.com/office/drawing/2010/main" xmlns="" w="9525">
                 <a:solidFill>
                   <a:schemeClr val="tx1"/>
                 </a:solidFill>
@@ -7033,7 +7009,7 @@
               </a14:hiddenLine>
             </a:ext>
             <a:ext uri="{AF507438-7753-43e0-B8FC-AC1667EBCBE1}">
-              <a14:hiddenEffects xmlns="" xmlns:a14="http://schemas.microsoft.com/office/drawing/2010/main">
+              <a14:hiddenEffects xmlns:a14="http://schemas.microsoft.com/office/drawing/2010/main" xmlns="">
                 <a:effectLst>
                   <a:outerShdw blurRad="63500" dist="38099" dir="2700000" algn="ctr" rotWithShape="0">
                     <a:schemeClr val="bg2">
@@ -7086,17 +7062,17 @@
           <a:effectLst/>
           <a:extLst>
             <a:ext uri="{FAA26D3D-D897-4be2-8F04-BA451C77F1D7}">
-              <ma14:placeholderFlag xmlns:ma14="http://schemas.microsoft.com/office/mac/drawingml/2011/main" val="1"/>
+              <ma14:placeholderFlag xmlns:ma14="http://schemas.microsoft.com/office/mac/drawingml/2011/main" xmlns="" val="1"/>
             </a:ext>
             <a:ext uri="{909E8E84-426E-40dd-AFC4-6F175D3DCCD1}">
-              <a14:hiddenFill xmlns="" xmlns:a14="http://schemas.microsoft.com/office/drawing/2010/main">
+              <a14:hiddenFill xmlns:a14="http://schemas.microsoft.com/office/drawing/2010/main" xmlns="">
                 <a:solidFill>
                   <a:schemeClr val="accent1"/>
                 </a:solidFill>
               </a14:hiddenFill>
             </a:ext>
             <a:ext uri="{91240B29-F687-4f45-9708-019B960494DF}">
-              <a14:hiddenLine xmlns="" xmlns:a14="http://schemas.microsoft.com/office/drawing/2010/main" w="9525">
+              <a14:hiddenLine xmlns:a14="http://schemas.microsoft.com/office/drawing/2010/main" xmlns="" w="9525">
                 <a:solidFill>
                   <a:schemeClr val="tx1"/>
                 </a:solidFill>
@@ -7106,7 +7082,7 @@
               </a14:hiddenLine>
             </a:ext>
             <a:ext uri="{AF507438-7753-43e0-B8FC-AC1667EBCBE1}">
-              <a14:hiddenEffects xmlns="" xmlns:a14="http://schemas.microsoft.com/office/drawing/2010/main">
+              <a14:hiddenEffects xmlns:a14="http://schemas.microsoft.com/office/drawing/2010/main" xmlns="">
                 <a:effectLst>
                   <a:outerShdw blurRad="63500" dist="38099" dir="2700000" algn="ctr" rotWithShape="0">
                     <a:schemeClr val="bg2">
@@ -7187,17 +7163,17 @@
           <a:effectLst/>
           <a:extLst>
             <a:ext uri="{FAA26D3D-D897-4be2-8F04-BA451C77F1D7}">
-              <ma14:placeholderFlag xmlns:ma14="http://schemas.microsoft.com/office/mac/drawingml/2011/main" val="1"/>
+              <ma14:placeholderFlag xmlns:ma14="http://schemas.microsoft.com/office/mac/drawingml/2011/main" xmlns="" val="1"/>
             </a:ext>
             <a:ext uri="{909E8E84-426E-40dd-AFC4-6F175D3DCCD1}">
-              <a14:hiddenFill xmlns="" xmlns:a14="http://schemas.microsoft.com/office/drawing/2010/main">
+              <a14:hiddenFill xmlns:a14="http://schemas.microsoft.com/office/drawing/2010/main" xmlns="">
                 <a:solidFill>
                   <a:schemeClr val="accent1"/>
                 </a:solidFill>
               </a14:hiddenFill>
             </a:ext>
             <a:ext uri="{91240B29-F687-4f45-9708-019B960494DF}">
-              <a14:hiddenLine xmlns="" xmlns:a14="http://schemas.microsoft.com/office/drawing/2010/main" w="9525">
+              <a14:hiddenLine xmlns:a14="http://schemas.microsoft.com/office/drawing/2010/main" xmlns="" w="9525">
                 <a:solidFill>
                   <a:schemeClr val="tx1"/>
                 </a:solidFill>
@@ -7207,7 +7183,7 @@
               </a14:hiddenLine>
             </a:ext>
             <a:ext uri="{AF507438-7753-43e0-B8FC-AC1667EBCBE1}">
-              <a14:hiddenEffects xmlns="" xmlns:a14="http://schemas.microsoft.com/office/drawing/2010/main">
+              <a14:hiddenEffects xmlns:a14="http://schemas.microsoft.com/office/drawing/2010/main" xmlns="">
                 <a:effectLst>
                   <a:outerShdw blurRad="63500" dist="38099" dir="2700000" algn="ctr" rotWithShape="0">
                     <a:schemeClr val="bg2">
@@ -7260,17 +7236,17 @@
           <a:effectLst/>
           <a:extLst>
             <a:ext uri="{FAA26D3D-D897-4be2-8F04-BA451C77F1D7}">
-              <ma14:placeholderFlag xmlns:ma14="http://schemas.microsoft.com/office/mac/drawingml/2011/main" val="1"/>
+              <ma14:placeholderFlag xmlns:ma14="http://schemas.microsoft.com/office/mac/drawingml/2011/main" xmlns="" val="1"/>
             </a:ext>
             <a:ext uri="{909E8E84-426E-40dd-AFC4-6F175D3DCCD1}">
-              <a14:hiddenFill xmlns="" xmlns:a14="http://schemas.microsoft.com/office/drawing/2010/main">
+              <a14:hiddenFill xmlns:a14="http://schemas.microsoft.com/office/drawing/2010/main" xmlns="">
                 <a:solidFill>
                   <a:schemeClr val="accent1"/>
                 </a:solidFill>
               </a14:hiddenFill>
             </a:ext>
             <a:ext uri="{91240B29-F687-4f45-9708-019B960494DF}">
-              <a14:hiddenLine xmlns="" xmlns:a14="http://schemas.microsoft.com/office/drawing/2010/main" w="9525">
+              <a14:hiddenLine xmlns:a14="http://schemas.microsoft.com/office/drawing/2010/main" xmlns="" w="9525">
                 <a:solidFill>
                   <a:schemeClr val="tx1"/>
                 </a:solidFill>
@@ -7280,7 +7256,7 @@
               </a14:hiddenLine>
             </a:ext>
             <a:ext uri="{AF507438-7753-43e0-B8FC-AC1667EBCBE1}">
-              <a14:hiddenEffects xmlns="" xmlns:a14="http://schemas.microsoft.com/office/drawing/2010/main">
+              <a14:hiddenEffects xmlns:a14="http://schemas.microsoft.com/office/drawing/2010/main" xmlns="">
                 <a:effectLst>
                   <a:outerShdw blurRad="63500" dist="38099" dir="2700000" algn="ctr" rotWithShape="0">
                     <a:schemeClr val="bg2">
@@ -7333,17 +7309,17 @@
           <a:effectLst/>
           <a:extLst>
             <a:ext uri="{FAA26D3D-D897-4be2-8F04-BA451C77F1D7}">
-              <ma14:placeholderFlag xmlns:ma14="http://schemas.microsoft.com/office/mac/drawingml/2011/main" val="1"/>
+              <ma14:placeholderFlag xmlns:ma14="http://schemas.microsoft.com/office/mac/drawingml/2011/main" xmlns="" val="1"/>
             </a:ext>
             <a:ext uri="{909E8E84-426E-40dd-AFC4-6F175D3DCCD1}">
-              <a14:hiddenFill xmlns="" xmlns:a14="http://schemas.microsoft.com/office/drawing/2010/main">
+              <a14:hiddenFill xmlns:a14="http://schemas.microsoft.com/office/drawing/2010/main" xmlns="">
                 <a:solidFill>
                   <a:schemeClr val="accent1"/>
                 </a:solidFill>
               </a14:hiddenFill>
             </a:ext>
             <a:ext uri="{91240B29-F687-4f45-9708-019B960494DF}">
-              <a14:hiddenLine xmlns="" xmlns:a14="http://schemas.microsoft.com/office/drawing/2010/main" w="9525">
+              <a14:hiddenLine xmlns:a14="http://schemas.microsoft.com/office/drawing/2010/main" xmlns="" w="9525">
                 <a:solidFill>
                   <a:schemeClr val="tx1"/>
                 </a:solidFill>
@@ -7353,7 +7329,7 @@
               </a14:hiddenLine>
             </a:ext>
             <a:ext uri="{AF507438-7753-43e0-B8FC-AC1667EBCBE1}">
-              <a14:hiddenEffects xmlns="" xmlns:a14="http://schemas.microsoft.com/office/drawing/2010/main">
+              <a14:hiddenEffects xmlns:a14="http://schemas.microsoft.com/office/drawing/2010/main" xmlns="">
                 <a:effectLst>
                   <a:outerShdw blurRad="63500" dist="38099" dir="2700000" algn="ctr" rotWithShape="0">
                     <a:schemeClr val="bg2">
@@ -7427,7 +7403,7 @@
             <a:effectLst/>
             <a:extLst>
               <a:ext uri="{91240B29-F687-4f45-9708-019B960494DF}">
-                <a14:hiddenLine xmlns="" xmlns:a14="http://schemas.microsoft.com/office/drawing/2010/main" w="9525">
+                <a14:hiddenLine xmlns:a14="http://schemas.microsoft.com/office/drawing/2010/main" xmlns="" w="9525">
                   <a:solidFill>
                     <a:schemeClr val="tx1"/>
                   </a:solidFill>
@@ -7437,7 +7413,7 @@
                 </a14:hiddenLine>
               </a:ext>
               <a:ext uri="{AF507438-7753-43e0-B8FC-AC1667EBCBE1}">
-                <a14:hiddenEffects xmlns="" xmlns:a14="http://schemas.microsoft.com/office/drawing/2010/main">
+                <a14:hiddenEffects xmlns:a14="http://schemas.microsoft.com/office/drawing/2010/main" xmlns="">
                   <a:effectLst>
                     <a:outerShdw blurRad="63500" dist="38099" dir="2700000" algn="ctr" rotWithShape="0">
                       <a:schemeClr val="bg2">
@@ -7482,7 +7458,7 @@
             <a:effectLst/>
             <a:extLst>
               <a:ext uri="{91240B29-F687-4f45-9708-019B960494DF}">
-                <a14:hiddenLine xmlns="" xmlns:a14="http://schemas.microsoft.com/office/drawing/2010/main" w="9525">
+                <a14:hiddenLine xmlns:a14="http://schemas.microsoft.com/office/drawing/2010/main" xmlns="" w="9525">
                   <a:solidFill>
                     <a:schemeClr val="tx1"/>
                   </a:solidFill>
@@ -7492,7 +7468,7 @@
                 </a14:hiddenLine>
               </a:ext>
               <a:ext uri="{AF507438-7753-43e0-B8FC-AC1667EBCBE1}">
-                <a14:hiddenEffects xmlns="" xmlns:a14="http://schemas.microsoft.com/office/drawing/2010/main">
+                <a14:hiddenEffects xmlns:a14="http://schemas.microsoft.com/office/drawing/2010/main" xmlns="">
                   <a:effectLst>
                     <a:outerShdw blurRad="63500" dist="38099" dir="2700000" algn="ctr" rotWithShape="0">
                       <a:schemeClr val="bg2">
@@ -7537,7 +7513,7 @@
             <a:effectLst/>
             <a:extLst>
               <a:ext uri="{91240B29-F687-4f45-9708-019B960494DF}">
-                <a14:hiddenLine xmlns="" xmlns:a14="http://schemas.microsoft.com/office/drawing/2010/main" w="9525">
+                <a14:hiddenLine xmlns:a14="http://schemas.microsoft.com/office/drawing/2010/main" xmlns="" w="9525">
                   <a:solidFill>
                     <a:schemeClr val="tx1"/>
                   </a:solidFill>
@@ -7547,7 +7523,7 @@
                 </a14:hiddenLine>
               </a:ext>
               <a:ext uri="{AF507438-7753-43e0-B8FC-AC1667EBCBE1}">
-                <a14:hiddenEffects xmlns="" xmlns:a14="http://schemas.microsoft.com/office/drawing/2010/main">
+                <a14:hiddenEffects xmlns:a14="http://schemas.microsoft.com/office/drawing/2010/main" xmlns="">
                   <a:effectLst>
                     <a:outerShdw blurRad="63500" dist="38099" dir="2700000" algn="ctr" rotWithShape="0">
                       <a:schemeClr val="bg2">
@@ -7592,7 +7568,7 @@
             <a:effectLst/>
             <a:extLst>
               <a:ext uri="{91240B29-F687-4f45-9708-019B960494DF}">
-                <a14:hiddenLine xmlns="" xmlns:a14="http://schemas.microsoft.com/office/drawing/2010/main" w="9525">
+                <a14:hiddenLine xmlns:a14="http://schemas.microsoft.com/office/drawing/2010/main" xmlns="" w="9525">
                   <a:solidFill>
                     <a:schemeClr val="tx1"/>
                   </a:solidFill>
@@ -7602,7 +7578,7 @@
                 </a14:hiddenLine>
               </a:ext>
               <a:ext uri="{AF507438-7753-43e0-B8FC-AC1667EBCBE1}">
-                <a14:hiddenEffects xmlns="" xmlns:a14="http://schemas.microsoft.com/office/drawing/2010/main">
+                <a14:hiddenEffects xmlns:a14="http://schemas.microsoft.com/office/drawing/2010/main" xmlns="">
                   <a:effectLst>
                     <a:outerShdw blurRad="63500" dist="38099" dir="2700000" algn="ctr" rotWithShape="0">
                       <a:schemeClr val="bg2">
@@ -7647,7 +7623,7 @@
             <a:effectLst/>
             <a:extLst>
               <a:ext uri="{91240B29-F687-4f45-9708-019B960494DF}">
-                <a14:hiddenLine xmlns="" xmlns:a14="http://schemas.microsoft.com/office/drawing/2010/main" w="9525">
+                <a14:hiddenLine xmlns:a14="http://schemas.microsoft.com/office/drawing/2010/main" xmlns="" w="9525">
                   <a:solidFill>
                     <a:schemeClr val="tx1"/>
                   </a:solidFill>
@@ -7657,7 +7633,7 @@
                 </a14:hiddenLine>
               </a:ext>
               <a:ext uri="{AF507438-7753-43e0-B8FC-AC1667EBCBE1}">
-                <a14:hiddenEffects xmlns="" xmlns:a14="http://schemas.microsoft.com/office/drawing/2010/main">
+                <a14:hiddenEffects xmlns:a14="http://schemas.microsoft.com/office/drawing/2010/main" xmlns="">
                   <a:effectLst>
                     <a:outerShdw blurRad="63500" dist="38099" dir="2700000" algn="ctr" rotWithShape="0">
                       <a:schemeClr val="bg2">
@@ -7702,7 +7678,7 @@
             <a:effectLst/>
             <a:extLst>
               <a:ext uri="{91240B29-F687-4f45-9708-019B960494DF}">
-                <a14:hiddenLine xmlns="" xmlns:a14="http://schemas.microsoft.com/office/drawing/2010/main" w="9525">
+                <a14:hiddenLine xmlns:a14="http://schemas.microsoft.com/office/drawing/2010/main" xmlns="" w="9525">
                   <a:solidFill>
                     <a:schemeClr val="tx1"/>
                   </a:solidFill>
@@ -7712,7 +7688,7 @@
                 </a14:hiddenLine>
               </a:ext>
               <a:ext uri="{AF507438-7753-43e0-B8FC-AC1667EBCBE1}">
-                <a14:hiddenEffects xmlns="" xmlns:a14="http://schemas.microsoft.com/office/drawing/2010/main">
+                <a14:hiddenEffects xmlns:a14="http://schemas.microsoft.com/office/drawing/2010/main" xmlns="">
                   <a:effectLst>
                     <a:outerShdw blurRad="63500" dist="38099" dir="2700000" algn="ctr" rotWithShape="0">
                       <a:schemeClr val="bg2">
@@ -7757,7 +7733,7 @@
             <a:effectLst/>
             <a:extLst>
               <a:ext uri="{91240B29-F687-4f45-9708-019B960494DF}">
-                <a14:hiddenLine xmlns="" xmlns:a14="http://schemas.microsoft.com/office/drawing/2010/main" w="9525">
+                <a14:hiddenLine xmlns:a14="http://schemas.microsoft.com/office/drawing/2010/main" xmlns="" w="9525">
                   <a:solidFill>
                     <a:schemeClr val="tx1"/>
                   </a:solidFill>
@@ -7767,7 +7743,7 @@
                 </a14:hiddenLine>
               </a:ext>
               <a:ext uri="{AF507438-7753-43e0-B8FC-AC1667EBCBE1}">
-                <a14:hiddenEffects xmlns="" xmlns:a14="http://schemas.microsoft.com/office/drawing/2010/main">
+                <a14:hiddenEffects xmlns:a14="http://schemas.microsoft.com/office/drawing/2010/main" xmlns="">
                   <a:effectLst>
                     <a:outerShdw blurRad="63500" dist="38099" dir="2700000" algn="ctr" rotWithShape="0">
                       <a:schemeClr val="bg2">
@@ -7812,7 +7788,7 @@
             <a:effectLst/>
             <a:extLst>
               <a:ext uri="{91240B29-F687-4f45-9708-019B960494DF}">
-                <a14:hiddenLine xmlns="" xmlns:a14="http://schemas.microsoft.com/office/drawing/2010/main" w="9525">
+                <a14:hiddenLine xmlns:a14="http://schemas.microsoft.com/office/drawing/2010/main" xmlns="" w="9525">
                   <a:solidFill>
                     <a:schemeClr val="tx1"/>
                   </a:solidFill>
@@ -7822,7 +7798,7 @@
                 </a14:hiddenLine>
               </a:ext>
               <a:ext uri="{AF507438-7753-43e0-B8FC-AC1667EBCBE1}">
-                <a14:hiddenEffects xmlns="" xmlns:a14="http://schemas.microsoft.com/office/drawing/2010/main">
+                <a14:hiddenEffects xmlns:a14="http://schemas.microsoft.com/office/drawing/2010/main" xmlns="">
                   <a:effectLst>
                     <a:outerShdw blurRad="63500" dist="38099" dir="2700000" algn="ctr" rotWithShape="0">
                       <a:schemeClr val="bg2">
@@ -7867,7 +7843,7 @@
             <a:effectLst/>
             <a:extLst>
               <a:ext uri="{91240B29-F687-4f45-9708-019B960494DF}">
-                <a14:hiddenLine xmlns="" xmlns:a14="http://schemas.microsoft.com/office/drawing/2010/main" w="9525">
+                <a14:hiddenLine xmlns:a14="http://schemas.microsoft.com/office/drawing/2010/main" xmlns="" w="9525">
                   <a:solidFill>
                     <a:schemeClr val="tx1"/>
                   </a:solidFill>
@@ -7877,7 +7853,7 @@
                 </a14:hiddenLine>
               </a:ext>
               <a:ext uri="{AF507438-7753-43e0-B8FC-AC1667EBCBE1}">
-                <a14:hiddenEffects xmlns="" xmlns:a14="http://schemas.microsoft.com/office/drawing/2010/main">
+                <a14:hiddenEffects xmlns:a14="http://schemas.microsoft.com/office/drawing/2010/main" xmlns="">
                   <a:effectLst>
                     <a:outerShdw blurRad="63500" dist="38099" dir="2700000" algn="ctr" rotWithShape="0">
                       <a:schemeClr val="bg2">
@@ -7922,7 +7898,7 @@
             <a:effectLst/>
             <a:extLst>
               <a:ext uri="{91240B29-F687-4f45-9708-019B960494DF}">
-                <a14:hiddenLine xmlns="" xmlns:a14="http://schemas.microsoft.com/office/drawing/2010/main" w="9525">
+                <a14:hiddenLine xmlns:a14="http://schemas.microsoft.com/office/drawing/2010/main" xmlns="" w="9525">
                   <a:solidFill>
                     <a:schemeClr val="tx1"/>
                   </a:solidFill>
@@ -7932,7 +7908,7 @@
                 </a14:hiddenLine>
               </a:ext>
               <a:ext uri="{AF507438-7753-43e0-B8FC-AC1667EBCBE1}">
-                <a14:hiddenEffects xmlns="" xmlns:a14="http://schemas.microsoft.com/office/drawing/2010/main">
+                <a14:hiddenEffects xmlns:a14="http://schemas.microsoft.com/office/drawing/2010/main" xmlns="">
                   <a:effectLst>
                     <a:outerShdw blurRad="63500" dist="38099" dir="2700000" algn="ctr" rotWithShape="0">
                       <a:schemeClr val="bg2">
@@ -7977,7 +7953,7 @@
             <a:effectLst/>
             <a:extLst>
               <a:ext uri="{91240B29-F687-4f45-9708-019B960494DF}">
-                <a14:hiddenLine xmlns="" xmlns:a14="http://schemas.microsoft.com/office/drawing/2010/main" w="9525">
+                <a14:hiddenLine xmlns:a14="http://schemas.microsoft.com/office/drawing/2010/main" xmlns="" w="9525">
                   <a:solidFill>
                     <a:schemeClr val="tx1"/>
                   </a:solidFill>
@@ -7987,7 +7963,7 @@
                 </a14:hiddenLine>
               </a:ext>
               <a:ext uri="{AF507438-7753-43e0-B8FC-AC1667EBCBE1}">
-                <a14:hiddenEffects xmlns="" xmlns:a14="http://schemas.microsoft.com/office/drawing/2010/main">
+                <a14:hiddenEffects xmlns:a14="http://schemas.microsoft.com/office/drawing/2010/main" xmlns="">
                   <a:effectLst>
                     <a:outerShdw blurRad="63500" dist="38099" dir="2700000" algn="ctr" rotWithShape="0">
                       <a:schemeClr val="bg2">
@@ -8032,7 +8008,7 @@
             <a:effectLst/>
             <a:extLst>
               <a:ext uri="{91240B29-F687-4f45-9708-019B960494DF}">
-                <a14:hiddenLine xmlns="" xmlns:a14="http://schemas.microsoft.com/office/drawing/2010/main" w="9525">
+                <a14:hiddenLine xmlns:a14="http://schemas.microsoft.com/office/drawing/2010/main" xmlns="" w="9525">
                   <a:solidFill>
                     <a:schemeClr val="tx1"/>
                   </a:solidFill>
@@ -8042,7 +8018,7 @@
                 </a14:hiddenLine>
               </a:ext>
               <a:ext uri="{AF507438-7753-43e0-B8FC-AC1667EBCBE1}">
-                <a14:hiddenEffects xmlns="" xmlns:a14="http://schemas.microsoft.com/office/drawing/2010/main">
+                <a14:hiddenEffects xmlns:a14="http://schemas.microsoft.com/office/drawing/2010/main" xmlns="">
                   <a:effectLst>
                     <a:outerShdw blurRad="63500" dist="38099" dir="2700000" algn="ctr" rotWithShape="0">
                       <a:schemeClr val="bg2">
@@ -8087,7 +8063,7 @@
             <a:effectLst/>
             <a:extLst>
               <a:ext uri="{91240B29-F687-4f45-9708-019B960494DF}">
-                <a14:hiddenLine xmlns="" xmlns:a14="http://schemas.microsoft.com/office/drawing/2010/main" w="9525">
+                <a14:hiddenLine xmlns:a14="http://schemas.microsoft.com/office/drawing/2010/main" xmlns="" w="9525">
                   <a:solidFill>
                     <a:schemeClr val="tx1"/>
                   </a:solidFill>
@@ -8097,7 +8073,7 @@
                 </a14:hiddenLine>
               </a:ext>
               <a:ext uri="{AF507438-7753-43e0-B8FC-AC1667EBCBE1}">
-                <a14:hiddenEffects xmlns="" xmlns:a14="http://schemas.microsoft.com/office/drawing/2010/main">
+                <a14:hiddenEffects xmlns:a14="http://schemas.microsoft.com/office/drawing/2010/main" xmlns="">
                   <a:effectLst>
                     <a:outerShdw blurRad="63500" dist="38099" dir="2700000" algn="ctr" rotWithShape="0">
                       <a:schemeClr val="bg2">
@@ -8142,7 +8118,7 @@
             <a:effectLst/>
             <a:extLst>
               <a:ext uri="{91240B29-F687-4f45-9708-019B960494DF}">
-                <a14:hiddenLine xmlns="" xmlns:a14="http://schemas.microsoft.com/office/drawing/2010/main" w="9525">
+                <a14:hiddenLine xmlns:a14="http://schemas.microsoft.com/office/drawing/2010/main" xmlns="" w="9525">
                   <a:solidFill>
                     <a:schemeClr val="tx1"/>
                   </a:solidFill>
@@ -8152,7 +8128,7 @@
                 </a14:hiddenLine>
               </a:ext>
               <a:ext uri="{AF507438-7753-43e0-B8FC-AC1667EBCBE1}">
-                <a14:hiddenEffects xmlns="" xmlns:a14="http://schemas.microsoft.com/office/drawing/2010/main">
+                <a14:hiddenEffects xmlns:a14="http://schemas.microsoft.com/office/drawing/2010/main" xmlns="">
                   <a:effectLst>
                     <a:outerShdw blurRad="63500" dist="38099" dir="2700000" algn="ctr" rotWithShape="0">
                       <a:schemeClr val="bg2">
@@ -8197,7 +8173,7 @@
             <a:effectLst/>
             <a:extLst>
               <a:ext uri="{91240B29-F687-4f45-9708-019B960494DF}">
-                <a14:hiddenLine xmlns="" xmlns:a14="http://schemas.microsoft.com/office/drawing/2010/main" w="9525">
+                <a14:hiddenLine xmlns:a14="http://schemas.microsoft.com/office/drawing/2010/main" xmlns="" w="9525">
                   <a:solidFill>
                     <a:schemeClr val="tx1"/>
                   </a:solidFill>
@@ -8207,7 +8183,7 @@
                 </a14:hiddenLine>
               </a:ext>
               <a:ext uri="{AF507438-7753-43e0-B8FC-AC1667EBCBE1}">
-                <a14:hiddenEffects xmlns="" xmlns:a14="http://schemas.microsoft.com/office/drawing/2010/main">
+                <a14:hiddenEffects xmlns:a14="http://schemas.microsoft.com/office/drawing/2010/main" xmlns="">
                   <a:effectLst>
                     <a:outerShdw blurRad="63500" dist="38099" dir="2700000" algn="ctr" rotWithShape="0">
                       <a:schemeClr val="bg2">
@@ -8252,7 +8228,7 @@
             <a:effectLst/>
             <a:extLst>
               <a:ext uri="{91240B29-F687-4f45-9708-019B960494DF}">
-                <a14:hiddenLine xmlns="" xmlns:a14="http://schemas.microsoft.com/office/drawing/2010/main" w="9525">
+                <a14:hiddenLine xmlns:a14="http://schemas.microsoft.com/office/drawing/2010/main" xmlns="" w="9525">
                   <a:solidFill>
                     <a:schemeClr val="tx1"/>
                   </a:solidFill>
@@ -8262,7 +8238,7 @@
                 </a14:hiddenLine>
               </a:ext>
               <a:ext uri="{AF507438-7753-43e0-B8FC-AC1667EBCBE1}">
-                <a14:hiddenEffects xmlns="" xmlns:a14="http://schemas.microsoft.com/office/drawing/2010/main">
+                <a14:hiddenEffects xmlns:a14="http://schemas.microsoft.com/office/drawing/2010/main" xmlns="">
                   <a:effectLst>
                     <a:outerShdw blurRad="63500" dist="38099" dir="2700000" algn="ctr" rotWithShape="0">
                       <a:schemeClr val="bg2">
@@ -8307,7 +8283,7 @@
             <a:effectLst/>
             <a:extLst>
               <a:ext uri="{91240B29-F687-4f45-9708-019B960494DF}">
-                <a14:hiddenLine xmlns="" xmlns:a14="http://schemas.microsoft.com/office/drawing/2010/main" w="9525">
+                <a14:hiddenLine xmlns:a14="http://schemas.microsoft.com/office/drawing/2010/main" xmlns="" w="9525">
                   <a:solidFill>
                     <a:schemeClr val="tx1"/>
                   </a:solidFill>
@@ -8317,7 +8293,7 @@
                 </a14:hiddenLine>
               </a:ext>
               <a:ext uri="{AF507438-7753-43e0-B8FC-AC1667EBCBE1}">
-                <a14:hiddenEffects xmlns="" xmlns:a14="http://schemas.microsoft.com/office/drawing/2010/main">
+                <a14:hiddenEffects xmlns:a14="http://schemas.microsoft.com/office/drawing/2010/main" xmlns="">
                   <a:effectLst>
                     <a:outerShdw blurRad="63500" dist="38099" dir="2700000" algn="ctr" rotWithShape="0">
                       <a:schemeClr val="bg2">
@@ -8362,7 +8338,7 @@
             <a:effectLst/>
             <a:extLst>
               <a:ext uri="{91240B29-F687-4f45-9708-019B960494DF}">
-                <a14:hiddenLine xmlns="" xmlns:a14="http://schemas.microsoft.com/office/drawing/2010/main" w="9525">
+                <a14:hiddenLine xmlns:a14="http://schemas.microsoft.com/office/drawing/2010/main" xmlns="" w="9525">
                   <a:solidFill>
                     <a:schemeClr val="tx1"/>
                   </a:solidFill>
@@ -8372,7 +8348,7 @@
                 </a14:hiddenLine>
               </a:ext>
               <a:ext uri="{AF507438-7753-43e0-B8FC-AC1667EBCBE1}">
-                <a14:hiddenEffects xmlns="" xmlns:a14="http://schemas.microsoft.com/office/drawing/2010/main">
+                <a14:hiddenEffects xmlns:a14="http://schemas.microsoft.com/office/drawing/2010/main" xmlns="">
                   <a:effectLst>
                     <a:outerShdw blurRad="63500" dist="38099" dir="2700000" algn="ctr" rotWithShape="0">
                       <a:schemeClr val="bg2">
@@ -8417,7 +8393,7 @@
             <a:effectLst/>
             <a:extLst>
               <a:ext uri="{91240B29-F687-4f45-9708-019B960494DF}">
-                <a14:hiddenLine xmlns="" xmlns:a14="http://schemas.microsoft.com/office/drawing/2010/main" w="9525">
+                <a14:hiddenLine xmlns:a14="http://schemas.microsoft.com/office/drawing/2010/main" xmlns="" w="9525">
                   <a:solidFill>
                     <a:schemeClr val="tx1"/>
                   </a:solidFill>
@@ -8427,7 +8403,7 @@
                 </a14:hiddenLine>
               </a:ext>
               <a:ext uri="{AF507438-7753-43e0-B8FC-AC1667EBCBE1}">
-                <a14:hiddenEffects xmlns="" xmlns:a14="http://schemas.microsoft.com/office/drawing/2010/main">
+                <a14:hiddenEffects xmlns:a14="http://schemas.microsoft.com/office/drawing/2010/main" xmlns="">
                   <a:effectLst>
                     <a:outerShdw blurRad="63500" dist="38099" dir="2700000" algn="ctr" rotWithShape="0">
                       <a:schemeClr val="bg2">
@@ -8472,7 +8448,7 @@
             <a:effectLst/>
             <a:extLst>
               <a:ext uri="{91240B29-F687-4f45-9708-019B960494DF}">
-                <a14:hiddenLine xmlns="" xmlns:a14="http://schemas.microsoft.com/office/drawing/2010/main" w="9525">
+                <a14:hiddenLine xmlns:a14="http://schemas.microsoft.com/office/drawing/2010/main" xmlns="" w="9525">
                   <a:solidFill>
                     <a:schemeClr val="tx1"/>
                   </a:solidFill>
@@ -8482,7 +8458,7 @@
                 </a14:hiddenLine>
               </a:ext>
               <a:ext uri="{AF507438-7753-43e0-B8FC-AC1667EBCBE1}">
-                <a14:hiddenEffects xmlns="" xmlns:a14="http://schemas.microsoft.com/office/drawing/2010/main">
+                <a14:hiddenEffects xmlns:a14="http://schemas.microsoft.com/office/drawing/2010/main" xmlns="">
                   <a:effectLst>
                     <a:outerShdw blurRad="63500" dist="38099" dir="2700000" algn="ctr" rotWithShape="0">
                       <a:schemeClr val="bg2">
@@ -8527,7 +8503,7 @@
             <a:effectLst/>
             <a:extLst>
               <a:ext uri="{91240B29-F687-4f45-9708-019B960494DF}">
-                <a14:hiddenLine xmlns="" xmlns:a14="http://schemas.microsoft.com/office/drawing/2010/main" w="9525">
+                <a14:hiddenLine xmlns:a14="http://schemas.microsoft.com/office/drawing/2010/main" xmlns="" w="9525">
                   <a:solidFill>
                     <a:schemeClr val="tx1"/>
                   </a:solidFill>
@@ -8537,7 +8513,7 @@
                 </a14:hiddenLine>
               </a:ext>
               <a:ext uri="{AF507438-7753-43e0-B8FC-AC1667EBCBE1}">
-                <a14:hiddenEffects xmlns="" xmlns:a14="http://schemas.microsoft.com/office/drawing/2010/main">
+                <a14:hiddenEffects xmlns:a14="http://schemas.microsoft.com/office/drawing/2010/main" xmlns="">
                   <a:effectLst>
                     <a:outerShdw blurRad="63500" dist="38099" dir="2700000" algn="ctr" rotWithShape="0">
                       <a:schemeClr val="bg2">
@@ -8582,7 +8558,7 @@
             <a:effectLst/>
             <a:extLst>
               <a:ext uri="{91240B29-F687-4f45-9708-019B960494DF}">
-                <a14:hiddenLine xmlns="" xmlns:a14="http://schemas.microsoft.com/office/drawing/2010/main" w="9525">
+                <a14:hiddenLine xmlns:a14="http://schemas.microsoft.com/office/drawing/2010/main" xmlns="" w="9525">
                   <a:solidFill>
                     <a:schemeClr val="tx1"/>
                   </a:solidFill>
@@ -8592,7 +8568,7 @@
                 </a14:hiddenLine>
               </a:ext>
               <a:ext uri="{AF507438-7753-43e0-B8FC-AC1667EBCBE1}">
-                <a14:hiddenEffects xmlns="" xmlns:a14="http://schemas.microsoft.com/office/drawing/2010/main">
+                <a14:hiddenEffects xmlns:a14="http://schemas.microsoft.com/office/drawing/2010/main" xmlns="">
                   <a:effectLst>
                     <a:outerShdw blurRad="63500" dist="38099" dir="2700000" algn="ctr" rotWithShape="0">
                       <a:schemeClr val="bg2">
@@ -8637,7 +8613,7 @@
             <a:effectLst/>
             <a:extLst>
               <a:ext uri="{91240B29-F687-4f45-9708-019B960494DF}">
-                <a14:hiddenLine xmlns="" xmlns:a14="http://schemas.microsoft.com/office/drawing/2010/main" w="9525">
+                <a14:hiddenLine xmlns:a14="http://schemas.microsoft.com/office/drawing/2010/main" xmlns="" w="9525">
                   <a:solidFill>
                     <a:schemeClr val="tx1"/>
                   </a:solidFill>
@@ -8647,7 +8623,7 @@
                 </a14:hiddenLine>
               </a:ext>
               <a:ext uri="{AF507438-7753-43e0-B8FC-AC1667EBCBE1}">
-                <a14:hiddenEffects xmlns="" xmlns:a14="http://schemas.microsoft.com/office/drawing/2010/main">
+                <a14:hiddenEffects xmlns:a14="http://schemas.microsoft.com/office/drawing/2010/main" xmlns="">
                   <a:effectLst>
                     <a:outerShdw blurRad="63500" dist="38099" dir="2700000" algn="ctr" rotWithShape="0">
                       <a:schemeClr val="bg2">
@@ -8692,7 +8668,7 @@
             <a:effectLst/>
             <a:extLst>
               <a:ext uri="{91240B29-F687-4f45-9708-019B960494DF}">
-                <a14:hiddenLine xmlns="" xmlns:a14="http://schemas.microsoft.com/office/drawing/2010/main" w="9525">
+                <a14:hiddenLine xmlns:a14="http://schemas.microsoft.com/office/drawing/2010/main" xmlns="" w="9525">
                   <a:solidFill>
                     <a:schemeClr val="tx1"/>
                   </a:solidFill>
@@ -8702,7 +8678,7 @@
                 </a14:hiddenLine>
               </a:ext>
               <a:ext uri="{AF507438-7753-43e0-B8FC-AC1667EBCBE1}">
-                <a14:hiddenEffects xmlns="" xmlns:a14="http://schemas.microsoft.com/office/drawing/2010/main">
+                <a14:hiddenEffects xmlns:a14="http://schemas.microsoft.com/office/drawing/2010/main" xmlns="">
                   <a:effectLst>
                     <a:outerShdw blurRad="63500" dist="38099" dir="2700000" algn="ctr" rotWithShape="0">
                       <a:schemeClr val="bg2">
@@ -8747,7 +8723,7 @@
             <a:effectLst/>
             <a:extLst>
               <a:ext uri="{91240B29-F687-4f45-9708-019B960494DF}">
-                <a14:hiddenLine xmlns="" xmlns:a14="http://schemas.microsoft.com/office/drawing/2010/main" w="9525">
+                <a14:hiddenLine xmlns:a14="http://schemas.microsoft.com/office/drawing/2010/main" xmlns="" w="9525">
                   <a:solidFill>
                     <a:schemeClr val="tx1"/>
                   </a:solidFill>
@@ -8757,7 +8733,7 @@
                 </a14:hiddenLine>
               </a:ext>
               <a:ext uri="{AF507438-7753-43e0-B8FC-AC1667EBCBE1}">
-                <a14:hiddenEffects xmlns="" xmlns:a14="http://schemas.microsoft.com/office/drawing/2010/main">
+                <a14:hiddenEffects xmlns:a14="http://schemas.microsoft.com/office/drawing/2010/main" xmlns="">
                   <a:effectLst>
                     <a:outerShdw blurRad="63500" dist="38099" dir="2700000" algn="ctr" rotWithShape="0">
                       <a:schemeClr val="bg2">
@@ -8802,7 +8778,7 @@
             <a:effectLst/>
             <a:extLst>
               <a:ext uri="{91240B29-F687-4f45-9708-019B960494DF}">
-                <a14:hiddenLine xmlns="" xmlns:a14="http://schemas.microsoft.com/office/drawing/2010/main" w="9525">
+                <a14:hiddenLine xmlns:a14="http://schemas.microsoft.com/office/drawing/2010/main" xmlns="" w="9525">
                   <a:solidFill>
                     <a:schemeClr val="tx1"/>
                   </a:solidFill>
@@ -8812,7 +8788,7 @@
                 </a14:hiddenLine>
               </a:ext>
               <a:ext uri="{AF507438-7753-43e0-B8FC-AC1667EBCBE1}">
-                <a14:hiddenEffects xmlns="" xmlns:a14="http://schemas.microsoft.com/office/drawing/2010/main">
+                <a14:hiddenEffects xmlns:a14="http://schemas.microsoft.com/office/drawing/2010/main" xmlns="">
                   <a:effectLst>
                     <a:outerShdw blurRad="63500" dist="38099" dir="2700000" algn="ctr" rotWithShape="0">
                       <a:schemeClr val="bg2">
@@ -8857,7 +8833,7 @@
             <a:effectLst/>
             <a:extLst>
               <a:ext uri="{91240B29-F687-4f45-9708-019B960494DF}">
-                <a14:hiddenLine xmlns="" xmlns:a14="http://schemas.microsoft.com/office/drawing/2010/main" w="9525">
+                <a14:hiddenLine xmlns:a14="http://schemas.microsoft.com/office/drawing/2010/main" xmlns="" w="9525">
                   <a:solidFill>
                     <a:schemeClr val="tx1"/>
                   </a:solidFill>
@@ -8867,7 +8843,7 @@
                 </a14:hiddenLine>
               </a:ext>
               <a:ext uri="{AF507438-7753-43e0-B8FC-AC1667EBCBE1}">
-                <a14:hiddenEffects xmlns="" xmlns:a14="http://schemas.microsoft.com/office/drawing/2010/main">
+                <a14:hiddenEffects xmlns:a14="http://schemas.microsoft.com/office/drawing/2010/main" xmlns="">
                   <a:effectLst>
                     <a:outerShdw blurRad="63500" dist="38099" dir="2700000" algn="ctr" rotWithShape="0">
                       <a:schemeClr val="bg2">
@@ -8912,7 +8888,7 @@
             <a:effectLst/>
             <a:extLst>
               <a:ext uri="{91240B29-F687-4f45-9708-019B960494DF}">
-                <a14:hiddenLine xmlns="" xmlns:a14="http://schemas.microsoft.com/office/drawing/2010/main" w="9525">
+                <a14:hiddenLine xmlns:a14="http://schemas.microsoft.com/office/drawing/2010/main" xmlns="" w="9525">
                   <a:solidFill>
                     <a:schemeClr val="tx1"/>
                   </a:solidFill>
@@ -8922,7 +8898,7 @@
                 </a14:hiddenLine>
               </a:ext>
               <a:ext uri="{AF507438-7753-43e0-B8FC-AC1667EBCBE1}">
-                <a14:hiddenEffects xmlns="" xmlns:a14="http://schemas.microsoft.com/office/drawing/2010/main">
+                <a14:hiddenEffects xmlns:a14="http://schemas.microsoft.com/office/drawing/2010/main" xmlns="">
                   <a:effectLst>
                     <a:outerShdw blurRad="63500" dist="38099" dir="2700000" algn="ctr" rotWithShape="0">
                       <a:schemeClr val="bg2">
@@ -8967,7 +8943,7 @@
             <a:effectLst/>
             <a:extLst>
               <a:ext uri="{91240B29-F687-4f45-9708-019B960494DF}">
-                <a14:hiddenLine xmlns="" xmlns:a14="http://schemas.microsoft.com/office/drawing/2010/main" w="9525">
+                <a14:hiddenLine xmlns:a14="http://schemas.microsoft.com/office/drawing/2010/main" xmlns="" w="9525">
                   <a:solidFill>
                     <a:schemeClr val="tx1"/>
                   </a:solidFill>
@@ -8977,7 +8953,7 @@
                 </a14:hiddenLine>
               </a:ext>
               <a:ext uri="{AF507438-7753-43e0-B8FC-AC1667EBCBE1}">
-                <a14:hiddenEffects xmlns="" xmlns:a14="http://schemas.microsoft.com/office/drawing/2010/main">
+                <a14:hiddenEffects xmlns:a14="http://schemas.microsoft.com/office/drawing/2010/main" xmlns="">
                   <a:effectLst>
                     <a:outerShdw blurRad="63500" dist="38099" dir="2700000" algn="ctr" rotWithShape="0">
                       <a:schemeClr val="bg2">
@@ -9022,7 +8998,7 @@
             <a:effectLst/>
             <a:extLst>
               <a:ext uri="{91240B29-F687-4f45-9708-019B960494DF}">
-                <a14:hiddenLine xmlns="" xmlns:a14="http://schemas.microsoft.com/office/drawing/2010/main" w="9525">
+                <a14:hiddenLine xmlns:a14="http://schemas.microsoft.com/office/drawing/2010/main" xmlns="" w="9525">
                   <a:solidFill>
                     <a:schemeClr val="tx1"/>
                   </a:solidFill>
@@ -9032,7 +9008,7 @@
                 </a14:hiddenLine>
               </a:ext>
               <a:ext uri="{AF507438-7753-43e0-B8FC-AC1667EBCBE1}">
-                <a14:hiddenEffects xmlns="" xmlns:a14="http://schemas.microsoft.com/office/drawing/2010/main">
+                <a14:hiddenEffects xmlns:a14="http://schemas.microsoft.com/office/drawing/2010/main" xmlns="">
                   <a:effectLst>
                     <a:outerShdw blurRad="63500" dist="38099" dir="2700000" algn="ctr" rotWithShape="0">
                       <a:schemeClr val="bg2">
@@ -9077,7 +9053,7 @@
             <a:effectLst/>
             <a:extLst>
               <a:ext uri="{91240B29-F687-4f45-9708-019B960494DF}">
-                <a14:hiddenLine xmlns="" xmlns:a14="http://schemas.microsoft.com/office/drawing/2010/main" w="9525">
+                <a14:hiddenLine xmlns:a14="http://schemas.microsoft.com/office/drawing/2010/main" xmlns="" w="9525">
                   <a:solidFill>
                     <a:schemeClr val="tx1"/>
                   </a:solidFill>
@@ -9087,7 +9063,7 @@
                 </a14:hiddenLine>
               </a:ext>
               <a:ext uri="{AF507438-7753-43e0-B8FC-AC1667EBCBE1}">
-                <a14:hiddenEffects xmlns="" xmlns:a14="http://schemas.microsoft.com/office/drawing/2010/main">
+                <a14:hiddenEffects xmlns:a14="http://schemas.microsoft.com/office/drawing/2010/main" xmlns="">
                   <a:effectLst>
                     <a:outerShdw blurRad="63500" dist="38099" dir="2700000" algn="ctr" rotWithShape="0">
                       <a:schemeClr val="bg2">
@@ -9124,13 +9100,6 @@
     <p:sldLayoutId id="2147483659" r:id="rId10"/>
     <p:sldLayoutId id="2147483660" r:id="rId11"/>
   </p:sldLayoutIdLst>
-  <p:timing>
-    <p:tnLst>
-      <p:par>
-        <p:cTn id="1" dur="indefinite" restart="never" nodeType="tmRoot"/>
-      </p:par>
-    </p:tnLst>
-  </p:timing>
   <p:txStyles>
     <p:titleStyle>
       <a:lvl1pPr algn="l" rtl="0" fontAlgn="base">
@@ -9643,7 +9612,7 @@
         <p:spPr bwMode="auto">
           <a:xfrm>
             <a:off x="2928938" y="3276600"/>
-            <a:ext cx="2514600" cy="649288"/>
+            <a:ext cx="1854995" cy="646331"/>
           </a:xfrm>
           <a:prstGeom prst="rect">
             <a:avLst/>
@@ -9659,7 +9628,7 @@
           </a:ln>
           <a:extLst>
             <a:ext uri="{909E8E84-426E-40dd-AFC4-6F175D3DCCD1}">
-              <a14:hiddenFill xmlns="" xmlns:a14="http://schemas.microsoft.com/office/drawing/2010/main">
+              <a14:hiddenFill xmlns:a14="http://schemas.microsoft.com/office/drawing/2010/main" xmlns="">
                 <a:solidFill>
                   <a:schemeClr val="accent1"/>
                 </a:solidFill>
@@ -9674,16 +9643,16 @@
           <a:lstStyle/>
           <a:p>
             <a:r>
-              <a:rPr lang="en-US" sz="1200"/>
-              <a:t>declare z = function (x) return x+1;</a:t>
-            </a:r>
-          </a:p>
-          <a:p>
-            <a:endParaRPr lang="en-US" sz="1200"/>
-          </a:p>
-          <a:p>
-            <a:r>
-              <a:rPr lang="en-US" sz="1200"/>
+              <a:rPr lang="en-US" sz="1200" dirty="0"/>
+              <a:t>declare z (x) return x+1;</a:t>
+            </a:r>
+          </a:p>
+          <a:p>
+            <a:endParaRPr lang="en-US" sz="1200" dirty="0"/>
+          </a:p>
+          <a:p>
+            <a:r>
+              <a:rPr lang="en-US" sz="1200" dirty="0"/>
               <a:t>put z+1; // ???</a:t>
             </a:r>
           </a:p>
@@ -9711,14 +9680,14 @@
           </a:ln>
           <a:extLst>
             <a:ext uri="{909E8E84-426E-40dd-AFC4-6F175D3DCCD1}">
-              <a14:hiddenFill xmlns="" xmlns:a14="http://schemas.microsoft.com/office/drawing/2010/main">
+              <a14:hiddenFill xmlns:a14="http://schemas.microsoft.com/office/drawing/2010/main" xmlns="">
                 <a:solidFill>
                   <a:schemeClr val="accent1"/>
                 </a:solidFill>
               </a14:hiddenFill>
             </a:ext>
             <a:ext uri="{91240B29-F687-4f45-9708-019B960494DF}">
-              <a14:hiddenLine xmlns="" xmlns:a14="http://schemas.microsoft.com/office/drawing/2010/main" w="9525">
+              <a14:hiddenLine xmlns:a14="http://schemas.microsoft.com/office/drawing/2010/main" xmlns="" w="9525">
                 <a:solidFill>
                   <a:schemeClr val="tx1"/>
                 </a:solidFill>
@@ -9792,18 +9761,51 @@
           </a:p>
         </p:txBody>
       </p:sp>
+      <p:sp>
+        <p:nvSpPr>
+          <p:cNvPr id="2" name="TextBox 1">
+            <a:extLst>
+              <a:ext uri="{FF2B5EF4-FFF2-40B4-BE49-F238E27FC236}">
+                <a16:creationId xmlns:a16="http://schemas.microsoft.com/office/drawing/2014/main" id="{CA64A047-39E2-2049-BE02-1771F61BFD88}"/>
+              </a:ext>
+            </a:extLst>
+          </p:cNvPr>
+          <p:cNvSpPr txBox="1"/>
+          <p:nvPr/>
+        </p:nvSpPr>
+        <p:spPr>
+          <a:xfrm>
+            <a:off x="6526060" y="3344449"/>
+            <a:ext cx="1135439" cy="400110"/>
+          </a:xfrm>
+          <a:prstGeom prst="rect">
+            <a:avLst/>
+          </a:prstGeom>
+          <a:noFill/>
+          <a:ln>
+            <a:solidFill>
+              <a:srgbClr val="FF0000"/>
+            </a:solidFill>
+          </a:ln>
+        </p:spPr>
+        <p:txBody>
+          <a:bodyPr wrap="none" rtlCol="0">
+            <a:spAutoFit/>
+          </a:bodyPr>
+          <a:lstStyle/>
+          <a:p>
+            <a:r>
+              <a:rPr lang="en-US" dirty="0"/>
+              <a:t>Chap 11</a:t>
+            </a:r>
+          </a:p>
+        </p:txBody>
+      </p:sp>
     </p:spTree>
   </p:cSld>
   <p:clrMapOvr>
     <a:masterClrMapping/>
   </p:clrMapOvr>
-  <p:timing>
-    <p:tnLst>
-      <p:par>
-        <p:cTn id="1" dur="indefinite" restart="never" nodeType="tmRoot"/>
-      </p:par>
-    </p:tnLst>
-  </p:timing>
 </p:sld>
 </file>
 
@@ -9868,14 +9870,14 @@
           </a:ln>
           <a:extLst>
             <a:ext uri="{909E8E84-426E-40dd-AFC4-6F175D3DCCD1}">
-              <a14:hiddenFill xmlns="" xmlns:a14="http://schemas.microsoft.com/office/drawing/2010/main">
+              <a14:hiddenFill xmlns:a14="http://schemas.microsoft.com/office/drawing/2010/main" xmlns="">
                 <a:solidFill>
                   <a:schemeClr val="accent1"/>
                 </a:solidFill>
               </a14:hiddenFill>
             </a:ext>
             <a:ext uri="{91240B29-F687-4f45-9708-019B960494DF}">
-              <a14:hiddenLine xmlns="" xmlns:a14="http://schemas.microsoft.com/office/drawing/2010/main" w="9525">
+              <a14:hiddenLine xmlns:a14="http://schemas.microsoft.com/office/drawing/2010/main" xmlns="" w="9525">
                 <a:solidFill>
                   <a:schemeClr val="tx1"/>
                 </a:solidFill>
@@ -9944,14 +9946,14 @@
           </a:ln>
           <a:extLst>
             <a:ext uri="{909E8E84-426E-40dd-AFC4-6F175D3DCCD1}">
-              <a14:hiddenFill xmlns="" xmlns:a14="http://schemas.microsoft.com/office/drawing/2010/main">
+              <a14:hiddenFill xmlns:a14="http://schemas.microsoft.com/office/drawing/2010/main" xmlns="">
                 <a:solidFill>
                   <a:schemeClr val="accent1"/>
                 </a:solidFill>
               </a14:hiddenFill>
             </a:ext>
             <a:ext uri="{91240B29-F687-4f45-9708-019B960494DF}">
-              <a14:hiddenLine xmlns="" xmlns:a14="http://schemas.microsoft.com/office/drawing/2010/main" w="9525">
+              <a14:hiddenLine xmlns:a14="http://schemas.microsoft.com/office/drawing/2010/main" xmlns="" w="9525">
                 <a:solidFill>
                   <a:schemeClr val="tx1"/>
                 </a:solidFill>
@@ -10025,7 +10027,7 @@
           </a:ln>
           <a:extLst>
             <a:ext uri="{909E8E84-426E-40dd-AFC4-6F175D3DCCD1}">
-              <a14:hiddenFill xmlns="" xmlns:a14="http://schemas.microsoft.com/office/drawing/2010/main">
+              <a14:hiddenFill xmlns:a14="http://schemas.microsoft.com/office/drawing/2010/main" xmlns="">
                 <a:solidFill>
                   <a:schemeClr val="accent1"/>
                 </a:solidFill>
@@ -10080,13 +10082,6 @@
   <p:clrMapOvr>
     <a:masterClrMapping/>
   </p:clrMapOvr>
-  <p:timing>
-    <p:tnLst>
-      <p:par>
-        <p:cTn id="1" dur="indefinite" restart="never" nodeType="tmRoot"/>
-      </p:par>
-    </p:tnLst>
-  </p:timing>
 </p:sld>
 </file>
 
@@ -10145,39 +10140,29 @@
           <a:lstStyle/>
           <a:p>
             <a:r>
-              <a:rPr lang="en-US" dirty="0" smtClean="0"/>
+              <a:rPr lang="en-US" dirty="0"/>
               <a:t>An important implication of subtypes in programming languages is the notion of </a:t>
             </a:r>
             <a:r>
-              <a:rPr lang="en-US" i="1" dirty="0" smtClean="0"/>
+              <a:rPr lang="en-US" i="1" dirty="0"/>
               <a:t>type hierarchies</a:t>
             </a:r>
           </a:p>
           <a:p>
             <a:r>
-              <a:rPr lang="en-US" dirty="0" smtClean="0"/>
+              <a:rPr lang="en-US" dirty="0"/>
               <a:t>Here the types of a language are ordered along the subtype relation, e.g. in Java</a:t>
             </a:r>
           </a:p>
           <a:p>
             <a:pPr lvl="1"/>
             <a:r>
-              <a:rPr lang="en-US" sz="2800" dirty="0" err="1" smtClean="0"/>
+              <a:rPr lang="en-US" sz="2800" dirty="0" err="1"/>
               <a:t>int</a:t>
             </a:r>
             <a:r>
-              <a:rPr lang="en-US" sz="2800" dirty="0" smtClean="0"/>
+              <a:rPr lang="en-US" sz="2800" dirty="0"/>
               <a:t> </a:t>
-            </a:r>
-            <a:r>
-              <a:rPr lang="en-US" sz="2800" dirty="0" smtClean="0">
-                <a:sym typeface="Symbol" charset="0"/>
-              </a:rPr>
-              <a:t> </a:t>
-            </a:r>
-            <a:r>
-              <a:rPr lang="en-US" sz="2800" dirty="0" smtClean="0"/>
-              <a:t>float </a:t>
             </a:r>
             <a:r>
               <a:rPr lang="en-US" sz="2800" dirty="0">
@@ -10186,12 +10171,16 @@
               <a:t> </a:t>
             </a:r>
             <a:r>
-              <a:rPr lang="en-US" sz="2800" dirty="0" smtClean="0">
+              <a:rPr lang="en-US" sz="2800" dirty="0"/>
+              <a:t>float </a:t>
+            </a:r>
+            <a:r>
+              <a:rPr lang="en-US" sz="2800" dirty="0">
                 <a:sym typeface="Symbol" charset="0"/>
               </a:rPr>
-              <a:t> string</a:t>
-            </a:r>
-            <a:endParaRPr lang="en-US" dirty="0" smtClean="0"/>
+              <a:t>  string</a:t>
+            </a:r>
+            <a:endParaRPr lang="en-US" dirty="0"/>
           </a:p>
           <a:p>
             <a:pPr lvl="1"/>
@@ -10209,13 +10198,6 @@
   <p:clrMapOvr>
     <a:masterClrMapping/>
   </p:clrMapOvr>
-  <p:timing>
-    <p:tnLst>
-      <p:par>
-        <p:cTn id="1" dur="indefinite" restart="never" nodeType="tmRoot"/>
-      </p:par>
-    </p:tnLst>
-  </p:timing>
 </p:sld>
 </file>
 
@@ -10281,14 +10263,14 @@
           <a:effectLst/>
           <a:extLst>
             <a:ext uri="{909E8E84-426E-40dd-AFC4-6F175D3DCCD1}">
-              <a14:hiddenFill xmlns="" xmlns:a14="http://schemas.microsoft.com/office/drawing/2010/main">
+              <a14:hiddenFill xmlns:a14="http://schemas.microsoft.com/office/drawing/2010/main" xmlns="">
                 <a:solidFill>
                   <a:schemeClr val="accent1"/>
                 </a:solidFill>
               </a14:hiddenFill>
             </a:ext>
             <a:ext uri="{91240B29-F687-4f45-9708-019B960494DF}">
-              <a14:hiddenLine xmlns="" xmlns:a14="http://schemas.microsoft.com/office/drawing/2010/main" w="9525">
+              <a14:hiddenLine xmlns:a14="http://schemas.microsoft.com/office/drawing/2010/main" xmlns="" w="9525">
                 <a:solidFill>
                   <a:schemeClr val="tx1"/>
                 </a:solidFill>
@@ -10298,7 +10280,7 @@
               </a14:hiddenLine>
             </a:ext>
             <a:ext uri="{AF507438-7753-43e0-B8FC-AC1667EBCBE1}">
-              <a14:hiddenEffects xmlns="" xmlns:a14="http://schemas.microsoft.com/office/drawing/2010/main">
+              <a14:hiddenEffects xmlns:a14="http://schemas.microsoft.com/office/drawing/2010/main" xmlns="">
                 <a:effectLst>
                   <a:outerShdw blurRad="63500" dist="38099" dir="2700000" algn="ctr" rotWithShape="0">
                     <a:schemeClr val="bg2">
@@ -10366,14 +10348,14 @@
           <a:effectLst/>
           <a:extLst>
             <a:ext uri="{909E8E84-426E-40dd-AFC4-6F175D3DCCD1}">
-              <a14:hiddenFill xmlns="" xmlns:a14="http://schemas.microsoft.com/office/drawing/2010/main">
+              <a14:hiddenFill xmlns:a14="http://schemas.microsoft.com/office/drawing/2010/main" xmlns="">
                 <a:solidFill>
                   <a:schemeClr val="accent1"/>
                 </a:solidFill>
               </a14:hiddenFill>
             </a:ext>
             <a:ext uri="{91240B29-F687-4f45-9708-019B960494DF}">
-              <a14:hiddenLine xmlns="" xmlns:a14="http://schemas.microsoft.com/office/drawing/2010/main" w="9525">
+              <a14:hiddenLine xmlns:a14="http://schemas.microsoft.com/office/drawing/2010/main" xmlns="" w="9525">
                 <a:solidFill>
                   <a:schemeClr val="tx1"/>
                 </a:solidFill>
@@ -10383,7 +10365,7 @@
               </a14:hiddenLine>
             </a:ext>
             <a:ext uri="{AF507438-7753-43e0-B8FC-AC1667EBCBE1}">
-              <a14:hiddenEffects xmlns="" xmlns:a14="http://schemas.microsoft.com/office/drawing/2010/main">
+              <a14:hiddenEffects xmlns:a14="http://schemas.microsoft.com/office/drawing/2010/main" xmlns="">
                 <a:effectLst>
                   <a:outerShdw blurRad="63500" dist="38099" dir="2700000" algn="ctr" rotWithShape="0">
                     <a:schemeClr val="bg2">
@@ -10432,14 +10414,14 @@
           <a:effectLst/>
           <a:extLst>
             <a:ext uri="{909E8E84-426E-40dd-AFC4-6F175D3DCCD1}">
-              <a14:hiddenFill xmlns="" xmlns:a14="http://schemas.microsoft.com/office/drawing/2010/main">
+              <a14:hiddenFill xmlns:a14="http://schemas.microsoft.com/office/drawing/2010/main" xmlns="">
                 <a:solidFill>
                   <a:schemeClr val="accent1"/>
                 </a:solidFill>
               </a14:hiddenFill>
             </a:ext>
             <a:ext uri="{91240B29-F687-4f45-9708-019B960494DF}">
-              <a14:hiddenLine xmlns="" xmlns:a14="http://schemas.microsoft.com/office/drawing/2010/main" w="9525">
+              <a14:hiddenLine xmlns:a14="http://schemas.microsoft.com/office/drawing/2010/main" xmlns="" w="9525">
                 <a:solidFill>
                   <a:schemeClr val="tx1"/>
                 </a:solidFill>
@@ -10449,7 +10431,7 @@
               </a14:hiddenLine>
             </a:ext>
             <a:ext uri="{AF507438-7753-43e0-B8FC-AC1667EBCBE1}">
-              <a14:hiddenEffects xmlns="" xmlns:a14="http://schemas.microsoft.com/office/drawing/2010/main">
+              <a14:hiddenEffects xmlns:a14="http://schemas.microsoft.com/office/drawing/2010/main" xmlns="">
                 <a:effectLst>
                   <a:outerShdw blurRad="63500" dist="38099" dir="2700000" algn="ctr" rotWithShape="0">
                     <a:schemeClr val="bg2">
@@ -10523,14 +10505,14 @@
           <a:effectLst/>
           <a:extLst>
             <a:ext uri="{909E8E84-426E-40dd-AFC4-6F175D3DCCD1}">
-              <a14:hiddenFill xmlns="" xmlns:a14="http://schemas.microsoft.com/office/drawing/2010/main">
+              <a14:hiddenFill xmlns:a14="http://schemas.microsoft.com/office/drawing/2010/main" xmlns="">
                 <a:solidFill>
                   <a:schemeClr val="accent1"/>
                 </a:solidFill>
               </a14:hiddenFill>
             </a:ext>
             <a:ext uri="{91240B29-F687-4f45-9708-019B960494DF}">
-              <a14:hiddenLine xmlns="" xmlns:a14="http://schemas.microsoft.com/office/drawing/2010/main" w="9525">
+              <a14:hiddenLine xmlns:a14="http://schemas.microsoft.com/office/drawing/2010/main" xmlns="" w="9525">
                 <a:solidFill>
                   <a:schemeClr val="tx1"/>
                 </a:solidFill>
@@ -10540,7 +10522,7 @@
               </a14:hiddenLine>
             </a:ext>
             <a:ext uri="{AF507438-7753-43e0-B8FC-AC1667EBCBE1}">
-              <a14:hiddenEffects xmlns="" xmlns:a14="http://schemas.microsoft.com/office/drawing/2010/main">
+              <a14:hiddenEffects xmlns:a14="http://schemas.microsoft.com/office/drawing/2010/main" xmlns="">
                 <a:effectLst>
                   <a:outerShdw blurRad="63500" dist="38099" dir="2700000" algn="ctr" rotWithShape="0">
                     <a:schemeClr val="bg2">
@@ -10614,14 +10596,14 @@
           <a:effectLst/>
           <a:extLst>
             <a:ext uri="{909E8E84-426E-40dd-AFC4-6F175D3DCCD1}">
-              <a14:hiddenFill xmlns="" xmlns:a14="http://schemas.microsoft.com/office/drawing/2010/main">
+              <a14:hiddenFill xmlns:a14="http://schemas.microsoft.com/office/drawing/2010/main" xmlns="">
                 <a:solidFill>
                   <a:schemeClr val="accent1"/>
                 </a:solidFill>
               </a14:hiddenFill>
             </a:ext>
             <a:ext uri="{91240B29-F687-4f45-9708-019B960494DF}">
-              <a14:hiddenLine xmlns="" xmlns:a14="http://schemas.microsoft.com/office/drawing/2010/main" w="9525">
+              <a14:hiddenLine xmlns:a14="http://schemas.microsoft.com/office/drawing/2010/main" xmlns="" w="9525">
                 <a:solidFill>
                   <a:schemeClr val="tx1"/>
                 </a:solidFill>
@@ -10631,7 +10613,7 @@
               </a14:hiddenLine>
             </a:ext>
             <a:ext uri="{AF507438-7753-43e0-B8FC-AC1667EBCBE1}">
-              <a14:hiddenEffects xmlns="" xmlns:a14="http://schemas.microsoft.com/office/drawing/2010/main">
+              <a14:hiddenEffects xmlns:a14="http://schemas.microsoft.com/office/drawing/2010/main" xmlns="">
                 <a:effectLst>
                   <a:outerShdw blurRad="63500" dist="38099" dir="2700000" algn="ctr" rotWithShape="0">
                     <a:schemeClr val="bg2">
@@ -10689,14 +10671,14 @@
           <a:effectLst/>
           <a:extLst>
             <a:ext uri="{909E8E84-426E-40dd-AFC4-6F175D3DCCD1}">
-              <a14:hiddenFill xmlns="" xmlns:a14="http://schemas.microsoft.com/office/drawing/2010/main">
+              <a14:hiddenFill xmlns:a14="http://schemas.microsoft.com/office/drawing/2010/main" xmlns="">
                 <a:solidFill>
                   <a:schemeClr val="accent1"/>
                 </a:solidFill>
               </a14:hiddenFill>
             </a:ext>
             <a:ext uri="{AF507438-7753-43e0-B8FC-AC1667EBCBE1}">
-              <a14:hiddenEffects xmlns="" xmlns:a14="http://schemas.microsoft.com/office/drawing/2010/main">
+              <a14:hiddenEffects xmlns:a14="http://schemas.microsoft.com/office/drawing/2010/main" xmlns="">
                 <a:effectLst>
                   <a:outerShdw blurRad="63500" dist="38099" dir="2700000" algn="ctr" rotWithShape="0">
                     <a:schemeClr val="bg2">
@@ -10739,14 +10721,14 @@
           <a:effectLst/>
           <a:extLst>
             <a:ext uri="{909E8E84-426E-40dd-AFC4-6F175D3DCCD1}">
-              <a14:hiddenFill xmlns="" xmlns:a14="http://schemas.microsoft.com/office/drawing/2010/main">
+              <a14:hiddenFill xmlns:a14="http://schemas.microsoft.com/office/drawing/2010/main" xmlns="">
                 <a:solidFill>
                   <a:schemeClr val="accent1"/>
                 </a:solidFill>
               </a14:hiddenFill>
             </a:ext>
             <a:ext uri="{91240B29-F687-4f45-9708-019B960494DF}">
-              <a14:hiddenLine xmlns="" xmlns:a14="http://schemas.microsoft.com/office/drawing/2010/main" w="9525">
+              <a14:hiddenLine xmlns:a14="http://schemas.microsoft.com/office/drawing/2010/main" xmlns="" w="9525">
                 <a:solidFill>
                   <a:schemeClr val="tx1"/>
                 </a:solidFill>
@@ -10756,7 +10738,7 @@
               </a14:hiddenLine>
             </a:ext>
             <a:ext uri="{AF507438-7753-43e0-B8FC-AC1667EBCBE1}">
-              <a14:hiddenEffects xmlns="" xmlns:a14="http://schemas.microsoft.com/office/drawing/2010/main">
+              <a14:hiddenEffects xmlns:a14="http://schemas.microsoft.com/office/drawing/2010/main" xmlns="">
                 <a:effectLst>
                   <a:outerShdw blurRad="63500" dist="38099" dir="2700000" algn="ctr" rotWithShape="0">
                     <a:schemeClr val="bg2">
@@ -10795,10 +10777,6 @@
             <a:br>
               <a:rPr lang="en-US" sz="1600"/>
             </a:br>
-            <a:r>
-              <a:rPr lang="en-US" sz="1600"/>
-              <a:t/>
-            </a:r>
             <a:br>
               <a:rPr lang="en-US" sz="1600"/>
             </a:br>
@@ -10829,13 +10807,6 @@
   <p:clrMapOvr>
     <a:masterClrMapping/>
   </p:clrMapOvr>
-  <p:timing>
-    <p:tnLst>
-      <p:par>
-        <p:cTn id="1" dur="indefinite" restart="never" nodeType="tmRoot"/>
-      </p:par>
-    </p:tnLst>
-  </p:timing>
 </p:sld>
 </file>
 
@@ -10901,14 +10872,14 @@
           <a:effectLst/>
           <a:extLst>
             <a:ext uri="{909E8E84-426E-40dd-AFC4-6F175D3DCCD1}">
-              <a14:hiddenFill xmlns="" xmlns:a14="http://schemas.microsoft.com/office/drawing/2010/main">
+              <a14:hiddenFill xmlns:a14="http://schemas.microsoft.com/office/drawing/2010/main" xmlns="">
                 <a:solidFill>
                   <a:schemeClr val="accent1"/>
                 </a:solidFill>
               </a14:hiddenFill>
             </a:ext>
             <a:ext uri="{91240B29-F687-4f45-9708-019B960494DF}">
-              <a14:hiddenLine xmlns="" xmlns:a14="http://schemas.microsoft.com/office/drawing/2010/main" w="9525">
+              <a14:hiddenLine xmlns:a14="http://schemas.microsoft.com/office/drawing/2010/main" xmlns="" w="9525">
                 <a:solidFill>
                   <a:schemeClr val="tx1"/>
                 </a:solidFill>
@@ -10918,7 +10889,7 @@
               </a14:hiddenLine>
             </a:ext>
             <a:ext uri="{AF507438-7753-43e0-B8FC-AC1667EBCBE1}">
-              <a14:hiddenEffects xmlns="" xmlns:a14="http://schemas.microsoft.com/office/drawing/2010/main">
+              <a14:hiddenEffects xmlns:a14="http://schemas.microsoft.com/office/drawing/2010/main" xmlns="">
                 <a:effectLst>
                   <a:outerShdw blurRad="63500" dist="38099" dir="2700000" algn="ctr" rotWithShape="0">
                     <a:schemeClr val="bg2">
@@ -10989,14 +10960,14 @@
           <a:effectLst/>
           <a:extLst>
             <a:ext uri="{909E8E84-426E-40dd-AFC4-6F175D3DCCD1}">
-              <a14:hiddenFill xmlns="" xmlns:a14="http://schemas.microsoft.com/office/drawing/2010/main">
+              <a14:hiddenFill xmlns:a14="http://schemas.microsoft.com/office/drawing/2010/main" xmlns="">
                 <a:solidFill>
                   <a:schemeClr val="accent1"/>
                 </a:solidFill>
               </a14:hiddenFill>
             </a:ext>
             <a:ext uri="{91240B29-F687-4f45-9708-019B960494DF}">
-              <a14:hiddenLine xmlns="" xmlns:a14="http://schemas.microsoft.com/office/drawing/2010/main" w="9525">
+              <a14:hiddenLine xmlns:a14="http://schemas.microsoft.com/office/drawing/2010/main" xmlns="" w="9525">
                 <a:solidFill>
                   <a:schemeClr val="tx1"/>
                 </a:solidFill>
@@ -11006,7 +10977,7 @@
               </a14:hiddenLine>
             </a:ext>
             <a:ext uri="{AF507438-7753-43e0-B8FC-AC1667EBCBE1}">
-              <a14:hiddenEffects xmlns="" xmlns:a14="http://schemas.microsoft.com/office/drawing/2010/main">
+              <a14:hiddenEffects xmlns:a14="http://schemas.microsoft.com/office/drawing/2010/main" xmlns="">
                 <a:effectLst>
                   <a:outerShdw blurRad="63500" dist="38099" dir="2700000" algn="ctr" rotWithShape="0">
                     <a:schemeClr val="bg2">
@@ -11143,14 +11114,14 @@
           <a:effectLst/>
           <a:extLst>
             <a:ext uri="{909E8E84-426E-40dd-AFC4-6F175D3DCCD1}">
-              <a14:hiddenFill xmlns="" xmlns:a14="http://schemas.microsoft.com/office/drawing/2010/main">
+              <a14:hiddenFill xmlns:a14="http://schemas.microsoft.com/office/drawing/2010/main" xmlns="">
                 <a:solidFill>
                   <a:schemeClr val="accent1"/>
                 </a:solidFill>
               </a14:hiddenFill>
             </a:ext>
             <a:ext uri="{91240B29-F687-4f45-9708-019B960494DF}">
-              <a14:hiddenLine xmlns="" xmlns:a14="http://schemas.microsoft.com/office/drawing/2010/main" w="9525">
+              <a14:hiddenLine xmlns:a14="http://schemas.microsoft.com/office/drawing/2010/main" xmlns="" w="9525">
                 <a:solidFill>
                   <a:schemeClr val="tx1"/>
                 </a:solidFill>
@@ -11160,7 +11131,7 @@
               </a14:hiddenLine>
             </a:ext>
             <a:ext uri="{AF507438-7753-43e0-B8FC-AC1667EBCBE1}">
-              <a14:hiddenEffects xmlns="" xmlns:a14="http://schemas.microsoft.com/office/drawing/2010/main">
+              <a14:hiddenEffects xmlns:a14="http://schemas.microsoft.com/office/drawing/2010/main" xmlns="">
                 <a:effectLst>
                   <a:outerShdw blurRad="63500" dist="38099" dir="2700000" algn="ctr" rotWithShape="0">
                     <a:schemeClr val="bg2">
@@ -11192,10 +11163,6 @@
             <a:br>
               <a:rPr lang="en-US" sz="1800"/>
             </a:br>
-            <a:r>
-              <a:rPr lang="en-US" sz="1800"/>
-              <a:t/>
-            </a:r>
             <a:br>
               <a:rPr lang="en-US" sz="1800"/>
             </a:br>
@@ -11252,12 +11219,12 @@
           <a:effectLst/>
           <a:extLst>
             <a:ext uri="{909E8E84-426E-40dd-AFC4-6F175D3DCCD1}">
-              <a14:hiddenFill xmlns="" xmlns:a14="http://schemas.microsoft.com/office/drawing/2010/main">
+              <a14:hiddenFill xmlns:a14="http://schemas.microsoft.com/office/drawing/2010/main" xmlns="">
                 <a:noFill/>
               </a14:hiddenFill>
             </a:ext>
             <a:ext uri="{AF507438-7753-43e0-B8FC-AC1667EBCBE1}">
-              <a14:hiddenEffects xmlns="" xmlns:a14="http://schemas.microsoft.com/office/drawing/2010/main">
+              <a14:hiddenEffects xmlns:a14="http://schemas.microsoft.com/office/drawing/2010/main" xmlns="">
                 <a:effectLst>
                   <a:outerShdw blurRad="63500" dist="38099" dir="2700000" algn="ctr" rotWithShape="0">
                     <a:schemeClr val="bg2">
@@ -11305,12 +11272,12 @@
           <a:effectLst/>
           <a:extLst>
             <a:ext uri="{909E8E84-426E-40dd-AFC4-6F175D3DCCD1}">
-              <a14:hiddenFill xmlns="" xmlns:a14="http://schemas.microsoft.com/office/drawing/2010/main">
+              <a14:hiddenFill xmlns:a14="http://schemas.microsoft.com/office/drawing/2010/main" xmlns="">
                 <a:noFill/>
               </a14:hiddenFill>
             </a:ext>
             <a:ext uri="{AF507438-7753-43e0-B8FC-AC1667EBCBE1}">
-              <a14:hiddenEffects xmlns="" xmlns:a14="http://schemas.microsoft.com/office/drawing/2010/main">
+              <a14:hiddenEffects xmlns:a14="http://schemas.microsoft.com/office/drawing/2010/main" xmlns="">
                 <a:effectLst>
                   <a:outerShdw blurRad="63500" dist="38099" dir="2700000" algn="ctr" rotWithShape="0">
                     <a:schemeClr val="bg2">
@@ -11357,7 +11324,7 @@
           </a:ln>
           <a:extLst>
             <a:ext uri="{909E8E84-426E-40dd-AFC4-6F175D3DCCD1}">
-              <a14:hiddenFill xmlns="" xmlns:a14="http://schemas.microsoft.com/office/drawing/2010/main">
+              <a14:hiddenFill xmlns:a14="http://schemas.microsoft.com/office/drawing/2010/main" xmlns="">
                 <a:solidFill>
                   <a:schemeClr val="accent1"/>
                 </a:solidFill>
@@ -11444,7 +11411,7 @@
           </a:ln>
           <a:extLst>
             <a:ext uri="{909E8E84-426E-40dd-AFC4-6F175D3DCCD1}">
-              <a14:hiddenFill xmlns="" xmlns:a14="http://schemas.microsoft.com/office/drawing/2010/main">
+              <a14:hiddenFill xmlns:a14="http://schemas.microsoft.com/office/drawing/2010/main" xmlns="">
                 <a:noFill/>
               </a14:hiddenFill>
             </a:ext>
@@ -11463,13 +11430,6 @@
   <p:clrMapOvr>
     <a:masterClrMapping/>
   </p:clrMapOvr>
-  <p:timing>
-    <p:tnLst>
-      <p:par>
-        <p:cTn id="1" dur="indefinite" restart="never" nodeType="tmRoot"/>
-      </p:par>
-    </p:tnLst>
-  </p:timing>
 </p:sld>
 </file>
 
@@ -11589,14 +11549,14 @@
           <a:effectLst/>
           <a:extLst>
             <a:ext uri="{909E8E84-426E-40dd-AFC4-6F175D3DCCD1}">
-              <a14:hiddenFill xmlns="" xmlns:a14="http://schemas.microsoft.com/office/drawing/2010/main">
+              <a14:hiddenFill xmlns:a14="http://schemas.microsoft.com/office/drawing/2010/main" xmlns="">
                 <a:solidFill>
                   <a:schemeClr val="accent1"/>
                 </a:solidFill>
               </a14:hiddenFill>
             </a:ext>
             <a:ext uri="{AF507438-7753-43e0-B8FC-AC1667EBCBE1}">
-              <a14:hiddenEffects xmlns="" xmlns:a14="http://schemas.microsoft.com/office/drawing/2010/main">
+              <a14:hiddenEffects xmlns:a14="http://schemas.microsoft.com/office/drawing/2010/main" xmlns="">
                 <a:effectLst>
                   <a:outerShdw blurRad="63500" dist="38099" dir="2700000" algn="ctr" rotWithShape="0">
                     <a:schemeClr val="bg2">
@@ -11662,14 +11622,14 @@
           <a:effectLst/>
           <a:extLst>
             <a:ext uri="{909E8E84-426E-40dd-AFC4-6F175D3DCCD1}">
-              <a14:hiddenFill xmlns="" xmlns:a14="http://schemas.microsoft.com/office/drawing/2010/main">
+              <a14:hiddenFill xmlns:a14="http://schemas.microsoft.com/office/drawing/2010/main" xmlns="">
                 <a:solidFill>
                   <a:schemeClr val="accent1"/>
                 </a:solidFill>
               </a14:hiddenFill>
             </a:ext>
             <a:ext uri="{91240B29-F687-4f45-9708-019B960494DF}">
-              <a14:hiddenLine xmlns="" xmlns:a14="http://schemas.microsoft.com/office/drawing/2010/main" w="9525">
+              <a14:hiddenLine xmlns:a14="http://schemas.microsoft.com/office/drawing/2010/main" xmlns="" w="9525">
                 <a:solidFill>
                   <a:schemeClr val="tx1"/>
                 </a:solidFill>
@@ -11679,7 +11639,7 @@
               </a14:hiddenLine>
             </a:ext>
             <a:ext uri="{AF507438-7753-43e0-B8FC-AC1667EBCBE1}">
-              <a14:hiddenEffects xmlns="" xmlns:a14="http://schemas.microsoft.com/office/drawing/2010/main">
+              <a14:hiddenEffects xmlns:a14="http://schemas.microsoft.com/office/drawing/2010/main" xmlns="">
                 <a:effectLst>
                   <a:outerShdw blurRad="63500" dist="38099" dir="2700000" algn="ctr" rotWithShape="0">
                     <a:schemeClr val="bg2">
@@ -11738,13 +11698,6 @@
   <p:clrMapOvr>
     <a:masterClrMapping/>
   </p:clrMapOvr>
-  <p:timing>
-    <p:tnLst>
-      <p:par>
-        <p:cTn id="1" dur="indefinite" restart="never" nodeType="tmRoot"/>
-      </p:par>
-    </p:tnLst>
-  </p:timing>
 </p:sld>
 </file>
 
@@ -11810,14 +11763,14 @@
           <a:effectLst/>
           <a:extLst>
             <a:ext uri="{909E8E84-426E-40dd-AFC4-6F175D3DCCD1}">
-              <a14:hiddenFill xmlns="" xmlns:a14="http://schemas.microsoft.com/office/drawing/2010/main">
+              <a14:hiddenFill xmlns:a14="http://schemas.microsoft.com/office/drawing/2010/main" xmlns="">
                 <a:solidFill>
                   <a:schemeClr val="accent1"/>
                 </a:solidFill>
               </a14:hiddenFill>
             </a:ext>
             <a:ext uri="{91240B29-F687-4f45-9708-019B960494DF}">
-              <a14:hiddenLine xmlns="" xmlns:a14="http://schemas.microsoft.com/office/drawing/2010/main" w="9525">
+              <a14:hiddenLine xmlns:a14="http://schemas.microsoft.com/office/drawing/2010/main" xmlns="" w="9525">
                 <a:solidFill>
                   <a:schemeClr val="tx1"/>
                 </a:solidFill>
@@ -11827,7 +11780,7 @@
               </a14:hiddenLine>
             </a:ext>
             <a:ext uri="{AF507438-7753-43e0-B8FC-AC1667EBCBE1}">
-              <a14:hiddenEffects xmlns="" xmlns:a14="http://schemas.microsoft.com/office/drawing/2010/main">
+              <a14:hiddenEffects xmlns:a14="http://schemas.microsoft.com/office/drawing/2010/main" xmlns="">
                 <a:effectLst>
                   <a:outerShdw blurRad="63500" dist="38099" dir="2700000" algn="ctr" rotWithShape="0">
                     <a:schemeClr val="bg2">
@@ -11881,14 +11834,14 @@
           <a:effectLst/>
           <a:extLst>
             <a:ext uri="{909E8E84-426E-40dd-AFC4-6F175D3DCCD1}">
-              <a14:hiddenFill xmlns="" xmlns:a14="http://schemas.microsoft.com/office/drawing/2010/main">
+              <a14:hiddenFill xmlns:a14="http://schemas.microsoft.com/office/drawing/2010/main" xmlns="">
                 <a:solidFill>
                   <a:schemeClr val="accent1"/>
                 </a:solidFill>
               </a14:hiddenFill>
             </a:ext>
             <a:ext uri="{AF507438-7753-43e0-B8FC-AC1667EBCBE1}">
-              <a14:hiddenEffects xmlns="" xmlns:a14="http://schemas.microsoft.com/office/drawing/2010/main">
+              <a14:hiddenEffects xmlns:a14="http://schemas.microsoft.com/office/drawing/2010/main" xmlns="">
                 <a:effectLst>
                   <a:outerShdw blurRad="63500" dist="38099" dir="2700000" algn="ctr" rotWithShape="0">
                     <a:schemeClr val="bg2">
@@ -11956,14 +11909,14 @@
           <a:effectLst/>
           <a:extLst>
             <a:ext uri="{909E8E84-426E-40dd-AFC4-6F175D3DCCD1}">
-              <a14:hiddenFill xmlns="" xmlns:a14="http://schemas.microsoft.com/office/drawing/2010/main">
+              <a14:hiddenFill xmlns:a14="http://schemas.microsoft.com/office/drawing/2010/main" xmlns="">
                 <a:solidFill>
                   <a:schemeClr val="accent1"/>
                 </a:solidFill>
               </a14:hiddenFill>
             </a:ext>
             <a:ext uri="{91240B29-F687-4f45-9708-019B960494DF}">
-              <a14:hiddenLine xmlns="" xmlns:a14="http://schemas.microsoft.com/office/drawing/2010/main" w="9525">
+              <a14:hiddenLine xmlns:a14="http://schemas.microsoft.com/office/drawing/2010/main" xmlns="" w="9525">
                 <a:solidFill>
                   <a:schemeClr val="tx1"/>
                 </a:solidFill>
@@ -11973,7 +11926,7 @@
               </a14:hiddenLine>
             </a:ext>
             <a:ext uri="{AF507438-7753-43e0-B8FC-AC1667EBCBE1}">
-              <a14:hiddenEffects xmlns="" xmlns:a14="http://schemas.microsoft.com/office/drawing/2010/main">
+              <a14:hiddenEffects xmlns:a14="http://schemas.microsoft.com/office/drawing/2010/main" xmlns="">
                 <a:effectLst>
                   <a:outerShdw blurRad="63500" dist="38099" dir="2700000" algn="ctr" rotWithShape="0">
                     <a:schemeClr val="bg2">
@@ -12106,13 +12059,6 @@
   <p:clrMapOvr>
     <a:masterClrMapping/>
   </p:clrMapOvr>
-  <p:timing>
-    <p:tnLst>
-      <p:par>
-        <p:cTn id="1" dur="indefinite" restart="never" nodeType="tmRoot"/>
-      </p:par>
-    </p:tnLst>
-  </p:timing>
 </p:sld>
 </file>
 
@@ -12178,14 +12124,14 @@
           <a:effectLst/>
           <a:extLst>
             <a:ext uri="{909E8E84-426E-40dd-AFC4-6F175D3DCCD1}">
-              <a14:hiddenFill xmlns="" xmlns:a14="http://schemas.microsoft.com/office/drawing/2010/main">
+              <a14:hiddenFill xmlns:a14="http://schemas.microsoft.com/office/drawing/2010/main" xmlns="">
                 <a:solidFill>
                   <a:schemeClr val="accent1"/>
                 </a:solidFill>
               </a14:hiddenFill>
             </a:ext>
             <a:ext uri="{91240B29-F687-4f45-9708-019B960494DF}">
-              <a14:hiddenLine xmlns="" xmlns:a14="http://schemas.microsoft.com/office/drawing/2010/main" w="9525">
+              <a14:hiddenLine xmlns:a14="http://schemas.microsoft.com/office/drawing/2010/main" xmlns="" w="9525">
                 <a:solidFill>
                   <a:schemeClr val="tx1"/>
                 </a:solidFill>
@@ -12195,7 +12141,7 @@
               </a14:hiddenLine>
             </a:ext>
             <a:ext uri="{AF507438-7753-43e0-B8FC-AC1667EBCBE1}">
-              <a14:hiddenEffects xmlns="" xmlns:a14="http://schemas.microsoft.com/office/drawing/2010/main">
+              <a14:hiddenEffects xmlns:a14="http://schemas.microsoft.com/office/drawing/2010/main" xmlns="">
                 <a:effectLst>
                   <a:outerShdw blurRad="63500" dist="38099" dir="2700000" algn="ctr" rotWithShape="0">
                     <a:schemeClr val="bg2">
@@ -12215,25 +12161,20 @@
           <a:p>
             <a:r>
               <a:rPr lang="en-US" sz="1800" u="sng" dirty="0"/>
-              <a:t>Subtype </a:t>
-            </a:r>
-            <a:r>
-              <a:rPr lang="en-US" sz="1800" u="sng" dirty="0" smtClean="0"/>
-              <a:t>Polymorphism</a:t>
-            </a:r>
-            <a:r>
-              <a:rPr lang="en-US" sz="1800" dirty="0" smtClean="0"/>
+              <a:t>Subtype Polymorphism</a:t>
+            </a:r>
+            <a:r>
+              <a:rPr lang="en-US" sz="1800" dirty="0"/>
               <a:t> </a:t>
             </a:r>
             <a:r>
-              <a:rPr lang="mr-IN" sz="1800" dirty="0" smtClean="0"/>
+              <a:rPr lang="mr-IN" sz="1800" dirty="0"/>
               <a:t>–</a:t>
             </a:r>
             <a:r>
-              <a:rPr lang="en-US" sz="1800" dirty="0" smtClean="0"/>
+              <a:rPr lang="en-US" sz="1800" dirty="0"/>
               <a:t> essential for OO programming!</a:t>
             </a:r>
-            <a:endParaRPr lang="en-US" sz="1800" dirty="0"/>
           </a:p>
         </p:txBody>
       </p:sp>
@@ -12265,14 +12206,14 @@
           <a:effectLst/>
           <a:extLst>
             <a:ext uri="{909E8E84-426E-40dd-AFC4-6F175D3DCCD1}">
-              <a14:hiddenFill xmlns="" xmlns:a14="http://schemas.microsoft.com/office/drawing/2010/main">
+              <a14:hiddenFill xmlns:a14="http://schemas.microsoft.com/office/drawing/2010/main" xmlns="">
                 <a:solidFill>
                   <a:schemeClr val="accent1"/>
                 </a:solidFill>
               </a14:hiddenFill>
             </a:ext>
             <a:ext uri="{AF507438-7753-43e0-B8FC-AC1667EBCBE1}">
-              <a14:hiddenEffects xmlns="" xmlns:a14="http://schemas.microsoft.com/office/drawing/2010/main">
+              <a14:hiddenEffects xmlns:a14="http://schemas.microsoft.com/office/drawing/2010/main" xmlns="">
                 <a:effectLst>
                   <a:outerShdw blurRad="63500" dist="38099" dir="2700000" algn="ctr" rotWithShape="0">
                     <a:schemeClr val="bg2">
@@ -12321,13 +12262,6 @@
   <p:clrMapOvr>
     <a:masterClrMapping/>
   </p:clrMapOvr>
-  <p:timing>
-    <p:tnLst>
-      <p:par>
-        <p:cTn id="1" dur="indefinite" restart="never" nodeType="tmRoot"/>
-      </p:par>
-    </p:tnLst>
-  </p:timing>
 </p:sld>
 </file>
 
@@ -12393,14 +12327,14 @@
           <a:effectLst/>
           <a:extLst>
             <a:ext uri="{909E8E84-426E-40dd-AFC4-6F175D3DCCD1}">
-              <a14:hiddenFill xmlns="" xmlns:a14="http://schemas.microsoft.com/office/drawing/2010/main">
+              <a14:hiddenFill xmlns:a14="http://schemas.microsoft.com/office/drawing/2010/main" xmlns="">
                 <a:solidFill>
                   <a:schemeClr val="accent1"/>
                 </a:solidFill>
               </a14:hiddenFill>
             </a:ext>
             <a:ext uri="{91240B29-F687-4f45-9708-019B960494DF}">
-              <a14:hiddenLine xmlns="" xmlns:a14="http://schemas.microsoft.com/office/drawing/2010/main" w="9525">
+              <a14:hiddenLine xmlns:a14="http://schemas.microsoft.com/office/drawing/2010/main" xmlns="" w="9525">
                 <a:solidFill>
                   <a:schemeClr val="tx1"/>
                 </a:solidFill>
@@ -12410,7 +12344,7 @@
               </a14:hiddenLine>
             </a:ext>
             <a:ext uri="{AF507438-7753-43e0-B8FC-AC1667EBCBE1}">
-              <a14:hiddenEffects xmlns="" xmlns:a14="http://schemas.microsoft.com/office/drawing/2010/main">
+              <a14:hiddenEffects xmlns:a14="http://schemas.microsoft.com/office/drawing/2010/main" xmlns="">
                 <a:effectLst>
                   <a:outerShdw blurRad="63500" dist="38099" dir="2700000" algn="ctr" rotWithShape="0">
                     <a:schemeClr val="bg2">
@@ -12543,14 +12477,14 @@
           <a:effectLst/>
           <a:extLst>
             <a:ext uri="{909E8E84-426E-40dd-AFC4-6F175D3DCCD1}">
-              <a14:hiddenFill xmlns="" xmlns:a14="http://schemas.microsoft.com/office/drawing/2010/main">
+              <a14:hiddenFill xmlns:a14="http://schemas.microsoft.com/office/drawing/2010/main" xmlns="">
                 <a:solidFill>
                   <a:schemeClr val="accent1"/>
                 </a:solidFill>
               </a14:hiddenFill>
             </a:ext>
             <a:ext uri="{AF507438-7753-43e0-B8FC-AC1667EBCBE1}">
-              <a14:hiddenEffects xmlns="" xmlns:a14="http://schemas.microsoft.com/office/drawing/2010/main">
+              <a14:hiddenEffects xmlns:a14="http://schemas.microsoft.com/office/drawing/2010/main" xmlns="">
                 <a:effectLst>
                   <a:outerShdw blurRad="63500" dist="38099" dir="2700000" algn="ctr" rotWithShape="0">
                     <a:schemeClr val="bg2">
@@ -12593,14 +12527,14 @@
           <a:effectLst/>
           <a:extLst>
             <a:ext uri="{909E8E84-426E-40dd-AFC4-6F175D3DCCD1}">
-              <a14:hiddenFill xmlns="" xmlns:a14="http://schemas.microsoft.com/office/drawing/2010/main">
+              <a14:hiddenFill xmlns:a14="http://schemas.microsoft.com/office/drawing/2010/main" xmlns="">
                 <a:solidFill>
                   <a:schemeClr val="accent1"/>
                 </a:solidFill>
               </a14:hiddenFill>
             </a:ext>
             <a:ext uri="{91240B29-F687-4f45-9708-019B960494DF}">
-              <a14:hiddenLine xmlns="" xmlns:a14="http://schemas.microsoft.com/office/drawing/2010/main" w="9525">
+              <a14:hiddenLine xmlns:a14="http://schemas.microsoft.com/office/drawing/2010/main" xmlns="" w="9525">
                 <a:solidFill>
                   <a:schemeClr val="tx1"/>
                 </a:solidFill>
@@ -12610,7 +12544,7 @@
               </a14:hiddenLine>
             </a:ext>
             <a:ext uri="{AF507438-7753-43e0-B8FC-AC1667EBCBE1}">
-              <a14:hiddenEffects xmlns="" xmlns:a14="http://schemas.microsoft.com/office/drawing/2010/main">
+              <a14:hiddenEffects xmlns:a14="http://schemas.microsoft.com/office/drawing/2010/main" xmlns="">
                 <a:effectLst>
                   <a:outerShdw blurRad="63500" dist="38099" dir="2700000" algn="ctr" rotWithShape="0">
                     <a:schemeClr val="bg2">
@@ -12677,14 +12611,14 @@
           </a:ln>
           <a:extLst>
             <a:ext uri="{909E8E84-426E-40dd-AFC4-6F175D3DCCD1}">
-              <a14:hiddenFill xmlns="" xmlns:a14="http://schemas.microsoft.com/office/drawing/2010/main">
+              <a14:hiddenFill xmlns:a14="http://schemas.microsoft.com/office/drawing/2010/main" xmlns="">
                 <a:solidFill>
                   <a:schemeClr val="accent1"/>
                 </a:solidFill>
               </a14:hiddenFill>
             </a:ext>
             <a:ext uri="{91240B29-F687-4f45-9708-019B960494DF}">
-              <a14:hiddenLine xmlns="" xmlns:a14="http://schemas.microsoft.com/office/drawing/2010/main" w="9525">
+              <a14:hiddenLine xmlns:a14="http://schemas.microsoft.com/office/drawing/2010/main" xmlns="" w="9525">
                 <a:solidFill>
                   <a:schemeClr val="tx1"/>
                 </a:solidFill>
@@ -12745,14 +12679,14 @@
           <a:effectLst/>
           <a:extLst>
             <a:ext uri="{909E8E84-426E-40dd-AFC4-6F175D3DCCD1}">
-              <a14:hiddenFill xmlns="" xmlns:a14="http://schemas.microsoft.com/office/drawing/2010/main">
+              <a14:hiddenFill xmlns:a14="http://schemas.microsoft.com/office/drawing/2010/main" xmlns="">
                 <a:solidFill>
                   <a:schemeClr val="accent1"/>
                 </a:solidFill>
               </a14:hiddenFill>
             </a:ext>
             <a:ext uri="{AF507438-7753-43e0-B8FC-AC1667EBCBE1}">
-              <a14:hiddenEffects xmlns="" xmlns:a14="http://schemas.microsoft.com/office/drawing/2010/main">
+              <a14:hiddenEffects xmlns:a14="http://schemas.microsoft.com/office/drawing/2010/main" xmlns="">
                 <a:effectLst>
                   <a:outerShdw blurRad="63500" dist="38099" dir="2700000" algn="ctr" rotWithShape="0">
                     <a:schemeClr val="bg2">
@@ -12794,14 +12728,14 @@
           </a:ln>
           <a:extLst>
             <a:ext uri="{909E8E84-426E-40dd-AFC4-6F175D3DCCD1}">
-              <a14:hiddenFill xmlns="" xmlns:a14="http://schemas.microsoft.com/office/drawing/2010/main">
+              <a14:hiddenFill xmlns:a14="http://schemas.microsoft.com/office/drawing/2010/main" xmlns="">
                 <a:solidFill>
                   <a:schemeClr val="accent1"/>
                 </a:solidFill>
               </a14:hiddenFill>
             </a:ext>
             <a:ext uri="{91240B29-F687-4f45-9708-019B960494DF}">
-              <a14:hiddenLine xmlns="" xmlns:a14="http://schemas.microsoft.com/office/drawing/2010/main" w="9525">
+              <a14:hiddenLine xmlns:a14="http://schemas.microsoft.com/office/drawing/2010/main" xmlns="" w="9525">
                 <a:solidFill>
                   <a:schemeClr val="tx1"/>
                 </a:solidFill>
@@ -12830,13 +12764,6 @@
   <p:clrMapOvr>
     <a:masterClrMapping/>
   </p:clrMapOvr>
-  <p:timing>
-    <p:tnLst>
-      <p:par>
-        <p:cTn id="1" dur="indefinite" restart="never" nodeType="tmRoot"/>
-      </p:par>
-    </p:tnLst>
-  </p:timing>
 </p:sld>
 </file>
 
@@ -12902,14 +12829,14 @@
           <a:effectLst/>
           <a:extLst>
             <a:ext uri="{909E8E84-426E-40dd-AFC4-6F175D3DCCD1}">
-              <a14:hiddenFill xmlns="" xmlns:a14="http://schemas.microsoft.com/office/drawing/2010/main">
+              <a14:hiddenFill xmlns:a14="http://schemas.microsoft.com/office/drawing/2010/main" xmlns="">
                 <a:solidFill>
                   <a:schemeClr val="accent1"/>
                 </a:solidFill>
               </a14:hiddenFill>
             </a:ext>
             <a:ext uri="{91240B29-F687-4f45-9708-019B960494DF}">
-              <a14:hiddenLine xmlns="" xmlns:a14="http://schemas.microsoft.com/office/drawing/2010/main" w="9525">
+              <a14:hiddenLine xmlns:a14="http://schemas.microsoft.com/office/drawing/2010/main" xmlns="" w="9525">
                 <a:solidFill>
                   <a:schemeClr val="tx1"/>
                 </a:solidFill>
@@ -12919,7 +12846,7 @@
               </a14:hiddenLine>
             </a:ext>
             <a:ext uri="{AF507438-7753-43e0-B8FC-AC1667EBCBE1}">
-              <a14:hiddenEffects xmlns="" xmlns:a14="http://schemas.microsoft.com/office/drawing/2010/main">
+              <a14:hiddenEffects xmlns:a14="http://schemas.microsoft.com/office/drawing/2010/main" xmlns="">
                 <a:effectLst>
                   <a:outerShdw blurRad="63500" dist="38099" dir="2700000" algn="ctr" rotWithShape="0">
                     <a:schemeClr val="bg2">
@@ -12968,14 +12895,14 @@
           <a:effectLst/>
           <a:extLst>
             <a:ext uri="{909E8E84-426E-40dd-AFC4-6F175D3DCCD1}">
-              <a14:hiddenFill xmlns="" xmlns:a14="http://schemas.microsoft.com/office/drawing/2010/main">
+              <a14:hiddenFill xmlns:a14="http://schemas.microsoft.com/office/drawing/2010/main" xmlns="">
                 <a:solidFill>
                   <a:schemeClr val="accent1"/>
                 </a:solidFill>
               </a14:hiddenFill>
             </a:ext>
             <a:ext uri="{91240B29-F687-4f45-9708-019B960494DF}">
-              <a14:hiddenLine xmlns="" xmlns:a14="http://schemas.microsoft.com/office/drawing/2010/main" w="9525">
+              <a14:hiddenLine xmlns:a14="http://schemas.microsoft.com/office/drawing/2010/main" xmlns="" w="9525">
                 <a:solidFill>
                   <a:schemeClr val="tx1"/>
                 </a:solidFill>
@@ -12985,7 +12912,7 @@
               </a14:hiddenLine>
             </a:ext>
             <a:ext uri="{AF507438-7753-43e0-B8FC-AC1667EBCBE1}">
-              <a14:hiddenEffects xmlns="" xmlns:a14="http://schemas.microsoft.com/office/drawing/2010/main">
+              <a14:hiddenEffects xmlns:a14="http://schemas.microsoft.com/office/drawing/2010/main" xmlns="">
                 <a:effectLst>
                   <a:outerShdw blurRad="63500" dist="38099" dir="2700000" algn="ctr" rotWithShape="0">
                     <a:schemeClr val="bg2">
@@ -13050,14 +12977,14 @@
           <a:effectLst/>
           <a:extLst>
             <a:ext uri="{909E8E84-426E-40dd-AFC4-6F175D3DCCD1}">
-              <a14:hiddenFill xmlns="" xmlns:a14="http://schemas.microsoft.com/office/drawing/2010/main">
+              <a14:hiddenFill xmlns:a14="http://schemas.microsoft.com/office/drawing/2010/main" xmlns="">
                 <a:solidFill>
                   <a:schemeClr val="accent1"/>
                 </a:solidFill>
               </a14:hiddenFill>
             </a:ext>
             <a:ext uri="{AF507438-7753-43e0-B8FC-AC1667EBCBE1}">
-              <a14:hiddenEffects xmlns="" xmlns:a14="http://schemas.microsoft.com/office/drawing/2010/main">
+              <a14:hiddenEffects xmlns:a14="http://schemas.microsoft.com/office/drawing/2010/main" xmlns="">
                 <a:effectLst>
                   <a:outerShdw blurRad="63500" dist="38099" dir="2700000" algn="ctr" rotWithShape="0">
                     <a:schemeClr val="bg2">
@@ -13105,14 +13032,14 @@
           <a:effectLst/>
           <a:extLst>
             <a:ext uri="{909E8E84-426E-40dd-AFC4-6F175D3DCCD1}">
-              <a14:hiddenFill xmlns="" xmlns:a14="http://schemas.microsoft.com/office/drawing/2010/main">
+              <a14:hiddenFill xmlns:a14="http://schemas.microsoft.com/office/drawing/2010/main" xmlns="">
                 <a:solidFill>
                   <a:schemeClr val="accent1"/>
                 </a:solidFill>
               </a14:hiddenFill>
             </a:ext>
             <a:ext uri="{AF507438-7753-43e0-B8FC-AC1667EBCBE1}">
-              <a14:hiddenEffects xmlns="" xmlns:a14="http://schemas.microsoft.com/office/drawing/2010/main">
+              <a14:hiddenEffects xmlns:a14="http://schemas.microsoft.com/office/drawing/2010/main" xmlns="">
                 <a:effectLst>
                   <a:outerShdw blurRad="63500" dist="38099" dir="2700000" algn="ctr" rotWithShape="0">
                     <a:schemeClr val="bg2">
@@ -13160,14 +13087,14 @@
           <a:effectLst/>
           <a:extLst>
             <a:ext uri="{909E8E84-426E-40dd-AFC4-6F175D3DCCD1}">
-              <a14:hiddenFill xmlns="" xmlns:a14="http://schemas.microsoft.com/office/drawing/2010/main">
+              <a14:hiddenFill xmlns:a14="http://schemas.microsoft.com/office/drawing/2010/main" xmlns="">
                 <a:solidFill>
                   <a:schemeClr val="accent1"/>
                 </a:solidFill>
               </a14:hiddenFill>
             </a:ext>
             <a:ext uri="{AF507438-7753-43e0-B8FC-AC1667EBCBE1}">
-              <a14:hiddenEffects xmlns="" xmlns:a14="http://schemas.microsoft.com/office/drawing/2010/main">
+              <a14:hiddenEffects xmlns:a14="http://schemas.microsoft.com/office/drawing/2010/main" xmlns="">
                 <a:effectLst>
                   <a:outerShdw blurRad="63500" dist="38099" dir="2700000" algn="ctr" rotWithShape="0">
                     <a:schemeClr val="bg2">
@@ -13210,14 +13137,14 @@
           <a:effectLst/>
           <a:extLst>
             <a:ext uri="{909E8E84-426E-40dd-AFC4-6F175D3DCCD1}">
-              <a14:hiddenFill xmlns="" xmlns:a14="http://schemas.microsoft.com/office/drawing/2010/main">
+              <a14:hiddenFill xmlns:a14="http://schemas.microsoft.com/office/drawing/2010/main" xmlns="">
                 <a:solidFill>
                   <a:schemeClr val="accent1"/>
                 </a:solidFill>
               </a14:hiddenFill>
             </a:ext>
             <a:ext uri="{91240B29-F687-4f45-9708-019B960494DF}">
-              <a14:hiddenLine xmlns="" xmlns:a14="http://schemas.microsoft.com/office/drawing/2010/main" w="9525">
+              <a14:hiddenLine xmlns:a14="http://schemas.microsoft.com/office/drawing/2010/main" xmlns="" w="9525">
                 <a:solidFill>
                   <a:schemeClr val="tx1"/>
                 </a:solidFill>
@@ -13227,7 +13154,7 @@
               </a14:hiddenLine>
             </a:ext>
             <a:ext uri="{AF507438-7753-43e0-B8FC-AC1667EBCBE1}">
-              <a14:hiddenEffects xmlns="" xmlns:a14="http://schemas.microsoft.com/office/drawing/2010/main">
+              <a14:hiddenEffects xmlns:a14="http://schemas.microsoft.com/office/drawing/2010/main" xmlns="">
                 <a:effectLst>
                   <a:outerShdw blurRad="63500" dist="38099" dir="2700000" algn="ctr" rotWithShape="0">
                     <a:schemeClr val="bg2">
@@ -13275,14 +13202,14 @@
           <a:effectLst/>
           <a:extLst>
             <a:ext uri="{909E8E84-426E-40dd-AFC4-6F175D3DCCD1}">
-              <a14:hiddenFill xmlns="" xmlns:a14="http://schemas.microsoft.com/office/drawing/2010/main">
+              <a14:hiddenFill xmlns:a14="http://schemas.microsoft.com/office/drawing/2010/main" xmlns="">
                 <a:solidFill>
                   <a:schemeClr val="accent1"/>
                 </a:solidFill>
               </a14:hiddenFill>
             </a:ext>
             <a:ext uri="{91240B29-F687-4f45-9708-019B960494DF}">
-              <a14:hiddenLine xmlns="" xmlns:a14="http://schemas.microsoft.com/office/drawing/2010/main" w="9525">
+              <a14:hiddenLine xmlns:a14="http://schemas.microsoft.com/office/drawing/2010/main" xmlns="" w="9525">
                 <a:solidFill>
                   <a:schemeClr val="tx1"/>
                 </a:solidFill>
@@ -13292,7 +13219,7 @@
               </a14:hiddenLine>
             </a:ext>
             <a:ext uri="{AF507438-7753-43e0-B8FC-AC1667EBCBE1}">
-              <a14:hiddenEffects xmlns="" xmlns:a14="http://schemas.microsoft.com/office/drawing/2010/main">
+              <a14:hiddenEffects xmlns:a14="http://schemas.microsoft.com/office/drawing/2010/main" xmlns="">
                 <a:effectLst>
                   <a:outerShdw blurRad="63500" dist="38099" dir="2700000" algn="ctr" rotWithShape="0">
                     <a:schemeClr val="bg2">
@@ -13340,14 +13267,14 @@
           <a:effectLst/>
           <a:extLst>
             <a:ext uri="{909E8E84-426E-40dd-AFC4-6F175D3DCCD1}">
-              <a14:hiddenFill xmlns="" xmlns:a14="http://schemas.microsoft.com/office/drawing/2010/main">
+              <a14:hiddenFill xmlns:a14="http://schemas.microsoft.com/office/drawing/2010/main" xmlns="">
                 <a:solidFill>
                   <a:schemeClr val="accent1"/>
                 </a:solidFill>
               </a14:hiddenFill>
             </a:ext>
             <a:ext uri="{91240B29-F687-4f45-9708-019B960494DF}">
-              <a14:hiddenLine xmlns="" xmlns:a14="http://schemas.microsoft.com/office/drawing/2010/main" w="9525">
+              <a14:hiddenLine xmlns:a14="http://schemas.microsoft.com/office/drawing/2010/main" xmlns="" w="9525">
                 <a:solidFill>
                   <a:schemeClr val="tx1"/>
                 </a:solidFill>
@@ -13357,7 +13284,7 @@
               </a14:hiddenLine>
             </a:ext>
             <a:ext uri="{AF507438-7753-43e0-B8FC-AC1667EBCBE1}">
-              <a14:hiddenEffects xmlns="" xmlns:a14="http://schemas.microsoft.com/office/drawing/2010/main">
+              <a14:hiddenEffects xmlns:a14="http://schemas.microsoft.com/office/drawing/2010/main" xmlns="">
                 <a:effectLst>
                   <a:outerShdw blurRad="63500" dist="38099" dir="2700000" algn="ctr" rotWithShape="0">
                     <a:schemeClr val="bg2">
@@ -13405,14 +13332,14 @@
           <a:effectLst/>
           <a:extLst>
             <a:ext uri="{909E8E84-426E-40dd-AFC4-6F175D3DCCD1}">
-              <a14:hiddenFill xmlns="" xmlns:a14="http://schemas.microsoft.com/office/drawing/2010/main">
+              <a14:hiddenFill xmlns:a14="http://schemas.microsoft.com/office/drawing/2010/main" xmlns="">
                 <a:solidFill>
                   <a:schemeClr val="accent1"/>
                 </a:solidFill>
               </a14:hiddenFill>
             </a:ext>
             <a:ext uri="{91240B29-F687-4f45-9708-019B960494DF}">
-              <a14:hiddenLine xmlns="" xmlns:a14="http://schemas.microsoft.com/office/drawing/2010/main" w="9525">
+              <a14:hiddenLine xmlns:a14="http://schemas.microsoft.com/office/drawing/2010/main" xmlns="" w="9525">
                 <a:solidFill>
                   <a:schemeClr val="tx1"/>
                 </a:solidFill>
@@ -13422,7 +13349,7 @@
               </a14:hiddenLine>
             </a:ext>
             <a:ext uri="{AF507438-7753-43e0-B8FC-AC1667EBCBE1}">
-              <a14:hiddenEffects xmlns="" xmlns:a14="http://schemas.microsoft.com/office/drawing/2010/main">
+              <a14:hiddenEffects xmlns:a14="http://schemas.microsoft.com/office/drawing/2010/main" xmlns="">
                 <a:effectLst>
                   <a:outerShdw blurRad="63500" dist="38099" dir="2700000" algn="ctr" rotWithShape="0">
                     <a:schemeClr val="bg2">
@@ -13470,14 +13397,14 @@
           <a:effectLst/>
           <a:extLst>
             <a:ext uri="{909E8E84-426E-40dd-AFC4-6F175D3DCCD1}">
-              <a14:hiddenFill xmlns="" xmlns:a14="http://schemas.microsoft.com/office/drawing/2010/main">
+              <a14:hiddenFill xmlns:a14="http://schemas.microsoft.com/office/drawing/2010/main" xmlns="">
                 <a:solidFill>
                   <a:schemeClr val="accent1"/>
                 </a:solidFill>
               </a14:hiddenFill>
             </a:ext>
             <a:ext uri="{91240B29-F687-4f45-9708-019B960494DF}">
-              <a14:hiddenLine xmlns="" xmlns:a14="http://schemas.microsoft.com/office/drawing/2010/main" w="9525">
+              <a14:hiddenLine xmlns:a14="http://schemas.microsoft.com/office/drawing/2010/main" xmlns="" w="9525">
                 <a:solidFill>
                   <a:schemeClr val="tx1"/>
                 </a:solidFill>
@@ -13487,7 +13414,7 @@
               </a14:hiddenLine>
             </a:ext>
             <a:ext uri="{AF507438-7753-43e0-B8FC-AC1667EBCBE1}">
-              <a14:hiddenEffects xmlns="" xmlns:a14="http://schemas.microsoft.com/office/drawing/2010/main">
+              <a14:hiddenEffects xmlns:a14="http://schemas.microsoft.com/office/drawing/2010/main" xmlns="">
                 <a:effectLst>
                   <a:outerShdw blurRad="63500" dist="38099" dir="2700000" algn="ctr" rotWithShape="0">
                     <a:schemeClr val="bg2">
@@ -13540,12 +13467,12 @@
           <a:effectLst/>
           <a:extLst>
             <a:ext uri="{909E8E84-426E-40dd-AFC4-6F175D3DCCD1}">
-              <a14:hiddenFill xmlns="" xmlns:a14="http://schemas.microsoft.com/office/drawing/2010/main">
+              <a14:hiddenFill xmlns:a14="http://schemas.microsoft.com/office/drawing/2010/main" xmlns="">
                 <a:noFill/>
               </a14:hiddenFill>
             </a:ext>
             <a:ext uri="{AF507438-7753-43e0-B8FC-AC1667EBCBE1}">
-              <a14:hiddenEffects xmlns="" xmlns:a14="http://schemas.microsoft.com/office/drawing/2010/main">
+              <a14:hiddenEffects xmlns:a14="http://schemas.microsoft.com/office/drawing/2010/main" xmlns="">
                 <a:effectLst>
                   <a:outerShdw blurRad="63500" dist="38099" dir="2700000" algn="ctr" rotWithShape="0">
                     <a:schemeClr val="bg2">
@@ -13593,12 +13520,12 @@
           <a:effectLst/>
           <a:extLst>
             <a:ext uri="{909E8E84-426E-40dd-AFC4-6F175D3DCCD1}">
-              <a14:hiddenFill xmlns="" xmlns:a14="http://schemas.microsoft.com/office/drawing/2010/main">
+              <a14:hiddenFill xmlns:a14="http://schemas.microsoft.com/office/drawing/2010/main" xmlns="">
                 <a:noFill/>
               </a14:hiddenFill>
             </a:ext>
             <a:ext uri="{AF507438-7753-43e0-B8FC-AC1667EBCBE1}">
-              <a14:hiddenEffects xmlns="" xmlns:a14="http://schemas.microsoft.com/office/drawing/2010/main">
+              <a14:hiddenEffects xmlns:a14="http://schemas.microsoft.com/office/drawing/2010/main" xmlns="">
                 <a:effectLst>
                   <a:outerShdw blurRad="63500" dist="38099" dir="2700000" algn="ctr" rotWithShape="0">
                     <a:schemeClr val="bg2">
@@ -13646,12 +13573,12 @@
           <a:effectLst/>
           <a:extLst>
             <a:ext uri="{909E8E84-426E-40dd-AFC4-6F175D3DCCD1}">
-              <a14:hiddenFill xmlns="" xmlns:a14="http://schemas.microsoft.com/office/drawing/2010/main">
+              <a14:hiddenFill xmlns:a14="http://schemas.microsoft.com/office/drawing/2010/main" xmlns="">
                 <a:noFill/>
               </a14:hiddenFill>
             </a:ext>
             <a:ext uri="{AF507438-7753-43e0-B8FC-AC1667EBCBE1}">
-              <a14:hiddenEffects xmlns="" xmlns:a14="http://schemas.microsoft.com/office/drawing/2010/main">
+              <a14:hiddenEffects xmlns:a14="http://schemas.microsoft.com/office/drawing/2010/main" xmlns="">
                 <a:effectLst>
                   <a:outerShdw blurRad="63500" dist="38099" dir="2700000" algn="ctr" rotWithShape="0">
                     <a:schemeClr val="bg2">
@@ -13699,14 +13626,14 @@
           <a:effectLst/>
           <a:extLst>
             <a:ext uri="{909E8E84-426E-40dd-AFC4-6F175D3DCCD1}">
-              <a14:hiddenFill xmlns="" xmlns:a14="http://schemas.microsoft.com/office/drawing/2010/main">
+              <a14:hiddenFill xmlns:a14="http://schemas.microsoft.com/office/drawing/2010/main" xmlns="">
                 <a:solidFill>
                   <a:schemeClr val="accent1"/>
                 </a:solidFill>
               </a14:hiddenFill>
             </a:ext>
             <a:ext uri="{AF507438-7753-43e0-B8FC-AC1667EBCBE1}">
-              <a14:hiddenEffects xmlns="" xmlns:a14="http://schemas.microsoft.com/office/drawing/2010/main">
+              <a14:hiddenEffects xmlns:a14="http://schemas.microsoft.com/office/drawing/2010/main" xmlns="">
                 <a:effectLst>
                   <a:outerShdw blurRad="63500" dist="38099" dir="2700000" algn="ctr" rotWithShape="0">
                     <a:schemeClr val="bg2">
@@ -13828,14 +13755,14 @@
           <a:effectLst/>
           <a:extLst>
             <a:ext uri="{909E8E84-426E-40dd-AFC4-6F175D3DCCD1}">
-              <a14:hiddenFill xmlns="" xmlns:a14="http://schemas.microsoft.com/office/drawing/2010/main">
+              <a14:hiddenFill xmlns:a14="http://schemas.microsoft.com/office/drawing/2010/main" xmlns="">
                 <a:solidFill>
                   <a:schemeClr val="accent1"/>
                 </a:solidFill>
               </a14:hiddenFill>
             </a:ext>
             <a:ext uri="{AF507438-7753-43e0-B8FC-AC1667EBCBE1}">
-              <a14:hiddenEffects xmlns="" xmlns:a14="http://schemas.microsoft.com/office/drawing/2010/main">
+              <a14:hiddenEffects xmlns:a14="http://schemas.microsoft.com/office/drawing/2010/main" xmlns="">
                 <a:effectLst>
                   <a:outerShdw blurRad="63500" dist="38099" dir="2700000" algn="ctr" rotWithShape="0">
                     <a:schemeClr val="bg2">
@@ -13878,14 +13805,14 @@
           <a:effectLst/>
           <a:extLst>
             <a:ext uri="{909E8E84-426E-40dd-AFC4-6F175D3DCCD1}">
-              <a14:hiddenFill xmlns="" xmlns:a14="http://schemas.microsoft.com/office/drawing/2010/main">
+              <a14:hiddenFill xmlns:a14="http://schemas.microsoft.com/office/drawing/2010/main" xmlns="">
                 <a:solidFill>
                   <a:schemeClr val="accent1"/>
                 </a:solidFill>
               </a14:hiddenFill>
             </a:ext>
             <a:ext uri="{91240B29-F687-4f45-9708-019B960494DF}">
-              <a14:hiddenLine xmlns="" xmlns:a14="http://schemas.microsoft.com/office/drawing/2010/main" w="9525">
+              <a14:hiddenLine xmlns:a14="http://schemas.microsoft.com/office/drawing/2010/main" xmlns="" w="9525">
                 <a:solidFill>
                   <a:schemeClr val="tx1"/>
                 </a:solidFill>
@@ -13895,7 +13822,7 @@
               </a14:hiddenLine>
             </a:ext>
             <a:ext uri="{AF507438-7753-43e0-B8FC-AC1667EBCBE1}">
-              <a14:hiddenEffects xmlns="" xmlns:a14="http://schemas.microsoft.com/office/drawing/2010/main">
+              <a14:hiddenEffects xmlns:a14="http://schemas.microsoft.com/office/drawing/2010/main" xmlns="">
                 <a:effectLst>
                   <a:outerShdw blurRad="63500" dist="38099" dir="2700000" algn="ctr" rotWithShape="0">
                     <a:schemeClr val="bg2">
@@ -13943,14 +13870,14 @@
           <a:effectLst/>
           <a:extLst>
             <a:ext uri="{909E8E84-426E-40dd-AFC4-6F175D3DCCD1}">
-              <a14:hiddenFill xmlns="" xmlns:a14="http://schemas.microsoft.com/office/drawing/2010/main">
+              <a14:hiddenFill xmlns:a14="http://schemas.microsoft.com/office/drawing/2010/main" xmlns="">
                 <a:solidFill>
                   <a:schemeClr val="accent1"/>
                 </a:solidFill>
               </a14:hiddenFill>
             </a:ext>
             <a:ext uri="{91240B29-F687-4f45-9708-019B960494DF}">
-              <a14:hiddenLine xmlns="" xmlns:a14="http://schemas.microsoft.com/office/drawing/2010/main" w="9525">
+              <a14:hiddenLine xmlns:a14="http://schemas.microsoft.com/office/drawing/2010/main" xmlns="" w="9525">
                 <a:solidFill>
                   <a:schemeClr val="tx1"/>
                 </a:solidFill>
@@ -13960,7 +13887,7 @@
               </a14:hiddenLine>
             </a:ext>
             <a:ext uri="{AF507438-7753-43e0-B8FC-AC1667EBCBE1}">
-              <a14:hiddenEffects xmlns="" xmlns:a14="http://schemas.microsoft.com/office/drawing/2010/main">
+              <a14:hiddenEffects xmlns:a14="http://schemas.microsoft.com/office/drawing/2010/main" xmlns="">
                 <a:effectLst>
                   <a:outerShdw blurRad="63500" dist="38099" dir="2700000" algn="ctr" rotWithShape="0">
                     <a:schemeClr val="bg2">
@@ -14019,12 +13946,12 @@
           <a:effectLst/>
           <a:extLst>
             <a:ext uri="{909E8E84-426E-40dd-AFC4-6F175D3DCCD1}">
-              <a14:hiddenFill xmlns="" xmlns:a14="http://schemas.microsoft.com/office/drawing/2010/main">
+              <a14:hiddenFill xmlns:a14="http://schemas.microsoft.com/office/drawing/2010/main" xmlns="">
                 <a:noFill/>
               </a14:hiddenFill>
             </a:ext>
             <a:ext uri="{AF507438-7753-43e0-B8FC-AC1667EBCBE1}">
-              <a14:hiddenEffects xmlns="" xmlns:a14="http://schemas.microsoft.com/office/drawing/2010/main">
+              <a14:hiddenEffects xmlns:a14="http://schemas.microsoft.com/office/drawing/2010/main" xmlns="">
                 <a:effectLst>
                   <a:outerShdw blurRad="63500" dist="38099" dir="2700000" algn="ctr" rotWithShape="0">
                     <a:schemeClr val="bg2">
@@ -14075,14 +14002,14 @@
           <a:effectLst/>
           <a:extLst>
             <a:ext uri="{909E8E84-426E-40dd-AFC4-6F175D3DCCD1}">
-              <a14:hiddenFill xmlns="" xmlns:a14="http://schemas.microsoft.com/office/drawing/2010/main">
+              <a14:hiddenFill xmlns:a14="http://schemas.microsoft.com/office/drawing/2010/main" xmlns="">
                 <a:solidFill>
                   <a:schemeClr val="accent1"/>
                 </a:solidFill>
               </a14:hiddenFill>
             </a:ext>
             <a:ext uri="{AF507438-7753-43e0-B8FC-AC1667EBCBE1}">
-              <a14:hiddenEffects xmlns="" xmlns:a14="http://schemas.microsoft.com/office/drawing/2010/main">
+              <a14:hiddenEffects xmlns:a14="http://schemas.microsoft.com/office/drawing/2010/main" xmlns="">
                 <a:effectLst>
                   <a:outerShdw blurRad="63500" dist="38099" dir="2700000" algn="ctr" rotWithShape="0">
                     <a:schemeClr val="bg2">
@@ -14125,14 +14052,14 @@
           <a:effectLst/>
           <a:extLst>
             <a:ext uri="{909E8E84-426E-40dd-AFC4-6F175D3DCCD1}">
-              <a14:hiddenFill xmlns="" xmlns:a14="http://schemas.microsoft.com/office/drawing/2010/main">
+              <a14:hiddenFill xmlns:a14="http://schemas.microsoft.com/office/drawing/2010/main" xmlns="">
                 <a:solidFill>
                   <a:schemeClr val="accent1"/>
                 </a:solidFill>
               </a14:hiddenFill>
             </a:ext>
             <a:ext uri="{91240B29-F687-4f45-9708-019B960494DF}">
-              <a14:hiddenLine xmlns="" xmlns:a14="http://schemas.microsoft.com/office/drawing/2010/main" w="9525">
+              <a14:hiddenLine xmlns:a14="http://schemas.microsoft.com/office/drawing/2010/main" xmlns="" w="9525">
                 <a:solidFill>
                   <a:schemeClr val="tx1"/>
                 </a:solidFill>
@@ -14142,7 +14069,7 @@
               </a14:hiddenLine>
             </a:ext>
             <a:ext uri="{AF507438-7753-43e0-B8FC-AC1667EBCBE1}">
-              <a14:hiddenEffects xmlns="" xmlns:a14="http://schemas.microsoft.com/office/drawing/2010/main">
+              <a14:hiddenEffects xmlns:a14="http://schemas.microsoft.com/office/drawing/2010/main" xmlns="">
                 <a:effectLst>
                   <a:outerShdw blurRad="63500" dist="38099" dir="2700000" algn="ctr" rotWithShape="0">
                     <a:schemeClr val="bg2">
@@ -14190,14 +14117,14 @@
           <a:effectLst/>
           <a:extLst>
             <a:ext uri="{909E8E84-426E-40dd-AFC4-6F175D3DCCD1}">
-              <a14:hiddenFill xmlns="" xmlns:a14="http://schemas.microsoft.com/office/drawing/2010/main">
+              <a14:hiddenFill xmlns:a14="http://schemas.microsoft.com/office/drawing/2010/main" xmlns="">
                 <a:solidFill>
                   <a:schemeClr val="accent1"/>
                 </a:solidFill>
               </a14:hiddenFill>
             </a:ext>
             <a:ext uri="{91240B29-F687-4f45-9708-019B960494DF}">
-              <a14:hiddenLine xmlns="" xmlns:a14="http://schemas.microsoft.com/office/drawing/2010/main" w="9525">
+              <a14:hiddenLine xmlns:a14="http://schemas.microsoft.com/office/drawing/2010/main" xmlns="" w="9525">
                 <a:solidFill>
                   <a:schemeClr val="tx1"/>
                 </a:solidFill>
@@ -14207,7 +14134,7 @@
               </a14:hiddenLine>
             </a:ext>
             <a:ext uri="{AF507438-7753-43e0-B8FC-AC1667EBCBE1}">
-              <a14:hiddenEffects xmlns="" xmlns:a14="http://schemas.microsoft.com/office/drawing/2010/main">
+              <a14:hiddenEffects xmlns:a14="http://schemas.microsoft.com/office/drawing/2010/main" xmlns="">
                 <a:effectLst>
                   <a:outerShdw blurRad="63500" dist="38099" dir="2700000" algn="ctr" rotWithShape="0">
                     <a:schemeClr val="bg2">
@@ -14271,7 +14198,7 @@
           </a:ln>
           <a:extLst>
             <a:ext uri="{909E8E84-426E-40dd-AFC4-6F175D3DCCD1}">
-              <a14:hiddenFill xmlns="" xmlns:a14="http://schemas.microsoft.com/office/drawing/2010/main">
+              <a14:hiddenFill xmlns:a14="http://schemas.microsoft.com/office/drawing/2010/main" xmlns="">
                 <a:solidFill>
                   <a:schemeClr val="accent1"/>
                 </a:solidFill>
@@ -14292,13 +14219,6 @@
   <p:clrMapOvr>
     <a:masterClrMapping/>
   </p:clrMapOvr>
-  <p:timing>
-    <p:tnLst>
-      <p:par>
-        <p:cTn id="1" dur="indefinite" restart="never" nodeType="tmRoot"/>
-      </p:par>
-    </p:tnLst>
-  </p:timing>
 </p:sld>
 </file>
 
@@ -14381,59 +14301,29 @@
             <a:pPr lvl="1"/>
             <a:r>
               <a:rPr lang="en-US" sz="2200" dirty="0"/>
-              <a:t>d</a:t>
-            </a:r>
-            <a:r>
-              <a:rPr lang="en-US" sz="2200" dirty="0" smtClean="0"/>
-              <a:t>ynamic type </a:t>
-            </a:r>
+              <a:t>dynamic type systems - type systems where the system automatically recognizes the type of a variable or constant</a:t>
+            </a:r>
+          </a:p>
+          <a:p>
+            <a:pPr lvl="2"/>
+            <a:r>
+              <a:rPr lang="en-US" sz="1900" dirty="0"/>
+              <a:t>e.g. Python, Haskell, JavaScript</a:t>
+            </a:r>
+          </a:p>
+          <a:p>
+            <a:pPr lvl="1"/>
             <a:r>
               <a:rPr lang="en-US" sz="2200" dirty="0"/>
-              <a:t>systems - type systems where the system automatically recognizes the type of a variable or </a:t>
-            </a:r>
-            <a:r>
-              <a:rPr lang="en-US" sz="2200" dirty="0" smtClean="0"/>
-              <a:t>constant</a:t>
+              <a:t>static type systems - type systems where the user has to explicitly declare the type of variables and sometimes constants </a:t>
             </a:r>
           </a:p>
           <a:p>
             <a:pPr lvl="2"/>
             <a:r>
-              <a:rPr lang="en-US" sz="1900" dirty="0" smtClean="0"/>
-              <a:t>e.g. Python, Haskell, JavaScript</a:t>
-            </a:r>
-            <a:endParaRPr lang="en-US" sz="1900" dirty="0"/>
-          </a:p>
-          <a:p>
-            <a:pPr lvl="1"/>
-            <a:r>
-              <a:rPr lang="en-US" sz="2200" dirty="0" smtClean="0"/>
-              <a:t>static type </a:t>
-            </a:r>
-            <a:r>
-              <a:rPr lang="en-US" sz="2200" dirty="0"/>
-              <a:t>systems - type systems where the user has to explicitly declare the type of variables </a:t>
-            </a:r>
-            <a:r>
-              <a:rPr lang="en-US" sz="2200" dirty="0" smtClean="0"/>
-              <a:t>and </a:t>
-            </a:r>
-            <a:r>
-              <a:rPr lang="en-US" sz="2200" dirty="0"/>
-              <a:t>sometimes </a:t>
-            </a:r>
-            <a:r>
-              <a:rPr lang="en-US" sz="2200" dirty="0" smtClean="0"/>
-              <a:t>constants </a:t>
-            </a:r>
-          </a:p>
-          <a:p>
-            <a:pPr lvl="2"/>
-            <a:r>
-              <a:rPr lang="en-US" sz="1900" dirty="0" smtClean="0"/>
+              <a:rPr lang="en-US" sz="1900" dirty="0"/>
               <a:t>e.g. Java, C, C++</a:t>
             </a:r>
-            <a:endParaRPr lang="en-US" sz="1900" dirty="0"/>
           </a:p>
         </p:txBody>
       </p:sp>
@@ -14442,13 +14332,6 @@
   <p:clrMapOvr>
     <a:masterClrMapping/>
   </p:clrMapOvr>
-  <p:timing>
-    <p:tnLst>
-      <p:par>
-        <p:cTn id="1" dur="indefinite" restart="never" nodeType="tmRoot"/>
-      </p:par>
-    </p:tnLst>
-  </p:timing>
 </p:sld>
 </file>
 
@@ -14589,7 +14472,7 @@
               <a:t>runtime</a:t>
             </a:r>
             <a:r>
-              <a:rPr lang="en-US" sz="2200" dirty="0" smtClean="0"/>
+              <a:rPr lang="en-US" sz="2200" dirty="0"/>
               <a:t>.</a:t>
             </a:r>
           </a:p>
@@ -14600,7 +14483,7 @@
               </a:lnSpc>
             </a:pPr>
             <a:r>
-              <a:rPr lang="en-US" sz="2600" dirty="0" smtClean="0"/>
+              <a:rPr lang="en-US" sz="2600" dirty="0"/>
               <a:t>Languages with a static type system can be type checked dynamically and statically</a:t>
             </a:r>
           </a:p>
@@ -14611,7 +14494,7 @@
               </a:lnSpc>
             </a:pPr>
             <a:r>
-              <a:rPr lang="en-US" sz="2600" dirty="0" smtClean="0"/>
+              <a:rPr lang="en-US" sz="2600" dirty="0"/>
               <a:t>Languages with a dynamic type system can only be type checked dynamically</a:t>
             </a:r>
           </a:p>
@@ -14622,22 +14505,21 @@
               </a:lnSpc>
             </a:pPr>
             <a:r>
-              <a:rPr lang="en-US" sz="2600" dirty="0" smtClean="0"/>
+              <a:rPr lang="en-US" sz="2600" dirty="0"/>
               <a:t>New research: </a:t>
             </a:r>
             <a:r>
-              <a:rPr lang="en-US" sz="2600" u="sng" dirty="0" smtClean="0"/>
+              <a:rPr lang="en-US" sz="2600" u="sng" dirty="0"/>
               <a:t>gradual typing </a:t>
             </a:r>
             <a:r>
-              <a:rPr lang="mr-IN" sz="2600" dirty="0" smtClean="0"/>
+              <a:rPr lang="mr-IN" sz="2600" dirty="0"/>
               <a:t>–</a:t>
             </a:r>
             <a:r>
-              <a:rPr lang="en-US" sz="2600" dirty="0" smtClean="0"/>
+              <a:rPr lang="en-US" sz="2600" dirty="0"/>
               <a:t> type check as much as possible statically and then do the rest dynamical.</a:t>
             </a:r>
-            <a:endParaRPr lang="en-US" sz="2600" dirty="0"/>
           </a:p>
         </p:txBody>
       </p:sp>
@@ -14646,13 +14528,6 @@
   <p:clrMapOvr>
     <a:masterClrMapping/>
   </p:clrMapOvr>
-  <p:timing>
-    <p:tnLst>
-      <p:par>
-        <p:cTn id="1" dur="indefinite" restart="never" nodeType="tmRoot"/>
-      </p:par>
-    </p:tnLst>
-  </p:timing>
 </p:sld>
 </file>
 
@@ -14723,14 +14598,14 @@
           <a:effectLst/>
           <a:extLst>
             <a:ext uri="{909E8E84-426E-40dd-AFC4-6F175D3DCCD1}">
-              <a14:hiddenFill xmlns="" xmlns:a14="http://schemas.microsoft.com/office/drawing/2010/main">
+              <a14:hiddenFill xmlns:a14="http://schemas.microsoft.com/office/drawing/2010/main" xmlns="">
                 <a:solidFill>
                   <a:schemeClr val="accent1"/>
                 </a:solidFill>
               </a14:hiddenFill>
             </a:ext>
             <a:ext uri="{AF507438-7753-43e0-B8FC-AC1667EBCBE1}">
-              <a14:hiddenEffects xmlns="" xmlns:a14="http://schemas.microsoft.com/office/drawing/2010/main">
+              <a14:hiddenEffects xmlns:a14="http://schemas.microsoft.com/office/drawing/2010/main" xmlns="">
                 <a:effectLst>
                   <a:outerShdw blurRad="63500" dist="38099" dir="2700000" algn="ctr" rotWithShape="0">
                     <a:schemeClr val="bg2">
@@ -14778,14 +14653,14 @@
           <a:effectLst/>
           <a:extLst>
             <a:ext uri="{909E8E84-426E-40dd-AFC4-6F175D3DCCD1}">
-              <a14:hiddenFill xmlns="" xmlns:a14="http://schemas.microsoft.com/office/drawing/2010/main">
+              <a14:hiddenFill xmlns:a14="http://schemas.microsoft.com/office/drawing/2010/main" xmlns="">
                 <a:solidFill>
                   <a:schemeClr val="accent1"/>
                 </a:solidFill>
               </a14:hiddenFill>
             </a:ext>
             <a:ext uri="{91240B29-F687-4f45-9708-019B960494DF}">
-              <a14:hiddenLine xmlns="" xmlns:a14="http://schemas.microsoft.com/office/drawing/2010/main" w="9525">
+              <a14:hiddenLine xmlns:a14="http://schemas.microsoft.com/office/drawing/2010/main" xmlns="" w="9525">
                 <a:solidFill>
                   <a:schemeClr val="tx1"/>
                 </a:solidFill>
@@ -14795,7 +14670,7 @@
               </a14:hiddenLine>
             </a:ext>
             <a:ext uri="{AF507438-7753-43e0-B8FC-AC1667EBCBE1}">
-              <a14:hiddenEffects xmlns="" xmlns:a14="http://schemas.microsoft.com/office/drawing/2010/main">
+              <a14:hiddenEffects xmlns:a14="http://schemas.microsoft.com/office/drawing/2010/main" xmlns="">
                 <a:effectLst>
                   <a:outerShdw blurRad="63500" dist="38099" dir="2700000" algn="ctr" rotWithShape="0">
                     <a:schemeClr val="bg2">
@@ -14911,13 +14786,6 @@
   <p:clrMapOvr>
     <a:masterClrMapping/>
   </p:clrMapOvr>
-  <p:timing>
-    <p:tnLst>
-      <p:par>
-        <p:cTn id="1" dur="indefinite" restart="never" nodeType="tmRoot"/>
-      </p:par>
-    </p:tnLst>
-  </p:timing>
 </p:sld>
 </file>
 
@@ -14988,14 +14856,14 @@
           <a:effectLst/>
           <a:extLst>
             <a:ext uri="{909E8E84-426E-40dd-AFC4-6F175D3DCCD1}">
-              <a14:hiddenFill xmlns="" xmlns:a14="http://schemas.microsoft.com/office/drawing/2010/main">
+              <a14:hiddenFill xmlns:a14="http://schemas.microsoft.com/office/drawing/2010/main" xmlns="">
                 <a:solidFill>
                   <a:schemeClr val="accent1"/>
                 </a:solidFill>
               </a14:hiddenFill>
             </a:ext>
             <a:ext uri="{AF507438-7753-43e0-B8FC-AC1667EBCBE1}">
-              <a14:hiddenEffects xmlns="" xmlns:a14="http://schemas.microsoft.com/office/drawing/2010/main">
+              <a14:hiddenEffects xmlns:a14="http://schemas.microsoft.com/office/drawing/2010/main" xmlns="">
                 <a:effectLst>
                   <a:outerShdw blurRad="63500" dist="38099" dir="2700000" algn="ctr" rotWithShape="0">
                     <a:schemeClr val="bg2">
@@ -15114,14 +14982,14 @@
             <a:effectLst/>
             <a:extLst>
               <a:ext uri="{909E8E84-426E-40dd-AFC4-6F175D3DCCD1}">
-                <a14:hiddenFill xmlns="" xmlns:a14="http://schemas.microsoft.com/office/drawing/2010/main">
+                <a14:hiddenFill xmlns:a14="http://schemas.microsoft.com/office/drawing/2010/main" xmlns="">
                   <a:solidFill>
                     <a:schemeClr val="accent1"/>
                   </a:solidFill>
                 </a14:hiddenFill>
               </a:ext>
               <a:ext uri="{91240B29-F687-4f45-9708-019B960494DF}">
-                <a14:hiddenLine xmlns="" xmlns:a14="http://schemas.microsoft.com/office/drawing/2010/main" w="9525">
+                <a14:hiddenLine xmlns:a14="http://schemas.microsoft.com/office/drawing/2010/main" xmlns="" w="9525">
                   <a:solidFill>
                     <a:schemeClr val="tx1"/>
                   </a:solidFill>
@@ -15131,7 +14999,7 @@
                 </a14:hiddenLine>
               </a:ext>
               <a:ext uri="{AF507438-7753-43e0-B8FC-AC1667EBCBE1}">
-                <a14:hiddenEffects xmlns="" xmlns:a14="http://schemas.microsoft.com/office/drawing/2010/main">
+                <a14:hiddenEffects xmlns:a14="http://schemas.microsoft.com/office/drawing/2010/main" xmlns="">
                   <a:effectLst>
                     <a:outerShdw blurRad="63500" dist="38099" dir="2700000" algn="ctr" rotWithShape="0">
                       <a:schemeClr val="bg2">
@@ -15197,14 +15065,14 @@
             <a:effectLst/>
             <a:extLst>
               <a:ext uri="{909E8E84-426E-40dd-AFC4-6F175D3DCCD1}">
-                <a14:hiddenFill xmlns="" xmlns:a14="http://schemas.microsoft.com/office/drawing/2010/main">
+                <a14:hiddenFill xmlns:a14="http://schemas.microsoft.com/office/drawing/2010/main" xmlns="">
                   <a:solidFill>
                     <a:schemeClr val="accent1"/>
                   </a:solidFill>
                 </a14:hiddenFill>
               </a:ext>
               <a:ext uri="{AF507438-7753-43e0-B8FC-AC1667EBCBE1}">
-                <a14:hiddenEffects xmlns="" xmlns:a14="http://schemas.microsoft.com/office/drawing/2010/main">
+                <a14:hiddenEffects xmlns:a14="http://schemas.microsoft.com/office/drawing/2010/main" xmlns="">
                   <a:effectLst>
                     <a:outerShdw blurRad="63500" dist="38099" dir="2700000" algn="ctr" rotWithShape="0">
                       <a:schemeClr val="bg2">
@@ -15247,14 +15115,14 @@
             <a:effectLst/>
             <a:extLst>
               <a:ext uri="{909E8E84-426E-40dd-AFC4-6F175D3DCCD1}">
-                <a14:hiddenFill xmlns="" xmlns:a14="http://schemas.microsoft.com/office/drawing/2010/main">
+                <a14:hiddenFill xmlns:a14="http://schemas.microsoft.com/office/drawing/2010/main" xmlns="">
                   <a:solidFill>
                     <a:schemeClr val="accent1"/>
                   </a:solidFill>
                 </a14:hiddenFill>
               </a:ext>
               <a:ext uri="{91240B29-F687-4f45-9708-019B960494DF}">
-                <a14:hiddenLine xmlns="" xmlns:a14="http://schemas.microsoft.com/office/drawing/2010/main" w="9525">
+                <a14:hiddenLine xmlns:a14="http://schemas.microsoft.com/office/drawing/2010/main" xmlns="" w="9525">
                   <a:solidFill>
                     <a:schemeClr val="tx1"/>
                   </a:solidFill>
@@ -15264,7 +15132,7 @@
                 </a14:hiddenLine>
               </a:ext>
               <a:ext uri="{AF507438-7753-43e0-B8FC-AC1667EBCBE1}">
-                <a14:hiddenEffects xmlns="" xmlns:a14="http://schemas.microsoft.com/office/drawing/2010/main">
+                <a14:hiddenEffects xmlns:a14="http://schemas.microsoft.com/office/drawing/2010/main" xmlns="">
                   <a:effectLst>
                     <a:outerShdw blurRad="63500" dist="38099" dir="2700000" algn="ctr" rotWithShape="0">
                       <a:schemeClr val="bg2">
@@ -15334,14 +15202,14 @@
             <a:effectLst/>
             <a:extLst>
               <a:ext uri="{909E8E84-426E-40dd-AFC4-6F175D3DCCD1}">
-                <a14:hiddenFill xmlns="" xmlns:a14="http://schemas.microsoft.com/office/drawing/2010/main">
+                <a14:hiddenFill xmlns:a14="http://schemas.microsoft.com/office/drawing/2010/main" xmlns="">
                   <a:solidFill>
                     <a:schemeClr val="accent1"/>
                   </a:solidFill>
                 </a14:hiddenFill>
               </a:ext>
               <a:ext uri="{AF507438-7753-43e0-B8FC-AC1667EBCBE1}">
-                <a14:hiddenEffects xmlns="" xmlns:a14="http://schemas.microsoft.com/office/drawing/2010/main">
+                <a14:hiddenEffects xmlns:a14="http://schemas.microsoft.com/office/drawing/2010/main" xmlns="">
                   <a:effectLst>
                     <a:outerShdw blurRad="63500" dist="38099" dir="2700000" algn="ctr" rotWithShape="0">
                       <a:schemeClr val="bg2">
@@ -15384,14 +15252,14 @@
             <a:effectLst/>
             <a:extLst>
               <a:ext uri="{909E8E84-426E-40dd-AFC4-6F175D3DCCD1}">
-                <a14:hiddenFill xmlns="" xmlns:a14="http://schemas.microsoft.com/office/drawing/2010/main">
+                <a14:hiddenFill xmlns:a14="http://schemas.microsoft.com/office/drawing/2010/main" xmlns="">
                   <a:solidFill>
                     <a:schemeClr val="accent1"/>
                   </a:solidFill>
                 </a14:hiddenFill>
               </a:ext>
               <a:ext uri="{91240B29-F687-4f45-9708-019B960494DF}">
-                <a14:hiddenLine xmlns="" xmlns:a14="http://schemas.microsoft.com/office/drawing/2010/main" w="9525">
+                <a14:hiddenLine xmlns:a14="http://schemas.microsoft.com/office/drawing/2010/main" xmlns="" w="9525">
                   <a:solidFill>
                     <a:schemeClr val="tx1"/>
                   </a:solidFill>
@@ -15401,7 +15269,7 @@
                 </a14:hiddenLine>
               </a:ext>
               <a:ext uri="{AF507438-7753-43e0-B8FC-AC1667EBCBE1}">
-                <a14:hiddenEffects xmlns="" xmlns:a14="http://schemas.microsoft.com/office/drawing/2010/main">
+                <a14:hiddenEffects xmlns:a14="http://schemas.microsoft.com/office/drawing/2010/main" xmlns="">
                   <a:effectLst>
                     <a:outerShdw blurRad="63500" dist="38099" dir="2700000" algn="ctr" rotWithShape="0">
                       <a:schemeClr val="bg2">
@@ -15636,14 +15504,14 @@
           <a:effectLst/>
           <a:extLst>
             <a:ext uri="{909E8E84-426E-40dd-AFC4-6F175D3DCCD1}">
-              <a14:hiddenFill xmlns="" xmlns:a14="http://schemas.microsoft.com/office/drawing/2010/main">
+              <a14:hiddenFill xmlns:a14="http://schemas.microsoft.com/office/drawing/2010/main" xmlns="">
                 <a:solidFill>
                   <a:schemeClr val="accent1"/>
                 </a:solidFill>
               </a14:hiddenFill>
             </a:ext>
             <a:ext uri="{91240B29-F687-4f45-9708-019B960494DF}">
-              <a14:hiddenLine xmlns="" xmlns:a14="http://schemas.microsoft.com/office/drawing/2010/main" w="9525">
+              <a14:hiddenLine xmlns:a14="http://schemas.microsoft.com/office/drawing/2010/main" xmlns="" w="9525">
                 <a:solidFill>
                   <a:schemeClr val="tx1"/>
                 </a:solidFill>
@@ -15653,7 +15521,7 @@
               </a14:hiddenLine>
             </a:ext>
             <a:ext uri="{AF507438-7753-43e0-B8FC-AC1667EBCBE1}">
-              <a14:hiddenEffects xmlns="" xmlns:a14="http://schemas.microsoft.com/office/drawing/2010/main">
+              <a14:hiddenEffects xmlns:a14="http://schemas.microsoft.com/office/drawing/2010/main" xmlns="">
                 <a:effectLst>
                   <a:outerShdw blurRad="63500" dist="38099" dir="2700000" algn="ctr" rotWithShape="0">
                     <a:schemeClr val="bg2">
@@ -15702,14 +15570,14 @@
           <a:effectLst/>
           <a:extLst>
             <a:ext uri="{909E8E84-426E-40dd-AFC4-6F175D3DCCD1}">
-              <a14:hiddenFill xmlns="" xmlns:a14="http://schemas.microsoft.com/office/drawing/2010/main">
+              <a14:hiddenFill xmlns:a14="http://schemas.microsoft.com/office/drawing/2010/main" xmlns="">
                 <a:solidFill>
                   <a:schemeClr val="accent1"/>
                 </a:solidFill>
               </a14:hiddenFill>
             </a:ext>
             <a:ext uri="{91240B29-F687-4f45-9708-019B960494DF}">
-              <a14:hiddenLine xmlns="" xmlns:a14="http://schemas.microsoft.com/office/drawing/2010/main" w="9525">
+              <a14:hiddenLine xmlns:a14="http://schemas.microsoft.com/office/drawing/2010/main" xmlns="" w="9525">
                 <a:solidFill>
                   <a:schemeClr val="tx1"/>
                 </a:solidFill>
@@ -15719,7 +15587,7 @@
               </a14:hiddenLine>
             </a:ext>
             <a:ext uri="{AF507438-7753-43e0-B8FC-AC1667EBCBE1}">
-              <a14:hiddenEffects xmlns="" xmlns:a14="http://schemas.microsoft.com/office/drawing/2010/main">
+              <a14:hiddenEffects xmlns:a14="http://schemas.microsoft.com/office/drawing/2010/main" xmlns="">
                 <a:effectLst>
                   <a:outerShdw blurRad="63500" dist="38099" dir="2700000" algn="ctr" rotWithShape="0">
                     <a:schemeClr val="bg2">
@@ -15784,14 +15652,14 @@
           <a:effectLst/>
           <a:extLst>
             <a:ext uri="{909E8E84-426E-40dd-AFC4-6F175D3DCCD1}">
-              <a14:hiddenFill xmlns="" xmlns:a14="http://schemas.microsoft.com/office/drawing/2010/main">
+              <a14:hiddenFill xmlns:a14="http://schemas.microsoft.com/office/drawing/2010/main" xmlns="">
                 <a:solidFill>
                   <a:schemeClr val="accent1"/>
                 </a:solidFill>
               </a14:hiddenFill>
             </a:ext>
             <a:ext uri="{AF507438-7753-43e0-B8FC-AC1667EBCBE1}">
-              <a14:hiddenEffects xmlns="" xmlns:a14="http://schemas.microsoft.com/office/drawing/2010/main">
+              <a14:hiddenEffects xmlns:a14="http://schemas.microsoft.com/office/drawing/2010/main" xmlns="">
                 <a:effectLst>
                   <a:outerShdw blurRad="63500" dist="38099" dir="2700000" algn="ctr" rotWithShape="0">
                     <a:schemeClr val="bg2">
@@ -15834,14 +15702,14 @@
           <a:effectLst/>
           <a:extLst>
             <a:ext uri="{909E8E84-426E-40dd-AFC4-6F175D3DCCD1}">
-              <a14:hiddenFill xmlns="" xmlns:a14="http://schemas.microsoft.com/office/drawing/2010/main">
+              <a14:hiddenFill xmlns:a14="http://schemas.microsoft.com/office/drawing/2010/main" xmlns="">
                 <a:solidFill>
                   <a:schemeClr val="accent1"/>
                 </a:solidFill>
               </a14:hiddenFill>
             </a:ext>
             <a:ext uri="{91240B29-F687-4f45-9708-019B960494DF}">
-              <a14:hiddenLine xmlns="" xmlns:a14="http://schemas.microsoft.com/office/drawing/2010/main" w="9525">
+              <a14:hiddenLine xmlns:a14="http://schemas.microsoft.com/office/drawing/2010/main" xmlns="" w="9525">
                 <a:solidFill>
                   <a:schemeClr val="tx1"/>
                 </a:solidFill>
@@ -15851,7 +15719,7 @@
               </a14:hiddenLine>
             </a:ext>
             <a:ext uri="{AF507438-7753-43e0-B8FC-AC1667EBCBE1}">
-              <a14:hiddenEffects xmlns="" xmlns:a14="http://schemas.microsoft.com/office/drawing/2010/main">
+              <a14:hiddenEffects xmlns:a14="http://schemas.microsoft.com/office/drawing/2010/main" xmlns="">
                 <a:effectLst>
                   <a:outerShdw blurRad="63500" dist="38099" dir="2700000" algn="ctr" rotWithShape="0">
                     <a:schemeClr val="bg2">
@@ -15901,13 +15769,6 @@
   <p:clrMapOvr>
     <a:masterClrMapping/>
   </p:clrMapOvr>
-  <p:timing>
-    <p:tnLst>
-      <p:par>
-        <p:cTn id="1" dur="indefinite" restart="never" nodeType="tmRoot"/>
-      </p:par>
-    </p:tnLst>
-  </p:timing>
 </p:sld>
 </file>
 
@@ -15973,14 +15834,14 @@
           <a:effectLst/>
           <a:extLst>
             <a:ext uri="{909E8E84-426E-40dd-AFC4-6F175D3DCCD1}">
-              <a14:hiddenFill xmlns="" xmlns:a14="http://schemas.microsoft.com/office/drawing/2010/main">
+              <a14:hiddenFill xmlns:a14="http://schemas.microsoft.com/office/drawing/2010/main" xmlns="">
                 <a:solidFill>
                   <a:schemeClr val="accent1"/>
                 </a:solidFill>
               </a14:hiddenFill>
             </a:ext>
             <a:ext uri="{91240B29-F687-4f45-9708-019B960494DF}">
-              <a14:hiddenLine xmlns="" xmlns:a14="http://schemas.microsoft.com/office/drawing/2010/main" w="9525">
+              <a14:hiddenLine xmlns:a14="http://schemas.microsoft.com/office/drawing/2010/main" xmlns="" w="9525">
                 <a:solidFill>
                   <a:schemeClr val="tx1"/>
                 </a:solidFill>
@@ -15990,7 +15851,7 @@
               </a14:hiddenLine>
             </a:ext>
             <a:ext uri="{AF507438-7753-43e0-B8FC-AC1667EBCBE1}">
-              <a14:hiddenEffects xmlns="" xmlns:a14="http://schemas.microsoft.com/office/drawing/2010/main">
+              <a14:hiddenEffects xmlns:a14="http://schemas.microsoft.com/office/drawing/2010/main" xmlns="">
                 <a:effectLst>
                   <a:outerShdw blurRad="63500" dist="38099" dir="2700000" algn="ctr" rotWithShape="0">
                     <a:schemeClr val="bg2">
@@ -16039,14 +15900,14 @@
           <a:effectLst/>
           <a:extLst>
             <a:ext uri="{909E8E84-426E-40dd-AFC4-6F175D3DCCD1}">
-              <a14:hiddenFill xmlns="" xmlns:a14="http://schemas.microsoft.com/office/drawing/2010/main">
+              <a14:hiddenFill xmlns:a14="http://schemas.microsoft.com/office/drawing/2010/main" xmlns="">
                 <a:solidFill>
                   <a:schemeClr val="accent1"/>
                 </a:solidFill>
               </a14:hiddenFill>
             </a:ext>
             <a:ext uri="{91240B29-F687-4f45-9708-019B960494DF}">
-              <a14:hiddenLine xmlns="" xmlns:a14="http://schemas.microsoft.com/office/drawing/2010/main" w="9525">
+              <a14:hiddenLine xmlns:a14="http://schemas.microsoft.com/office/drawing/2010/main" xmlns="" w="9525">
                 <a:solidFill>
                   <a:schemeClr val="tx1"/>
                 </a:solidFill>
@@ -16056,7 +15917,7 @@
               </a14:hiddenLine>
             </a:ext>
             <a:ext uri="{AF507438-7753-43e0-B8FC-AC1667EBCBE1}">
-              <a14:hiddenEffects xmlns="" xmlns:a14="http://schemas.microsoft.com/office/drawing/2010/main">
+              <a14:hiddenEffects xmlns:a14="http://schemas.microsoft.com/office/drawing/2010/main" xmlns="">
                 <a:effectLst>
                   <a:outerShdw blurRad="63500" dist="38099" dir="2700000" algn="ctr" rotWithShape="0">
                     <a:schemeClr val="bg2">
@@ -16112,14 +15973,14 @@
           <a:effectLst/>
           <a:extLst>
             <a:ext uri="{909E8E84-426E-40dd-AFC4-6F175D3DCCD1}">
-              <a14:hiddenFill xmlns="" xmlns:a14="http://schemas.microsoft.com/office/drawing/2010/main">
+              <a14:hiddenFill xmlns:a14="http://schemas.microsoft.com/office/drawing/2010/main" xmlns="">
                 <a:solidFill>
                   <a:schemeClr val="accent1"/>
                 </a:solidFill>
               </a14:hiddenFill>
             </a:ext>
             <a:ext uri="{AF507438-7753-43e0-B8FC-AC1667EBCBE1}">
-              <a14:hiddenEffects xmlns="" xmlns:a14="http://schemas.microsoft.com/office/drawing/2010/main">
+              <a14:hiddenEffects xmlns:a14="http://schemas.microsoft.com/office/drawing/2010/main" xmlns="">
                 <a:effectLst>
                   <a:outerShdw blurRad="63500" dist="38099" dir="2700000" algn="ctr" rotWithShape="0">
                     <a:schemeClr val="bg2">
@@ -16162,14 +16023,14 @@
           <a:effectLst/>
           <a:extLst>
             <a:ext uri="{909E8E84-426E-40dd-AFC4-6F175D3DCCD1}">
-              <a14:hiddenFill xmlns="" xmlns:a14="http://schemas.microsoft.com/office/drawing/2010/main">
+              <a14:hiddenFill xmlns:a14="http://schemas.microsoft.com/office/drawing/2010/main" xmlns="">
                 <a:solidFill>
                   <a:schemeClr val="accent1"/>
                 </a:solidFill>
               </a14:hiddenFill>
             </a:ext>
             <a:ext uri="{91240B29-F687-4f45-9708-019B960494DF}">
-              <a14:hiddenLine xmlns="" xmlns:a14="http://schemas.microsoft.com/office/drawing/2010/main" w="9525">
+              <a14:hiddenLine xmlns:a14="http://schemas.microsoft.com/office/drawing/2010/main" xmlns="" w="9525">
                 <a:solidFill>
                   <a:schemeClr val="tx1"/>
                 </a:solidFill>
@@ -16179,7 +16040,7 @@
               </a14:hiddenLine>
             </a:ext>
             <a:ext uri="{AF507438-7753-43e0-B8FC-AC1667EBCBE1}">
-              <a14:hiddenEffects xmlns="" xmlns:a14="http://schemas.microsoft.com/office/drawing/2010/main">
+              <a14:hiddenEffects xmlns:a14="http://schemas.microsoft.com/office/drawing/2010/main" xmlns="">
                 <a:effectLst>
                   <a:outerShdw blurRad="63500" dist="38099" dir="2700000" algn="ctr" rotWithShape="0">
                     <a:schemeClr val="bg2">
@@ -16234,14 +16095,14 @@
           <a:effectLst/>
           <a:extLst>
             <a:ext uri="{909E8E84-426E-40dd-AFC4-6F175D3DCCD1}">
-              <a14:hiddenFill xmlns="" xmlns:a14="http://schemas.microsoft.com/office/drawing/2010/main">
+              <a14:hiddenFill xmlns:a14="http://schemas.microsoft.com/office/drawing/2010/main" xmlns="">
                 <a:solidFill>
                   <a:schemeClr val="accent1"/>
                 </a:solidFill>
               </a14:hiddenFill>
             </a:ext>
             <a:ext uri="{91240B29-F687-4f45-9708-019B960494DF}">
-              <a14:hiddenLine xmlns="" xmlns:a14="http://schemas.microsoft.com/office/drawing/2010/main" w="9525">
+              <a14:hiddenLine xmlns:a14="http://schemas.microsoft.com/office/drawing/2010/main" xmlns="" w="9525">
                 <a:solidFill>
                   <a:schemeClr val="tx1"/>
                 </a:solidFill>
@@ -16251,7 +16112,7 @@
               </a14:hiddenLine>
             </a:ext>
             <a:ext uri="{AF507438-7753-43e0-B8FC-AC1667EBCBE1}">
-              <a14:hiddenEffects xmlns="" xmlns:a14="http://schemas.microsoft.com/office/drawing/2010/main">
+              <a14:hiddenEffects xmlns:a14="http://schemas.microsoft.com/office/drawing/2010/main" xmlns="">
                 <a:effectLst>
                   <a:outerShdw blurRad="63500" dist="38099" dir="2700000" algn="ctr" rotWithShape="0">
                     <a:schemeClr val="bg2">
@@ -16304,14 +16165,14 @@
           </a:ln>
           <a:extLst>
             <a:ext uri="{909E8E84-426E-40dd-AFC4-6F175D3DCCD1}">
-              <a14:hiddenFill xmlns="" xmlns:a14="http://schemas.microsoft.com/office/drawing/2010/main">
+              <a14:hiddenFill xmlns:a14="http://schemas.microsoft.com/office/drawing/2010/main" xmlns="">
                 <a:solidFill>
                   <a:schemeClr val="accent1"/>
                 </a:solidFill>
               </a14:hiddenFill>
             </a:ext>
             <a:ext uri="{91240B29-F687-4f45-9708-019B960494DF}">
-              <a14:hiddenLine xmlns="" xmlns:a14="http://schemas.microsoft.com/office/drawing/2010/main" w="9525">
+              <a14:hiddenLine xmlns:a14="http://schemas.microsoft.com/office/drawing/2010/main" xmlns="" w="9525">
                 <a:solidFill>
                   <a:schemeClr val="tx1"/>
                 </a:solidFill>
@@ -16340,13 +16201,6 @@
   <p:clrMapOvr>
     <a:masterClrMapping/>
   </p:clrMapOvr>
-  <p:timing>
-    <p:tnLst>
-      <p:par>
-        <p:cTn id="1" dur="indefinite" restart="never" nodeType="tmRoot"/>
-      </p:par>
-    </p:tnLst>
-  </p:timing>
 </p:sld>
 </file>
 
@@ -16427,13 +16281,6 @@
   <p:clrMapOvr>
     <a:masterClrMapping/>
   </p:clrMapOvr>
-  <p:timing>
-    <p:tnLst>
-      <p:par>
-        <p:cTn id="1" dur="indefinite" restart="never" nodeType="tmRoot"/>
-      </p:par>
-    </p:tnLst>
-  </p:timing>
 </p:sld>
 </file>
 
@@ -16504,14 +16351,14 @@
           <a:effectLst/>
           <a:extLst>
             <a:ext uri="{909E8E84-426E-40dd-AFC4-6F175D3DCCD1}">
-              <a14:hiddenFill xmlns="" xmlns:a14="http://schemas.microsoft.com/office/drawing/2010/main">
+              <a14:hiddenFill xmlns:a14="http://schemas.microsoft.com/office/drawing/2010/main" xmlns="">
                 <a:solidFill>
                   <a:schemeClr val="accent1"/>
                 </a:solidFill>
               </a14:hiddenFill>
             </a:ext>
             <a:ext uri="{AF507438-7753-43e0-B8FC-AC1667EBCBE1}">
-              <a14:hiddenEffects xmlns="" xmlns:a14="http://schemas.microsoft.com/office/drawing/2010/main">
+              <a14:hiddenEffects xmlns:a14="http://schemas.microsoft.com/office/drawing/2010/main" xmlns="">
                 <a:effectLst>
                   <a:outerShdw blurRad="63500" dist="38099" dir="2700000" algn="ctr" rotWithShape="0">
                     <a:schemeClr val="bg2">
@@ -16580,14 +16427,14 @@
           <a:effectLst/>
           <a:extLst>
             <a:ext uri="{909E8E84-426E-40dd-AFC4-6F175D3DCCD1}">
-              <a14:hiddenFill xmlns="" xmlns:a14="http://schemas.microsoft.com/office/drawing/2010/main">
+              <a14:hiddenFill xmlns:a14="http://schemas.microsoft.com/office/drawing/2010/main" xmlns="">
                 <a:solidFill>
                   <a:schemeClr val="accent1"/>
                 </a:solidFill>
               </a14:hiddenFill>
             </a:ext>
             <a:ext uri="{91240B29-F687-4f45-9708-019B960494DF}">
-              <a14:hiddenLine xmlns="" xmlns:a14="http://schemas.microsoft.com/office/drawing/2010/main" w="9525">
+              <a14:hiddenLine xmlns:a14="http://schemas.microsoft.com/office/drawing/2010/main" xmlns="" w="9525">
                 <a:solidFill>
                   <a:schemeClr val="tx1"/>
                 </a:solidFill>
@@ -16597,7 +16444,7 @@
               </a14:hiddenLine>
             </a:ext>
             <a:ext uri="{AF507438-7753-43e0-B8FC-AC1667EBCBE1}">
-              <a14:hiddenEffects xmlns="" xmlns:a14="http://schemas.microsoft.com/office/drawing/2010/main">
+              <a14:hiddenEffects xmlns:a14="http://schemas.microsoft.com/office/drawing/2010/main" xmlns="">
                 <a:effectLst>
                   <a:outerShdw blurRad="63500" dist="38099" dir="2700000" algn="ctr" rotWithShape="0">
                     <a:schemeClr val="bg2">
@@ -16759,14 +16606,14 @@
           <a:effectLst/>
           <a:extLst>
             <a:ext uri="{909E8E84-426E-40dd-AFC4-6F175D3DCCD1}">
-              <a14:hiddenFill xmlns="" xmlns:a14="http://schemas.microsoft.com/office/drawing/2010/main">
+              <a14:hiddenFill xmlns:a14="http://schemas.microsoft.com/office/drawing/2010/main" xmlns="">
                 <a:solidFill>
                   <a:schemeClr val="accent1"/>
                 </a:solidFill>
               </a14:hiddenFill>
             </a:ext>
             <a:ext uri="{91240B29-F687-4f45-9708-019B960494DF}">
-              <a14:hiddenLine xmlns="" xmlns:a14="http://schemas.microsoft.com/office/drawing/2010/main" w="9525">
+              <a14:hiddenLine xmlns:a14="http://schemas.microsoft.com/office/drawing/2010/main" xmlns="" w="9525">
                 <a:solidFill>
                   <a:schemeClr val="tx1"/>
                 </a:solidFill>
@@ -16776,7 +16623,7 @@
               </a14:hiddenLine>
             </a:ext>
             <a:ext uri="{AF507438-7753-43e0-B8FC-AC1667EBCBE1}">
-              <a14:hiddenEffects xmlns="" xmlns:a14="http://schemas.microsoft.com/office/drawing/2010/main">
+              <a14:hiddenEffects xmlns:a14="http://schemas.microsoft.com/office/drawing/2010/main" xmlns="">
                 <a:effectLst>
                   <a:outerShdw blurRad="63500" dist="38099" dir="2700000" algn="ctr" rotWithShape="0">
                     <a:schemeClr val="bg2">
@@ -17010,14 +16857,14 @@
           <a:effectLst/>
           <a:extLst>
             <a:ext uri="{909E8E84-426E-40dd-AFC4-6F175D3DCCD1}">
-              <a14:hiddenFill xmlns="" xmlns:a14="http://schemas.microsoft.com/office/drawing/2010/main">
+              <a14:hiddenFill xmlns:a14="http://schemas.microsoft.com/office/drawing/2010/main" xmlns="">
                 <a:solidFill>
                   <a:schemeClr val="accent1"/>
                 </a:solidFill>
               </a14:hiddenFill>
             </a:ext>
             <a:ext uri="{91240B29-F687-4f45-9708-019B960494DF}">
-              <a14:hiddenLine xmlns="" xmlns:a14="http://schemas.microsoft.com/office/drawing/2010/main" w="9525">
+              <a14:hiddenLine xmlns:a14="http://schemas.microsoft.com/office/drawing/2010/main" xmlns="" w="9525">
                 <a:solidFill>
                   <a:schemeClr val="tx1"/>
                 </a:solidFill>
@@ -17027,7 +16874,7 @@
               </a14:hiddenLine>
             </a:ext>
             <a:ext uri="{AF507438-7753-43e0-B8FC-AC1667EBCBE1}">
-              <a14:hiddenEffects xmlns="" xmlns:a14="http://schemas.microsoft.com/office/drawing/2010/main">
+              <a14:hiddenEffects xmlns:a14="http://schemas.microsoft.com/office/drawing/2010/main" xmlns="">
                 <a:effectLst>
                   <a:outerShdw blurRad="63500" dist="38099" dir="2700000" algn="ctr" rotWithShape="0">
                     <a:schemeClr val="bg2">
@@ -17182,13 +17029,6 @@
   <p:clrMapOvr>
     <a:masterClrMapping/>
   </p:clrMapOvr>
-  <p:timing>
-    <p:tnLst>
-      <p:par>
-        <p:cTn id="1" dur="indefinite" restart="never" nodeType="tmRoot"/>
-      </p:par>
-    </p:tnLst>
-  </p:timing>
 </p:sld>
 </file>
 
@@ -17438,7 +17278,7 @@
         <a:effectLst/>
         <a:extLst>
           <a:ext uri="{AF507438-7753-43e0-B8FC-AC1667EBCBE1}">
-            <a14:hiddenEffects xmlns="" xmlns:a14="http://schemas.microsoft.com/office/drawing/2010/main">
+            <a14:hiddenEffects xmlns:a14="http://schemas.microsoft.com/office/drawing/2010/main" xmlns="">
               <a:effectLst>
                 <a:outerShdw blurRad="63500" dist="38099" dir="2700000" algn="ctr" rotWithShape="0">
                   <a:schemeClr val="bg2">
@@ -17515,7 +17355,7 @@
         <a:effectLst/>
         <a:extLst>
           <a:ext uri="{AF507438-7753-43e0-B8FC-AC1667EBCBE1}">
-            <a14:hiddenEffects xmlns="" xmlns:a14="http://schemas.microsoft.com/office/drawing/2010/main">
+            <a14:hiddenEffects xmlns:a14="http://schemas.microsoft.com/office/drawing/2010/main" xmlns="">
               <a:effectLst>
                 <a:outerShdw blurRad="63500" dist="38099" dir="2700000" algn="ctr" rotWithShape="0">
                   <a:schemeClr val="bg2">

--- a/notes/csc402-ln017.pptx
+++ b/notes/csc402-ln017.pptx
@@ -222,17 +222,17 @@
           </a:ln>
           <a:extLst>
             <a:ext uri="{FAA26D3D-D897-4be2-8F04-BA451C77F1D7}">
-              <ma14:placeholderFlag xmlns:ma14="http://schemas.microsoft.com/office/mac/drawingml/2011/main" xmlns="" val="1"/>
+              <ma14:placeholderFlag xmlns="" xmlns:ma14="http://schemas.microsoft.com/office/mac/drawingml/2011/main" val="1"/>
             </a:ext>
             <a:ext uri="{909E8E84-426E-40dd-AFC4-6F175D3DCCD1}">
-              <a14:hiddenFill xmlns:a14="http://schemas.microsoft.com/office/drawing/2010/main" xmlns="">
+              <a14:hiddenFill xmlns="" xmlns:a14="http://schemas.microsoft.com/office/drawing/2010/main">
                 <a:solidFill>
                   <a:schemeClr val="accent1"/>
                 </a:solidFill>
               </a14:hiddenFill>
             </a:ext>
             <a:ext uri="{91240B29-F687-4f45-9708-019B960494DF}">
-              <a14:hiddenLine xmlns:a14="http://schemas.microsoft.com/office/drawing/2010/main" xmlns="" w="9525">
+              <a14:hiddenLine xmlns="" xmlns:a14="http://schemas.microsoft.com/office/drawing/2010/main" w="9525">
                 <a:solidFill>
                   <a:schemeClr val="tx1"/>
                 </a:solidFill>
@@ -283,17 +283,17 @@
           </a:ln>
           <a:extLst>
             <a:ext uri="{FAA26D3D-D897-4be2-8F04-BA451C77F1D7}">
-              <ma14:placeholderFlag xmlns:ma14="http://schemas.microsoft.com/office/mac/drawingml/2011/main" xmlns="" val="1"/>
+              <ma14:placeholderFlag xmlns="" xmlns:ma14="http://schemas.microsoft.com/office/mac/drawingml/2011/main" val="1"/>
             </a:ext>
             <a:ext uri="{909E8E84-426E-40dd-AFC4-6F175D3DCCD1}">
-              <a14:hiddenFill xmlns:a14="http://schemas.microsoft.com/office/drawing/2010/main" xmlns="">
+              <a14:hiddenFill xmlns="" xmlns:a14="http://schemas.microsoft.com/office/drawing/2010/main">
                 <a:solidFill>
                   <a:schemeClr val="accent1"/>
                 </a:solidFill>
               </a14:hiddenFill>
             </a:ext>
             <a:ext uri="{91240B29-F687-4f45-9708-019B960494DF}">
-              <a14:hiddenLine xmlns:a14="http://schemas.microsoft.com/office/drawing/2010/main" xmlns="" w="9525">
+              <a14:hiddenLine xmlns="" xmlns:a14="http://schemas.microsoft.com/office/drawing/2010/main" w="9525">
                 <a:solidFill>
                   <a:schemeClr val="tx1"/>
                 </a:solidFill>
@@ -350,7 +350,7 @@
           <a:effectLst/>
           <a:extLst>
             <a:ext uri="{AF507438-7753-43e0-B8FC-AC1667EBCBE1}">
-              <a14:hiddenEffects xmlns:a14="http://schemas.microsoft.com/office/drawing/2010/main" xmlns="">
+              <a14:hiddenEffects xmlns="" xmlns:a14="http://schemas.microsoft.com/office/drawing/2010/main">
                 <a:effectLst>
                   <a:outerShdw blurRad="63500" dist="38099" dir="2700000" algn="ctr" rotWithShape="0">
                     <a:srgbClr val="000000">
@@ -361,7 +361,7 @@
               </a14:hiddenEffects>
             </a:ext>
             <a:ext uri="{53640926-AAD7-44d8-BBD7-CCE9431645EC}">
-              <a14:shadowObscured xmlns:a14="http://schemas.microsoft.com/office/drawing/2010/main" xmlns="" val="1"/>
+              <a14:shadowObscured xmlns="" xmlns:a14="http://schemas.microsoft.com/office/drawing/2010/main" val="1"/>
             </a:ext>
           </a:extLst>
         </p:spPr>
@@ -390,17 +390,17 @@
           </a:ln>
           <a:extLst>
             <a:ext uri="{FAA26D3D-D897-4be2-8F04-BA451C77F1D7}">
-              <ma14:placeholderFlag xmlns:ma14="http://schemas.microsoft.com/office/mac/drawingml/2011/main" xmlns="" val="1"/>
+              <ma14:placeholderFlag xmlns="" xmlns:ma14="http://schemas.microsoft.com/office/mac/drawingml/2011/main" val="1"/>
             </a:ext>
             <a:ext uri="{909E8E84-426E-40dd-AFC4-6F175D3DCCD1}">
-              <a14:hiddenFill xmlns:a14="http://schemas.microsoft.com/office/drawing/2010/main" xmlns="">
+              <a14:hiddenFill xmlns="" xmlns:a14="http://schemas.microsoft.com/office/drawing/2010/main">
                 <a:solidFill>
                   <a:schemeClr val="accent1"/>
                 </a:solidFill>
               </a14:hiddenFill>
             </a:ext>
             <a:ext uri="{91240B29-F687-4f45-9708-019B960494DF}">
-              <a14:hiddenLine xmlns:a14="http://schemas.microsoft.com/office/drawing/2010/main" xmlns="" w="9525">
+              <a14:hiddenLine xmlns="" xmlns:a14="http://schemas.microsoft.com/office/drawing/2010/main" w="9525">
                 <a:solidFill>
                   <a:schemeClr val="tx1"/>
                 </a:solidFill>
@@ -479,17 +479,17 @@
           </a:ln>
           <a:extLst>
             <a:ext uri="{FAA26D3D-D897-4be2-8F04-BA451C77F1D7}">
-              <ma14:placeholderFlag xmlns:ma14="http://schemas.microsoft.com/office/mac/drawingml/2011/main" xmlns="" val="1"/>
+              <ma14:placeholderFlag xmlns="" xmlns:ma14="http://schemas.microsoft.com/office/mac/drawingml/2011/main" val="1"/>
             </a:ext>
             <a:ext uri="{909E8E84-426E-40dd-AFC4-6F175D3DCCD1}">
-              <a14:hiddenFill xmlns:a14="http://schemas.microsoft.com/office/drawing/2010/main" xmlns="">
+              <a14:hiddenFill xmlns="" xmlns:a14="http://schemas.microsoft.com/office/drawing/2010/main">
                 <a:solidFill>
                   <a:schemeClr val="accent1"/>
                 </a:solidFill>
               </a14:hiddenFill>
             </a:ext>
             <a:ext uri="{91240B29-F687-4f45-9708-019B960494DF}">
-              <a14:hiddenLine xmlns:a14="http://schemas.microsoft.com/office/drawing/2010/main" xmlns="" w="9525">
+              <a14:hiddenLine xmlns="" xmlns:a14="http://schemas.microsoft.com/office/drawing/2010/main" w="9525">
                 <a:solidFill>
                   <a:schemeClr val="tx1"/>
                 </a:solidFill>
@@ -540,17 +540,17 @@
           </a:ln>
           <a:extLst>
             <a:ext uri="{FAA26D3D-D897-4be2-8F04-BA451C77F1D7}">
-              <ma14:placeholderFlag xmlns:ma14="http://schemas.microsoft.com/office/mac/drawingml/2011/main" xmlns="" val="1"/>
+              <ma14:placeholderFlag xmlns="" xmlns:ma14="http://schemas.microsoft.com/office/mac/drawingml/2011/main" val="1"/>
             </a:ext>
             <a:ext uri="{909E8E84-426E-40dd-AFC4-6F175D3DCCD1}">
-              <a14:hiddenFill xmlns:a14="http://schemas.microsoft.com/office/drawing/2010/main" xmlns="">
+              <a14:hiddenFill xmlns="" xmlns:a14="http://schemas.microsoft.com/office/drawing/2010/main">
                 <a:solidFill>
                   <a:schemeClr val="accent1"/>
                 </a:solidFill>
               </a14:hiddenFill>
             </a:ext>
             <a:ext uri="{91240B29-F687-4f45-9708-019B960494DF}">
-              <a14:hiddenLine xmlns:a14="http://schemas.microsoft.com/office/drawing/2010/main" xmlns="" w="9525">
+              <a14:hiddenLine xmlns="" xmlns:a14="http://schemas.microsoft.com/office/drawing/2010/main" w="9525">
                 <a:solidFill>
                   <a:schemeClr val="tx1"/>
                 </a:solidFill>
@@ -772,7 +772,7 @@
           <a:ln/>
           <a:extLst>
             <a:ext uri="{FAA26D3D-D897-4be2-8F04-BA451C77F1D7}">
-              <ma14:placeholderFlag xmlns:ma14="http://schemas.microsoft.com/office/mac/drawingml/2011/main" xmlns="" val="1"/>
+              <ma14:placeholderFlag xmlns="" xmlns:ma14="http://schemas.microsoft.com/office/mac/drawingml/2011/main" val="1"/>
             </a:ext>
           </a:extLst>
         </p:spPr>
@@ -861,7 +861,7 @@
           <a:ln/>
           <a:extLst>
             <a:ext uri="{FAA26D3D-D897-4be2-8F04-BA451C77F1D7}">
-              <ma14:placeholderFlag xmlns:ma14="http://schemas.microsoft.com/office/mac/drawingml/2011/main" xmlns="" val="1"/>
+              <ma14:placeholderFlag xmlns="" xmlns:ma14="http://schemas.microsoft.com/office/mac/drawingml/2011/main" val="1"/>
             </a:ext>
           </a:extLst>
         </p:spPr>
@@ -950,7 +950,7 @@
           <a:ln/>
           <a:extLst>
             <a:ext uri="{FAA26D3D-D897-4be2-8F04-BA451C77F1D7}">
-              <ma14:placeholderFlag xmlns:ma14="http://schemas.microsoft.com/office/mac/drawingml/2011/main" xmlns="" val="1"/>
+              <ma14:placeholderFlag xmlns="" xmlns:ma14="http://schemas.microsoft.com/office/mac/drawingml/2011/main" val="1"/>
             </a:ext>
           </a:extLst>
         </p:spPr>
@@ -1061,7 +1061,7 @@
           </a:ln>
           <a:extLst>
             <a:ext uri="{FAA26D3D-D897-4be2-8F04-BA451C77F1D7}">
-              <ma14:placeholderFlag xmlns:ma14="http://schemas.microsoft.com/office/mac/drawingml/2011/main" xmlns="" val="1"/>
+              <ma14:placeholderFlag xmlns="" xmlns:ma14="http://schemas.microsoft.com/office/mac/drawingml/2011/main" val="1"/>
             </a:ext>
           </a:extLst>
         </p:spPr>
@@ -1097,7 +1097,7 @@
           </a:ln>
           <a:extLst>
             <a:ext uri="{FAA26D3D-D897-4be2-8F04-BA451C77F1D7}">
-              <ma14:placeholderFlag xmlns:ma14="http://schemas.microsoft.com/office/mac/drawingml/2011/main" xmlns="" val="1"/>
+              <ma14:placeholderFlag xmlns="" xmlns:ma14="http://schemas.microsoft.com/office/mac/drawingml/2011/main" val="1"/>
             </a:ext>
           </a:extLst>
         </p:spPr>
@@ -1191,7 +1191,7 @@
           </a:ln>
           <a:extLst>
             <a:ext uri="{FAA26D3D-D897-4be2-8F04-BA451C77F1D7}">
-              <ma14:placeholderFlag xmlns:ma14="http://schemas.microsoft.com/office/mac/drawingml/2011/main" xmlns="" val="1"/>
+              <ma14:placeholderFlag xmlns="" xmlns:ma14="http://schemas.microsoft.com/office/mac/drawingml/2011/main" val="1"/>
             </a:ext>
           </a:extLst>
         </p:spPr>
@@ -1227,7 +1227,7 @@
           </a:ln>
           <a:extLst>
             <a:ext uri="{FAA26D3D-D897-4be2-8F04-BA451C77F1D7}">
-              <ma14:placeholderFlag xmlns:ma14="http://schemas.microsoft.com/office/mac/drawingml/2011/main" xmlns="" val="1"/>
+              <ma14:placeholderFlag xmlns="" xmlns:ma14="http://schemas.microsoft.com/office/mac/drawingml/2011/main" val="1"/>
             </a:ext>
           </a:extLst>
         </p:spPr>
@@ -1304,7 +1304,7 @@
           <a:ln/>
           <a:extLst>
             <a:ext uri="{FAA26D3D-D897-4be2-8F04-BA451C77F1D7}">
-              <ma14:placeholderFlag xmlns:ma14="http://schemas.microsoft.com/office/mac/drawingml/2011/main" xmlns="" val="1"/>
+              <ma14:placeholderFlag xmlns="" xmlns:ma14="http://schemas.microsoft.com/office/mac/drawingml/2011/main" val="1"/>
             </a:ext>
           </a:extLst>
         </p:spPr>
@@ -1393,7 +1393,7 @@
           <a:ln/>
           <a:extLst>
             <a:ext uri="{FAA26D3D-D897-4be2-8F04-BA451C77F1D7}">
-              <ma14:placeholderFlag xmlns:ma14="http://schemas.microsoft.com/office/mac/drawingml/2011/main" xmlns="" val="1"/>
+              <ma14:placeholderFlag xmlns="" xmlns:ma14="http://schemas.microsoft.com/office/mac/drawingml/2011/main" val="1"/>
             </a:ext>
           </a:extLst>
         </p:spPr>
@@ -1482,7 +1482,7 @@
           <a:ln/>
           <a:extLst>
             <a:ext uri="{FAA26D3D-D897-4be2-8F04-BA451C77F1D7}">
-              <ma14:placeholderFlag xmlns:ma14="http://schemas.microsoft.com/office/mac/drawingml/2011/main" xmlns="" val="1"/>
+              <ma14:placeholderFlag xmlns="" xmlns:ma14="http://schemas.microsoft.com/office/mac/drawingml/2011/main" val="1"/>
             </a:ext>
           </a:extLst>
         </p:spPr>
@@ -1571,7 +1571,7 @@
           <a:ln/>
           <a:extLst>
             <a:ext uri="{FAA26D3D-D897-4be2-8F04-BA451C77F1D7}">
-              <ma14:placeholderFlag xmlns:ma14="http://schemas.microsoft.com/office/mac/drawingml/2011/main" xmlns="" val="1"/>
+              <ma14:placeholderFlag xmlns="" xmlns:ma14="http://schemas.microsoft.com/office/mac/drawingml/2011/main" val="1"/>
             </a:ext>
           </a:extLst>
         </p:spPr>
@@ -1660,7 +1660,7 @@
           <a:ln/>
           <a:extLst>
             <a:ext uri="{FAA26D3D-D897-4be2-8F04-BA451C77F1D7}">
-              <ma14:placeholderFlag xmlns:ma14="http://schemas.microsoft.com/office/mac/drawingml/2011/main" xmlns="" val="1"/>
+              <ma14:placeholderFlag xmlns="" xmlns:ma14="http://schemas.microsoft.com/office/mac/drawingml/2011/main" val="1"/>
             </a:ext>
           </a:extLst>
         </p:spPr>
@@ -1749,7 +1749,7 @@
           <a:ln/>
           <a:extLst>
             <a:ext uri="{FAA26D3D-D897-4be2-8F04-BA451C77F1D7}">
-              <ma14:placeholderFlag xmlns:ma14="http://schemas.microsoft.com/office/mac/drawingml/2011/main" xmlns="" val="1"/>
+              <ma14:placeholderFlag xmlns="" xmlns:ma14="http://schemas.microsoft.com/office/mac/drawingml/2011/main" val="1"/>
             </a:ext>
           </a:extLst>
         </p:spPr>
@@ -1855,7 +1855,7 @@
           </a:ln>
           <a:extLst>
             <a:ext uri="{FAA26D3D-D897-4be2-8F04-BA451C77F1D7}">
-              <ma14:placeholderFlag xmlns:ma14="http://schemas.microsoft.com/office/mac/drawingml/2011/main" xmlns="" val="1"/>
+              <ma14:placeholderFlag xmlns="" xmlns:ma14="http://schemas.microsoft.com/office/mac/drawingml/2011/main" val="1"/>
             </a:ext>
           </a:extLst>
         </p:spPr>
@@ -1891,7 +1891,7 @@
           </a:ln>
           <a:extLst>
             <a:ext uri="{FAA26D3D-D897-4be2-8F04-BA451C77F1D7}">
-              <ma14:placeholderFlag xmlns:ma14="http://schemas.microsoft.com/office/mac/drawingml/2011/main" xmlns="" val="1"/>
+              <ma14:placeholderFlag xmlns="" xmlns:ma14="http://schemas.microsoft.com/office/mac/drawingml/2011/main" val="1"/>
             </a:ext>
           </a:extLst>
         </p:spPr>
@@ -1985,7 +1985,7 @@
           </a:ln>
           <a:extLst>
             <a:ext uri="{FAA26D3D-D897-4be2-8F04-BA451C77F1D7}">
-              <ma14:placeholderFlag xmlns:ma14="http://schemas.microsoft.com/office/mac/drawingml/2011/main" xmlns="" val="1"/>
+              <ma14:placeholderFlag xmlns="" xmlns:ma14="http://schemas.microsoft.com/office/mac/drawingml/2011/main" val="1"/>
             </a:ext>
           </a:extLst>
         </p:spPr>
@@ -2021,7 +2021,7 @@
           </a:ln>
           <a:extLst>
             <a:ext uri="{FAA26D3D-D897-4be2-8F04-BA451C77F1D7}">
-              <ma14:placeholderFlag xmlns:ma14="http://schemas.microsoft.com/office/mac/drawingml/2011/main" xmlns="" val="1"/>
+              <ma14:placeholderFlag xmlns="" xmlns:ma14="http://schemas.microsoft.com/office/mac/drawingml/2011/main" val="1"/>
             </a:ext>
           </a:extLst>
         </p:spPr>
@@ -2115,7 +2115,7 @@
           </a:ln>
           <a:extLst>
             <a:ext uri="{FAA26D3D-D897-4be2-8F04-BA451C77F1D7}">
-              <ma14:placeholderFlag xmlns:ma14="http://schemas.microsoft.com/office/mac/drawingml/2011/main" xmlns="" val="1"/>
+              <ma14:placeholderFlag xmlns="" xmlns:ma14="http://schemas.microsoft.com/office/mac/drawingml/2011/main" val="1"/>
             </a:ext>
           </a:extLst>
         </p:spPr>
@@ -2151,7 +2151,7 @@
           </a:ln>
           <a:extLst>
             <a:ext uri="{FAA26D3D-D897-4be2-8F04-BA451C77F1D7}">
-              <ma14:placeholderFlag xmlns:ma14="http://schemas.microsoft.com/office/mac/drawingml/2011/main" xmlns="" val="1"/>
+              <ma14:placeholderFlag xmlns="" xmlns:ma14="http://schemas.microsoft.com/office/mac/drawingml/2011/main" val="1"/>
             </a:ext>
           </a:extLst>
         </p:spPr>
@@ -2245,7 +2245,7 @@
           </a:ln>
           <a:extLst>
             <a:ext uri="{FAA26D3D-D897-4be2-8F04-BA451C77F1D7}">
-              <ma14:placeholderFlag xmlns:ma14="http://schemas.microsoft.com/office/mac/drawingml/2011/main" xmlns="" val="1"/>
+              <ma14:placeholderFlag xmlns="" xmlns:ma14="http://schemas.microsoft.com/office/mac/drawingml/2011/main" val="1"/>
             </a:ext>
           </a:extLst>
         </p:spPr>
@@ -2281,7 +2281,7 @@
           </a:ln>
           <a:extLst>
             <a:ext uri="{FAA26D3D-D897-4be2-8F04-BA451C77F1D7}">
-              <ma14:placeholderFlag xmlns:ma14="http://schemas.microsoft.com/office/mac/drawingml/2011/main" xmlns="" val="1"/>
+              <ma14:placeholderFlag xmlns="" xmlns:ma14="http://schemas.microsoft.com/office/mac/drawingml/2011/main" val="1"/>
             </a:ext>
           </a:extLst>
         </p:spPr>
@@ -2375,7 +2375,7 @@
           </a:ln>
           <a:extLst>
             <a:ext uri="{FAA26D3D-D897-4be2-8F04-BA451C77F1D7}">
-              <ma14:placeholderFlag xmlns:ma14="http://schemas.microsoft.com/office/mac/drawingml/2011/main" xmlns="" val="1"/>
+              <ma14:placeholderFlag xmlns="" xmlns:ma14="http://schemas.microsoft.com/office/mac/drawingml/2011/main" val="1"/>
             </a:ext>
           </a:extLst>
         </p:spPr>
@@ -2411,7 +2411,7 @@
           </a:ln>
           <a:extLst>
             <a:ext uri="{FAA26D3D-D897-4be2-8F04-BA451C77F1D7}">
-              <ma14:placeholderFlag xmlns:ma14="http://schemas.microsoft.com/office/mac/drawingml/2011/main" xmlns="" val="1"/>
+              <ma14:placeholderFlag xmlns="" xmlns:ma14="http://schemas.microsoft.com/office/mac/drawingml/2011/main" val="1"/>
             </a:ext>
           </a:extLst>
         </p:spPr>
@@ -2488,7 +2488,7 @@
           <a:ln/>
           <a:extLst>
             <a:ext uri="{FAA26D3D-D897-4be2-8F04-BA451C77F1D7}">
-              <ma14:placeholderFlag xmlns:ma14="http://schemas.microsoft.com/office/mac/drawingml/2011/main" xmlns="" val="1"/>
+              <ma14:placeholderFlag xmlns="" xmlns:ma14="http://schemas.microsoft.com/office/mac/drawingml/2011/main" val="1"/>
             </a:ext>
           </a:extLst>
         </p:spPr>
@@ -2594,7 +2594,7 @@
           </a:ln>
           <a:extLst>
             <a:ext uri="{FAA26D3D-D897-4be2-8F04-BA451C77F1D7}">
-              <ma14:placeholderFlag xmlns:ma14="http://schemas.microsoft.com/office/mac/drawingml/2011/main" xmlns="" val="1"/>
+              <ma14:placeholderFlag xmlns="" xmlns:ma14="http://schemas.microsoft.com/office/mac/drawingml/2011/main" val="1"/>
             </a:ext>
           </a:extLst>
         </p:spPr>
@@ -2630,7 +2630,7 @@
           </a:ln>
           <a:extLst>
             <a:ext uri="{FAA26D3D-D897-4be2-8F04-BA451C77F1D7}">
-              <ma14:placeholderFlag xmlns:ma14="http://schemas.microsoft.com/office/mac/drawingml/2011/main" xmlns="" val="1"/>
+              <ma14:placeholderFlag xmlns="" xmlns:ma14="http://schemas.microsoft.com/office/mac/drawingml/2011/main" val="1"/>
             </a:ext>
           </a:extLst>
         </p:spPr>
@@ -2695,12 +2695,12 @@
           <a:effectLst/>
           <a:extLst>
             <a:ext uri="{909E8E84-426E-40dd-AFC4-6F175D3DCCD1}">
-              <a14:hiddenFill xmlns:a14="http://schemas.microsoft.com/office/drawing/2010/main" xmlns="">
+              <a14:hiddenFill xmlns="" xmlns:a14="http://schemas.microsoft.com/office/drawing/2010/main">
                 <a:noFill/>
               </a14:hiddenFill>
             </a:ext>
             <a:ext uri="{AF507438-7753-43e0-B8FC-AC1667EBCBE1}">
-              <a14:hiddenEffects xmlns:a14="http://schemas.microsoft.com/office/drawing/2010/main" xmlns="">
+              <a14:hiddenEffects xmlns="" xmlns:a14="http://schemas.microsoft.com/office/drawing/2010/main">
                 <a:effectLst>
                   <a:outerShdw blurRad="63500" dist="38099" dir="2700000" algn="ctr" rotWithShape="0">
                     <a:schemeClr val="bg2">
@@ -2901,7 +2901,7 @@
             <a:effectLst/>
             <a:extLst>
               <a:ext uri="{91240B29-F687-4f45-9708-019B960494DF}">
-                <a14:hiddenLine xmlns:a14="http://schemas.microsoft.com/office/drawing/2010/main" xmlns="" w="9525">
+                <a14:hiddenLine xmlns="" xmlns:a14="http://schemas.microsoft.com/office/drawing/2010/main" w="9525">
                   <a:solidFill>
                     <a:schemeClr val="tx1"/>
                   </a:solidFill>
@@ -2911,7 +2911,7 @@
                 </a14:hiddenLine>
               </a:ext>
               <a:ext uri="{AF507438-7753-43e0-B8FC-AC1667EBCBE1}">
-                <a14:hiddenEffects xmlns:a14="http://schemas.microsoft.com/office/drawing/2010/main" xmlns="">
+                <a14:hiddenEffects xmlns="" xmlns:a14="http://schemas.microsoft.com/office/drawing/2010/main">
                   <a:effectLst>
                     <a:outerShdw blurRad="63500" dist="38099" dir="2700000" algn="ctr" rotWithShape="0">
                       <a:schemeClr val="bg2">
@@ -2956,7 +2956,7 @@
             <a:effectLst/>
             <a:extLst>
               <a:ext uri="{91240B29-F687-4f45-9708-019B960494DF}">
-                <a14:hiddenLine xmlns:a14="http://schemas.microsoft.com/office/drawing/2010/main" xmlns="" w="9525">
+                <a14:hiddenLine xmlns="" xmlns:a14="http://schemas.microsoft.com/office/drawing/2010/main" w="9525">
                   <a:solidFill>
                     <a:schemeClr val="tx1"/>
                   </a:solidFill>
@@ -2966,7 +2966,7 @@
                 </a14:hiddenLine>
               </a:ext>
               <a:ext uri="{AF507438-7753-43e0-B8FC-AC1667EBCBE1}">
-                <a14:hiddenEffects xmlns:a14="http://schemas.microsoft.com/office/drawing/2010/main" xmlns="">
+                <a14:hiddenEffects xmlns="" xmlns:a14="http://schemas.microsoft.com/office/drawing/2010/main">
                   <a:effectLst>
                     <a:outerShdw blurRad="63500" dist="38099" dir="2700000" algn="ctr" rotWithShape="0">
                       <a:schemeClr val="bg2">
@@ -3011,7 +3011,7 @@
             <a:effectLst/>
             <a:extLst>
               <a:ext uri="{91240B29-F687-4f45-9708-019B960494DF}">
-                <a14:hiddenLine xmlns:a14="http://schemas.microsoft.com/office/drawing/2010/main" xmlns="" w="9525">
+                <a14:hiddenLine xmlns="" xmlns:a14="http://schemas.microsoft.com/office/drawing/2010/main" w="9525">
                   <a:solidFill>
                     <a:schemeClr val="tx1"/>
                   </a:solidFill>
@@ -3021,7 +3021,7 @@
                 </a14:hiddenLine>
               </a:ext>
               <a:ext uri="{AF507438-7753-43e0-B8FC-AC1667EBCBE1}">
-                <a14:hiddenEffects xmlns:a14="http://schemas.microsoft.com/office/drawing/2010/main" xmlns="">
+                <a14:hiddenEffects xmlns="" xmlns:a14="http://schemas.microsoft.com/office/drawing/2010/main">
                   <a:effectLst>
                     <a:outerShdw blurRad="63500" dist="38099" dir="2700000" algn="ctr" rotWithShape="0">
                       <a:schemeClr val="bg2">
@@ -3066,7 +3066,7 @@
             <a:effectLst/>
             <a:extLst>
               <a:ext uri="{91240B29-F687-4f45-9708-019B960494DF}">
-                <a14:hiddenLine xmlns:a14="http://schemas.microsoft.com/office/drawing/2010/main" xmlns="" w="9525">
+                <a14:hiddenLine xmlns="" xmlns:a14="http://schemas.microsoft.com/office/drawing/2010/main" w="9525">
                   <a:solidFill>
                     <a:schemeClr val="tx1"/>
                   </a:solidFill>
@@ -3076,7 +3076,7 @@
                 </a14:hiddenLine>
               </a:ext>
               <a:ext uri="{AF507438-7753-43e0-B8FC-AC1667EBCBE1}">
-                <a14:hiddenEffects xmlns:a14="http://schemas.microsoft.com/office/drawing/2010/main" xmlns="">
+                <a14:hiddenEffects xmlns="" xmlns:a14="http://schemas.microsoft.com/office/drawing/2010/main">
                   <a:effectLst>
                     <a:outerShdw blurRad="63500" dist="38099" dir="2700000" algn="ctr" rotWithShape="0">
                       <a:schemeClr val="bg2">
@@ -3121,7 +3121,7 @@
             <a:effectLst/>
             <a:extLst>
               <a:ext uri="{91240B29-F687-4f45-9708-019B960494DF}">
-                <a14:hiddenLine xmlns:a14="http://schemas.microsoft.com/office/drawing/2010/main" xmlns="" w="9525">
+                <a14:hiddenLine xmlns="" xmlns:a14="http://schemas.microsoft.com/office/drawing/2010/main" w="9525">
                   <a:solidFill>
                     <a:schemeClr val="tx1"/>
                   </a:solidFill>
@@ -3131,7 +3131,7 @@
                 </a14:hiddenLine>
               </a:ext>
               <a:ext uri="{AF507438-7753-43e0-B8FC-AC1667EBCBE1}">
-                <a14:hiddenEffects xmlns:a14="http://schemas.microsoft.com/office/drawing/2010/main" xmlns="">
+                <a14:hiddenEffects xmlns="" xmlns:a14="http://schemas.microsoft.com/office/drawing/2010/main">
                   <a:effectLst>
                     <a:outerShdw blurRad="63500" dist="38099" dir="2700000" algn="ctr" rotWithShape="0">
                       <a:schemeClr val="bg2">
@@ -3176,7 +3176,7 @@
             <a:effectLst/>
             <a:extLst>
               <a:ext uri="{91240B29-F687-4f45-9708-019B960494DF}">
-                <a14:hiddenLine xmlns:a14="http://schemas.microsoft.com/office/drawing/2010/main" xmlns="" w="9525">
+                <a14:hiddenLine xmlns="" xmlns:a14="http://schemas.microsoft.com/office/drawing/2010/main" w="9525">
                   <a:solidFill>
                     <a:schemeClr val="tx1"/>
                   </a:solidFill>
@@ -3186,7 +3186,7 @@
                 </a14:hiddenLine>
               </a:ext>
               <a:ext uri="{AF507438-7753-43e0-B8FC-AC1667EBCBE1}">
-                <a14:hiddenEffects xmlns:a14="http://schemas.microsoft.com/office/drawing/2010/main" xmlns="">
+                <a14:hiddenEffects xmlns="" xmlns:a14="http://schemas.microsoft.com/office/drawing/2010/main">
                   <a:effectLst>
                     <a:outerShdw blurRad="63500" dist="38099" dir="2700000" algn="ctr" rotWithShape="0">
                       <a:schemeClr val="bg2">
@@ -3231,7 +3231,7 @@
             <a:effectLst/>
             <a:extLst>
               <a:ext uri="{91240B29-F687-4f45-9708-019B960494DF}">
-                <a14:hiddenLine xmlns:a14="http://schemas.microsoft.com/office/drawing/2010/main" xmlns="" w="9525">
+                <a14:hiddenLine xmlns="" xmlns:a14="http://schemas.microsoft.com/office/drawing/2010/main" w="9525">
                   <a:solidFill>
                     <a:schemeClr val="tx1"/>
                   </a:solidFill>
@@ -3241,7 +3241,7 @@
                 </a14:hiddenLine>
               </a:ext>
               <a:ext uri="{AF507438-7753-43e0-B8FC-AC1667EBCBE1}">
-                <a14:hiddenEffects xmlns:a14="http://schemas.microsoft.com/office/drawing/2010/main" xmlns="">
+                <a14:hiddenEffects xmlns="" xmlns:a14="http://schemas.microsoft.com/office/drawing/2010/main">
                   <a:effectLst>
                     <a:outerShdw blurRad="63500" dist="38099" dir="2700000" algn="ctr" rotWithShape="0">
                       <a:schemeClr val="bg2">
@@ -3286,7 +3286,7 @@
             <a:effectLst/>
             <a:extLst>
               <a:ext uri="{91240B29-F687-4f45-9708-019B960494DF}">
-                <a14:hiddenLine xmlns:a14="http://schemas.microsoft.com/office/drawing/2010/main" xmlns="" w="9525">
+                <a14:hiddenLine xmlns="" xmlns:a14="http://schemas.microsoft.com/office/drawing/2010/main" w="9525">
                   <a:solidFill>
                     <a:schemeClr val="tx1"/>
                   </a:solidFill>
@@ -3296,7 +3296,7 @@
                 </a14:hiddenLine>
               </a:ext>
               <a:ext uri="{AF507438-7753-43e0-B8FC-AC1667EBCBE1}">
-                <a14:hiddenEffects xmlns:a14="http://schemas.microsoft.com/office/drawing/2010/main" xmlns="">
+                <a14:hiddenEffects xmlns="" xmlns:a14="http://schemas.microsoft.com/office/drawing/2010/main">
                   <a:effectLst>
                     <a:outerShdw blurRad="63500" dist="38099" dir="2700000" algn="ctr" rotWithShape="0">
                       <a:schemeClr val="bg2">
@@ -3341,7 +3341,7 @@
             <a:effectLst/>
             <a:extLst>
               <a:ext uri="{91240B29-F687-4f45-9708-019B960494DF}">
-                <a14:hiddenLine xmlns:a14="http://schemas.microsoft.com/office/drawing/2010/main" xmlns="" w="9525">
+                <a14:hiddenLine xmlns="" xmlns:a14="http://schemas.microsoft.com/office/drawing/2010/main" w="9525">
                   <a:solidFill>
                     <a:schemeClr val="tx1"/>
                   </a:solidFill>
@@ -3351,7 +3351,7 @@
                 </a14:hiddenLine>
               </a:ext>
               <a:ext uri="{AF507438-7753-43e0-B8FC-AC1667EBCBE1}">
-                <a14:hiddenEffects xmlns:a14="http://schemas.microsoft.com/office/drawing/2010/main" xmlns="">
+                <a14:hiddenEffects xmlns="" xmlns:a14="http://schemas.microsoft.com/office/drawing/2010/main">
                   <a:effectLst>
                     <a:outerShdw blurRad="63500" dist="38099" dir="2700000" algn="ctr" rotWithShape="0">
                       <a:schemeClr val="bg2">
@@ -3396,7 +3396,7 @@
             <a:effectLst/>
             <a:extLst>
               <a:ext uri="{91240B29-F687-4f45-9708-019B960494DF}">
-                <a14:hiddenLine xmlns:a14="http://schemas.microsoft.com/office/drawing/2010/main" xmlns="" w="9525">
+                <a14:hiddenLine xmlns="" xmlns:a14="http://schemas.microsoft.com/office/drawing/2010/main" w="9525">
                   <a:solidFill>
                     <a:schemeClr val="tx1"/>
                   </a:solidFill>
@@ -3406,7 +3406,7 @@
                 </a14:hiddenLine>
               </a:ext>
               <a:ext uri="{AF507438-7753-43e0-B8FC-AC1667EBCBE1}">
-                <a14:hiddenEffects xmlns:a14="http://schemas.microsoft.com/office/drawing/2010/main" xmlns="">
+                <a14:hiddenEffects xmlns="" xmlns:a14="http://schemas.microsoft.com/office/drawing/2010/main">
                   <a:effectLst>
                     <a:outerShdw blurRad="63500" dist="38099" dir="2700000" algn="ctr" rotWithShape="0">
                       <a:schemeClr val="bg2">
@@ -3451,7 +3451,7 @@
             <a:effectLst/>
             <a:extLst>
               <a:ext uri="{91240B29-F687-4f45-9708-019B960494DF}">
-                <a14:hiddenLine xmlns:a14="http://schemas.microsoft.com/office/drawing/2010/main" xmlns="" w="9525">
+                <a14:hiddenLine xmlns="" xmlns:a14="http://schemas.microsoft.com/office/drawing/2010/main" w="9525">
                   <a:solidFill>
                     <a:schemeClr val="tx1"/>
                   </a:solidFill>
@@ -3461,7 +3461,7 @@
                 </a14:hiddenLine>
               </a:ext>
               <a:ext uri="{AF507438-7753-43e0-B8FC-AC1667EBCBE1}">
-                <a14:hiddenEffects xmlns:a14="http://schemas.microsoft.com/office/drawing/2010/main" xmlns="">
+                <a14:hiddenEffects xmlns="" xmlns:a14="http://schemas.microsoft.com/office/drawing/2010/main">
                   <a:effectLst>
                     <a:outerShdw blurRad="63500" dist="38099" dir="2700000" algn="ctr" rotWithShape="0">
                       <a:schemeClr val="bg2">
@@ -3506,7 +3506,7 @@
             <a:effectLst/>
             <a:extLst>
               <a:ext uri="{91240B29-F687-4f45-9708-019B960494DF}">
-                <a14:hiddenLine xmlns:a14="http://schemas.microsoft.com/office/drawing/2010/main" xmlns="" w="9525">
+                <a14:hiddenLine xmlns="" xmlns:a14="http://schemas.microsoft.com/office/drawing/2010/main" w="9525">
                   <a:solidFill>
                     <a:schemeClr val="tx1"/>
                   </a:solidFill>
@@ -3516,7 +3516,7 @@
                 </a14:hiddenLine>
               </a:ext>
               <a:ext uri="{AF507438-7753-43e0-B8FC-AC1667EBCBE1}">
-                <a14:hiddenEffects xmlns:a14="http://schemas.microsoft.com/office/drawing/2010/main" xmlns="">
+                <a14:hiddenEffects xmlns="" xmlns:a14="http://schemas.microsoft.com/office/drawing/2010/main">
                   <a:effectLst>
                     <a:outerShdw blurRad="63500" dist="38099" dir="2700000" algn="ctr" rotWithShape="0">
                       <a:schemeClr val="bg2">
@@ -3561,7 +3561,7 @@
             <a:effectLst/>
             <a:extLst>
               <a:ext uri="{91240B29-F687-4f45-9708-019B960494DF}">
-                <a14:hiddenLine xmlns:a14="http://schemas.microsoft.com/office/drawing/2010/main" xmlns="" w="9525">
+                <a14:hiddenLine xmlns="" xmlns:a14="http://schemas.microsoft.com/office/drawing/2010/main" w="9525">
                   <a:solidFill>
                     <a:schemeClr val="tx1"/>
                   </a:solidFill>
@@ -3571,7 +3571,7 @@
                 </a14:hiddenLine>
               </a:ext>
               <a:ext uri="{AF507438-7753-43e0-B8FC-AC1667EBCBE1}">
-                <a14:hiddenEffects xmlns:a14="http://schemas.microsoft.com/office/drawing/2010/main" xmlns="">
+                <a14:hiddenEffects xmlns="" xmlns:a14="http://schemas.microsoft.com/office/drawing/2010/main">
                   <a:effectLst>
                     <a:outerShdw blurRad="63500" dist="38099" dir="2700000" algn="ctr" rotWithShape="0">
                       <a:schemeClr val="bg2">
@@ -3616,7 +3616,7 @@
             <a:effectLst/>
             <a:extLst>
               <a:ext uri="{91240B29-F687-4f45-9708-019B960494DF}">
-                <a14:hiddenLine xmlns:a14="http://schemas.microsoft.com/office/drawing/2010/main" xmlns="" w="9525">
+                <a14:hiddenLine xmlns="" xmlns:a14="http://schemas.microsoft.com/office/drawing/2010/main" w="9525">
                   <a:solidFill>
                     <a:schemeClr val="tx1"/>
                   </a:solidFill>
@@ -3626,7 +3626,7 @@
                 </a14:hiddenLine>
               </a:ext>
               <a:ext uri="{AF507438-7753-43e0-B8FC-AC1667EBCBE1}">
-                <a14:hiddenEffects xmlns:a14="http://schemas.microsoft.com/office/drawing/2010/main" xmlns="">
+                <a14:hiddenEffects xmlns="" xmlns:a14="http://schemas.microsoft.com/office/drawing/2010/main">
                   <a:effectLst>
                     <a:outerShdw blurRad="63500" dist="38099" dir="2700000" algn="ctr" rotWithShape="0">
                       <a:schemeClr val="bg2">
@@ -3671,7 +3671,7 @@
             <a:effectLst/>
             <a:extLst>
               <a:ext uri="{91240B29-F687-4f45-9708-019B960494DF}">
-                <a14:hiddenLine xmlns:a14="http://schemas.microsoft.com/office/drawing/2010/main" xmlns="" w="9525">
+                <a14:hiddenLine xmlns="" xmlns:a14="http://schemas.microsoft.com/office/drawing/2010/main" w="9525">
                   <a:solidFill>
                     <a:schemeClr val="tx1"/>
                   </a:solidFill>
@@ -3681,7 +3681,7 @@
                 </a14:hiddenLine>
               </a:ext>
               <a:ext uri="{AF507438-7753-43e0-B8FC-AC1667EBCBE1}">
-                <a14:hiddenEffects xmlns:a14="http://schemas.microsoft.com/office/drawing/2010/main" xmlns="">
+                <a14:hiddenEffects xmlns="" xmlns:a14="http://schemas.microsoft.com/office/drawing/2010/main">
                   <a:effectLst>
                     <a:outerShdw blurRad="63500" dist="38099" dir="2700000" algn="ctr" rotWithShape="0">
                       <a:schemeClr val="bg2">
@@ -3726,7 +3726,7 @@
             <a:effectLst/>
             <a:extLst>
               <a:ext uri="{91240B29-F687-4f45-9708-019B960494DF}">
-                <a14:hiddenLine xmlns:a14="http://schemas.microsoft.com/office/drawing/2010/main" xmlns="" w="9525">
+                <a14:hiddenLine xmlns="" xmlns:a14="http://schemas.microsoft.com/office/drawing/2010/main" w="9525">
                   <a:solidFill>
                     <a:schemeClr val="tx1"/>
                   </a:solidFill>
@@ -3736,7 +3736,7 @@
                 </a14:hiddenLine>
               </a:ext>
               <a:ext uri="{AF507438-7753-43e0-B8FC-AC1667EBCBE1}">
-                <a14:hiddenEffects xmlns:a14="http://schemas.microsoft.com/office/drawing/2010/main" xmlns="">
+                <a14:hiddenEffects xmlns="" xmlns:a14="http://schemas.microsoft.com/office/drawing/2010/main">
                   <a:effectLst>
                     <a:outerShdw blurRad="63500" dist="38099" dir="2700000" algn="ctr" rotWithShape="0">
                       <a:schemeClr val="bg2">
@@ -3781,7 +3781,7 @@
             <a:effectLst/>
             <a:extLst>
               <a:ext uri="{91240B29-F687-4f45-9708-019B960494DF}">
-                <a14:hiddenLine xmlns:a14="http://schemas.microsoft.com/office/drawing/2010/main" xmlns="" w="9525">
+                <a14:hiddenLine xmlns="" xmlns:a14="http://schemas.microsoft.com/office/drawing/2010/main" w="9525">
                   <a:solidFill>
                     <a:schemeClr val="tx1"/>
                   </a:solidFill>
@@ -3791,7 +3791,7 @@
                 </a14:hiddenLine>
               </a:ext>
               <a:ext uri="{AF507438-7753-43e0-B8FC-AC1667EBCBE1}">
-                <a14:hiddenEffects xmlns:a14="http://schemas.microsoft.com/office/drawing/2010/main" xmlns="">
+                <a14:hiddenEffects xmlns="" xmlns:a14="http://schemas.microsoft.com/office/drawing/2010/main">
                   <a:effectLst>
                     <a:outerShdw blurRad="63500" dist="38099" dir="2700000" algn="ctr" rotWithShape="0">
                       <a:schemeClr val="bg2">
@@ -3836,7 +3836,7 @@
             <a:effectLst/>
             <a:extLst>
               <a:ext uri="{91240B29-F687-4f45-9708-019B960494DF}">
-                <a14:hiddenLine xmlns:a14="http://schemas.microsoft.com/office/drawing/2010/main" xmlns="" w="9525">
+                <a14:hiddenLine xmlns="" xmlns:a14="http://schemas.microsoft.com/office/drawing/2010/main" w="9525">
                   <a:solidFill>
                     <a:schemeClr val="tx1"/>
                   </a:solidFill>
@@ -3846,7 +3846,7 @@
                 </a14:hiddenLine>
               </a:ext>
               <a:ext uri="{AF507438-7753-43e0-B8FC-AC1667EBCBE1}">
-                <a14:hiddenEffects xmlns:a14="http://schemas.microsoft.com/office/drawing/2010/main" xmlns="">
+                <a14:hiddenEffects xmlns="" xmlns:a14="http://schemas.microsoft.com/office/drawing/2010/main">
                   <a:effectLst>
                     <a:outerShdw blurRad="63500" dist="38099" dir="2700000" algn="ctr" rotWithShape="0">
                       <a:schemeClr val="bg2">
@@ -3891,7 +3891,7 @@
             <a:effectLst/>
             <a:extLst>
               <a:ext uri="{91240B29-F687-4f45-9708-019B960494DF}">
-                <a14:hiddenLine xmlns:a14="http://schemas.microsoft.com/office/drawing/2010/main" xmlns="" w="9525">
+                <a14:hiddenLine xmlns="" xmlns:a14="http://schemas.microsoft.com/office/drawing/2010/main" w="9525">
                   <a:solidFill>
                     <a:schemeClr val="tx1"/>
                   </a:solidFill>
@@ -3901,7 +3901,7 @@
                 </a14:hiddenLine>
               </a:ext>
               <a:ext uri="{AF507438-7753-43e0-B8FC-AC1667EBCBE1}">
-                <a14:hiddenEffects xmlns:a14="http://schemas.microsoft.com/office/drawing/2010/main" xmlns="">
+                <a14:hiddenEffects xmlns="" xmlns:a14="http://schemas.microsoft.com/office/drawing/2010/main">
                   <a:effectLst>
                     <a:outerShdw blurRad="63500" dist="38099" dir="2700000" algn="ctr" rotWithShape="0">
                       <a:schemeClr val="bg2">
@@ -3946,7 +3946,7 @@
             <a:effectLst/>
             <a:extLst>
               <a:ext uri="{91240B29-F687-4f45-9708-019B960494DF}">
-                <a14:hiddenLine xmlns:a14="http://schemas.microsoft.com/office/drawing/2010/main" xmlns="" w="9525">
+                <a14:hiddenLine xmlns="" xmlns:a14="http://schemas.microsoft.com/office/drawing/2010/main" w="9525">
                   <a:solidFill>
                     <a:schemeClr val="tx1"/>
                   </a:solidFill>
@@ -3956,7 +3956,7 @@
                 </a14:hiddenLine>
               </a:ext>
               <a:ext uri="{AF507438-7753-43e0-B8FC-AC1667EBCBE1}">
-                <a14:hiddenEffects xmlns:a14="http://schemas.microsoft.com/office/drawing/2010/main" xmlns="">
+                <a14:hiddenEffects xmlns="" xmlns:a14="http://schemas.microsoft.com/office/drawing/2010/main">
                   <a:effectLst>
                     <a:outerShdw blurRad="63500" dist="38099" dir="2700000" algn="ctr" rotWithShape="0">
                       <a:schemeClr val="bg2">
@@ -4001,7 +4001,7 @@
             <a:effectLst/>
             <a:extLst>
               <a:ext uri="{91240B29-F687-4f45-9708-019B960494DF}">
-                <a14:hiddenLine xmlns:a14="http://schemas.microsoft.com/office/drawing/2010/main" xmlns="" w="9525">
+                <a14:hiddenLine xmlns="" xmlns:a14="http://schemas.microsoft.com/office/drawing/2010/main" w="9525">
                   <a:solidFill>
                     <a:schemeClr val="tx1"/>
                   </a:solidFill>
@@ -4011,7 +4011,7 @@
                 </a14:hiddenLine>
               </a:ext>
               <a:ext uri="{AF507438-7753-43e0-B8FC-AC1667EBCBE1}">
-                <a14:hiddenEffects xmlns:a14="http://schemas.microsoft.com/office/drawing/2010/main" xmlns="">
+                <a14:hiddenEffects xmlns="" xmlns:a14="http://schemas.microsoft.com/office/drawing/2010/main">
                   <a:effectLst>
                     <a:outerShdw blurRad="63500" dist="38099" dir="2700000" algn="ctr" rotWithShape="0">
                       <a:schemeClr val="bg2">
@@ -4056,7 +4056,7 @@
             <a:effectLst/>
             <a:extLst>
               <a:ext uri="{91240B29-F687-4f45-9708-019B960494DF}">
-                <a14:hiddenLine xmlns:a14="http://schemas.microsoft.com/office/drawing/2010/main" xmlns="" w="9525">
+                <a14:hiddenLine xmlns="" xmlns:a14="http://schemas.microsoft.com/office/drawing/2010/main" w="9525">
                   <a:solidFill>
                     <a:schemeClr val="tx1"/>
                   </a:solidFill>
@@ -4066,7 +4066,7 @@
                 </a14:hiddenLine>
               </a:ext>
               <a:ext uri="{AF507438-7753-43e0-B8FC-AC1667EBCBE1}">
-                <a14:hiddenEffects xmlns:a14="http://schemas.microsoft.com/office/drawing/2010/main" xmlns="">
+                <a14:hiddenEffects xmlns="" xmlns:a14="http://schemas.microsoft.com/office/drawing/2010/main">
                   <a:effectLst>
                     <a:outerShdw blurRad="63500" dist="38099" dir="2700000" algn="ctr" rotWithShape="0">
                       <a:schemeClr val="bg2">
@@ -4111,7 +4111,7 @@
             <a:effectLst/>
             <a:extLst>
               <a:ext uri="{91240B29-F687-4f45-9708-019B960494DF}">
-                <a14:hiddenLine xmlns:a14="http://schemas.microsoft.com/office/drawing/2010/main" xmlns="" w="9525">
+                <a14:hiddenLine xmlns="" xmlns:a14="http://schemas.microsoft.com/office/drawing/2010/main" w="9525">
                   <a:solidFill>
                     <a:schemeClr val="tx1"/>
                   </a:solidFill>
@@ -4121,7 +4121,7 @@
                 </a14:hiddenLine>
               </a:ext>
               <a:ext uri="{AF507438-7753-43e0-B8FC-AC1667EBCBE1}">
-                <a14:hiddenEffects xmlns:a14="http://schemas.microsoft.com/office/drawing/2010/main" xmlns="">
+                <a14:hiddenEffects xmlns="" xmlns:a14="http://schemas.microsoft.com/office/drawing/2010/main">
                   <a:effectLst>
                     <a:outerShdw blurRad="63500" dist="38099" dir="2700000" algn="ctr" rotWithShape="0">
                       <a:schemeClr val="bg2">
@@ -4166,7 +4166,7 @@
             <a:effectLst/>
             <a:extLst>
               <a:ext uri="{91240B29-F687-4f45-9708-019B960494DF}">
-                <a14:hiddenLine xmlns:a14="http://schemas.microsoft.com/office/drawing/2010/main" xmlns="" w="9525">
+                <a14:hiddenLine xmlns="" xmlns:a14="http://schemas.microsoft.com/office/drawing/2010/main" w="9525">
                   <a:solidFill>
                     <a:schemeClr val="tx1"/>
                   </a:solidFill>
@@ -4176,7 +4176,7 @@
                 </a14:hiddenLine>
               </a:ext>
               <a:ext uri="{AF507438-7753-43e0-B8FC-AC1667EBCBE1}">
-                <a14:hiddenEffects xmlns:a14="http://schemas.microsoft.com/office/drawing/2010/main" xmlns="">
+                <a14:hiddenEffects xmlns="" xmlns:a14="http://schemas.microsoft.com/office/drawing/2010/main">
                   <a:effectLst>
                     <a:outerShdw blurRad="63500" dist="38099" dir="2700000" algn="ctr" rotWithShape="0">
                       <a:schemeClr val="bg2">
@@ -4221,7 +4221,7 @@
             <a:effectLst/>
             <a:extLst>
               <a:ext uri="{91240B29-F687-4f45-9708-019B960494DF}">
-                <a14:hiddenLine xmlns:a14="http://schemas.microsoft.com/office/drawing/2010/main" xmlns="" w="9525">
+                <a14:hiddenLine xmlns="" xmlns:a14="http://schemas.microsoft.com/office/drawing/2010/main" w="9525">
                   <a:solidFill>
                     <a:schemeClr val="tx1"/>
                   </a:solidFill>
@@ -4231,7 +4231,7 @@
                 </a14:hiddenLine>
               </a:ext>
               <a:ext uri="{AF507438-7753-43e0-B8FC-AC1667EBCBE1}">
-                <a14:hiddenEffects xmlns:a14="http://schemas.microsoft.com/office/drawing/2010/main" xmlns="">
+                <a14:hiddenEffects xmlns="" xmlns:a14="http://schemas.microsoft.com/office/drawing/2010/main">
                   <a:effectLst>
                     <a:outerShdw blurRad="63500" dist="38099" dir="2700000" algn="ctr" rotWithShape="0">
                       <a:schemeClr val="bg2">
@@ -4276,7 +4276,7 @@
             <a:effectLst/>
             <a:extLst>
               <a:ext uri="{91240B29-F687-4f45-9708-019B960494DF}">
-                <a14:hiddenLine xmlns:a14="http://schemas.microsoft.com/office/drawing/2010/main" xmlns="" w="9525">
+                <a14:hiddenLine xmlns="" xmlns:a14="http://schemas.microsoft.com/office/drawing/2010/main" w="9525">
                   <a:solidFill>
                     <a:schemeClr val="tx1"/>
                   </a:solidFill>
@@ -4286,7 +4286,7 @@
                 </a14:hiddenLine>
               </a:ext>
               <a:ext uri="{AF507438-7753-43e0-B8FC-AC1667EBCBE1}">
-                <a14:hiddenEffects xmlns:a14="http://schemas.microsoft.com/office/drawing/2010/main" xmlns="">
+                <a14:hiddenEffects xmlns="" xmlns:a14="http://schemas.microsoft.com/office/drawing/2010/main">
                   <a:effectLst>
                     <a:outerShdw blurRad="63500" dist="38099" dir="2700000" algn="ctr" rotWithShape="0">
                       <a:schemeClr val="bg2">
@@ -4331,7 +4331,7 @@
             <a:effectLst/>
             <a:extLst>
               <a:ext uri="{91240B29-F687-4f45-9708-019B960494DF}">
-                <a14:hiddenLine xmlns:a14="http://schemas.microsoft.com/office/drawing/2010/main" xmlns="" w="9525">
+                <a14:hiddenLine xmlns="" xmlns:a14="http://schemas.microsoft.com/office/drawing/2010/main" w="9525">
                   <a:solidFill>
                     <a:schemeClr val="tx1"/>
                   </a:solidFill>
@@ -4341,7 +4341,7 @@
                 </a14:hiddenLine>
               </a:ext>
               <a:ext uri="{AF507438-7753-43e0-B8FC-AC1667EBCBE1}">
-                <a14:hiddenEffects xmlns:a14="http://schemas.microsoft.com/office/drawing/2010/main" xmlns="">
+                <a14:hiddenEffects xmlns="" xmlns:a14="http://schemas.microsoft.com/office/drawing/2010/main">
                   <a:effectLst>
                     <a:outerShdw blurRad="63500" dist="38099" dir="2700000" algn="ctr" rotWithShape="0">
                       <a:schemeClr val="bg2">
@@ -4386,7 +4386,7 @@
             <a:effectLst/>
             <a:extLst>
               <a:ext uri="{91240B29-F687-4f45-9708-019B960494DF}">
-                <a14:hiddenLine xmlns:a14="http://schemas.microsoft.com/office/drawing/2010/main" xmlns="" w="9525">
+                <a14:hiddenLine xmlns="" xmlns:a14="http://schemas.microsoft.com/office/drawing/2010/main" w="9525">
                   <a:solidFill>
                     <a:schemeClr val="tx1"/>
                   </a:solidFill>
@@ -4396,7 +4396,7 @@
                 </a14:hiddenLine>
               </a:ext>
               <a:ext uri="{AF507438-7753-43e0-B8FC-AC1667EBCBE1}">
-                <a14:hiddenEffects xmlns:a14="http://schemas.microsoft.com/office/drawing/2010/main" xmlns="">
+                <a14:hiddenEffects xmlns="" xmlns:a14="http://schemas.microsoft.com/office/drawing/2010/main">
                   <a:effectLst>
                     <a:outerShdw blurRad="63500" dist="38099" dir="2700000" algn="ctr" rotWithShape="0">
                       <a:schemeClr val="bg2">
@@ -4441,7 +4441,7 @@
             <a:effectLst/>
             <a:extLst>
               <a:ext uri="{91240B29-F687-4f45-9708-019B960494DF}">
-                <a14:hiddenLine xmlns:a14="http://schemas.microsoft.com/office/drawing/2010/main" xmlns="" w="9525">
+                <a14:hiddenLine xmlns="" xmlns:a14="http://schemas.microsoft.com/office/drawing/2010/main" w="9525">
                   <a:solidFill>
                     <a:schemeClr val="tx1"/>
                   </a:solidFill>
@@ -4451,7 +4451,7 @@
                 </a14:hiddenLine>
               </a:ext>
               <a:ext uri="{AF507438-7753-43e0-B8FC-AC1667EBCBE1}">
-                <a14:hiddenEffects xmlns:a14="http://schemas.microsoft.com/office/drawing/2010/main" xmlns="">
+                <a14:hiddenEffects xmlns="" xmlns:a14="http://schemas.microsoft.com/office/drawing/2010/main">
                   <a:effectLst>
                     <a:outerShdw blurRad="63500" dist="38099" dir="2700000" algn="ctr" rotWithShape="0">
                       <a:schemeClr val="bg2">
@@ -4496,7 +4496,7 @@
             <a:effectLst/>
             <a:extLst>
               <a:ext uri="{91240B29-F687-4f45-9708-019B960494DF}">
-                <a14:hiddenLine xmlns:a14="http://schemas.microsoft.com/office/drawing/2010/main" xmlns="" w="9525">
+                <a14:hiddenLine xmlns="" xmlns:a14="http://schemas.microsoft.com/office/drawing/2010/main" w="9525">
                   <a:solidFill>
                     <a:schemeClr val="tx1"/>
                   </a:solidFill>
@@ -4506,7 +4506,7 @@
                 </a14:hiddenLine>
               </a:ext>
               <a:ext uri="{AF507438-7753-43e0-B8FC-AC1667EBCBE1}">
-                <a14:hiddenEffects xmlns:a14="http://schemas.microsoft.com/office/drawing/2010/main" xmlns="">
+                <a14:hiddenEffects xmlns="" xmlns:a14="http://schemas.microsoft.com/office/drawing/2010/main">
                   <a:effectLst>
                     <a:outerShdw blurRad="63500" dist="38099" dir="2700000" algn="ctr" rotWithShape="0">
                       <a:schemeClr val="bg2">
@@ -4551,7 +4551,7 @@
             <a:effectLst/>
             <a:extLst>
               <a:ext uri="{91240B29-F687-4f45-9708-019B960494DF}">
-                <a14:hiddenLine xmlns:a14="http://schemas.microsoft.com/office/drawing/2010/main" xmlns="" w="9525">
+                <a14:hiddenLine xmlns="" xmlns:a14="http://schemas.microsoft.com/office/drawing/2010/main" w="9525">
                   <a:solidFill>
                     <a:schemeClr val="tx1"/>
                   </a:solidFill>
@@ -4561,7 +4561,7 @@
                 </a14:hiddenLine>
               </a:ext>
               <a:ext uri="{AF507438-7753-43e0-B8FC-AC1667EBCBE1}">
-                <a14:hiddenEffects xmlns:a14="http://schemas.microsoft.com/office/drawing/2010/main" xmlns="">
+                <a14:hiddenEffects xmlns="" xmlns:a14="http://schemas.microsoft.com/office/drawing/2010/main">
                   <a:effectLst>
                     <a:outerShdw blurRad="63500" dist="38099" dir="2700000" algn="ctr" rotWithShape="0">
                       <a:schemeClr val="bg2">
@@ -4610,12 +4610,12 @@
           <a:effectLst/>
           <a:extLst>
             <a:ext uri="{909E8E84-426E-40dd-AFC4-6F175D3DCCD1}">
-              <a14:hiddenFill xmlns:a14="http://schemas.microsoft.com/office/drawing/2010/main" xmlns="">
+              <a14:hiddenFill xmlns="" xmlns:a14="http://schemas.microsoft.com/office/drawing/2010/main">
                 <a:noFill/>
               </a14:hiddenFill>
             </a:ext>
             <a:ext uri="{AF507438-7753-43e0-B8FC-AC1667EBCBE1}">
-              <a14:hiddenEffects xmlns:a14="http://schemas.microsoft.com/office/drawing/2010/main" xmlns="">
+              <a14:hiddenEffects xmlns="" xmlns:a14="http://schemas.microsoft.com/office/drawing/2010/main">
                 <a:effectLst>
                   <a:outerShdw blurRad="63500" dist="38099" dir="2700000" algn="ctr" rotWithShape="0">
                     <a:schemeClr val="bg2">
@@ -6939,12 +6939,12 @@
           <a:effectLst/>
           <a:extLst>
             <a:ext uri="{909E8E84-426E-40dd-AFC4-6F175D3DCCD1}">
-              <a14:hiddenFill xmlns:a14="http://schemas.microsoft.com/office/drawing/2010/main" xmlns="">
+              <a14:hiddenFill xmlns="" xmlns:a14="http://schemas.microsoft.com/office/drawing/2010/main">
                 <a:noFill/>
               </a14:hiddenFill>
             </a:ext>
             <a:ext uri="{AF507438-7753-43e0-B8FC-AC1667EBCBE1}">
-              <a14:hiddenEffects xmlns:a14="http://schemas.microsoft.com/office/drawing/2010/main" xmlns="">
+              <a14:hiddenEffects xmlns="" xmlns:a14="http://schemas.microsoft.com/office/drawing/2010/main">
                 <a:effectLst>
                   <a:outerShdw blurRad="63500" dist="38099" dir="2700000" algn="ctr" rotWithShape="0">
                     <a:schemeClr val="bg2">
@@ -6989,17 +6989,17 @@
           <a:effectLst/>
           <a:extLst>
             <a:ext uri="{FAA26D3D-D897-4be2-8F04-BA451C77F1D7}">
-              <ma14:placeholderFlag xmlns:ma14="http://schemas.microsoft.com/office/mac/drawingml/2011/main" xmlns="" val="1"/>
+              <ma14:placeholderFlag xmlns="" xmlns:ma14="http://schemas.microsoft.com/office/mac/drawingml/2011/main" val="1"/>
             </a:ext>
             <a:ext uri="{909E8E84-426E-40dd-AFC4-6F175D3DCCD1}">
-              <a14:hiddenFill xmlns:a14="http://schemas.microsoft.com/office/drawing/2010/main" xmlns="">
+              <a14:hiddenFill xmlns="" xmlns:a14="http://schemas.microsoft.com/office/drawing/2010/main">
                 <a:solidFill>
                   <a:schemeClr val="accent1"/>
                 </a:solidFill>
               </a14:hiddenFill>
             </a:ext>
             <a:ext uri="{91240B29-F687-4f45-9708-019B960494DF}">
-              <a14:hiddenLine xmlns:a14="http://schemas.microsoft.com/office/drawing/2010/main" xmlns="" w="9525">
+              <a14:hiddenLine xmlns="" xmlns:a14="http://schemas.microsoft.com/office/drawing/2010/main" w="9525">
                 <a:solidFill>
                   <a:schemeClr val="tx1"/>
                 </a:solidFill>
@@ -7009,7 +7009,7 @@
               </a14:hiddenLine>
             </a:ext>
             <a:ext uri="{AF507438-7753-43e0-B8FC-AC1667EBCBE1}">
-              <a14:hiddenEffects xmlns:a14="http://schemas.microsoft.com/office/drawing/2010/main" xmlns="">
+              <a14:hiddenEffects xmlns="" xmlns:a14="http://schemas.microsoft.com/office/drawing/2010/main">
                 <a:effectLst>
                   <a:outerShdw blurRad="63500" dist="38099" dir="2700000" algn="ctr" rotWithShape="0">
                     <a:schemeClr val="bg2">
@@ -7062,17 +7062,17 @@
           <a:effectLst/>
           <a:extLst>
             <a:ext uri="{FAA26D3D-D897-4be2-8F04-BA451C77F1D7}">
-              <ma14:placeholderFlag xmlns:ma14="http://schemas.microsoft.com/office/mac/drawingml/2011/main" xmlns="" val="1"/>
+              <ma14:placeholderFlag xmlns="" xmlns:ma14="http://schemas.microsoft.com/office/mac/drawingml/2011/main" val="1"/>
             </a:ext>
             <a:ext uri="{909E8E84-426E-40dd-AFC4-6F175D3DCCD1}">
-              <a14:hiddenFill xmlns:a14="http://schemas.microsoft.com/office/drawing/2010/main" xmlns="">
+              <a14:hiddenFill xmlns="" xmlns:a14="http://schemas.microsoft.com/office/drawing/2010/main">
                 <a:solidFill>
                   <a:schemeClr val="accent1"/>
                 </a:solidFill>
               </a14:hiddenFill>
             </a:ext>
             <a:ext uri="{91240B29-F687-4f45-9708-019B960494DF}">
-              <a14:hiddenLine xmlns:a14="http://schemas.microsoft.com/office/drawing/2010/main" xmlns="" w="9525">
+              <a14:hiddenLine xmlns="" xmlns:a14="http://schemas.microsoft.com/office/drawing/2010/main" w="9525">
                 <a:solidFill>
                   <a:schemeClr val="tx1"/>
                 </a:solidFill>
@@ -7082,7 +7082,7 @@
               </a14:hiddenLine>
             </a:ext>
             <a:ext uri="{AF507438-7753-43e0-B8FC-AC1667EBCBE1}">
-              <a14:hiddenEffects xmlns:a14="http://schemas.microsoft.com/office/drawing/2010/main" xmlns="">
+              <a14:hiddenEffects xmlns="" xmlns:a14="http://schemas.microsoft.com/office/drawing/2010/main">
                 <a:effectLst>
                   <a:outerShdw blurRad="63500" dist="38099" dir="2700000" algn="ctr" rotWithShape="0">
                     <a:schemeClr val="bg2">
@@ -7163,17 +7163,17 @@
           <a:effectLst/>
           <a:extLst>
             <a:ext uri="{FAA26D3D-D897-4be2-8F04-BA451C77F1D7}">
-              <ma14:placeholderFlag xmlns:ma14="http://schemas.microsoft.com/office/mac/drawingml/2011/main" xmlns="" val="1"/>
+              <ma14:placeholderFlag xmlns="" xmlns:ma14="http://schemas.microsoft.com/office/mac/drawingml/2011/main" val="1"/>
             </a:ext>
             <a:ext uri="{909E8E84-426E-40dd-AFC4-6F175D3DCCD1}">
-              <a14:hiddenFill xmlns:a14="http://schemas.microsoft.com/office/drawing/2010/main" xmlns="">
+              <a14:hiddenFill xmlns="" xmlns:a14="http://schemas.microsoft.com/office/drawing/2010/main">
                 <a:solidFill>
                   <a:schemeClr val="accent1"/>
                 </a:solidFill>
               </a14:hiddenFill>
             </a:ext>
             <a:ext uri="{91240B29-F687-4f45-9708-019B960494DF}">
-              <a14:hiddenLine xmlns:a14="http://schemas.microsoft.com/office/drawing/2010/main" xmlns="" w="9525">
+              <a14:hiddenLine xmlns="" xmlns:a14="http://schemas.microsoft.com/office/drawing/2010/main" w="9525">
                 <a:solidFill>
                   <a:schemeClr val="tx1"/>
                 </a:solidFill>
@@ -7183,7 +7183,7 @@
               </a14:hiddenLine>
             </a:ext>
             <a:ext uri="{AF507438-7753-43e0-B8FC-AC1667EBCBE1}">
-              <a14:hiddenEffects xmlns:a14="http://schemas.microsoft.com/office/drawing/2010/main" xmlns="">
+              <a14:hiddenEffects xmlns="" xmlns:a14="http://schemas.microsoft.com/office/drawing/2010/main">
                 <a:effectLst>
                   <a:outerShdw blurRad="63500" dist="38099" dir="2700000" algn="ctr" rotWithShape="0">
                     <a:schemeClr val="bg2">
@@ -7236,17 +7236,17 @@
           <a:effectLst/>
           <a:extLst>
             <a:ext uri="{FAA26D3D-D897-4be2-8F04-BA451C77F1D7}">
-              <ma14:placeholderFlag xmlns:ma14="http://schemas.microsoft.com/office/mac/drawingml/2011/main" xmlns="" val="1"/>
+              <ma14:placeholderFlag xmlns="" xmlns:ma14="http://schemas.microsoft.com/office/mac/drawingml/2011/main" val="1"/>
             </a:ext>
             <a:ext uri="{909E8E84-426E-40dd-AFC4-6F175D3DCCD1}">
-              <a14:hiddenFill xmlns:a14="http://schemas.microsoft.com/office/drawing/2010/main" xmlns="">
+              <a14:hiddenFill xmlns="" xmlns:a14="http://schemas.microsoft.com/office/drawing/2010/main">
                 <a:solidFill>
                   <a:schemeClr val="accent1"/>
                 </a:solidFill>
               </a14:hiddenFill>
             </a:ext>
             <a:ext uri="{91240B29-F687-4f45-9708-019B960494DF}">
-              <a14:hiddenLine xmlns:a14="http://schemas.microsoft.com/office/drawing/2010/main" xmlns="" w="9525">
+              <a14:hiddenLine xmlns="" xmlns:a14="http://schemas.microsoft.com/office/drawing/2010/main" w="9525">
                 <a:solidFill>
                   <a:schemeClr val="tx1"/>
                 </a:solidFill>
@@ -7256,7 +7256,7 @@
               </a14:hiddenLine>
             </a:ext>
             <a:ext uri="{AF507438-7753-43e0-B8FC-AC1667EBCBE1}">
-              <a14:hiddenEffects xmlns:a14="http://schemas.microsoft.com/office/drawing/2010/main" xmlns="">
+              <a14:hiddenEffects xmlns="" xmlns:a14="http://schemas.microsoft.com/office/drawing/2010/main">
                 <a:effectLst>
                   <a:outerShdw blurRad="63500" dist="38099" dir="2700000" algn="ctr" rotWithShape="0">
                     <a:schemeClr val="bg2">
@@ -7309,17 +7309,17 @@
           <a:effectLst/>
           <a:extLst>
             <a:ext uri="{FAA26D3D-D897-4be2-8F04-BA451C77F1D7}">
-              <ma14:placeholderFlag xmlns:ma14="http://schemas.microsoft.com/office/mac/drawingml/2011/main" xmlns="" val="1"/>
+              <ma14:placeholderFlag xmlns="" xmlns:ma14="http://schemas.microsoft.com/office/mac/drawingml/2011/main" val="1"/>
             </a:ext>
             <a:ext uri="{909E8E84-426E-40dd-AFC4-6F175D3DCCD1}">
-              <a14:hiddenFill xmlns:a14="http://schemas.microsoft.com/office/drawing/2010/main" xmlns="">
+              <a14:hiddenFill xmlns="" xmlns:a14="http://schemas.microsoft.com/office/drawing/2010/main">
                 <a:solidFill>
                   <a:schemeClr val="accent1"/>
                 </a:solidFill>
               </a14:hiddenFill>
             </a:ext>
             <a:ext uri="{91240B29-F687-4f45-9708-019B960494DF}">
-              <a14:hiddenLine xmlns:a14="http://schemas.microsoft.com/office/drawing/2010/main" xmlns="" w="9525">
+              <a14:hiddenLine xmlns="" xmlns:a14="http://schemas.microsoft.com/office/drawing/2010/main" w="9525">
                 <a:solidFill>
                   <a:schemeClr val="tx1"/>
                 </a:solidFill>
@@ -7329,7 +7329,7 @@
               </a14:hiddenLine>
             </a:ext>
             <a:ext uri="{AF507438-7753-43e0-B8FC-AC1667EBCBE1}">
-              <a14:hiddenEffects xmlns:a14="http://schemas.microsoft.com/office/drawing/2010/main" xmlns="">
+              <a14:hiddenEffects xmlns="" xmlns:a14="http://schemas.microsoft.com/office/drawing/2010/main">
                 <a:effectLst>
                   <a:outerShdw blurRad="63500" dist="38099" dir="2700000" algn="ctr" rotWithShape="0">
                     <a:schemeClr val="bg2">
@@ -7403,7 +7403,7 @@
             <a:effectLst/>
             <a:extLst>
               <a:ext uri="{91240B29-F687-4f45-9708-019B960494DF}">
-                <a14:hiddenLine xmlns:a14="http://schemas.microsoft.com/office/drawing/2010/main" xmlns="" w="9525">
+                <a14:hiddenLine xmlns="" xmlns:a14="http://schemas.microsoft.com/office/drawing/2010/main" w="9525">
                   <a:solidFill>
                     <a:schemeClr val="tx1"/>
                   </a:solidFill>
@@ -7413,7 +7413,7 @@
                 </a14:hiddenLine>
               </a:ext>
               <a:ext uri="{AF507438-7753-43e0-B8FC-AC1667EBCBE1}">
-                <a14:hiddenEffects xmlns:a14="http://schemas.microsoft.com/office/drawing/2010/main" xmlns="">
+                <a14:hiddenEffects xmlns="" xmlns:a14="http://schemas.microsoft.com/office/drawing/2010/main">
                   <a:effectLst>
                     <a:outerShdw blurRad="63500" dist="38099" dir="2700000" algn="ctr" rotWithShape="0">
                       <a:schemeClr val="bg2">
@@ -7458,7 +7458,7 @@
             <a:effectLst/>
             <a:extLst>
               <a:ext uri="{91240B29-F687-4f45-9708-019B960494DF}">
-                <a14:hiddenLine xmlns:a14="http://schemas.microsoft.com/office/drawing/2010/main" xmlns="" w="9525">
+                <a14:hiddenLine xmlns="" xmlns:a14="http://schemas.microsoft.com/office/drawing/2010/main" w="9525">
                   <a:solidFill>
                     <a:schemeClr val="tx1"/>
                   </a:solidFill>
@@ -7468,7 +7468,7 @@
                 </a14:hiddenLine>
               </a:ext>
               <a:ext uri="{AF507438-7753-43e0-B8FC-AC1667EBCBE1}">
-                <a14:hiddenEffects xmlns:a14="http://schemas.microsoft.com/office/drawing/2010/main" xmlns="">
+                <a14:hiddenEffects xmlns="" xmlns:a14="http://schemas.microsoft.com/office/drawing/2010/main">
                   <a:effectLst>
                     <a:outerShdw blurRad="63500" dist="38099" dir="2700000" algn="ctr" rotWithShape="0">
                       <a:schemeClr val="bg2">
@@ -7513,7 +7513,7 @@
             <a:effectLst/>
             <a:extLst>
               <a:ext uri="{91240B29-F687-4f45-9708-019B960494DF}">
-                <a14:hiddenLine xmlns:a14="http://schemas.microsoft.com/office/drawing/2010/main" xmlns="" w="9525">
+                <a14:hiddenLine xmlns="" xmlns:a14="http://schemas.microsoft.com/office/drawing/2010/main" w="9525">
                   <a:solidFill>
                     <a:schemeClr val="tx1"/>
                   </a:solidFill>
@@ -7523,7 +7523,7 @@
                 </a14:hiddenLine>
               </a:ext>
               <a:ext uri="{AF507438-7753-43e0-B8FC-AC1667EBCBE1}">
-                <a14:hiddenEffects xmlns:a14="http://schemas.microsoft.com/office/drawing/2010/main" xmlns="">
+                <a14:hiddenEffects xmlns="" xmlns:a14="http://schemas.microsoft.com/office/drawing/2010/main">
                   <a:effectLst>
                     <a:outerShdw blurRad="63500" dist="38099" dir="2700000" algn="ctr" rotWithShape="0">
                       <a:schemeClr val="bg2">
@@ -7568,7 +7568,7 @@
             <a:effectLst/>
             <a:extLst>
               <a:ext uri="{91240B29-F687-4f45-9708-019B960494DF}">
-                <a14:hiddenLine xmlns:a14="http://schemas.microsoft.com/office/drawing/2010/main" xmlns="" w="9525">
+                <a14:hiddenLine xmlns="" xmlns:a14="http://schemas.microsoft.com/office/drawing/2010/main" w="9525">
                   <a:solidFill>
                     <a:schemeClr val="tx1"/>
                   </a:solidFill>
@@ -7578,7 +7578,7 @@
                 </a14:hiddenLine>
               </a:ext>
               <a:ext uri="{AF507438-7753-43e0-B8FC-AC1667EBCBE1}">
-                <a14:hiddenEffects xmlns:a14="http://schemas.microsoft.com/office/drawing/2010/main" xmlns="">
+                <a14:hiddenEffects xmlns="" xmlns:a14="http://schemas.microsoft.com/office/drawing/2010/main">
                   <a:effectLst>
                     <a:outerShdw blurRad="63500" dist="38099" dir="2700000" algn="ctr" rotWithShape="0">
                       <a:schemeClr val="bg2">
@@ -7623,7 +7623,7 @@
             <a:effectLst/>
             <a:extLst>
               <a:ext uri="{91240B29-F687-4f45-9708-019B960494DF}">
-                <a14:hiddenLine xmlns:a14="http://schemas.microsoft.com/office/drawing/2010/main" xmlns="" w="9525">
+                <a14:hiddenLine xmlns="" xmlns:a14="http://schemas.microsoft.com/office/drawing/2010/main" w="9525">
                   <a:solidFill>
                     <a:schemeClr val="tx1"/>
                   </a:solidFill>
@@ -7633,7 +7633,7 @@
                 </a14:hiddenLine>
               </a:ext>
               <a:ext uri="{AF507438-7753-43e0-B8FC-AC1667EBCBE1}">
-                <a14:hiddenEffects xmlns:a14="http://schemas.microsoft.com/office/drawing/2010/main" xmlns="">
+                <a14:hiddenEffects xmlns="" xmlns:a14="http://schemas.microsoft.com/office/drawing/2010/main">
                   <a:effectLst>
                     <a:outerShdw blurRad="63500" dist="38099" dir="2700000" algn="ctr" rotWithShape="0">
                       <a:schemeClr val="bg2">
@@ -7678,7 +7678,7 @@
             <a:effectLst/>
             <a:extLst>
               <a:ext uri="{91240B29-F687-4f45-9708-019B960494DF}">
-                <a14:hiddenLine xmlns:a14="http://schemas.microsoft.com/office/drawing/2010/main" xmlns="" w="9525">
+                <a14:hiddenLine xmlns="" xmlns:a14="http://schemas.microsoft.com/office/drawing/2010/main" w="9525">
                   <a:solidFill>
                     <a:schemeClr val="tx1"/>
                   </a:solidFill>
@@ -7688,7 +7688,7 @@
                 </a14:hiddenLine>
               </a:ext>
               <a:ext uri="{AF507438-7753-43e0-B8FC-AC1667EBCBE1}">
-                <a14:hiddenEffects xmlns:a14="http://schemas.microsoft.com/office/drawing/2010/main" xmlns="">
+                <a14:hiddenEffects xmlns="" xmlns:a14="http://schemas.microsoft.com/office/drawing/2010/main">
                   <a:effectLst>
                     <a:outerShdw blurRad="63500" dist="38099" dir="2700000" algn="ctr" rotWithShape="0">
                       <a:schemeClr val="bg2">
@@ -7733,7 +7733,7 @@
             <a:effectLst/>
             <a:extLst>
               <a:ext uri="{91240B29-F687-4f45-9708-019B960494DF}">
-                <a14:hiddenLine xmlns:a14="http://schemas.microsoft.com/office/drawing/2010/main" xmlns="" w="9525">
+                <a14:hiddenLine xmlns="" xmlns:a14="http://schemas.microsoft.com/office/drawing/2010/main" w="9525">
                   <a:solidFill>
                     <a:schemeClr val="tx1"/>
                   </a:solidFill>
@@ -7743,7 +7743,7 @@
                 </a14:hiddenLine>
               </a:ext>
               <a:ext uri="{AF507438-7753-43e0-B8FC-AC1667EBCBE1}">
-                <a14:hiddenEffects xmlns:a14="http://schemas.microsoft.com/office/drawing/2010/main" xmlns="">
+                <a14:hiddenEffects xmlns="" xmlns:a14="http://schemas.microsoft.com/office/drawing/2010/main">
                   <a:effectLst>
                     <a:outerShdw blurRad="63500" dist="38099" dir="2700000" algn="ctr" rotWithShape="0">
                       <a:schemeClr val="bg2">
@@ -7788,7 +7788,7 @@
             <a:effectLst/>
             <a:extLst>
               <a:ext uri="{91240B29-F687-4f45-9708-019B960494DF}">
-                <a14:hiddenLine xmlns:a14="http://schemas.microsoft.com/office/drawing/2010/main" xmlns="" w="9525">
+                <a14:hiddenLine xmlns="" xmlns:a14="http://schemas.microsoft.com/office/drawing/2010/main" w="9525">
                   <a:solidFill>
                     <a:schemeClr val="tx1"/>
                   </a:solidFill>
@@ -7798,7 +7798,7 @@
                 </a14:hiddenLine>
               </a:ext>
               <a:ext uri="{AF507438-7753-43e0-B8FC-AC1667EBCBE1}">
-                <a14:hiddenEffects xmlns:a14="http://schemas.microsoft.com/office/drawing/2010/main" xmlns="">
+                <a14:hiddenEffects xmlns="" xmlns:a14="http://schemas.microsoft.com/office/drawing/2010/main">
                   <a:effectLst>
                     <a:outerShdw blurRad="63500" dist="38099" dir="2700000" algn="ctr" rotWithShape="0">
                       <a:schemeClr val="bg2">
@@ -7843,7 +7843,7 @@
             <a:effectLst/>
             <a:extLst>
               <a:ext uri="{91240B29-F687-4f45-9708-019B960494DF}">
-                <a14:hiddenLine xmlns:a14="http://schemas.microsoft.com/office/drawing/2010/main" xmlns="" w="9525">
+                <a14:hiddenLine xmlns="" xmlns:a14="http://schemas.microsoft.com/office/drawing/2010/main" w="9525">
                   <a:solidFill>
                     <a:schemeClr val="tx1"/>
                   </a:solidFill>
@@ -7853,7 +7853,7 @@
                 </a14:hiddenLine>
               </a:ext>
               <a:ext uri="{AF507438-7753-43e0-B8FC-AC1667EBCBE1}">
-                <a14:hiddenEffects xmlns:a14="http://schemas.microsoft.com/office/drawing/2010/main" xmlns="">
+                <a14:hiddenEffects xmlns="" xmlns:a14="http://schemas.microsoft.com/office/drawing/2010/main">
                   <a:effectLst>
                     <a:outerShdw blurRad="63500" dist="38099" dir="2700000" algn="ctr" rotWithShape="0">
                       <a:schemeClr val="bg2">
@@ -7898,7 +7898,7 @@
             <a:effectLst/>
             <a:extLst>
               <a:ext uri="{91240B29-F687-4f45-9708-019B960494DF}">
-                <a14:hiddenLine xmlns:a14="http://schemas.microsoft.com/office/drawing/2010/main" xmlns="" w="9525">
+                <a14:hiddenLine xmlns="" xmlns:a14="http://schemas.microsoft.com/office/drawing/2010/main" w="9525">
                   <a:solidFill>
                     <a:schemeClr val="tx1"/>
                   </a:solidFill>
@@ -7908,7 +7908,7 @@
                 </a14:hiddenLine>
               </a:ext>
               <a:ext uri="{AF507438-7753-43e0-B8FC-AC1667EBCBE1}">
-                <a14:hiddenEffects xmlns:a14="http://schemas.microsoft.com/office/drawing/2010/main" xmlns="">
+                <a14:hiddenEffects xmlns="" xmlns:a14="http://schemas.microsoft.com/office/drawing/2010/main">
                   <a:effectLst>
                     <a:outerShdw blurRad="63500" dist="38099" dir="2700000" algn="ctr" rotWithShape="0">
                       <a:schemeClr val="bg2">
@@ -7953,7 +7953,7 @@
             <a:effectLst/>
             <a:extLst>
               <a:ext uri="{91240B29-F687-4f45-9708-019B960494DF}">
-                <a14:hiddenLine xmlns:a14="http://schemas.microsoft.com/office/drawing/2010/main" xmlns="" w="9525">
+                <a14:hiddenLine xmlns="" xmlns:a14="http://schemas.microsoft.com/office/drawing/2010/main" w="9525">
                   <a:solidFill>
                     <a:schemeClr val="tx1"/>
                   </a:solidFill>
@@ -7963,7 +7963,7 @@
                 </a14:hiddenLine>
               </a:ext>
               <a:ext uri="{AF507438-7753-43e0-B8FC-AC1667EBCBE1}">
-                <a14:hiddenEffects xmlns:a14="http://schemas.microsoft.com/office/drawing/2010/main" xmlns="">
+                <a14:hiddenEffects xmlns="" xmlns:a14="http://schemas.microsoft.com/office/drawing/2010/main">
                   <a:effectLst>
                     <a:outerShdw blurRad="63500" dist="38099" dir="2700000" algn="ctr" rotWithShape="0">
                       <a:schemeClr val="bg2">
@@ -8008,7 +8008,7 @@
             <a:effectLst/>
             <a:extLst>
               <a:ext uri="{91240B29-F687-4f45-9708-019B960494DF}">
-                <a14:hiddenLine xmlns:a14="http://schemas.microsoft.com/office/drawing/2010/main" xmlns="" w="9525">
+                <a14:hiddenLine xmlns="" xmlns:a14="http://schemas.microsoft.com/office/drawing/2010/main" w="9525">
                   <a:solidFill>
                     <a:schemeClr val="tx1"/>
                   </a:solidFill>
@@ -8018,7 +8018,7 @@
                 </a14:hiddenLine>
               </a:ext>
               <a:ext uri="{AF507438-7753-43e0-B8FC-AC1667EBCBE1}">
-                <a14:hiddenEffects xmlns:a14="http://schemas.microsoft.com/office/drawing/2010/main" xmlns="">
+                <a14:hiddenEffects xmlns="" xmlns:a14="http://schemas.microsoft.com/office/drawing/2010/main">
                   <a:effectLst>
                     <a:outerShdw blurRad="63500" dist="38099" dir="2700000" algn="ctr" rotWithShape="0">
                       <a:schemeClr val="bg2">
@@ -8063,7 +8063,7 @@
             <a:effectLst/>
             <a:extLst>
               <a:ext uri="{91240B29-F687-4f45-9708-019B960494DF}">
-                <a14:hiddenLine xmlns:a14="http://schemas.microsoft.com/office/drawing/2010/main" xmlns="" w="9525">
+                <a14:hiddenLine xmlns="" xmlns:a14="http://schemas.microsoft.com/office/drawing/2010/main" w="9525">
                   <a:solidFill>
                     <a:schemeClr val="tx1"/>
                   </a:solidFill>
@@ -8073,7 +8073,7 @@
                 </a14:hiddenLine>
               </a:ext>
               <a:ext uri="{AF507438-7753-43e0-B8FC-AC1667EBCBE1}">
-                <a14:hiddenEffects xmlns:a14="http://schemas.microsoft.com/office/drawing/2010/main" xmlns="">
+                <a14:hiddenEffects xmlns="" xmlns:a14="http://schemas.microsoft.com/office/drawing/2010/main">
                   <a:effectLst>
                     <a:outerShdw blurRad="63500" dist="38099" dir="2700000" algn="ctr" rotWithShape="0">
                       <a:schemeClr val="bg2">
@@ -8118,7 +8118,7 @@
             <a:effectLst/>
             <a:extLst>
               <a:ext uri="{91240B29-F687-4f45-9708-019B960494DF}">
-                <a14:hiddenLine xmlns:a14="http://schemas.microsoft.com/office/drawing/2010/main" xmlns="" w="9525">
+                <a14:hiddenLine xmlns="" xmlns:a14="http://schemas.microsoft.com/office/drawing/2010/main" w="9525">
                   <a:solidFill>
                     <a:schemeClr val="tx1"/>
                   </a:solidFill>
@@ -8128,7 +8128,7 @@
                 </a14:hiddenLine>
               </a:ext>
               <a:ext uri="{AF507438-7753-43e0-B8FC-AC1667EBCBE1}">
-                <a14:hiddenEffects xmlns:a14="http://schemas.microsoft.com/office/drawing/2010/main" xmlns="">
+                <a14:hiddenEffects xmlns="" xmlns:a14="http://schemas.microsoft.com/office/drawing/2010/main">
                   <a:effectLst>
                     <a:outerShdw blurRad="63500" dist="38099" dir="2700000" algn="ctr" rotWithShape="0">
                       <a:schemeClr val="bg2">
@@ -8173,7 +8173,7 @@
             <a:effectLst/>
             <a:extLst>
               <a:ext uri="{91240B29-F687-4f45-9708-019B960494DF}">
-                <a14:hiddenLine xmlns:a14="http://schemas.microsoft.com/office/drawing/2010/main" xmlns="" w="9525">
+                <a14:hiddenLine xmlns="" xmlns:a14="http://schemas.microsoft.com/office/drawing/2010/main" w="9525">
                   <a:solidFill>
                     <a:schemeClr val="tx1"/>
                   </a:solidFill>
@@ -8183,7 +8183,7 @@
                 </a14:hiddenLine>
               </a:ext>
               <a:ext uri="{AF507438-7753-43e0-B8FC-AC1667EBCBE1}">
-                <a14:hiddenEffects xmlns:a14="http://schemas.microsoft.com/office/drawing/2010/main" xmlns="">
+                <a14:hiddenEffects xmlns="" xmlns:a14="http://schemas.microsoft.com/office/drawing/2010/main">
                   <a:effectLst>
                     <a:outerShdw blurRad="63500" dist="38099" dir="2700000" algn="ctr" rotWithShape="0">
                       <a:schemeClr val="bg2">
@@ -8228,7 +8228,7 @@
             <a:effectLst/>
             <a:extLst>
               <a:ext uri="{91240B29-F687-4f45-9708-019B960494DF}">
-                <a14:hiddenLine xmlns:a14="http://schemas.microsoft.com/office/drawing/2010/main" xmlns="" w="9525">
+                <a14:hiddenLine xmlns="" xmlns:a14="http://schemas.microsoft.com/office/drawing/2010/main" w="9525">
                   <a:solidFill>
                     <a:schemeClr val="tx1"/>
                   </a:solidFill>
@@ -8238,7 +8238,7 @@
                 </a14:hiddenLine>
               </a:ext>
               <a:ext uri="{AF507438-7753-43e0-B8FC-AC1667EBCBE1}">
-                <a14:hiddenEffects xmlns:a14="http://schemas.microsoft.com/office/drawing/2010/main" xmlns="">
+                <a14:hiddenEffects xmlns="" xmlns:a14="http://schemas.microsoft.com/office/drawing/2010/main">
                   <a:effectLst>
                     <a:outerShdw blurRad="63500" dist="38099" dir="2700000" algn="ctr" rotWithShape="0">
                       <a:schemeClr val="bg2">
@@ -8283,7 +8283,7 @@
             <a:effectLst/>
             <a:extLst>
               <a:ext uri="{91240B29-F687-4f45-9708-019B960494DF}">
-                <a14:hiddenLine xmlns:a14="http://schemas.microsoft.com/office/drawing/2010/main" xmlns="" w="9525">
+                <a14:hiddenLine xmlns="" xmlns:a14="http://schemas.microsoft.com/office/drawing/2010/main" w="9525">
                   <a:solidFill>
                     <a:schemeClr val="tx1"/>
                   </a:solidFill>
@@ -8293,7 +8293,7 @@
                 </a14:hiddenLine>
               </a:ext>
               <a:ext uri="{AF507438-7753-43e0-B8FC-AC1667EBCBE1}">
-                <a14:hiddenEffects xmlns:a14="http://schemas.microsoft.com/office/drawing/2010/main" xmlns="">
+                <a14:hiddenEffects xmlns="" xmlns:a14="http://schemas.microsoft.com/office/drawing/2010/main">
                   <a:effectLst>
                     <a:outerShdw blurRad="63500" dist="38099" dir="2700000" algn="ctr" rotWithShape="0">
                       <a:schemeClr val="bg2">
@@ -8338,7 +8338,7 @@
             <a:effectLst/>
             <a:extLst>
               <a:ext uri="{91240B29-F687-4f45-9708-019B960494DF}">
-                <a14:hiddenLine xmlns:a14="http://schemas.microsoft.com/office/drawing/2010/main" xmlns="" w="9525">
+                <a14:hiddenLine xmlns="" xmlns:a14="http://schemas.microsoft.com/office/drawing/2010/main" w="9525">
                   <a:solidFill>
                     <a:schemeClr val="tx1"/>
                   </a:solidFill>
@@ -8348,7 +8348,7 @@
                 </a14:hiddenLine>
               </a:ext>
               <a:ext uri="{AF507438-7753-43e0-B8FC-AC1667EBCBE1}">
-                <a14:hiddenEffects xmlns:a14="http://schemas.microsoft.com/office/drawing/2010/main" xmlns="">
+                <a14:hiddenEffects xmlns="" xmlns:a14="http://schemas.microsoft.com/office/drawing/2010/main">
                   <a:effectLst>
                     <a:outerShdw blurRad="63500" dist="38099" dir="2700000" algn="ctr" rotWithShape="0">
                       <a:schemeClr val="bg2">
@@ -8393,7 +8393,7 @@
             <a:effectLst/>
             <a:extLst>
               <a:ext uri="{91240B29-F687-4f45-9708-019B960494DF}">
-                <a14:hiddenLine xmlns:a14="http://schemas.microsoft.com/office/drawing/2010/main" xmlns="" w="9525">
+                <a14:hiddenLine xmlns="" xmlns:a14="http://schemas.microsoft.com/office/drawing/2010/main" w="9525">
                   <a:solidFill>
                     <a:schemeClr val="tx1"/>
                   </a:solidFill>
@@ -8403,7 +8403,7 @@
                 </a14:hiddenLine>
               </a:ext>
               <a:ext uri="{AF507438-7753-43e0-B8FC-AC1667EBCBE1}">
-                <a14:hiddenEffects xmlns:a14="http://schemas.microsoft.com/office/drawing/2010/main" xmlns="">
+                <a14:hiddenEffects xmlns="" xmlns:a14="http://schemas.microsoft.com/office/drawing/2010/main">
                   <a:effectLst>
                     <a:outerShdw blurRad="63500" dist="38099" dir="2700000" algn="ctr" rotWithShape="0">
                       <a:schemeClr val="bg2">
@@ -8448,7 +8448,7 @@
             <a:effectLst/>
             <a:extLst>
               <a:ext uri="{91240B29-F687-4f45-9708-019B960494DF}">
-                <a14:hiddenLine xmlns:a14="http://schemas.microsoft.com/office/drawing/2010/main" xmlns="" w="9525">
+                <a14:hiddenLine xmlns="" xmlns:a14="http://schemas.microsoft.com/office/drawing/2010/main" w="9525">
                   <a:solidFill>
                     <a:schemeClr val="tx1"/>
                   </a:solidFill>
@@ -8458,7 +8458,7 @@
                 </a14:hiddenLine>
               </a:ext>
               <a:ext uri="{AF507438-7753-43e0-B8FC-AC1667EBCBE1}">
-                <a14:hiddenEffects xmlns:a14="http://schemas.microsoft.com/office/drawing/2010/main" xmlns="">
+                <a14:hiddenEffects xmlns="" xmlns:a14="http://schemas.microsoft.com/office/drawing/2010/main">
                   <a:effectLst>
                     <a:outerShdw blurRad="63500" dist="38099" dir="2700000" algn="ctr" rotWithShape="0">
                       <a:schemeClr val="bg2">
@@ -8503,7 +8503,7 @@
             <a:effectLst/>
             <a:extLst>
               <a:ext uri="{91240B29-F687-4f45-9708-019B960494DF}">
-                <a14:hiddenLine xmlns:a14="http://schemas.microsoft.com/office/drawing/2010/main" xmlns="" w="9525">
+                <a14:hiddenLine xmlns="" xmlns:a14="http://schemas.microsoft.com/office/drawing/2010/main" w="9525">
                   <a:solidFill>
                     <a:schemeClr val="tx1"/>
                   </a:solidFill>
@@ -8513,7 +8513,7 @@
                 </a14:hiddenLine>
               </a:ext>
               <a:ext uri="{AF507438-7753-43e0-B8FC-AC1667EBCBE1}">
-                <a14:hiddenEffects xmlns:a14="http://schemas.microsoft.com/office/drawing/2010/main" xmlns="">
+                <a14:hiddenEffects xmlns="" xmlns:a14="http://schemas.microsoft.com/office/drawing/2010/main">
                   <a:effectLst>
                     <a:outerShdw blurRad="63500" dist="38099" dir="2700000" algn="ctr" rotWithShape="0">
                       <a:schemeClr val="bg2">
@@ -8558,7 +8558,7 @@
             <a:effectLst/>
             <a:extLst>
               <a:ext uri="{91240B29-F687-4f45-9708-019B960494DF}">
-                <a14:hiddenLine xmlns:a14="http://schemas.microsoft.com/office/drawing/2010/main" xmlns="" w="9525">
+                <a14:hiddenLine xmlns="" xmlns:a14="http://schemas.microsoft.com/office/drawing/2010/main" w="9525">
                   <a:solidFill>
                     <a:schemeClr val="tx1"/>
                   </a:solidFill>
@@ -8568,7 +8568,7 @@
                 </a14:hiddenLine>
               </a:ext>
               <a:ext uri="{AF507438-7753-43e0-B8FC-AC1667EBCBE1}">
-                <a14:hiddenEffects xmlns:a14="http://schemas.microsoft.com/office/drawing/2010/main" xmlns="">
+                <a14:hiddenEffects xmlns="" xmlns:a14="http://schemas.microsoft.com/office/drawing/2010/main">
                   <a:effectLst>
                     <a:outerShdw blurRad="63500" dist="38099" dir="2700000" algn="ctr" rotWithShape="0">
                       <a:schemeClr val="bg2">
@@ -8613,7 +8613,7 @@
             <a:effectLst/>
             <a:extLst>
               <a:ext uri="{91240B29-F687-4f45-9708-019B960494DF}">
-                <a14:hiddenLine xmlns:a14="http://schemas.microsoft.com/office/drawing/2010/main" xmlns="" w="9525">
+                <a14:hiddenLine xmlns="" xmlns:a14="http://schemas.microsoft.com/office/drawing/2010/main" w="9525">
                   <a:solidFill>
                     <a:schemeClr val="tx1"/>
                   </a:solidFill>
@@ -8623,7 +8623,7 @@
                 </a14:hiddenLine>
               </a:ext>
               <a:ext uri="{AF507438-7753-43e0-B8FC-AC1667EBCBE1}">
-                <a14:hiddenEffects xmlns:a14="http://schemas.microsoft.com/office/drawing/2010/main" xmlns="">
+                <a14:hiddenEffects xmlns="" xmlns:a14="http://schemas.microsoft.com/office/drawing/2010/main">
                   <a:effectLst>
                     <a:outerShdw blurRad="63500" dist="38099" dir="2700000" algn="ctr" rotWithShape="0">
                       <a:schemeClr val="bg2">
@@ -8668,7 +8668,7 @@
             <a:effectLst/>
             <a:extLst>
               <a:ext uri="{91240B29-F687-4f45-9708-019B960494DF}">
-                <a14:hiddenLine xmlns:a14="http://schemas.microsoft.com/office/drawing/2010/main" xmlns="" w="9525">
+                <a14:hiddenLine xmlns="" xmlns:a14="http://schemas.microsoft.com/office/drawing/2010/main" w="9525">
                   <a:solidFill>
                     <a:schemeClr val="tx1"/>
                   </a:solidFill>
@@ -8678,7 +8678,7 @@
                 </a14:hiddenLine>
               </a:ext>
               <a:ext uri="{AF507438-7753-43e0-B8FC-AC1667EBCBE1}">
-                <a14:hiddenEffects xmlns:a14="http://schemas.microsoft.com/office/drawing/2010/main" xmlns="">
+                <a14:hiddenEffects xmlns="" xmlns:a14="http://schemas.microsoft.com/office/drawing/2010/main">
                   <a:effectLst>
                     <a:outerShdw blurRad="63500" dist="38099" dir="2700000" algn="ctr" rotWithShape="0">
                       <a:schemeClr val="bg2">
@@ -8723,7 +8723,7 @@
             <a:effectLst/>
             <a:extLst>
               <a:ext uri="{91240B29-F687-4f45-9708-019B960494DF}">
-                <a14:hiddenLine xmlns:a14="http://schemas.microsoft.com/office/drawing/2010/main" xmlns="" w="9525">
+                <a14:hiddenLine xmlns="" xmlns:a14="http://schemas.microsoft.com/office/drawing/2010/main" w="9525">
                   <a:solidFill>
                     <a:schemeClr val="tx1"/>
                   </a:solidFill>
@@ -8733,7 +8733,7 @@
                 </a14:hiddenLine>
               </a:ext>
               <a:ext uri="{AF507438-7753-43e0-B8FC-AC1667EBCBE1}">
-                <a14:hiddenEffects xmlns:a14="http://schemas.microsoft.com/office/drawing/2010/main" xmlns="">
+                <a14:hiddenEffects xmlns="" xmlns:a14="http://schemas.microsoft.com/office/drawing/2010/main">
                   <a:effectLst>
                     <a:outerShdw blurRad="63500" dist="38099" dir="2700000" algn="ctr" rotWithShape="0">
                       <a:schemeClr val="bg2">
@@ -8778,7 +8778,7 @@
             <a:effectLst/>
             <a:extLst>
               <a:ext uri="{91240B29-F687-4f45-9708-019B960494DF}">
-                <a14:hiddenLine xmlns:a14="http://schemas.microsoft.com/office/drawing/2010/main" xmlns="" w="9525">
+                <a14:hiddenLine xmlns="" xmlns:a14="http://schemas.microsoft.com/office/drawing/2010/main" w="9525">
                   <a:solidFill>
                     <a:schemeClr val="tx1"/>
                   </a:solidFill>
@@ -8788,7 +8788,7 @@
                 </a14:hiddenLine>
               </a:ext>
               <a:ext uri="{AF507438-7753-43e0-B8FC-AC1667EBCBE1}">
-                <a14:hiddenEffects xmlns:a14="http://schemas.microsoft.com/office/drawing/2010/main" xmlns="">
+                <a14:hiddenEffects xmlns="" xmlns:a14="http://schemas.microsoft.com/office/drawing/2010/main">
                   <a:effectLst>
                     <a:outerShdw blurRad="63500" dist="38099" dir="2700000" algn="ctr" rotWithShape="0">
                       <a:schemeClr val="bg2">
@@ -8833,7 +8833,7 @@
             <a:effectLst/>
             <a:extLst>
               <a:ext uri="{91240B29-F687-4f45-9708-019B960494DF}">
-                <a14:hiddenLine xmlns:a14="http://schemas.microsoft.com/office/drawing/2010/main" xmlns="" w="9525">
+                <a14:hiddenLine xmlns="" xmlns:a14="http://schemas.microsoft.com/office/drawing/2010/main" w="9525">
                   <a:solidFill>
                     <a:schemeClr val="tx1"/>
                   </a:solidFill>
@@ -8843,7 +8843,7 @@
                 </a14:hiddenLine>
               </a:ext>
               <a:ext uri="{AF507438-7753-43e0-B8FC-AC1667EBCBE1}">
-                <a14:hiddenEffects xmlns:a14="http://schemas.microsoft.com/office/drawing/2010/main" xmlns="">
+                <a14:hiddenEffects xmlns="" xmlns:a14="http://schemas.microsoft.com/office/drawing/2010/main">
                   <a:effectLst>
                     <a:outerShdw blurRad="63500" dist="38099" dir="2700000" algn="ctr" rotWithShape="0">
                       <a:schemeClr val="bg2">
@@ -8888,7 +8888,7 @@
             <a:effectLst/>
             <a:extLst>
               <a:ext uri="{91240B29-F687-4f45-9708-019B960494DF}">
-                <a14:hiddenLine xmlns:a14="http://schemas.microsoft.com/office/drawing/2010/main" xmlns="" w="9525">
+                <a14:hiddenLine xmlns="" xmlns:a14="http://schemas.microsoft.com/office/drawing/2010/main" w="9525">
                   <a:solidFill>
                     <a:schemeClr val="tx1"/>
                   </a:solidFill>
@@ -8898,7 +8898,7 @@
                 </a14:hiddenLine>
               </a:ext>
               <a:ext uri="{AF507438-7753-43e0-B8FC-AC1667EBCBE1}">
-                <a14:hiddenEffects xmlns:a14="http://schemas.microsoft.com/office/drawing/2010/main" xmlns="">
+                <a14:hiddenEffects xmlns="" xmlns:a14="http://schemas.microsoft.com/office/drawing/2010/main">
                   <a:effectLst>
                     <a:outerShdw blurRad="63500" dist="38099" dir="2700000" algn="ctr" rotWithShape="0">
                       <a:schemeClr val="bg2">
@@ -8943,7 +8943,7 @@
             <a:effectLst/>
             <a:extLst>
               <a:ext uri="{91240B29-F687-4f45-9708-019B960494DF}">
-                <a14:hiddenLine xmlns:a14="http://schemas.microsoft.com/office/drawing/2010/main" xmlns="" w="9525">
+                <a14:hiddenLine xmlns="" xmlns:a14="http://schemas.microsoft.com/office/drawing/2010/main" w="9525">
                   <a:solidFill>
                     <a:schemeClr val="tx1"/>
                   </a:solidFill>
@@ -8953,7 +8953,7 @@
                 </a14:hiddenLine>
               </a:ext>
               <a:ext uri="{AF507438-7753-43e0-B8FC-AC1667EBCBE1}">
-                <a14:hiddenEffects xmlns:a14="http://schemas.microsoft.com/office/drawing/2010/main" xmlns="">
+                <a14:hiddenEffects xmlns="" xmlns:a14="http://schemas.microsoft.com/office/drawing/2010/main">
                   <a:effectLst>
                     <a:outerShdw blurRad="63500" dist="38099" dir="2700000" algn="ctr" rotWithShape="0">
                       <a:schemeClr val="bg2">
@@ -8998,7 +8998,7 @@
             <a:effectLst/>
             <a:extLst>
               <a:ext uri="{91240B29-F687-4f45-9708-019B960494DF}">
-                <a14:hiddenLine xmlns:a14="http://schemas.microsoft.com/office/drawing/2010/main" xmlns="" w="9525">
+                <a14:hiddenLine xmlns="" xmlns:a14="http://schemas.microsoft.com/office/drawing/2010/main" w="9525">
                   <a:solidFill>
                     <a:schemeClr val="tx1"/>
                   </a:solidFill>
@@ -9008,7 +9008,7 @@
                 </a14:hiddenLine>
               </a:ext>
               <a:ext uri="{AF507438-7753-43e0-B8FC-AC1667EBCBE1}">
-                <a14:hiddenEffects xmlns:a14="http://schemas.microsoft.com/office/drawing/2010/main" xmlns="">
+                <a14:hiddenEffects xmlns="" xmlns:a14="http://schemas.microsoft.com/office/drawing/2010/main">
                   <a:effectLst>
                     <a:outerShdw blurRad="63500" dist="38099" dir="2700000" algn="ctr" rotWithShape="0">
                       <a:schemeClr val="bg2">
@@ -9053,7 +9053,7 @@
             <a:effectLst/>
             <a:extLst>
               <a:ext uri="{91240B29-F687-4f45-9708-019B960494DF}">
-                <a14:hiddenLine xmlns:a14="http://schemas.microsoft.com/office/drawing/2010/main" xmlns="" w="9525">
+                <a14:hiddenLine xmlns="" xmlns:a14="http://schemas.microsoft.com/office/drawing/2010/main" w="9525">
                   <a:solidFill>
                     <a:schemeClr val="tx1"/>
                   </a:solidFill>
@@ -9063,7 +9063,7 @@
                 </a14:hiddenLine>
               </a:ext>
               <a:ext uri="{AF507438-7753-43e0-B8FC-AC1667EBCBE1}">
-                <a14:hiddenEffects xmlns:a14="http://schemas.microsoft.com/office/drawing/2010/main" xmlns="">
+                <a14:hiddenEffects xmlns="" xmlns:a14="http://schemas.microsoft.com/office/drawing/2010/main">
                   <a:effectLst>
                     <a:outerShdw blurRad="63500" dist="38099" dir="2700000" algn="ctr" rotWithShape="0">
                       <a:schemeClr val="bg2">
@@ -9628,7 +9628,7 @@
           </a:ln>
           <a:extLst>
             <a:ext uri="{909E8E84-426E-40dd-AFC4-6F175D3DCCD1}">
-              <a14:hiddenFill xmlns:a14="http://schemas.microsoft.com/office/drawing/2010/main" xmlns="">
+              <a14:hiddenFill xmlns="" xmlns:a14="http://schemas.microsoft.com/office/drawing/2010/main">
                 <a:solidFill>
                   <a:schemeClr val="accent1"/>
                 </a:solidFill>
@@ -9680,14 +9680,14 @@
           </a:ln>
           <a:extLst>
             <a:ext uri="{909E8E84-426E-40dd-AFC4-6F175D3DCCD1}">
-              <a14:hiddenFill xmlns:a14="http://schemas.microsoft.com/office/drawing/2010/main" xmlns="">
+              <a14:hiddenFill xmlns="" xmlns:a14="http://schemas.microsoft.com/office/drawing/2010/main">
                 <a:solidFill>
                   <a:schemeClr val="accent1"/>
                 </a:solidFill>
               </a14:hiddenFill>
             </a:ext>
             <a:ext uri="{91240B29-F687-4f45-9708-019B960494DF}">
-              <a14:hiddenLine xmlns:a14="http://schemas.microsoft.com/office/drawing/2010/main" xmlns="" w="9525">
+              <a14:hiddenLine xmlns="" xmlns:a14="http://schemas.microsoft.com/office/drawing/2010/main" w="9525">
                 <a:solidFill>
                   <a:schemeClr val="tx1"/>
                 </a:solidFill>
@@ -9870,14 +9870,14 @@
           </a:ln>
           <a:extLst>
             <a:ext uri="{909E8E84-426E-40dd-AFC4-6F175D3DCCD1}">
-              <a14:hiddenFill xmlns:a14="http://schemas.microsoft.com/office/drawing/2010/main" xmlns="">
+              <a14:hiddenFill xmlns="" xmlns:a14="http://schemas.microsoft.com/office/drawing/2010/main">
                 <a:solidFill>
                   <a:schemeClr val="accent1"/>
                 </a:solidFill>
               </a14:hiddenFill>
             </a:ext>
             <a:ext uri="{91240B29-F687-4f45-9708-019B960494DF}">
-              <a14:hiddenLine xmlns:a14="http://schemas.microsoft.com/office/drawing/2010/main" xmlns="" w="9525">
+              <a14:hiddenLine xmlns="" xmlns:a14="http://schemas.microsoft.com/office/drawing/2010/main" w="9525">
                 <a:solidFill>
                   <a:schemeClr val="tx1"/>
                 </a:solidFill>
@@ -9946,14 +9946,14 @@
           </a:ln>
           <a:extLst>
             <a:ext uri="{909E8E84-426E-40dd-AFC4-6F175D3DCCD1}">
-              <a14:hiddenFill xmlns:a14="http://schemas.microsoft.com/office/drawing/2010/main" xmlns="">
+              <a14:hiddenFill xmlns="" xmlns:a14="http://schemas.microsoft.com/office/drawing/2010/main">
                 <a:solidFill>
                   <a:schemeClr val="accent1"/>
                 </a:solidFill>
               </a14:hiddenFill>
             </a:ext>
             <a:ext uri="{91240B29-F687-4f45-9708-019B960494DF}">
-              <a14:hiddenLine xmlns:a14="http://schemas.microsoft.com/office/drawing/2010/main" xmlns="" w="9525">
+              <a14:hiddenLine xmlns="" xmlns:a14="http://schemas.microsoft.com/office/drawing/2010/main" w="9525">
                 <a:solidFill>
                   <a:schemeClr val="tx1"/>
                 </a:solidFill>
@@ -10027,7 +10027,7 @@
           </a:ln>
           <a:extLst>
             <a:ext uri="{909E8E84-426E-40dd-AFC4-6F175D3DCCD1}">
-              <a14:hiddenFill xmlns:a14="http://schemas.microsoft.com/office/drawing/2010/main" xmlns="">
+              <a14:hiddenFill xmlns="" xmlns:a14="http://schemas.microsoft.com/office/drawing/2010/main">
                 <a:solidFill>
                   <a:schemeClr val="accent1"/>
                 </a:solidFill>
@@ -10263,14 +10263,14 @@
           <a:effectLst/>
           <a:extLst>
             <a:ext uri="{909E8E84-426E-40dd-AFC4-6F175D3DCCD1}">
-              <a14:hiddenFill xmlns:a14="http://schemas.microsoft.com/office/drawing/2010/main" xmlns="">
+              <a14:hiddenFill xmlns="" xmlns:a14="http://schemas.microsoft.com/office/drawing/2010/main">
                 <a:solidFill>
                   <a:schemeClr val="accent1"/>
                 </a:solidFill>
               </a14:hiddenFill>
             </a:ext>
             <a:ext uri="{91240B29-F687-4f45-9708-019B960494DF}">
-              <a14:hiddenLine xmlns:a14="http://schemas.microsoft.com/office/drawing/2010/main" xmlns="" w="9525">
+              <a14:hiddenLine xmlns="" xmlns:a14="http://schemas.microsoft.com/office/drawing/2010/main" w="9525">
                 <a:solidFill>
                   <a:schemeClr val="tx1"/>
                 </a:solidFill>
@@ -10280,7 +10280,7 @@
               </a14:hiddenLine>
             </a:ext>
             <a:ext uri="{AF507438-7753-43e0-B8FC-AC1667EBCBE1}">
-              <a14:hiddenEffects xmlns:a14="http://schemas.microsoft.com/office/drawing/2010/main" xmlns="">
+              <a14:hiddenEffects xmlns="" xmlns:a14="http://schemas.microsoft.com/office/drawing/2010/main">
                 <a:effectLst>
                   <a:outerShdw blurRad="63500" dist="38099" dir="2700000" algn="ctr" rotWithShape="0">
                     <a:schemeClr val="bg2">
@@ -10348,14 +10348,14 @@
           <a:effectLst/>
           <a:extLst>
             <a:ext uri="{909E8E84-426E-40dd-AFC4-6F175D3DCCD1}">
-              <a14:hiddenFill xmlns:a14="http://schemas.microsoft.com/office/drawing/2010/main" xmlns="">
+              <a14:hiddenFill xmlns="" xmlns:a14="http://schemas.microsoft.com/office/drawing/2010/main">
                 <a:solidFill>
                   <a:schemeClr val="accent1"/>
                 </a:solidFill>
               </a14:hiddenFill>
             </a:ext>
             <a:ext uri="{91240B29-F687-4f45-9708-019B960494DF}">
-              <a14:hiddenLine xmlns:a14="http://schemas.microsoft.com/office/drawing/2010/main" xmlns="" w="9525">
+              <a14:hiddenLine xmlns="" xmlns:a14="http://schemas.microsoft.com/office/drawing/2010/main" w="9525">
                 <a:solidFill>
                   <a:schemeClr val="tx1"/>
                 </a:solidFill>
@@ -10365,7 +10365,7 @@
               </a14:hiddenLine>
             </a:ext>
             <a:ext uri="{AF507438-7753-43e0-B8FC-AC1667EBCBE1}">
-              <a14:hiddenEffects xmlns:a14="http://schemas.microsoft.com/office/drawing/2010/main" xmlns="">
+              <a14:hiddenEffects xmlns="" xmlns:a14="http://schemas.microsoft.com/office/drawing/2010/main">
                 <a:effectLst>
                   <a:outerShdw blurRad="63500" dist="38099" dir="2700000" algn="ctr" rotWithShape="0">
                     <a:schemeClr val="bg2">
@@ -10414,14 +10414,14 @@
           <a:effectLst/>
           <a:extLst>
             <a:ext uri="{909E8E84-426E-40dd-AFC4-6F175D3DCCD1}">
-              <a14:hiddenFill xmlns:a14="http://schemas.microsoft.com/office/drawing/2010/main" xmlns="">
+              <a14:hiddenFill xmlns="" xmlns:a14="http://schemas.microsoft.com/office/drawing/2010/main">
                 <a:solidFill>
                   <a:schemeClr val="accent1"/>
                 </a:solidFill>
               </a14:hiddenFill>
             </a:ext>
             <a:ext uri="{91240B29-F687-4f45-9708-019B960494DF}">
-              <a14:hiddenLine xmlns:a14="http://schemas.microsoft.com/office/drawing/2010/main" xmlns="" w="9525">
+              <a14:hiddenLine xmlns="" xmlns:a14="http://schemas.microsoft.com/office/drawing/2010/main" w="9525">
                 <a:solidFill>
                   <a:schemeClr val="tx1"/>
                 </a:solidFill>
@@ -10431,7 +10431,7 @@
               </a14:hiddenLine>
             </a:ext>
             <a:ext uri="{AF507438-7753-43e0-B8FC-AC1667EBCBE1}">
-              <a14:hiddenEffects xmlns:a14="http://schemas.microsoft.com/office/drawing/2010/main" xmlns="">
+              <a14:hiddenEffects xmlns="" xmlns:a14="http://schemas.microsoft.com/office/drawing/2010/main">
                 <a:effectLst>
                   <a:outerShdw blurRad="63500" dist="38099" dir="2700000" algn="ctr" rotWithShape="0">
                     <a:schemeClr val="bg2">
@@ -10505,14 +10505,14 @@
           <a:effectLst/>
           <a:extLst>
             <a:ext uri="{909E8E84-426E-40dd-AFC4-6F175D3DCCD1}">
-              <a14:hiddenFill xmlns:a14="http://schemas.microsoft.com/office/drawing/2010/main" xmlns="">
+              <a14:hiddenFill xmlns="" xmlns:a14="http://schemas.microsoft.com/office/drawing/2010/main">
                 <a:solidFill>
                   <a:schemeClr val="accent1"/>
                 </a:solidFill>
               </a14:hiddenFill>
             </a:ext>
             <a:ext uri="{91240B29-F687-4f45-9708-019B960494DF}">
-              <a14:hiddenLine xmlns:a14="http://schemas.microsoft.com/office/drawing/2010/main" xmlns="" w="9525">
+              <a14:hiddenLine xmlns="" xmlns:a14="http://schemas.microsoft.com/office/drawing/2010/main" w="9525">
                 <a:solidFill>
                   <a:schemeClr val="tx1"/>
                 </a:solidFill>
@@ -10522,7 +10522,7 @@
               </a14:hiddenLine>
             </a:ext>
             <a:ext uri="{AF507438-7753-43e0-B8FC-AC1667EBCBE1}">
-              <a14:hiddenEffects xmlns:a14="http://schemas.microsoft.com/office/drawing/2010/main" xmlns="">
+              <a14:hiddenEffects xmlns="" xmlns:a14="http://schemas.microsoft.com/office/drawing/2010/main">
                 <a:effectLst>
                   <a:outerShdw blurRad="63500" dist="38099" dir="2700000" algn="ctr" rotWithShape="0">
                     <a:schemeClr val="bg2">
@@ -10596,14 +10596,14 @@
           <a:effectLst/>
           <a:extLst>
             <a:ext uri="{909E8E84-426E-40dd-AFC4-6F175D3DCCD1}">
-              <a14:hiddenFill xmlns:a14="http://schemas.microsoft.com/office/drawing/2010/main" xmlns="">
+              <a14:hiddenFill xmlns="" xmlns:a14="http://schemas.microsoft.com/office/drawing/2010/main">
                 <a:solidFill>
                   <a:schemeClr val="accent1"/>
                 </a:solidFill>
               </a14:hiddenFill>
             </a:ext>
             <a:ext uri="{91240B29-F687-4f45-9708-019B960494DF}">
-              <a14:hiddenLine xmlns:a14="http://schemas.microsoft.com/office/drawing/2010/main" xmlns="" w="9525">
+              <a14:hiddenLine xmlns="" xmlns:a14="http://schemas.microsoft.com/office/drawing/2010/main" w="9525">
                 <a:solidFill>
                   <a:schemeClr val="tx1"/>
                 </a:solidFill>
@@ -10613,7 +10613,7 @@
               </a14:hiddenLine>
             </a:ext>
             <a:ext uri="{AF507438-7753-43e0-B8FC-AC1667EBCBE1}">
-              <a14:hiddenEffects xmlns:a14="http://schemas.microsoft.com/office/drawing/2010/main" xmlns="">
+              <a14:hiddenEffects xmlns="" xmlns:a14="http://schemas.microsoft.com/office/drawing/2010/main">
                 <a:effectLst>
                   <a:outerShdw blurRad="63500" dist="38099" dir="2700000" algn="ctr" rotWithShape="0">
                     <a:schemeClr val="bg2">
@@ -10671,14 +10671,14 @@
           <a:effectLst/>
           <a:extLst>
             <a:ext uri="{909E8E84-426E-40dd-AFC4-6F175D3DCCD1}">
-              <a14:hiddenFill xmlns:a14="http://schemas.microsoft.com/office/drawing/2010/main" xmlns="">
+              <a14:hiddenFill xmlns="" xmlns:a14="http://schemas.microsoft.com/office/drawing/2010/main">
                 <a:solidFill>
                   <a:schemeClr val="accent1"/>
                 </a:solidFill>
               </a14:hiddenFill>
             </a:ext>
             <a:ext uri="{AF507438-7753-43e0-B8FC-AC1667EBCBE1}">
-              <a14:hiddenEffects xmlns:a14="http://schemas.microsoft.com/office/drawing/2010/main" xmlns="">
+              <a14:hiddenEffects xmlns="" xmlns:a14="http://schemas.microsoft.com/office/drawing/2010/main">
                 <a:effectLst>
                   <a:outerShdw blurRad="63500" dist="38099" dir="2700000" algn="ctr" rotWithShape="0">
                     <a:schemeClr val="bg2">
@@ -10721,14 +10721,14 @@
           <a:effectLst/>
           <a:extLst>
             <a:ext uri="{909E8E84-426E-40dd-AFC4-6F175D3DCCD1}">
-              <a14:hiddenFill xmlns:a14="http://schemas.microsoft.com/office/drawing/2010/main" xmlns="">
+              <a14:hiddenFill xmlns="" xmlns:a14="http://schemas.microsoft.com/office/drawing/2010/main">
                 <a:solidFill>
                   <a:schemeClr val="accent1"/>
                 </a:solidFill>
               </a14:hiddenFill>
             </a:ext>
             <a:ext uri="{91240B29-F687-4f45-9708-019B960494DF}">
-              <a14:hiddenLine xmlns:a14="http://schemas.microsoft.com/office/drawing/2010/main" xmlns="" w="9525">
+              <a14:hiddenLine xmlns="" xmlns:a14="http://schemas.microsoft.com/office/drawing/2010/main" w="9525">
                 <a:solidFill>
                   <a:schemeClr val="tx1"/>
                 </a:solidFill>
@@ -10738,7 +10738,7 @@
               </a14:hiddenLine>
             </a:ext>
             <a:ext uri="{AF507438-7753-43e0-B8FC-AC1667EBCBE1}">
-              <a14:hiddenEffects xmlns:a14="http://schemas.microsoft.com/office/drawing/2010/main" xmlns="">
+              <a14:hiddenEffects xmlns="" xmlns:a14="http://schemas.microsoft.com/office/drawing/2010/main">
                 <a:effectLst>
                   <a:outerShdw blurRad="63500" dist="38099" dir="2700000" algn="ctr" rotWithShape="0">
                     <a:schemeClr val="bg2">
@@ -10872,14 +10872,14 @@
           <a:effectLst/>
           <a:extLst>
             <a:ext uri="{909E8E84-426E-40dd-AFC4-6F175D3DCCD1}">
-              <a14:hiddenFill xmlns:a14="http://schemas.microsoft.com/office/drawing/2010/main" xmlns="">
+              <a14:hiddenFill xmlns="" xmlns:a14="http://schemas.microsoft.com/office/drawing/2010/main">
                 <a:solidFill>
                   <a:schemeClr val="accent1"/>
                 </a:solidFill>
               </a14:hiddenFill>
             </a:ext>
             <a:ext uri="{91240B29-F687-4f45-9708-019B960494DF}">
-              <a14:hiddenLine xmlns:a14="http://schemas.microsoft.com/office/drawing/2010/main" xmlns="" w="9525">
+              <a14:hiddenLine xmlns="" xmlns:a14="http://schemas.microsoft.com/office/drawing/2010/main" w="9525">
                 <a:solidFill>
                   <a:schemeClr val="tx1"/>
                 </a:solidFill>
@@ -10889,7 +10889,7 @@
               </a14:hiddenLine>
             </a:ext>
             <a:ext uri="{AF507438-7753-43e0-B8FC-AC1667EBCBE1}">
-              <a14:hiddenEffects xmlns:a14="http://schemas.microsoft.com/office/drawing/2010/main" xmlns="">
+              <a14:hiddenEffects xmlns="" xmlns:a14="http://schemas.microsoft.com/office/drawing/2010/main">
                 <a:effectLst>
                   <a:outerShdw blurRad="63500" dist="38099" dir="2700000" algn="ctr" rotWithShape="0">
                     <a:schemeClr val="bg2">
@@ -10960,14 +10960,14 @@
           <a:effectLst/>
           <a:extLst>
             <a:ext uri="{909E8E84-426E-40dd-AFC4-6F175D3DCCD1}">
-              <a14:hiddenFill xmlns:a14="http://schemas.microsoft.com/office/drawing/2010/main" xmlns="">
+              <a14:hiddenFill xmlns="" xmlns:a14="http://schemas.microsoft.com/office/drawing/2010/main">
                 <a:solidFill>
                   <a:schemeClr val="accent1"/>
                 </a:solidFill>
               </a14:hiddenFill>
             </a:ext>
             <a:ext uri="{91240B29-F687-4f45-9708-019B960494DF}">
-              <a14:hiddenLine xmlns:a14="http://schemas.microsoft.com/office/drawing/2010/main" xmlns="" w="9525">
+              <a14:hiddenLine xmlns="" xmlns:a14="http://schemas.microsoft.com/office/drawing/2010/main" w="9525">
                 <a:solidFill>
                   <a:schemeClr val="tx1"/>
                 </a:solidFill>
@@ -10977,7 +10977,7 @@
               </a14:hiddenLine>
             </a:ext>
             <a:ext uri="{AF507438-7753-43e0-B8FC-AC1667EBCBE1}">
-              <a14:hiddenEffects xmlns:a14="http://schemas.microsoft.com/office/drawing/2010/main" xmlns="">
+              <a14:hiddenEffects xmlns="" xmlns:a14="http://schemas.microsoft.com/office/drawing/2010/main">
                 <a:effectLst>
                   <a:outerShdw blurRad="63500" dist="38099" dir="2700000" algn="ctr" rotWithShape="0">
                     <a:schemeClr val="bg2">
@@ -11114,14 +11114,14 @@
           <a:effectLst/>
           <a:extLst>
             <a:ext uri="{909E8E84-426E-40dd-AFC4-6F175D3DCCD1}">
-              <a14:hiddenFill xmlns:a14="http://schemas.microsoft.com/office/drawing/2010/main" xmlns="">
+              <a14:hiddenFill xmlns="" xmlns:a14="http://schemas.microsoft.com/office/drawing/2010/main">
                 <a:solidFill>
                   <a:schemeClr val="accent1"/>
                 </a:solidFill>
               </a14:hiddenFill>
             </a:ext>
             <a:ext uri="{91240B29-F687-4f45-9708-019B960494DF}">
-              <a14:hiddenLine xmlns:a14="http://schemas.microsoft.com/office/drawing/2010/main" xmlns="" w="9525">
+              <a14:hiddenLine xmlns="" xmlns:a14="http://schemas.microsoft.com/office/drawing/2010/main" w="9525">
                 <a:solidFill>
                   <a:schemeClr val="tx1"/>
                 </a:solidFill>
@@ -11131,7 +11131,7 @@
               </a14:hiddenLine>
             </a:ext>
             <a:ext uri="{AF507438-7753-43e0-B8FC-AC1667EBCBE1}">
-              <a14:hiddenEffects xmlns:a14="http://schemas.microsoft.com/office/drawing/2010/main" xmlns="">
+              <a14:hiddenEffects xmlns="" xmlns:a14="http://schemas.microsoft.com/office/drawing/2010/main">
                 <a:effectLst>
                   <a:outerShdw blurRad="63500" dist="38099" dir="2700000" algn="ctr" rotWithShape="0">
                     <a:schemeClr val="bg2">
@@ -11219,12 +11219,12 @@
           <a:effectLst/>
           <a:extLst>
             <a:ext uri="{909E8E84-426E-40dd-AFC4-6F175D3DCCD1}">
-              <a14:hiddenFill xmlns:a14="http://schemas.microsoft.com/office/drawing/2010/main" xmlns="">
+              <a14:hiddenFill xmlns="" xmlns:a14="http://schemas.microsoft.com/office/drawing/2010/main">
                 <a:noFill/>
               </a14:hiddenFill>
             </a:ext>
             <a:ext uri="{AF507438-7753-43e0-B8FC-AC1667EBCBE1}">
-              <a14:hiddenEffects xmlns:a14="http://schemas.microsoft.com/office/drawing/2010/main" xmlns="">
+              <a14:hiddenEffects xmlns="" xmlns:a14="http://schemas.microsoft.com/office/drawing/2010/main">
                 <a:effectLst>
                   <a:outerShdw blurRad="63500" dist="38099" dir="2700000" algn="ctr" rotWithShape="0">
                     <a:schemeClr val="bg2">
@@ -11272,12 +11272,12 @@
           <a:effectLst/>
           <a:extLst>
             <a:ext uri="{909E8E84-426E-40dd-AFC4-6F175D3DCCD1}">
-              <a14:hiddenFill xmlns:a14="http://schemas.microsoft.com/office/drawing/2010/main" xmlns="">
+              <a14:hiddenFill xmlns="" xmlns:a14="http://schemas.microsoft.com/office/drawing/2010/main">
                 <a:noFill/>
               </a14:hiddenFill>
             </a:ext>
             <a:ext uri="{AF507438-7753-43e0-B8FC-AC1667EBCBE1}">
-              <a14:hiddenEffects xmlns:a14="http://schemas.microsoft.com/office/drawing/2010/main" xmlns="">
+              <a14:hiddenEffects xmlns="" xmlns:a14="http://schemas.microsoft.com/office/drawing/2010/main">
                 <a:effectLst>
                   <a:outerShdw blurRad="63500" dist="38099" dir="2700000" algn="ctr" rotWithShape="0">
                     <a:schemeClr val="bg2">
@@ -11324,7 +11324,7 @@
           </a:ln>
           <a:extLst>
             <a:ext uri="{909E8E84-426E-40dd-AFC4-6F175D3DCCD1}">
-              <a14:hiddenFill xmlns:a14="http://schemas.microsoft.com/office/drawing/2010/main" xmlns="">
+              <a14:hiddenFill xmlns="" xmlns:a14="http://schemas.microsoft.com/office/drawing/2010/main">
                 <a:solidFill>
                   <a:schemeClr val="accent1"/>
                 </a:solidFill>
@@ -11411,7 +11411,7 @@
           </a:ln>
           <a:extLst>
             <a:ext uri="{909E8E84-426E-40dd-AFC4-6F175D3DCCD1}">
-              <a14:hiddenFill xmlns:a14="http://schemas.microsoft.com/office/drawing/2010/main" xmlns="">
+              <a14:hiddenFill xmlns="" xmlns:a14="http://schemas.microsoft.com/office/drawing/2010/main">
                 <a:noFill/>
               </a14:hiddenFill>
             </a:ext>
@@ -11549,14 +11549,14 @@
           <a:effectLst/>
           <a:extLst>
             <a:ext uri="{909E8E84-426E-40dd-AFC4-6F175D3DCCD1}">
-              <a14:hiddenFill xmlns:a14="http://schemas.microsoft.com/office/drawing/2010/main" xmlns="">
+              <a14:hiddenFill xmlns="" xmlns:a14="http://schemas.microsoft.com/office/drawing/2010/main">
                 <a:solidFill>
                   <a:schemeClr val="accent1"/>
                 </a:solidFill>
               </a14:hiddenFill>
             </a:ext>
             <a:ext uri="{AF507438-7753-43e0-B8FC-AC1667EBCBE1}">
-              <a14:hiddenEffects xmlns:a14="http://schemas.microsoft.com/office/drawing/2010/main" xmlns="">
+              <a14:hiddenEffects xmlns="" xmlns:a14="http://schemas.microsoft.com/office/drawing/2010/main">
                 <a:effectLst>
                   <a:outerShdw blurRad="63500" dist="38099" dir="2700000" algn="ctr" rotWithShape="0">
                     <a:schemeClr val="bg2">
@@ -11622,14 +11622,14 @@
           <a:effectLst/>
           <a:extLst>
             <a:ext uri="{909E8E84-426E-40dd-AFC4-6F175D3DCCD1}">
-              <a14:hiddenFill xmlns:a14="http://schemas.microsoft.com/office/drawing/2010/main" xmlns="">
+              <a14:hiddenFill xmlns="" xmlns:a14="http://schemas.microsoft.com/office/drawing/2010/main">
                 <a:solidFill>
                   <a:schemeClr val="accent1"/>
                 </a:solidFill>
               </a14:hiddenFill>
             </a:ext>
             <a:ext uri="{91240B29-F687-4f45-9708-019B960494DF}">
-              <a14:hiddenLine xmlns:a14="http://schemas.microsoft.com/office/drawing/2010/main" xmlns="" w="9525">
+              <a14:hiddenLine xmlns="" xmlns:a14="http://schemas.microsoft.com/office/drawing/2010/main" w="9525">
                 <a:solidFill>
                   <a:schemeClr val="tx1"/>
                 </a:solidFill>
@@ -11639,7 +11639,7 @@
               </a14:hiddenLine>
             </a:ext>
             <a:ext uri="{AF507438-7753-43e0-B8FC-AC1667EBCBE1}">
-              <a14:hiddenEffects xmlns:a14="http://schemas.microsoft.com/office/drawing/2010/main" xmlns="">
+              <a14:hiddenEffects xmlns="" xmlns:a14="http://schemas.microsoft.com/office/drawing/2010/main">
                 <a:effectLst>
                   <a:outerShdw blurRad="63500" dist="38099" dir="2700000" algn="ctr" rotWithShape="0">
                     <a:schemeClr val="bg2">
@@ -11763,14 +11763,14 @@
           <a:effectLst/>
           <a:extLst>
             <a:ext uri="{909E8E84-426E-40dd-AFC4-6F175D3DCCD1}">
-              <a14:hiddenFill xmlns:a14="http://schemas.microsoft.com/office/drawing/2010/main" xmlns="">
+              <a14:hiddenFill xmlns="" xmlns:a14="http://schemas.microsoft.com/office/drawing/2010/main">
                 <a:solidFill>
                   <a:schemeClr val="accent1"/>
                 </a:solidFill>
               </a14:hiddenFill>
             </a:ext>
             <a:ext uri="{91240B29-F687-4f45-9708-019B960494DF}">
-              <a14:hiddenLine xmlns:a14="http://schemas.microsoft.com/office/drawing/2010/main" xmlns="" w="9525">
+              <a14:hiddenLine xmlns="" xmlns:a14="http://schemas.microsoft.com/office/drawing/2010/main" w="9525">
                 <a:solidFill>
                   <a:schemeClr val="tx1"/>
                 </a:solidFill>
@@ -11780,7 +11780,7 @@
               </a14:hiddenLine>
             </a:ext>
             <a:ext uri="{AF507438-7753-43e0-B8FC-AC1667EBCBE1}">
-              <a14:hiddenEffects xmlns:a14="http://schemas.microsoft.com/office/drawing/2010/main" xmlns="">
+              <a14:hiddenEffects xmlns="" xmlns:a14="http://schemas.microsoft.com/office/drawing/2010/main">
                 <a:effectLst>
                   <a:outerShdw blurRad="63500" dist="38099" dir="2700000" algn="ctr" rotWithShape="0">
                     <a:schemeClr val="bg2">
@@ -11834,14 +11834,14 @@
           <a:effectLst/>
           <a:extLst>
             <a:ext uri="{909E8E84-426E-40dd-AFC4-6F175D3DCCD1}">
-              <a14:hiddenFill xmlns:a14="http://schemas.microsoft.com/office/drawing/2010/main" xmlns="">
+              <a14:hiddenFill xmlns="" xmlns:a14="http://schemas.microsoft.com/office/drawing/2010/main">
                 <a:solidFill>
                   <a:schemeClr val="accent1"/>
                 </a:solidFill>
               </a14:hiddenFill>
             </a:ext>
             <a:ext uri="{AF507438-7753-43e0-B8FC-AC1667EBCBE1}">
-              <a14:hiddenEffects xmlns:a14="http://schemas.microsoft.com/office/drawing/2010/main" xmlns="">
+              <a14:hiddenEffects xmlns="" xmlns:a14="http://schemas.microsoft.com/office/drawing/2010/main">
                 <a:effectLst>
                   <a:outerShdw blurRad="63500" dist="38099" dir="2700000" algn="ctr" rotWithShape="0">
                     <a:schemeClr val="bg2">
@@ -11909,14 +11909,14 @@
           <a:effectLst/>
           <a:extLst>
             <a:ext uri="{909E8E84-426E-40dd-AFC4-6F175D3DCCD1}">
-              <a14:hiddenFill xmlns:a14="http://schemas.microsoft.com/office/drawing/2010/main" xmlns="">
+              <a14:hiddenFill xmlns="" xmlns:a14="http://schemas.microsoft.com/office/drawing/2010/main">
                 <a:solidFill>
                   <a:schemeClr val="accent1"/>
                 </a:solidFill>
               </a14:hiddenFill>
             </a:ext>
             <a:ext uri="{91240B29-F687-4f45-9708-019B960494DF}">
-              <a14:hiddenLine xmlns:a14="http://schemas.microsoft.com/office/drawing/2010/main" xmlns="" w="9525">
+              <a14:hiddenLine xmlns="" xmlns:a14="http://schemas.microsoft.com/office/drawing/2010/main" w="9525">
                 <a:solidFill>
                   <a:schemeClr val="tx1"/>
                 </a:solidFill>
@@ -11926,7 +11926,7 @@
               </a14:hiddenLine>
             </a:ext>
             <a:ext uri="{AF507438-7753-43e0-B8FC-AC1667EBCBE1}">
-              <a14:hiddenEffects xmlns:a14="http://schemas.microsoft.com/office/drawing/2010/main" xmlns="">
+              <a14:hiddenEffects xmlns="" xmlns:a14="http://schemas.microsoft.com/office/drawing/2010/main">
                 <a:effectLst>
                   <a:outerShdw blurRad="63500" dist="38099" dir="2700000" algn="ctr" rotWithShape="0">
                     <a:schemeClr val="bg2">
@@ -12124,14 +12124,14 @@
           <a:effectLst/>
           <a:extLst>
             <a:ext uri="{909E8E84-426E-40dd-AFC4-6F175D3DCCD1}">
-              <a14:hiddenFill xmlns:a14="http://schemas.microsoft.com/office/drawing/2010/main" xmlns="">
+              <a14:hiddenFill xmlns="" xmlns:a14="http://schemas.microsoft.com/office/drawing/2010/main">
                 <a:solidFill>
                   <a:schemeClr val="accent1"/>
                 </a:solidFill>
               </a14:hiddenFill>
             </a:ext>
             <a:ext uri="{91240B29-F687-4f45-9708-019B960494DF}">
-              <a14:hiddenLine xmlns:a14="http://schemas.microsoft.com/office/drawing/2010/main" xmlns="" w="9525">
+              <a14:hiddenLine xmlns="" xmlns:a14="http://schemas.microsoft.com/office/drawing/2010/main" w="9525">
                 <a:solidFill>
                   <a:schemeClr val="tx1"/>
                 </a:solidFill>
@@ -12141,7 +12141,7 @@
               </a14:hiddenLine>
             </a:ext>
             <a:ext uri="{AF507438-7753-43e0-B8FC-AC1667EBCBE1}">
-              <a14:hiddenEffects xmlns:a14="http://schemas.microsoft.com/office/drawing/2010/main" xmlns="">
+              <a14:hiddenEffects xmlns="" xmlns:a14="http://schemas.microsoft.com/office/drawing/2010/main">
                 <a:effectLst>
                   <a:outerShdw blurRad="63500" dist="38099" dir="2700000" algn="ctr" rotWithShape="0">
                     <a:schemeClr val="bg2">
@@ -12206,14 +12206,14 @@
           <a:effectLst/>
           <a:extLst>
             <a:ext uri="{909E8E84-426E-40dd-AFC4-6F175D3DCCD1}">
-              <a14:hiddenFill xmlns:a14="http://schemas.microsoft.com/office/drawing/2010/main" xmlns="">
+              <a14:hiddenFill xmlns="" xmlns:a14="http://schemas.microsoft.com/office/drawing/2010/main">
                 <a:solidFill>
                   <a:schemeClr val="accent1"/>
                 </a:solidFill>
               </a14:hiddenFill>
             </a:ext>
             <a:ext uri="{AF507438-7753-43e0-B8FC-AC1667EBCBE1}">
-              <a14:hiddenEffects xmlns:a14="http://schemas.microsoft.com/office/drawing/2010/main" xmlns="">
+              <a14:hiddenEffects xmlns="" xmlns:a14="http://schemas.microsoft.com/office/drawing/2010/main">
                 <a:effectLst>
                   <a:outerShdw blurRad="63500" dist="38099" dir="2700000" algn="ctr" rotWithShape="0">
                     <a:schemeClr val="bg2">
@@ -12327,14 +12327,14 @@
           <a:effectLst/>
           <a:extLst>
             <a:ext uri="{909E8E84-426E-40dd-AFC4-6F175D3DCCD1}">
-              <a14:hiddenFill xmlns:a14="http://schemas.microsoft.com/office/drawing/2010/main" xmlns="">
+              <a14:hiddenFill xmlns="" xmlns:a14="http://schemas.microsoft.com/office/drawing/2010/main">
                 <a:solidFill>
                   <a:schemeClr val="accent1"/>
                 </a:solidFill>
               </a14:hiddenFill>
             </a:ext>
             <a:ext uri="{91240B29-F687-4f45-9708-019B960494DF}">
-              <a14:hiddenLine xmlns:a14="http://schemas.microsoft.com/office/drawing/2010/main" xmlns="" w="9525">
+              <a14:hiddenLine xmlns="" xmlns:a14="http://schemas.microsoft.com/office/drawing/2010/main" w="9525">
                 <a:solidFill>
                   <a:schemeClr val="tx1"/>
                 </a:solidFill>
@@ -12344,7 +12344,7 @@
               </a14:hiddenLine>
             </a:ext>
             <a:ext uri="{AF507438-7753-43e0-B8FC-AC1667EBCBE1}">
-              <a14:hiddenEffects xmlns:a14="http://schemas.microsoft.com/office/drawing/2010/main" xmlns="">
+              <a14:hiddenEffects xmlns="" xmlns:a14="http://schemas.microsoft.com/office/drawing/2010/main">
                 <a:effectLst>
                   <a:outerShdw blurRad="63500" dist="38099" dir="2700000" algn="ctr" rotWithShape="0">
                     <a:schemeClr val="bg2">
@@ -12477,14 +12477,14 @@
           <a:effectLst/>
           <a:extLst>
             <a:ext uri="{909E8E84-426E-40dd-AFC4-6F175D3DCCD1}">
-              <a14:hiddenFill xmlns:a14="http://schemas.microsoft.com/office/drawing/2010/main" xmlns="">
+              <a14:hiddenFill xmlns="" xmlns:a14="http://schemas.microsoft.com/office/drawing/2010/main">
                 <a:solidFill>
                   <a:schemeClr val="accent1"/>
                 </a:solidFill>
               </a14:hiddenFill>
             </a:ext>
             <a:ext uri="{AF507438-7753-43e0-B8FC-AC1667EBCBE1}">
-              <a14:hiddenEffects xmlns:a14="http://schemas.microsoft.com/office/drawing/2010/main" xmlns="">
+              <a14:hiddenEffects xmlns="" xmlns:a14="http://schemas.microsoft.com/office/drawing/2010/main">
                 <a:effectLst>
                   <a:outerShdw blurRad="63500" dist="38099" dir="2700000" algn="ctr" rotWithShape="0">
                     <a:schemeClr val="bg2">
@@ -12527,14 +12527,14 @@
           <a:effectLst/>
           <a:extLst>
             <a:ext uri="{909E8E84-426E-40dd-AFC4-6F175D3DCCD1}">
-              <a14:hiddenFill xmlns:a14="http://schemas.microsoft.com/office/drawing/2010/main" xmlns="">
+              <a14:hiddenFill xmlns="" xmlns:a14="http://schemas.microsoft.com/office/drawing/2010/main">
                 <a:solidFill>
                   <a:schemeClr val="accent1"/>
                 </a:solidFill>
               </a14:hiddenFill>
             </a:ext>
             <a:ext uri="{91240B29-F687-4f45-9708-019B960494DF}">
-              <a14:hiddenLine xmlns:a14="http://schemas.microsoft.com/office/drawing/2010/main" xmlns="" w="9525">
+              <a14:hiddenLine xmlns="" xmlns:a14="http://schemas.microsoft.com/office/drawing/2010/main" w="9525">
                 <a:solidFill>
                   <a:schemeClr val="tx1"/>
                 </a:solidFill>
@@ -12544,7 +12544,7 @@
               </a14:hiddenLine>
             </a:ext>
             <a:ext uri="{AF507438-7753-43e0-B8FC-AC1667EBCBE1}">
-              <a14:hiddenEffects xmlns:a14="http://schemas.microsoft.com/office/drawing/2010/main" xmlns="">
+              <a14:hiddenEffects xmlns="" xmlns:a14="http://schemas.microsoft.com/office/drawing/2010/main">
                 <a:effectLst>
                   <a:outerShdw blurRad="63500" dist="38099" dir="2700000" algn="ctr" rotWithShape="0">
                     <a:schemeClr val="bg2">
@@ -12611,14 +12611,14 @@
           </a:ln>
           <a:extLst>
             <a:ext uri="{909E8E84-426E-40dd-AFC4-6F175D3DCCD1}">
-              <a14:hiddenFill xmlns:a14="http://schemas.microsoft.com/office/drawing/2010/main" xmlns="">
+              <a14:hiddenFill xmlns="" xmlns:a14="http://schemas.microsoft.com/office/drawing/2010/main">
                 <a:solidFill>
                   <a:schemeClr val="accent1"/>
                 </a:solidFill>
               </a14:hiddenFill>
             </a:ext>
             <a:ext uri="{91240B29-F687-4f45-9708-019B960494DF}">
-              <a14:hiddenLine xmlns:a14="http://schemas.microsoft.com/office/drawing/2010/main" xmlns="" w="9525">
+              <a14:hiddenLine xmlns="" xmlns:a14="http://schemas.microsoft.com/office/drawing/2010/main" w="9525">
                 <a:solidFill>
                   <a:schemeClr val="tx1"/>
                 </a:solidFill>
@@ -12679,14 +12679,14 @@
           <a:effectLst/>
           <a:extLst>
             <a:ext uri="{909E8E84-426E-40dd-AFC4-6F175D3DCCD1}">
-              <a14:hiddenFill xmlns:a14="http://schemas.microsoft.com/office/drawing/2010/main" xmlns="">
+              <a14:hiddenFill xmlns="" xmlns:a14="http://schemas.microsoft.com/office/drawing/2010/main">
                 <a:solidFill>
                   <a:schemeClr val="accent1"/>
                 </a:solidFill>
               </a14:hiddenFill>
             </a:ext>
             <a:ext uri="{AF507438-7753-43e0-B8FC-AC1667EBCBE1}">
-              <a14:hiddenEffects xmlns:a14="http://schemas.microsoft.com/office/drawing/2010/main" xmlns="">
+              <a14:hiddenEffects xmlns="" xmlns:a14="http://schemas.microsoft.com/office/drawing/2010/main">
                 <a:effectLst>
                   <a:outerShdw blurRad="63500" dist="38099" dir="2700000" algn="ctr" rotWithShape="0">
                     <a:schemeClr val="bg2">
@@ -12728,14 +12728,14 @@
           </a:ln>
           <a:extLst>
             <a:ext uri="{909E8E84-426E-40dd-AFC4-6F175D3DCCD1}">
-              <a14:hiddenFill xmlns:a14="http://schemas.microsoft.com/office/drawing/2010/main" xmlns="">
+              <a14:hiddenFill xmlns="" xmlns:a14="http://schemas.microsoft.com/office/drawing/2010/main">
                 <a:solidFill>
                   <a:schemeClr val="accent1"/>
                 </a:solidFill>
               </a14:hiddenFill>
             </a:ext>
             <a:ext uri="{91240B29-F687-4f45-9708-019B960494DF}">
-              <a14:hiddenLine xmlns:a14="http://schemas.microsoft.com/office/drawing/2010/main" xmlns="" w="9525">
+              <a14:hiddenLine xmlns="" xmlns:a14="http://schemas.microsoft.com/office/drawing/2010/main" w="9525">
                 <a:solidFill>
                   <a:schemeClr val="tx1"/>
                 </a:solidFill>
@@ -12829,14 +12829,14 @@
           <a:effectLst/>
           <a:extLst>
             <a:ext uri="{909E8E84-426E-40dd-AFC4-6F175D3DCCD1}">
-              <a14:hiddenFill xmlns:a14="http://schemas.microsoft.com/office/drawing/2010/main" xmlns="">
+              <a14:hiddenFill xmlns="" xmlns:a14="http://schemas.microsoft.com/office/drawing/2010/main">
                 <a:solidFill>
                   <a:schemeClr val="accent1"/>
                 </a:solidFill>
               </a14:hiddenFill>
             </a:ext>
             <a:ext uri="{91240B29-F687-4f45-9708-019B960494DF}">
-              <a14:hiddenLine xmlns:a14="http://schemas.microsoft.com/office/drawing/2010/main" xmlns="" w="9525">
+              <a14:hiddenLine xmlns="" xmlns:a14="http://schemas.microsoft.com/office/drawing/2010/main" w="9525">
                 <a:solidFill>
                   <a:schemeClr val="tx1"/>
                 </a:solidFill>
@@ -12846,7 +12846,7 @@
               </a14:hiddenLine>
             </a:ext>
             <a:ext uri="{AF507438-7753-43e0-B8FC-AC1667EBCBE1}">
-              <a14:hiddenEffects xmlns:a14="http://schemas.microsoft.com/office/drawing/2010/main" xmlns="">
+              <a14:hiddenEffects xmlns="" xmlns:a14="http://schemas.microsoft.com/office/drawing/2010/main">
                 <a:effectLst>
                   <a:outerShdw blurRad="63500" dist="38099" dir="2700000" algn="ctr" rotWithShape="0">
                     <a:schemeClr val="bg2">
@@ -12895,14 +12895,14 @@
           <a:effectLst/>
           <a:extLst>
             <a:ext uri="{909E8E84-426E-40dd-AFC4-6F175D3DCCD1}">
-              <a14:hiddenFill xmlns:a14="http://schemas.microsoft.com/office/drawing/2010/main" xmlns="">
+              <a14:hiddenFill xmlns="" xmlns:a14="http://schemas.microsoft.com/office/drawing/2010/main">
                 <a:solidFill>
                   <a:schemeClr val="accent1"/>
                 </a:solidFill>
               </a14:hiddenFill>
             </a:ext>
             <a:ext uri="{91240B29-F687-4f45-9708-019B960494DF}">
-              <a14:hiddenLine xmlns:a14="http://schemas.microsoft.com/office/drawing/2010/main" xmlns="" w="9525">
+              <a14:hiddenLine xmlns="" xmlns:a14="http://schemas.microsoft.com/office/drawing/2010/main" w="9525">
                 <a:solidFill>
                   <a:schemeClr val="tx1"/>
                 </a:solidFill>
@@ -12912,7 +12912,7 @@
               </a14:hiddenLine>
             </a:ext>
             <a:ext uri="{AF507438-7753-43e0-B8FC-AC1667EBCBE1}">
-              <a14:hiddenEffects xmlns:a14="http://schemas.microsoft.com/office/drawing/2010/main" xmlns="">
+              <a14:hiddenEffects xmlns="" xmlns:a14="http://schemas.microsoft.com/office/drawing/2010/main">
                 <a:effectLst>
                   <a:outerShdw blurRad="63500" dist="38099" dir="2700000" algn="ctr" rotWithShape="0">
                     <a:schemeClr val="bg2">
@@ -12977,14 +12977,14 @@
           <a:effectLst/>
           <a:extLst>
             <a:ext uri="{909E8E84-426E-40dd-AFC4-6F175D3DCCD1}">
-              <a14:hiddenFill xmlns:a14="http://schemas.microsoft.com/office/drawing/2010/main" xmlns="">
+              <a14:hiddenFill xmlns="" xmlns:a14="http://schemas.microsoft.com/office/drawing/2010/main">
                 <a:solidFill>
                   <a:schemeClr val="accent1"/>
                 </a:solidFill>
               </a14:hiddenFill>
             </a:ext>
             <a:ext uri="{AF507438-7753-43e0-B8FC-AC1667EBCBE1}">
-              <a14:hiddenEffects xmlns:a14="http://schemas.microsoft.com/office/drawing/2010/main" xmlns="">
+              <a14:hiddenEffects xmlns="" xmlns:a14="http://schemas.microsoft.com/office/drawing/2010/main">
                 <a:effectLst>
                   <a:outerShdw blurRad="63500" dist="38099" dir="2700000" algn="ctr" rotWithShape="0">
                     <a:schemeClr val="bg2">
@@ -13032,14 +13032,14 @@
           <a:effectLst/>
           <a:extLst>
             <a:ext uri="{909E8E84-426E-40dd-AFC4-6F175D3DCCD1}">
-              <a14:hiddenFill xmlns:a14="http://schemas.microsoft.com/office/drawing/2010/main" xmlns="">
+              <a14:hiddenFill xmlns="" xmlns:a14="http://schemas.microsoft.com/office/drawing/2010/main">
                 <a:solidFill>
                   <a:schemeClr val="accent1"/>
                 </a:solidFill>
               </a14:hiddenFill>
             </a:ext>
             <a:ext uri="{AF507438-7753-43e0-B8FC-AC1667EBCBE1}">
-              <a14:hiddenEffects xmlns:a14="http://schemas.microsoft.com/office/drawing/2010/main" xmlns="">
+              <a14:hiddenEffects xmlns="" xmlns:a14="http://schemas.microsoft.com/office/drawing/2010/main">
                 <a:effectLst>
                   <a:outerShdw blurRad="63500" dist="38099" dir="2700000" algn="ctr" rotWithShape="0">
                     <a:schemeClr val="bg2">
@@ -13087,14 +13087,14 @@
           <a:effectLst/>
           <a:extLst>
             <a:ext uri="{909E8E84-426E-40dd-AFC4-6F175D3DCCD1}">
-              <a14:hiddenFill xmlns:a14="http://schemas.microsoft.com/office/drawing/2010/main" xmlns="">
+              <a14:hiddenFill xmlns="" xmlns:a14="http://schemas.microsoft.com/office/drawing/2010/main">
                 <a:solidFill>
                   <a:schemeClr val="accent1"/>
                 </a:solidFill>
               </a14:hiddenFill>
             </a:ext>
             <a:ext uri="{AF507438-7753-43e0-B8FC-AC1667EBCBE1}">
-              <a14:hiddenEffects xmlns:a14="http://schemas.microsoft.com/office/drawing/2010/main" xmlns="">
+              <a14:hiddenEffects xmlns="" xmlns:a14="http://schemas.microsoft.com/office/drawing/2010/main">
                 <a:effectLst>
                   <a:outerShdw blurRad="63500" dist="38099" dir="2700000" algn="ctr" rotWithShape="0">
                     <a:schemeClr val="bg2">
@@ -13137,14 +13137,14 @@
           <a:effectLst/>
           <a:extLst>
             <a:ext uri="{909E8E84-426E-40dd-AFC4-6F175D3DCCD1}">
-              <a14:hiddenFill xmlns:a14="http://schemas.microsoft.com/office/drawing/2010/main" xmlns="">
+              <a14:hiddenFill xmlns="" xmlns:a14="http://schemas.microsoft.com/office/drawing/2010/main">
                 <a:solidFill>
                   <a:schemeClr val="accent1"/>
                 </a:solidFill>
               </a14:hiddenFill>
             </a:ext>
             <a:ext uri="{91240B29-F687-4f45-9708-019B960494DF}">
-              <a14:hiddenLine xmlns:a14="http://schemas.microsoft.com/office/drawing/2010/main" xmlns="" w="9525">
+              <a14:hiddenLine xmlns="" xmlns:a14="http://schemas.microsoft.com/office/drawing/2010/main" w="9525">
                 <a:solidFill>
                   <a:schemeClr val="tx1"/>
                 </a:solidFill>
@@ -13154,7 +13154,7 @@
               </a14:hiddenLine>
             </a:ext>
             <a:ext uri="{AF507438-7753-43e0-B8FC-AC1667EBCBE1}">
-              <a14:hiddenEffects xmlns:a14="http://schemas.microsoft.com/office/drawing/2010/main" xmlns="">
+              <a14:hiddenEffects xmlns="" xmlns:a14="http://schemas.microsoft.com/office/drawing/2010/main">
                 <a:effectLst>
                   <a:outerShdw blurRad="63500" dist="38099" dir="2700000" algn="ctr" rotWithShape="0">
                     <a:schemeClr val="bg2">
@@ -13202,14 +13202,14 @@
           <a:effectLst/>
           <a:extLst>
             <a:ext uri="{909E8E84-426E-40dd-AFC4-6F175D3DCCD1}">
-              <a14:hiddenFill xmlns:a14="http://schemas.microsoft.com/office/drawing/2010/main" xmlns="">
+              <a14:hiddenFill xmlns="" xmlns:a14="http://schemas.microsoft.com/office/drawing/2010/main">
                 <a:solidFill>
                   <a:schemeClr val="accent1"/>
                 </a:solidFill>
               </a14:hiddenFill>
             </a:ext>
             <a:ext uri="{91240B29-F687-4f45-9708-019B960494DF}">
-              <a14:hiddenLine xmlns:a14="http://schemas.microsoft.com/office/drawing/2010/main" xmlns="" w="9525">
+              <a14:hiddenLine xmlns="" xmlns:a14="http://schemas.microsoft.com/office/drawing/2010/main" w="9525">
                 <a:solidFill>
                   <a:schemeClr val="tx1"/>
                 </a:solidFill>
@@ -13219,7 +13219,7 @@
               </a14:hiddenLine>
             </a:ext>
             <a:ext uri="{AF507438-7753-43e0-B8FC-AC1667EBCBE1}">
-              <a14:hiddenEffects xmlns:a14="http://schemas.microsoft.com/office/drawing/2010/main" xmlns="">
+              <a14:hiddenEffects xmlns="" xmlns:a14="http://schemas.microsoft.com/office/drawing/2010/main">
                 <a:effectLst>
                   <a:outerShdw blurRad="63500" dist="38099" dir="2700000" algn="ctr" rotWithShape="0">
                     <a:schemeClr val="bg2">
@@ -13267,14 +13267,14 @@
           <a:effectLst/>
           <a:extLst>
             <a:ext uri="{909E8E84-426E-40dd-AFC4-6F175D3DCCD1}">
-              <a14:hiddenFill xmlns:a14="http://schemas.microsoft.com/office/drawing/2010/main" xmlns="">
+              <a14:hiddenFill xmlns="" xmlns:a14="http://schemas.microsoft.com/office/drawing/2010/main">
                 <a:solidFill>
                   <a:schemeClr val="accent1"/>
                 </a:solidFill>
               </a14:hiddenFill>
             </a:ext>
             <a:ext uri="{91240B29-F687-4f45-9708-019B960494DF}">
-              <a14:hiddenLine xmlns:a14="http://schemas.microsoft.com/office/drawing/2010/main" xmlns="" w="9525">
+              <a14:hiddenLine xmlns="" xmlns:a14="http://schemas.microsoft.com/office/drawing/2010/main" w="9525">
                 <a:solidFill>
                   <a:schemeClr val="tx1"/>
                 </a:solidFill>
@@ -13284,7 +13284,7 @@
               </a14:hiddenLine>
             </a:ext>
             <a:ext uri="{AF507438-7753-43e0-B8FC-AC1667EBCBE1}">
-              <a14:hiddenEffects xmlns:a14="http://schemas.microsoft.com/office/drawing/2010/main" xmlns="">
+              <a14:hiddenEffects xmlns="" xmlns:a14="http://schemas.microsoft.com/office/drawing/2010/main">
                 <a:effectLst>
                   <a:outerShdw blurRad="63500" dist="38099" dir="2700000" algn="ctr" rotWithShape="0">
                     <a:schemeClr val="bg2">
@@ -13332,14 +13332,14 @@
           <a:effectLst/>
           <a:extLst>
             <a:ext uri="{909E8E84-426E-40dd-AFC4-6F175D3DCCD1}">
-              <a14:hiddenFill xmlns:a14="http://schemas.microsoft.com/office/drawing/2010/main" xmlns="">
+              <a14:hiddenFill xmlns="" xmlns:a14="http://schemas.microsoft.com/office/drawing/2010/main">
                 <a:solidFill>
                   <a:schemeClr val="accent1"/>
                 </a:solidFill>
               </a14:hiddenFill>
             </a:ext>
             <a:ext uri="{91240B29-F687-4f45-9708-019B960494DF}">
-              <a14:hiddenLine xmlns:a14="http://schemas.microsoft.com/office/drawing/2010/main" xmlns="" w="9525">
+              <a14:hiddenLine xmlns="" xmlns:a14="http://schemas.microsoft.com/office/drawing/2010/main" w="9525">
                 <a:solidFill>
                   <a:schemeClr val="tx1"/>
                 </a:solidFill>
@@ -13349,7 +13349,7 @@
               </a14:hiddenLine>
             </a:ext>
             <a:ext uri="{AF507438-7753-43e0-B8FC-AC1667EBCBE1}">
-              <a14:hiddenEffects xmlns:a14="http://schemas.microsoft.com/office/drawing/2010/main" xmlns="">
+              <a14:hiddenEffects xmlns="" xmlns:a14="http://schemas.microsoft.com/office/drawing/2010/main">
                 <a:effectLst>
                   <a:outerShdw blurRad="63500" dist="38099" dir="2700000" algn="ctr" rotWithShape="0">
                     <a:schemeClr val="bg2">
@@ -13397,14 +13397,14 @@
           <a:effectLst/>
           <a:extLst>
             <a:ext uri="{909E8E84-426E-40dd-AFC4-6F175D3DCCD1}">
-              <a14:hiddenFill xmlns:a14="http://schemas.microsoft.com/office/drawing/2010/main" xmlns="">
+              <a14:hiddenFill xmlns="" xmlns:a14="http://schemas.microsoft.com/office/drawing/2010/main">
                 <a:solidFill>
                   <a:schemeClr val="accent1"/>
                 </a:solidFill>
               </a14:hiddenFill>
             </a:ext>
             <a:ext uri="{91240B29-F687-4f45-9708-019B960494DF}">
-              <a14:hiddenLine xmlns:a14="http://schemas.microsoft.com/office/drawing/2010/main" xmlns="" w="9525">
+              <a14:hiddenLine xmlns="" xmlns:a14="http://schemas.microsoft.com/office/drawing/2010/main" w="9525">
                 <a:solidFill>
                   <a:schemeClr val="tx1"/>
                 </a:solidFill>
@@ -13414,7 +13414,7 @@
               </a14:hiddenLine>
             </a:ext>
             <a:ext uri="{AF507438-7753-43e0-B8FC-AC1667EBCBE1}">
-              <a14:hiddenEffects xmlns:a14="http://schemas.microsoft.com/office/drawing/2010/main" xmlns="">
+              <a14:hiddenEffects xmlns="" xmlns:a14="http://schemas.microsoft.com/office/drawing/2010/main">
                 <a:effectLst>
                   <a:outerShdw blurRad="63500" dist="38099" dir="2700000" algn="ctr" rotWithShape="0">
                     <a:schemeClr val="bg2">
@@ -13467,12 +13467,12 @@
           <a:effectLst/>
           <a:extLst>
             <a:ext uri="{909E8E84-426E-40dd-AFC4-6F175D3DCCD1}">
-              <a14:hiddenFill xmlns:a14="http://schemas.microsoft.com/office/drawing/2010/main" xmlns="">
+              <a14:hiddenFill xmlns="" xmlns:a14="http://schemas.microsoft.com/office/drawing/2010/main">
                 <a:noFill/>
               </a14:hiddenFill>
             </a:ext>
             <a:ext uri="{AF507438-7753-43e0-B8FC-AC1667EBCBE1}">
-              <a14:hiddenEffects xmlns:a14="http://schemas.microsoft.com/office/drawing/2010/main" xmlns="">
+              <a14:hiddenEffects xmlns="" xmlns:a14="http://schemas.microsoft.com/office/drawing/2010/main">
                 <a:effectLst>
                   <a:outerShdw blurRad="63500" dist="38099" dir="2700000" algn="ctr" rotWithShape="0">
                     <a:schemeClr val="bg2">
@@ -13520,12 +13520,12 @@
           <a:effectLst/>
           <a:extLst>
             <a:ext uri="{909E8E84-426E-40dd-AFC4-6F175D3DCCD1}">
-              <a14:hiddenFill xmlns:a14="http://schemas.microsoft.com/office/drawing/2010/main" xmlns="">
+              <a14:hiddenFill xmlns="" xmlns:a14="http://schemas.microsoft.com/office/drawing/2010/main">
                 <a:noFill/>
               </a14:hiddenFill>
             </a:ext>
             <a:ext uri="{AF507438-7753-43e0-B8FC-AC1667EBCBE1}">
-              <a14:hiddenEffects xmlns:a14="http://schemas.microsoft.com/office/drawing/2010/main" xmlns="">
+              <a14:hiddenEffects xmlns="" xmlns:a14="http://schemas.microsoft.com/office/drawing/2010/main">
                 <a:effectLst>
                   <a:outerShdw blurRad="63500" dist="38099" dir="2700000" algn="ctr" rotWithShape="0">
                     <a:schemeClr val="bg2">
@@ -13573,12 +13573,12 @@
           <a:effectLst/>
           <a:extLst>
             <a:ext uri="{909E8E84-426E-40dd-AFC4-6F175D3DCCD1}">
-              <a14:hiddenFill xmlns:a14="http://schemas.microsoft.com/office/drawing/2010/main" xmlns="">
+              <a14:hiddenFill xmlns="" xmlns:a14="http://schemas.microsoft.com/office/drawing/2010/main">
                 <a:noFill/>
               </a14:hiddenFill>
             </a:ext>
             <a:ext uri="{AF507438-7753-43e0-B8FC-AC1667EBCBE1}">
-              <a14:hiddenEffects xmlns:a14="http://schemas.microsoft.com/office/drawing/2010/main" xmlns="">
+              <a14:hiddenEffects xmlns="" xmlns:a14="http://schemas.microsoft.com/office/drawing/2010/main">
                 <a:effectLst>
                   <a:outerShdw blurRad="63500" dist="38099" dir="2700000" algn="ctr" rotWithShape="0">
                     <a:schemeClr val="bg2">
@@ -13626,14 +13626,14 @@
           <a:effectLst/>
           <a:extLst>
             <a:ext uri="{909E8E84-426E-40dd-AFC4-6F175D3DCCD1}">
-              <a14:hiddenFill xmlns:a14="http://schemas.microsoft.com/office/drawing/2010/main" xmlns="">
+              <a14:hiddenFill xmlns="" xmlns:a14="http://schemas.microsoft.com/office/drawing/2010/main">
                 <a:solidFill>
                   <a:schemeClr val="accent1"/>
                 </a:solidFill>
               </a14:hiddenFill>
             </a:ext>
             <a:ext uri="{AF507438-7753-43e0-B8FC-AC1667EBCBE1}">
-              <a14:hiddenEffects xmlns:a14="http://schemas.microsoft.com/office/drawing/2010/main" xmlns="">
+              <a14:hiddenEffects xmlns="" xmlns:a14="http://schemas.microsoft.com/office/drawing/2010/main">
                 <a:effectLst>
                   <a:outerShdw blurRad="63500" dist="38099" dir="2700000" algn="ctr" rotWithShape="0">
                     <a:schemeClr val="bg2">
@@ -13755,14 +13755,14 @@
           <a:effectLst/>
           <a:extLst>
             <a:ext uri="{909E8E84-426E-40dd-AFC4-6F175D3DCCD1}">
-              <a14:hiddenFill xmlns:a14="http://schemas.microsoft.com/office/drawing/2010/main" xmlns="">
+              <a14:hiddenFill xmlns="" xmlns:a14="http://schemas.microsoft.com/office/drawing/2010/main">
                 <a:solidFill>
                   <a:schemeClr val="accent1"/>
                 </a:solidFill>
               </a14:hiddenFill>
             </a:ext>
             <a:ext uri="{AF507438-7753-43e0-B8FC-AC1667EBCBE1}">
-              <a14:hiddenEffects xmlns:a14="http://schemas.microsoft.com/office/drawing/2010/main" xmlns="">
+              <a14:hiddenEffects xmlns="" xmlns:a14="http://schemas.microsoft.com/office/drawing/2010/main">
                 <a:effectLst>
                   <a:outerShdw blurRad="63500" dist="38099" dir="2700000" algn="ctr" rotWithShape="0">
                     <a:schemeClr val="bg2">
@@ -13805,14 +13805,14 @@
           <a:effectLst/>
           <a:extLst>
             <a:ext uri="{909E8E84-426E-40dd-AFC4-6F175D3DCCD1}">
-              <a14:hiddenFill xmlns:a14="http://schemas.microsoft.com/office/drawing/2010/main" xmlns="">
+              <a14:hiddenFill xmlns="" xmlns:a14="http://schemas.microsoft.com/office/drawing/2010/main">
                 <a:solidFill>
                   <a:schemeClr val="accent1"/>
                 </a:solidFill>
               </a14:hiddenFill>
             </a:ext>
             <a:ext uri="{91240B29-F687-4f45-9708-019B960494DF}">
-              <a14:hiddenLine xmlns:a14="http://schemas.microsoft.com/office/drawing/2010/main" xmlns="" w="9525">
+              <a14:hiddenLine xmlns="" xmlns:a14="http://schemas.microsoft.com/office/drawing/2010/main" w="9525">
                 <a:solidFill>
                   <a:schemeClr val="tx1"/>
                 </a:solidFill>
@@ -13822,7 +13822,7 @@
               </a14:hiddenLine>
             </a:ext>
             <a:ext uri="{AF507438-7753-43e0-B8FC-AC1667EBCBE1}">
-              <a14:hiddenEffects xmlns:a14="http://schemas.microsoft.com/office/drawing/2010/main" xmlns="">
+              <a14:hiddenEffects xmlns="" xmlns:a14="http://schemas.microsoft.com/office/drawing/2010/main">
                 <a:effectLst>
                   <a:outerShdw blurRad="63500" dist="38099" dir="2700000" algn="ctr" rotWithShape="0">
                     <a:schemeClr val="bg2">
@@ -13870,14 +13870,14 @@
           <a:effectLst/>
           <a:extLst>
             <a:ext uri="{909E8E84-426E-40dd-AFC4-6F175D3DCCD1}">
-              <a14:hiddenFill xmlns:a14="http://schemas.microsoft.com/office/drawing/2010/main" xmlns="">
+              <a14:hiddenFill xmlns="" xmlns:a14="http://schemas.microsoft.com/office/drawing/2010/main">
                 <a:solidFill>
                   <a:schemeClr val="accent1"/>
                 </a:solidFill>
               </a14:hiddenFill>
             </a:ext>
             <a:ext uri="{91240B29-F687-4f45-9708-019B960494DF}">
-              <a14:hiddenLine xmlns:a14="http://schemas.microsoft.com/office/drawing/2010/main" xmlns="" w="9525">
+              <a14:hiddenLine xmlns="" xmlns:a14="http://schemas.microsoft.com/office/drawing/2010/main" w="9525">
                 <a:solidFill>
                   <a:schemeClr val="tx1"/>
                 </a:solidFill>
@@ -13887,7 +13887,7 @@
               </a14:hiddenLine>
             </a:ext>
             <a:ext uri="{AF507438-7753-43e0-B8FC-AC1667EBCBE1}">
-              <a14:hiddenEffects xmlns:a14="http://schemas.microsoft.com/office/drawing/2010/main" xmlns="">
+              <a14:hiddenEffects xmlns="" xmlns:a14="http://schemas.microsoft.com/office/drawing/2010/main">
                 <a:effectLst>
                   <a:outerShdw blurRad="63500" dist="38099" dir="2700000" algn="ctr" rotWithShape="0">
                     <a:schemeClr val="bg2">
@@ -13946,12 +13946,12 @@
           <a:effectLst/>
           <a:extLst>
             <a:ext uri="{909E8E84-426E-40dd-AFC4-6F175D3DCCD1}">
-              <a14:hiddenFill xmlns:a14="http://schemas.microsoft.com/office/drawing/2010/main" xmlns="">
+              <a14:hiddenFill xmlns="" xmlns:a14="http://schemas.microsoft.com/office/drawing/2010/main">
                 <a:noFill/>
               </a14:hiddenFill>
             </a:ext>
             <a:ext uri="{AF507438-7753-43e0-B8FC-AC1667EBCBE1}">
-              <a14:hiddenEffects xmlns:a14="http://schemas.microsoft.com/office/drawing/2010/main" xmlns="">
+              <a14:hiddenEffects xmlns="" xmlns:a14="http://schemas.microsoft.com/office/drawing/2010/main">
                 <a:effectLst>
                   <a:outerShdw blurRad="63500" dist="38099" dir="2700000" algn="ctr" rotWithShape="0">
                     <a:schemeClr val="bg2">
@@ -14002,14 +14002,14 @@
           <a:effectLst/>
           <a:extLst>
             <a:ext uri="{909E8E84-426E-40dd-AFC4-6F175D3DCCD1}">
-              <a14:hiddenFill xmlns:a14="http://schemas.microsoft.com/office/drawing/2010/main" xmlns="">
+              <a14:hiddenFill xmlns="" xmlns:a14="http://schemas.microsoft.com/office/drawing/2010/main">
                 <a:solidFill>
                   <a:schemeClr val="accent1"/>
                 </a:solidFill>
               </a14:hiddenFill>
             </a:ext>
             <a:ext uri="{AF507438-7753-43e0-B8FC-AC1667EBCBE1}">
-              <a14:hiddenEffects xmlns:a14="http://schemas.microsoft.com/office/drawing/2010/main" xmlns="">
+              <a14:hiddenEffects xmlns="" xmlns:a14="http://schemas.microsoft.com/office/drawing/2010/main">
                 <a:effectLst>
                   <a:outerShdw blurRad="63500" dist="38099" dir="2700000" algn="ctr" rotWithShape="0">
                     <a:schemeClr val="bg2">
@@ -14052,14 +14052,14 @@
           <a:effectLst/>
           <a:extLst>
             <a:ext uri="{909E8E84-426E-40dd-AFC4-6F175D3DCCD1}">
-              <a14:hiddenFill xmlns:a14="http://schemas.microsoft.com/office/drawing/2010/main" xmlns="">
+              <a14:hiddenFill xmlns="" xmlns:a14="http://schemas.microsoft.com/office/drawing/2010/main">
                 <a:solidFill>
                   <a:schemeClr val="accent1"/>
                 </a:solidFill>
               </a14:hiddenFill>
             </a:ext>
             <a:ext uri="{91240B29-F687-4f45-9708-019B960494DF}">
-              <a14:hiddenLine xmlns:a14="http://schemas.microsoft.com/office/drawing/2010/main" xmlns="" w="9525">
+              <a14:hiddenLine xmlns="" xmlns:a14="http://schemas.microsoft.com/office/drawing/2010/main" w="9525">
                 <a:solidFill>
                   <a:schemeClr val="tx1"/>
                 </a:solidFill>
@@ -14069,7 +14069,7 @@
               </a14:hiddenLine>
             </a:ext>
             <a:ext uri="{AF507438-7753-43e0-B8FC-AC1667EBCBE1}">
-              <a14:hiddenEffects xmlns:a14="http://schemas.microsoft.com/office/drawing/2010/main" xmlns="">
+              <a14:hiddenEffects xmlns="" xmlns:a14="http://schemas.microsoft.com/office/drawing/2010/main">
                 <a:effectLst>
                   <a:outerShdw blurRad="63500" dist="38099" dir="2700000" algn="ctr" rotWithShape="0">
                     <a:schemeClr val="bg2">
@@ -14117,14 +14117,14 @@
           <a:effectLst/>
           <a:extLst>
             <a:ext uri="{909E8E84-426E-40dd-AFC4-6F175D3DCCD1}">
-              <a14:hiddenFill xmlns:a14="http://schemas.microsoft.com/office/drawing/2010/main" xmlns="">
+              <a14:hiddenFill xmlns="" xmlns:a14="http://schemas.microsoft.com/office/drawing/2010/main">
                 <a:solidFill>
                   <a:schemeClr val="accent1"/>
                 </a:solidFill>
               </a14:hiddenFill>
             </a:ext>
             <a:ext uri="{91240B29-F687-4f45-9708-019B960494DF}">
-              <a14:hiddenLine xmlns:a14="http://schemas.microsoft.com/office/drawing/2010/main" xmlns="" w="9525">
+              <a14:hiddenLine xmlns="" xmlns:a14="http://schemas.microsoft.com/office/drawing/2010/main" w="9525">
                 <a:solidFill>
                   <a:schemeClr val="tx1"/>
                 </a:solidFill>
@@ -14134,7 +14134,7 @@
               </a14:hiddenLine>
             </a:ext>
             <a:ext uri="{AF507438-7753-43e0-B8FC-AC1667EBCBE1}">
-              <a14:hiddenEffects xmlns:a14="http://schemas.microsoft.com/office/drawing/2010/main" xmlns="">
+              <a14:hiddenEffects xmlns="" xmlns:a14="http://schemas.microsoft.com/office/drawing/2010/main">
                 <a:effectLst>
                   <a:outerShdw blurRad="63500" dist="38099" dir="2700000" algn="ctr" rotWithShape="0">
                     <a:schemeClr val="bg2">
@@ -14198,7 +14198,7 @@
           </a:ln>
           <a:extLst>
             <a:ext uri="{909E8E84-426E-40dd-AFC4-6F175D3DCCD1}">
-              <a14:hiddenFill xmlns:a14="http://schemas.microsoft.com/office/drawing/2010/main" xmlns="">
+              <a14:hiddenFill xmlns="" xmlns:a14="http://schemas.microsoft.com/office/drawing/2010/main">
                 <a:solidFill>
                   <a:schemeClr val="accent1"/>
                 </a:solidFill>
@@ -14291,40 +14291,6 @@
               <a:t>Every modern programming language has one</a:t>
             </a:r>
           </a:p>
-          <a:p>
-            <a:r>
-              <a:rPr lang="en-US" sz="2600" dirty="0"/>
-              <a:t>We have</a:t>
-            </a:r>
-          </a:p>
-          <a:p>
-            <a:pPr lvl="1"/>
-            <a:r>
-              <a:rPr lang="en-US" sz="2200" dirty="0"/>
-              <a:t>dynamic type systems - type systems where the system automatically recognizes the type of a variable or constant</a:t>
-            </a:r>
-          </a:p>
-          <a:p>
-            <a:pPr lvl="2"/>
-            <a:r>
-              <a:rPr lang="en-US" sz="1900" dirty="0"/>
-              <a:t>e.g. Python, Haskell, JavaScript</a:t>
-            </a:r>
-          </a:p>
-          <a:p>
-            <a:pPr lvl="1"/>
-            <a:r>
-              <a:rPr lang="en-US" sz="2200" dirty="0"/>
-              <a:t>static type systems - type systems where the user has to explicitly declare the type of variables and sometimes constants </a:t>
-            </a:r>
-          </a:p>
-          <a:p>
-            <a:pPr lvl="2"/>
-            <a:r>
-              <a:rPr lang="en-US" sz="1900" dirty="0"/>
-              <a:t>e.g. Java, C, C++</a:t>
-            </a:r>
-          </a:p>
         </p:txBody>
       </p:sp>
     </p:spTree>
@@ -14598,14 +14564,14 @@
           <a:effectLst/>
           <a:extLst>
             <a:ext uri="{909E8E84-426E-40dd-AFC4-6F175D3DCCD1}">
-              <a14:hiddenFill xmlns:a14="http://schemas.microsoft.com/office/drawing/2010/main" xmlns="">
+              <a14:hiddenFill xmlns="" xmlns:a14="http://schemas.microsoft.com/office/drawing/2010/main">
                 <a:solidFill>
                   <a:schemeClr val="accent1"/>
                 </a:solidFill>
               </a14:hiddenFill>
             </a:ext>
             <a:ext uri="{AF507438-7753-43e0-B8FC-AC1667EBCBE1}">
-              <a14:hiddenEffects xmlns:a14="http://schemas.microsoft.com/office/drawing/2010/main" xmlns="">
+              <a14:hiddenEffects xmlns="" xmlns:a14="http://schemas.microsoft.com/office/drawing/2010/main">
                 <a:effectLst>
                   <a:outerShdw blurRad="63500" dist="38099" dir="2700000" algn="ctr" rotWithShape="0">
                     <a:schemeClr val="bg2">
@@ -14653,14 +14619,14 @@
           <a:effectLst/>
           <a:extLst>
             <a:ext uri="{909E8E84-426E-40dd-AFC4-6F175D3DCCD1}">
-              <a14:hiddenFill xmlns:a14="http://schemas.microsoft.com/office/drawing/2010/main" xmlns="">
+              <a14:hiddenFill xmlns="" xmlns:a14="http://schemas.microsoft.com/office/drawing/2010/main">
                 <a:solidFill>
                   <a:schemeClr val="accent1"/>
                 </a:solidFill>
               </a14:hiddenFill>
             </a:ext>
             <a:ext uri="{91240B29-F687-4f45-9708-019B960494DF}">
-              <a14:hiddenLine xmlns:a14="http://schemas.microsoft.com/office/drawing/2010/main" xmlns="" w="9525">
+              <a14:hiddenLine xmlns="" xmlns:a14="http://schemas.microsoft.com/office/drawing/2010/main" w="9525">
                 <a:solidFill>
                   <a:schemeClr val="tx1"/>
                 </a:solidFill>
@@ -14670,7 +14636,7 @@
               </a14:hiddenLine>
             </a:ext>
             <a:ext uri="{AF507438-7753-43e0-B8FC-AC1667EBCBE1}">
-              <a14:hiddenEffects xmlns:a14="http://schemas.microsoft.com/office/drawing/2010/main" xmlns="">
+              <a14:hiddenEffects xmlns="" xmlns:a14="http://schemas.microsoft.com/office/drawing/2010/main">
                 <a:effectLst>
                   <a:outerShdw blurRad="63500" dist="38099" dir="2700000" algn="ctr" rotWithShape="0">
                     <a:schemeClr val="bg2">
@@ -14856,14 +14822,14 @@
           <a:effectLst/>
           <a:extLst>
             <a:ext uri="{909E8E84-426E-40dd-AFC4-6F175D3DCCD1}">
-              <a14:hiddenFill xmlns:a14="http://schemas.microsoft.com/office/drawing/2010/main" xmlns="">
+              <a14:hiddenFill xmlns="" xmlns:a14="http://schemas.microsoft.com/office/drawing/2010/main">
                 <a:solidFill>
                   <a:schemeClr val="accent1"/>
                 </a:solidFill>
               </a14:hiddenFill>
             </a:ext>
             <a:ext uri="{AF507438-7753-43e0-B8FC-AC1667EBCBE1}">
-              <a14:hiddenEffects xmlns:a14="http://schemas.microsoft.com/office/drawing/2010/main" xmlns="">
+              <a14:hiddenEffects xmlns="" xmlns:a14="http://schemas.microsoft.com/office/drawing/2010/main">
                 <a:effectLst>
                   <a:outerShdw blurRad="63500" dist="38099" dir="2700000" algn="ctr" rotWithShape="0">
                     <a:schemeClr val="bg2">
@@ -14982,14 +14948,14 @@
             <a:effectLst/>
             <a:extLst>
               <a:ext uri="{909E8E84-426E-40dd-AFC4-6F175D3DCCD1}">
-                <a14:hiddenFill xmlns:a14="http://schemas.microsoft.com/office/drawing/2010/main" xmlns="">
+                <a14:hiddenFill xmlns="" xmlns:a14="http://schemas.microsoft.com/office/drawing/2010/main">
                   <a:solidFill>
                     <a:schemeClr val="accent1"/>
                   </a:solidFill>
                 </a14:hiddenFill>
               </a:ext>
               <a:ext uri="{91240B29-F687-4f45-9708-019B960494DF}">
-                <a14:hiddenLine xmlns:a14="http://schemas.microsoft.com/office/drawing/2010/main" xmlns="" w="9525">
+                <a14:hiddenLine xmlns="" xmlns:a14="http://schemas.microsoft.com/office/drawing/2010/main" w="9525">
                   <a:solidFill>
                     <a:schemeClr val="tx1"/>
                   </a:solidFill>
@@ -14999,7 +14965,7 @@
                 </a14:hiddenLine>
               </a:ext>
               <a:ext uri="{AF507438-7753-43e0-B8FC-AC1667EBCBE1}">
-                <a14:hiddenEffects xmlns:a14="http://schemas.microsoft.com/office/drawing/2010/main" xmlns="">
+                <a14:hiddenEffects xmlns="" xmlns:a14="http://schemas.microsoft.com/office/drawing/2010/main">
                   <a:effectLst>
                     <a:outerShdw blurRad="63500" dist="38099" dir="2700000" algn="ctr" rotWithShape="0">
                       <a:schemeClr val="bg2">
@@ -15065,14 +15031,14 @@
             <a:effectLst/>
             <a:extLst>
               <a:ext uri="{909E8E84-426E-40dd-AFC4-6F175D3DCCD1}">
-                <a14:hiddenFill xmlns:a14="http://schemas.microsoft.com/office/drawing/2010/main" xmlns="">
+                <a14:hiddenFill xmlns="" xmlns:a14="http://schemas.microsoft.com/office/drawing/2010/main">
                   <a:solidFill>
                     <a:schemeClr val="accent1"/>
                   </a:solidFill>
                 </a14:hiddenFill>
               </a:ext>
               <a:ext uri="{AF507438-7753-43e0-B8FC-AC1667EBCBE1}">
-                <a14:hiddenEffects xmlns:a14="http://schemas.microsoft.com/office/drawing/2010/main" xmlns="">
+                <a14:hiddenEffects xmlns="" xmlns:a14="http://schemas.microsoft.com/office/drawing/2010/main">
                   <a:effectLst>
                     <a:outerShdw blurRad="63500" dist="38099" dir="2700000" algn="ctr" rotWithShape="0">
                       <a:schemeClr val="bg2">
@@ -15115,14 +15081,14 @@
             <a:effectLst/>
             <a:extLst>
               <a:ext uri="{909E8E84-426E-40dd-AFC4-6F175D3DCCD1}">
-                <a14:hiddenFill xmlns:a14="http://schemas.microsoft.com/office/drawing/2010/main" xmlns="">
+                <a14:hiddenFill xmlns="" xmlns:a14="http://schemas.microsoft.com/office/drawing/2010/main">
                   <a:solidFill>
                     <a:schemeClr val="accent1"/>
                   </a:solidFill>
                 </a14:hiddenFill>
               </a:ext>
               <a:ext uri="{91240B29-F687-4f45-9708-019B960494DF}">
-                <a14:hiddenLine xmlns:a14="http://schemas.microsoft.com/office/drawing/2010/main" xmlns="" w="9525">
+                <a14:hiddenLine xmlns="" xmlns:a14="http://schemas.microsoft.com/office/drawing/2010/main" w="9525">
                   <a:solidFill>
                     <a:schemeClr val="tx1"/>
                   </a:solidFill>
@@ -15132,7 +15098,7 @@
                 </a14:hiddenLine>
               </a:ext>
               <a:ext uri="{AF507438-7753-43e0-B8FC-AC1667EBCBE1}">
-                <a14:hiddenEffects xmlns:a14="http://schemas.microsoft.com/office/drawing/2010/main" xmlns="">
+                <a14:hiddenEffects xmlns="" xmlns:a14="http://schemas.microsoft.com/office/drawing/2010/main">
                   <a:effectLst>
                     <a:outerShdw blurRad="63500" dist="38099" dir="2700000" algn="ctr" rotWithShape="0">
                       <a:schemeClr val="bg2">
@@ -15202,14 +15168,14 @@
             <a:effectLst/>
             <a:extLst>
               <a:ext uri="{909E8E84-426E-40dd-AFC4-6F175D3DCCD1}">
-                <a14:hiddenFill xmlns:a14="http://schemas.microsoft.com/office/drawing/2010/main" xmlns="">
+                <a14:hiddenFill xmlns="" xmlns:a14="http://schemas.microsoft.com/office/drawing/2010/main">
                   <a:solidFill>
                     <a:schemeClr val="accent1"/>
                   </a:solidFill>
                 </a14:hiddenFill>
               </a:ext>
               <a:ext uri="{AF507438-7753-43e0-B8FC-AC1667EBCBE1}">
-                <a14:hiddenEffects xmlns:a14="http://schemas.microsoft.com/office/drawing/2010/main" xmlns="">
+                <a14:hiddenEffects xmlns="" xmlns:a14="http://schemas.microsoft.com/office/drawing/2010/main">
                   <a:effectLst>
                     <a:outerShdw blurRad="63500" dist="38099" dir="2700000" algn="ctr" rotWithShape="0">
                       <a:schemeClr val="bg2">
@@ -15252,14 +15218,14 @@
             <a:effectLst/>
             <a:extLst>
               <a:ext uri="{909E8E84-426E-40dd-AFC4-6F175D3DCCD1}">
-                <a14:hiddenFill xmlns:a14="http://schemas.microsoft.com/office/drawing/2010/main" xmlns="">
+                <a14:hiddenFill xmlns="" xmlns:a14="http://schemas.microsoft.com/office/drawing/2010/main">
                   <a:solidFill>
                     <a:schemeClr val="accent1"/>
                   </a:solidFill>
                 </a14:hiddenFill>
               </a:ext>
               <a:ext uri="{91240B29-F687-4f45-9708-019B960494DF}">
-                <a14:hiddenLine xmlns:a14="http://schemas.microsoft.com/office/drawing/2010/main" xmlns="" w="9525">
+                <a14:hiddenLine xmlns="" xmlns:a14="http://schemas.microsoft.com/office/drawing/2010/main" w="9525">
                   <a:solidFill>
                     <a:schemeClr val="tx1"/>
                   </a:solidFill>
@@ -15269,7 +15235,7 @@
                 </a14:hiddenLine>
               </a:ext>
               <a:ext uri="{AF507438-7753-43e0-B8FC-AC1667EBCBE1}">
-                <a14:hiddenEffects xmlns:a14="http://schemas.microsoft.com/office/drawing/2010/main" xmlns="">
+                <a14:hiddenEffects xmlns="" xmlns:a14="http://schemas.microsoft.com/office/drawing/2010/main">
                   <a:effectLst>
                     <a:outerShdw blurRad="63500" dist="38099" dir="2700000" algn="ctr" rotWithShape="0">
                       <a:schemeClr val="bg2">
@@ -15504,14 +15470,14 @@
           <a:effectLst/>
           <a:extLst>
             <a:ext uri="{909E8E84-426E-40dd-AFC4-6F175D3DCCD1}">
-              <a14:hiddenFill xmlns:a14="http://schemas.microsoft.com/office/drawing/2010/main" xmlns="">
+              <a14:hiddenFill xmlns="" xmlns:a14="http://schemas.microsoft.com/office/drawing/2010/main">
                 <a:solidFill>
                   <a:schemeClr val="accent1"/>
                 </a:solidFill>
               </a14:hiddenFill>
             </a:ext>
             <a:ext uri="{91240B29-F687-4f45-9708-019B960494DF}">
-              <a14:hiddenLine xmlns:a14="http://schemas.microsoft.com/office/drawing/2010/main" xmlns="" w="9525">
+              <a14:hiddenLine xmlns="" xmlns:a14="http://schemas.microsoft.com/office/drawing/2010/main" w="9525">
                 <a:solidFill>
                   <a:schemeClr val="tx1"/>
                 </a:solidFill>
@@ -15521,7 +15487,7 @@
               </a14:hiddenLine>
             </a:ext>
             <a:ext uri="{AF507438-7753-43e0-B8FC-AC1667EBCBE1}">
-              <a14:hiddenEffects xmlns:a14="http://schemas.microsoft.com/office/drawing/2010/main" xmlns="">
+              <a14:hiddenEffects xmlns="" xmlns:a14="http://schemas.microsoft.com/office/drawing/2010/main">
                 <a:effectLst>
                   <a:outerShdw blurRad="63500" dist="38099" dir="2700000" algn="ctr" rotWithShape="0">
                     <a:schemeClr val="bg2">
@@ -15570,14 +15536,14 @@
           <a:effectLst/>
           <a:extLst>
             <a:ext uri="{909E8E84-426E-40dd-AFC4-6F175D3DCCD1}">
-              <a14:hiddenFill xmlns:a14="http://schemas.microsoft.com/office/drawing/2010/main" xmlns="">
+              <a14:hiddenFill xmlns="" xmlns:a14="http://schemas.microsoft.com/office/drawing/2010/main">
                 <a:solidFill>
                   <a:schemeClr val="accent1"/>
                 </a:solidFill>
               </a14:hiddenFill>
             </a:ext>
             <a:ext uri="{91240B29-F687-4f45-9708-019B960494DF}">
-              <a14:hiddenLine xmlns:a14="http://schemas.microsoft.com/office/drawing/2010/main" xmlns="" w="9525">
+              <a14:hiddenLine xmlns="" xmlns:a14="http://schemas.microsoft.com/office/drawing/2010/main" w="9525">
                 <a:solidFill>
                   <a:schemeClr val="tx1"/>
                 </a:solidFill>
@@ -15587,7 +15553,7 @@
               </a14:hiddenLine>
             </a:ext>
             <a:ext uri="{AF507438-7753-43e0-B8FC-AC1667EBCBE1}">
-              <a14:hiddenEffects xmlns:a14="http://schemas.microsoft.com/office/drawing/2010/main" xmlns="">
+              <a14:hiddenEffects xmlns="" xmlns:a14="http://schemas.microsoft.com/office/drawing/2010/main">
                 <a:effectLst>
                   <a:outerShdw blurRad="63500" dist="38099" dir="2700000" algn="ctr" rotWithShape="0">
                     <a:schemeClr val="bg2">
@@ -15652,14 +15618,14 @@
           <a:effectLst/>
           <a:extLst>
             <a:ext uri="{909E8E84-426E-40dd-AFC4-6F175D3DCCD1}">
-              <a14:hiddenFill xmlns:a14="http://schemas.microsoft.com/office/drawing/2010/main" xmlns="">
+              <a14:hiddenFill xmlns="" xmlns:a14="http://schemas.microsoft.com/office/drawing/2010/main">
                 <a:solidFill>
                   <a:schemeClr val="accent1"/>
                 </a:solidFill>
               </a14:hiddenFill>
             </a:ext>
             <a:ext uri="{AF507438-7753-43e0-B8FC-AC1667EBCBE1}">
-              <a14:hiddenEffects xmlns:a14="http://schemas.microsoft.com/office/drawing/2010/main" xmlns="">
+              <a14:hiddenEffects xmlns="" xmlns:a14="http://schemas.microsoft.com/office/drawing/2010/main">
                 <a:effectLst>
                   <a:outerShdw blurRad="63500" dist="38099" dir="2700000" algn="ctr" rotWithShape="0">
                     <a:schemeClr val="bg2">
@@ -15702,14 +15668,14 @@
           <a:effectLst/>
           <a:extLst>
             <a:ext uri="{909E8E84-426E-40dd-AFC4-6F175D3DCCD1}">
-              <a14:hiddenFill xmlns:a14="http://schemas.microsoft.com/office/drawing/2010/main" xmlns="">
+              <a14:hiddenFill xmlns="" xmlns:a14="http://schemas.microsoft.com/office/drawing/2010/main">
                 <a:solidFill>
                   <a:schemeClr val="accent1"/>
                 </a:solidFill>
               </a14:hiddenFill>
             </a:ext>
             <a:ext uri="{91240B29-F687-4f45-9708-019B960494DF}">
-              <a14:hiddenLine xmlns:a14="http://schemas.microsoft.com/office/drawing/2010/main" xmlns="" w="9525">
+              <a14:hiddenLine xmlns="" xmlns:a14="http://schemas.microsoft.com/office/drawing/2010/main" w="9525">
                 <a:solidFill>
                   <a:schemeClr val="tx1"/>
                 </a:solidFill>
@@ -15719,7 +15685,7 @@
               </a14:hiddenLine>
             </a:ext>
             <a:ext uri="{AF507438-7753-43e0-B8FC-AC1667EBCBE1}">
-              <a14:hiddenEffects xmlns:a14="http://schemas.microsoft.com/office/drawing/2010/main" xmlns="">
+              <a14:hiddenEffects xmlns="" xmlns:a14="http://schemas.microsoft.com/office/drawing/2010/main">
                 <a:effectLst>
                   <a:outerShdw blurRad="63500" dist="38099" dir="2700000" algn="ctr" rotWithShape="0">
                     <a:schemeClr val="bg2">
@@ -15834,14 +15800,14 @@
           <a:effectLst/>
           <a:extLst>
             <a:ext uri="{909E8E84-426E-40dd-AFC4-6F175D3DCCD1}">
-              <a14:hiddenFill xmlns:a14="http://schemas.microsoft.com/office/drawing/2010/main" xmlns="">
+              <a14:hiddenFill xmlns="" xmlns:a14="http://schemas.microsoft.com/office/drawing/2010/main">
                 <a:solidFill>
                   <a:schemeClr val="accent1"/>
                 </a:solidFill>
               </a14:hiddenFill>
             </a:ext>
             <a:ext uri="{91240B29-F687-4f45-9708-019B960494DF}">
-              <a14:hiddenLine xmlns:a14="http://schemas.microsoft.com/office/drawing/2010/main" xmlns="" w="9525">
+              <a14:hiddenLine xmlns="" xmlns:a14="http://schemas.microsoft.com/office/drawing/2010/main" w="9525">
                 <a:solidFill>
                   <a:schemeClr val="tx1"/>
                 </a:solidFill>
@@ -15851,7 +15817,7 @@
               </a14:hiddenLine>
             </a:ext>
             <a:ext uri="{AF507438-7753-43e0-B8FC-AC1667EBCBE1}">
-              <a14:hiddenEffects xmlns:a14="http://schemas.microsoft.com/office/drawing/2010/main" xmlns="">
+              <a14:hiddenEffects xmlns="" xmlns:a14="http://schemas.microsoft.com/office/drawing/2010/main">
                 <a:effectLst>
                   <a:outerShdw blurRad="63500" dist="38099" dir="2700000" algn="ctr" rotWithShape="0">
                     <a:schemeClr val="bg2">
@@ -15900,14 +15866,14 @@
           <a:effectLst/>
           <a:extLst>
             <a:ext uri="{909E8E84-426E-40dd-AFC4-6F175D3DCCD1}">
-              <a14:hiddenFill xmlns:a14="http://schemas.microsoft.com/office/drawing/2010/main" xmlns="">
+              <a14:hiddenFill xmlns="" xmlns:a14="http://schemas.microsoft.com/office/drawing/2010/main">
                 <a:solidFill>
                   <a:schemeClr val="accent1"/>
                 </a:solidFill>
               </a14:hiddenFill>
             </a:ext>
             <a:ext uri="{91240B29-F687-4f45-9708-019B960494DF}">
-              <a14:hiddenLine xmlns:a14="http://schemas.microsoft.com/office/drawing/2010/main" xmlns="" w="9525">
+              <a14:hiddenLine xmlns="" xmlns:a14="http://schemas.microsoft.com/office/drawing/2010/main" w="9525">
                 <a:solidFill>
                   <a:schemeClr val="tx1"/>
                 </a:solidFill>
@@ -15917,7 +15883,7 @@
               </a14:hiddenLine>
             </a:ext>
             <a:ext uri="{AF507438-7753-43e0-B8FC-AC1667EBCBE1}">
-              <a14:hiddenEffects xmlns:a14="http://schemas.microsoft.com/office/drawing/2010/main" xmlns="">
+              <a14:hiddenEffects xmlns="" xmlns:a14="http://schemas.microsoft.com/office/drawing/2010/main">
                 <a:effectLst>
                   <a:outerShdw blurRad="63500" dist="38099" dir="2700000" algn="ctr" rotWithShape="0">
                     <a:schemeClr val="bg2">
@@ -15973,14 +15939,14 @@
           <a:effectLst/>
           <a:extLst>
             <a:ext uri="{909E8E84-426E-40dd-AFC4-6F175D3DCCD1}">
-              <a14:hiddenFill xmlns:a14="http://schemas.microsoft.com/office/drawing/2010/main" xmlns="">
+              <a14:hiddenFill xmlns="" xmlns:a14="http://schemas.microsoft.com/office/drawing/2010/main">
                 <a:solidFill>
                   <a:schemeClr val="accent1"/>
                 </a:solidFill>
               </a14:hiddenFill>
             </a:ext>
             <a:ext uri="{AF507438-7753-43e0-B8FC-AC1667EBCBE1}">
-              <a14:hiddenEffects xmlns:a14="http://schemas.microsoft.com/office/drawing/2010/main" xmlns="">
+              <a14:hiddenEffects xmlns="" xmlns:a14="http://schemas.microsoft.com/office/drawing/2010/main">
                 <a:effectLst>
                   <a:outerShdw blurRad="63500" dist="38099" dir="2700000" algn="ctr" rotWithShape="0">
                     <a:schemeClr val="bg2">
@@ -16023,14 +15989,14 @@
           <a:effectLst/>
           <a:extLst>
             <a:ext uri="{909E8E84-426E-40dd-AFC4-6F175D3DCCD1}">
-              <a14:hiddenFill xmlns:a14="http://schemas.microsoft.com/office/drawing/2010/main" xmlns="">
+              <a14:hiddenFill xmlns="" xmlns:a14="http://schemas.microsoft.com/office/drawing/2010/main">
                 <a:solidFill>
                   <a:schemeClr val="accent1"/>
                 </a:solidFill>
               </a14:hiddenFill>
             </a:ext>
             <a:ext uri="{91240B29-F687-4f45-9708-019B960494DF}">
-              <a14:hiddenLine xmlns:a14="http://schemas.microsoft.com/office/drawing/2010/main" xmlns="" w="9525">
+              <a14:hiddenLine xmlns="" xmlns:a14="http://schemas.microsoft.com/office/drawing/2010/main" w="9525">
                 <a:solidFill>
                   <a:schemeClr val="tx1"/>
                 </a:solidFill>
@@ -16040,7 +16006,7 @@
               </a14:hiddenLine>
             </a:ext>
             <a:ext uri="{AF507438-7753-43e0-B8FC-AC1667EBCBE1}">
-              <a14:hiddenEffects xmlns:a14="http://schemas.microsoft.com/office/drawing/2010/main" xmlns="">
+              <a14:hiddenEffects xmlns="" xmlns:a14="http://schemas.microsoft.com/office/drawing/2010/main">
                 <a:effectLst>
                   <a:outerShdw blurRad="63500" dist="38099" dir="2700000" algn="ctr" rotWithShape="0">
                     <a:schemeClr val="bg2">
@@ -16095,14 +16061,14 @@
           <a:effectLst/>
           <a:extLst>
             <a:ext uri="{909E8E84-426E-40dd-AFC4-6F175D3DCCD1}">
-              <a14:hiddenFill xmlns:a14="http://schemas.microsoft.com/office/drawing/2010/main" xmlns="">
+              <a14:hiddenFill xmlns="" xmlns:a14="http://schemas.microsoft.com/office/drawing/2010/main">
                 <a:solidFill>
                   <a:schemeClr val="accent1"/>
                 </a:solidFill>
               </a14:hiddenFill>
             </a:ext>
             <a:ext uri="{91240B29-F687-4f45-9708-019B960494DF}">
-              <a14:hiddenLine xmlns:a14="http://schemas.microsoft.com/office/drawing/2010/main" xmlns="" w="9525">
+              <a14:hiddenLine xmlns="" xmlns:a14="http://schemas.microsoft.com/office/drawing/2010/main" w="9525">
                 <a:solidFill>
                   <a:schemeClr val="tx1"/>
                 </a:solidFill>
@@ -16112,7 +16078,7 @@
               </a14:hiddenLine>
             </a:ext>
             <a:ext uri="{AF507438-7753-43e0-B8FC-AC1667EBCBE1}">
-              <a14:hiddenEffects xmlns:a14="http://schemas.microsoft.com/office/drawing/2010/main" xmlns="">
+              <a14:hiddenEffects xmlns="" xmlns:a14="http://schemas.microsoft.com/office/drawing/2010/main">
                 <a:effectLst>
                   <a:outerShdw blurRad="63500" dist="38099" dir="2700000" algn="ctr" rotWithShape="0">
                     <a:schemeClr val="bg2">
@@ -16165,14 +16131,14 @@
           </a:ln>
           <a:extLst>
             <a:ext uri="{909E8E84-426E-40dd-AFC4-6F175D3DCCD1}">
-              <a14:hiddenFill xmlns:a14="http://schemas.microsoft.com/office/drawing/2010/main" xmlns="">
+              <a14:hiddenFill xmlns="" xmlns:a14="http://schemas.microsoft.com/office/drawing/2010/main">
                 <a:solidFill>
                   <a:schemeClr val="accent1"/>
                 </a:solidFill>
               </a14:hiddenFill>
             </a:ext>
             <a:ext uri="{91240B29-F687-4f45-9708-019B960494DF}">
-              <a14:hiddenLine xmlns:a14="http://schemas.microsoft.com/office/drawing/2010/main" xmlns="" w="9525">
+              <a14:hiddenLine xmlns="" xmlns:a14="http://schemas.microsoft.com/office/drawing/2010/main" w="9525">
                 <a:solidFill>
                   <a:schemeClr val="tx1"/>
                 </a:solidFill>
@@ -16351,14 +16317,14 @@
           <a:effectLst/>
           <a:extLst>
             <a:ext uri="{909E8E84-426E-40dd-AFC4-6F175D3DCCD1}">
-              <a14:hiddenFill xmlns:a14="http://schemas.microsoft.com/office/drawing/2010/main" xmlns="">
+              <a14:hiddenFill xmlns="" xmlns:a14="http://schemas.microsoft.com/office/drawing/2010/main">
                 <a:solidFill>
                   <a:schemeClr val="accent1"/>
                 </a:solidFill>
               </a14:hiddenFill>
             </a:ext>
             <a:ext uri="{AF507438-7753-43e0-B8FC-AC1667EBCBE1}">
-              <a14:hiddenEffects xmlns:a14="http://schemas.microsoft.com/office/drawing/2010/main" xmlns="">
+              <a14:hiddenEffects xmlns="" xmlns:a14="http://schemas.microsoft.com/office/drawing/2010/main">
                 <a:effectLst>
                   <a:outerShdw blurRad="63500" dist="38099" dir="2700000" algn="ctr" rotWithShape="0">
                     <a:schemeClr val="bg2">
@@ -16427,14 +16393,14 @@
           <a:effectLst/>
           <a:extLst>
             <a:ext uri="{909E8E84-426E-40dd-AFC4-6F175D3DCCD1}">
-              <a14:hiddenFill xmlns:a14="http://schemas.microsoft.com/office/drawing/2010/main" xmlns="">
+              <a14:hiddenFill xmlns="" xmlns:a14="http://schemas.microsoft.com/office/drawing/2010/main">
                 <a:solidFill>
                   <a:schemeClr val="accent1"/>
                 </a:solidFill>
               </a14:hiddenFill>
             </a:ext>
             <a:ext uri="{91240B29-F687-4f45-9708-019B960494DF}">
-              <a14:hiddenLine xmlns:a14="http://schemas.microsoft.com/office/drawing/2010/main" xmlns="" w="9525">
+              <a14:hiddenLine xmlns="" xmlns:a14="http://schemas.microsoft.com/office/drawing/2010/main" w="9525">
                 <a:solidFill>
                   <a:schemeClr val="tx1"/>
                 </a:solidFill>
@@ -16444,7 +16410,7 @@
               </a14:hiddenLine>
             </a:ext>
             <a:ext uri="{AF507438-7753-43e0-B8FC-AC1667EBCBE1}">
-              <a14:hiddenEffects xmlns:a14="http://schemas.microsoft.com/office/drawing/2010/main" xmlns="">
+              <a14:hiddenEffects xmlns="" xmlns:a14="http://schemas.microsoft.com/office/drawing/2010/main">
                 <a:effectLst>
                   <a:outerShdw blurRad="63500" dist="38099" dir="2700000" algn="ctr" rotWithShape="0">
                     <a:schemeClr val="bg2">
@@ -16606,14 +16572,14 @@
           <a:effectLst/>
           <a:extLst>
             <a:ext uri="{909E8E84-426E-40dd-AFC4-6F175D3DCCD1}">
-              <a14:hiddenFill xmlns:a14="http://schemas.microsoft.com/office/drawing/2010/main" xmlns="">
+              <a14:hiddenFill xmlns="" xmlns:a14="http://schemas.microsoft.com/office/drawing/2010/main">
                 <a:solidFill>
                   <a:schemeClr val="accent1"/>
                 </a:solidFill>
               </a14:hiddenFill>
             </a:ext>
             <a:ext uri="{91240B29-F687-4f45-9708-019B960494DF}">
-              <a14:hiddenLine xmlns:a14="http://schemas.microsoft.com/office/drawing/2010/main" xmlns="" w="9525">
+              <a14:hiddenLine xmlns="" xmlns:a14="http://schemas.microsoft.com/office/drawing/2010/main" w="9525">
                 <a:solidFill>
                   <a:schemeClr val="tx1"/>
                 </a:solidFill>
@@ -16623,7 +16589,7 @@
               </a14:hiddenLine>
             </a:ext>
             <a:ext uri="{AF507438-7753-43e0-B8FC-AC1667EBCBE1}">
-              <a14:hiddenEffects xmlns:a14="http://schemas.microsoft.com/office/drawing/2010/main" xmlns="">
+              <a14:hiddenEffects xmlns="" xmlns:a14="http://schemas.microsoft.com/office/drawing/2010/main">
                 <a:effectLst>
                   <a:outerShdw blurRad="63500" dist="38099" dir="2700000" algn="ctr" rotWithShape="0">
                     <a:schemeClr val="bg2">
@@ -16857,14 +16823,14 @@
           <a:effectLst/>
           <a:extLst>
             <a:ext uri="{909E8E84-426E-40dd-AFC4-6F175D3DCCD1}">
-              <a14:hiddenFill xmlns:a14="http://schemas.microsoft.com/office/drawing/2010/main" xmlns="">
+              <a14:hiddenFill xmlns="" xmlns:a14="http://schemas.microsoft.com/office/drawing/2010/main">
                 <a:solidFill>
                   <a:schemeClr val="accent1"/>
                 </a:solidFill>
               </a14:hiddenFill>
             </a:ext>
             <a:ext uri="{91240B29-F687-4f45-9708-019B960494DF}">
-              <a14:hiddenLine xmlns:a14="http://schemas.microsoft.com/office/drawing/2010/main" xmlns="" w="9525">
+              <a14:hiddenLine xmlns="" xmlns:a14="http://schemas.microsoft.com/office/drawing/2010/main" w="9525">
                 <a:solidFill>
                   <a:schemeClr val="tx1"/>
                 </a:solidFill>
@@ -16874,7 +16840,7 @@
               </a14:hiddenLine>
             </a:ext>
             <a:ext uri="{AF507438-7753-43e0-B8FC-AC1667EBCBE1}">
-              <a14:hiddenEffects xmlns:a14="http://schemas.microsoft.com/office/drawing/2010/main" xmlns="">
+              <a14:hiddenEffects xmlns="" xmlns:a14="http://schemas.microsoft.com/office/drawing/2010/main">
                 <a:effectLst>
                   <a:outerShdw blurRad="63500" dist="38099" dir="2700000" algn="ctr" rotWithShape="0">
                     <a:schemeClr val="bg2">
@@ -17278,7 +17244,7 @@
         <a:effectLst/>
         <a:extLst>
           <a:ext uri="{AF507438-7753-43e0-B8FC-AC1667EBCBE1}">
-            <a14:hiddenEffects xmlns:a14="http://schemas.microsoft.com/office/drawing/2010/main" xmlns="">
+            <a14:hiddenEffects xmlns="" xmlns:a14="http://schemas.microsoft.com/office/drawing/2010/main">
               <a:effectLst>
                 <a:outerShdw blurRad="63500" dist="38099" dir="2700000" algn="ctr" rotWithShape="0">
                   <a:schemeClr val="bg2">
@@ -17355,7 +17321,7 @@
         <a:effectLst/>
         <a:extLst>
           <a:ext uri="{AF507438-7753-43e0-B8FC-AC1667EBCBE1}">
-            <a14:hiddenEffects xmlns:a14="http://schemas.microsoft.com/office/drawing/2010/main" xmlns="">
+            <a14:hiddenEffects xmlns="" xmlns:a14="http://schemas.microsoft.com/office/drawing/2010/main">
               <a:effectLst>
                 <a:outerShdw blurRad="63500" dist="38099" dir="2700000" algn="ctr" rotWithShape="0">
                   <a:schemeClr val="bg2">
